--- a/slides/4_DistanceAndSimilarityMeasures.pptx
+++ b/slides/4_DistanceAndSimilarityMeasures.pptx
@@ -232,7 +232,7 @@
           <a:p>
             <a:fld id="{8DD534D1-5B48-49E9-A024-C5EAE54CADD0}" type="datetimeFigureOut">
               <a:rPr lang="en-US" smtClean="0"/>
-              <a:t>2/13/2024</a:t>
+              <a:t>6/19/2024</a:t>
             </a:fld>
             <a:endParaRPr lang="en-US"/>
           </a:p>
@@ -3645,7 +3645,7 @@
           <a:p>
             <a:fld id="{9DC183D5-83EE-4A48-BB2E-1FC30CD8E44A}" type="datetimeFigureOut">
               <a:rPr lang="en-US" smtClean="0"/>
-              <a:t>2/13/2024</a:t>
+              <a:t>6/19/2024</a:t>
             </a:fld>
             <a:endParaRPr lang="en-US"/>
           </a:p>
@@ -3843,7 +3843,7 @@
           <a:p>
             <a:fld id="{9DC183D5-83EE-4A48-BB2E-1FC30CD8E44A}" type="datetimeFigureOut">
               <a:rPr lang="en-US" smtClean="0"/>
-              <a:t>2/13/2024</a:t>
+              <a:t>6/19/2024</a:t>
             </a:fld>
             <a:endParaRPr lang="en-US"/>
           </a:p>
@@ -4051,7 +4051,7 @@
           <a:p>
             <a:fld id="{9DC183D5-83EE-4A48-BB2E-1FC30CD8E44A}" type="datetimeFigureOut">
               <a:rPr lang="en-US" smtClean="0"/>
-              <a:t>2/13/2024</a:t>
+              <a:t>6/19/2024</a:t>
             </a:fld>
             <a:endParaRPr lang="en-US"/>
           </a:p>
@@ -4421,7 +4421,7 @@
           <a:p>
             <a:fld id="{9DC183D5-83EE-4A48-BB2E-1FC30CD8E44A}" type="datetimeFigureOut">
               <a:rPr lang="en-US" smtClean="0"/>
-              <a:t>2/13/2024</a:t>
+              <a:t>6/19/2024</a:t>
             </a:fld>
             <a:endParaRPr lang="en-US"/>
           </a:p>
@@ -4696,7 +4696,7 @@
           <a:p>
             <a:fld id="{9DC183D5-83EE-4A48-BB2E-1FC30CD8E44A}" type="datetimeFigureOut">
               <a:rPr lang="en-US" smtClean="0"/>
-              <a:t>2/13/2024</a:t>
+              <a:t>6/19/2024</a:t>
             </a:fld>
             <a:endParaRPr lang="en-US"/>
           </a:p>
@@ -4961,7 +4961,7 @@
           <a:p>
             <a:fld id="{9DC183D5-83EE-4A48-BB2E-1FC30CD8E44A}" type="datetimeFigureOut">
               <a:rPr lang="en-US" smtClean="0"/>
-              <a:t>2/13/2024</a:t>
+              <a:t>6/19/2024</a:t>
             </a:fld>
             <a:endParaRPr lang="en-US"/>
           </a:p>
@@ -5373,7 +5373,7 @@
           <a:p>
             <a:fld id="{9DC183D5-83EE-4A48-BB2E-1FC30CD8E44A}" type="datetimeFigureOut">
               <a:rPr lang="en-US" smtClean="0"/>
-              <a:t>2/13/2024</a:t>
+              <a:t>6/19/2024</a:t>
             </a:fld>
             <a:endParaRPr lang="en-US"/>
           </a:p>
@@ -5514,7 +5514,7 @@
           <a:p>
             <a:fld id="{9DC183D5-83EE-4A48-BB2E-1FC30CD8E44A}" type="datetimeFigureOut">
               <a:rPr lang="en-US" smtClean="0"/>
-              <a:t>2/13/2024</a:t>
+              <a:t>6/19/2024</a:t>
             </a:fld>
             <a:endParaRPr lang="en-US"/>
           </a:p>
@@ -5627,7 +5627,7 @@
           <a:p>
             <a:fld id="{9DC183D5-83EE-4A48-BB2E-1FC30CD8E44A}" type="datetimeFigureOut">
               <a:rPr lang="en-US" smtClean="0"/>
-              <a:t>2/13/2024</a:t>
+              <a:t>6/19/2024</a:t>
             </a:fld>
             <a:endParaRPr lang="en-US"/>
           </a:p>
@@ -5938,7 +5938,7 @@
           <a:p>
             <a:fld id="{9DC183D5-83EE-4A48-BB2E-1FC30CD8E44A}" type="datetimeFigureOut">
               <a:rPr lang="en-US" smtClean="0"/>
-              <a:t>2/13/2024</a:t>
+              <a:t>6/19/2024</a:t>
             </a:fld>
             <a:endParaRPr lang="en-US"/>
           </a:p>
@@ -6226,7 +6226,7 @@
           <a:p>
             <a:fld id="{9DC183D5-83EE-4A48-BB2E-1FC30CD8E44A}" type="datetimeFigureOut">
               <a:rPr lang="en-US" smtClean="0"/>
-              <a:t>2/13/2024</a:t>
+              <a:t>6/19/2024</a:t>
             </a:fld>
             <a:endParaRPr lang="en-US"/>
           </a:p>
@@ -6467,7 +6467,7 @@
           <a:p>
             <a:fld id="{9DC183D5-83EE-4A48-BB2E-1FC30CD8E44A}" type="datetimeFigureOut">
               <a:rPr lang="en-US" smtClean="0"/>
-              <a:t>2/13/2024</a:t>
+              <a:t>6/19/2024</a:t>
             </a:fld>
             <a:endParaRPr lang="en-US"/>
           </a:p>
@@ -12014,8 +12014,8 @@
           </a:p>
         </p:txBody>
       </p:sp>
-      <mc:AlternateContent xmlns:mc="http://schemas.openxmlformats.org/markup-compatibility/2006">
-        <mc:Choice xmlns:a14="http://schemas.microsoft.com/office/drawing/2010/main" Requires="a14">
+      <mc:AlternateContent xmlns:mc="http://schemas.openxmlformats.org/markup-compatibility/2006" xmlns:a14="http://schemas.microsoft.com/office/drawing/2010/main">
+        <mc:Choice Requires="a14">
           <p:sp>
             <p:nvSpPr>
               <p:cNvPr id="3" name="Content Placeholder 2"/>
@@ -12243,7 +12243,7 @@
             </p:txBody>
           </p:sp>
         </mc:Choice>
-        <mc:Fallback>
+        <mc:Fallback xmlns="">
           <p:sp>
             <p:nvSpPr>
               <p:cNvPr id="3" name="Content Placeholder 2"/>
@@ -14319,8 +14319,8 @@
           </a:p>
         </p:txBody>
       </p:sp>
-      <mc:AlternateContent xmlns:mc="http://schemas.openxmlformats.org/markup-compatibility/2006">
-        <mc:Choice xmlns:a14="http://schemas.microsoft.com/office/drawing/2010/main" Requires="a14">
+      <mc:AlternateContent xmlns:mc="http://schemas.openxmlformats.org/markup-compatibility/2006" xmlns:a14="http://schemas.microsoft.com/office/drawing/2010/main">
+        <mc:Choice Requires="a14">
           <p:sp>
             <p:nvSpPr>
               <p:cNvPr id="3" name="Content Placeholder 2"/>
@@ -14533,13 +14533,7 @@
                         <a:rPr lang="en-US" b="0" i="1" smtClean="0">
                           <a:latin typeface="Cambria Math" panose="02040503050406030204" pitchFamily="18" charset="0"/>
                         </a:rPr>
-                        <m:t>, </m:t>
-                      </m:r>
-                      <m:r>
-                        <a:rPr lang="en-US" b="0" i="1" smtClean="0">
-                          <a:latin typeface="Cambria Math" panose="02040503050406030204" pitchFamily="18" charset="0"/>
-                        </a:rPr>
-                        <m:t> </m:t>
+                        <m:t>,  </m:t>
                       </m:r>
                       <m:sSubSup>
                         <m:sSubSupPr>
@@ -14896,7 +14890,7 @@
             </p:txBody>
           </p:sp>
         </mc:Choice>
-        <mc:Fallback>
+        <mc:Fallback xmlns="">
           <p:sp>
             <p:nvSpPr>
               <p:cNvPr id="3" name="Content Placeholder 2"/>
@@ -16536,7 +16530,7 @@
               <a:rPr lang="en-US" dirty="0">
                 <a:latin typeface="+mn-lt"/>
               </a:rPr>
-              <a:t> And many others……………….. </a:t>
+              <a:t>And many others……………….. </a:t>
             </a:r>
           </a:p>
           <a:p>
@@ -39900,8 +39894,8 @@
           </a:p>
         </p:txBody>
       </p:sp>
-      <mc:AlternateContent xmlns:mc="http://schemas.openxmlformats.org/markup-compatibility/2006">
-        <mc:Choice xmlns:a14="http://schemas.microsoft.com/office/drawing/2010/main" Requires="a14">
+      <mc:AlternateContent xmlns:mc="http://schemas.openxmlformats.org/markup-compatibility/2006" xmlns:a14="http://schemas.microsoft.com/office/drawing/2010/main">
+        <mc:Choice Requires="a14">
           <p:sp>
             <p:nvSpPr>
               <p:cNvPr id="3" name="Content Placeholder 2"/>
@@ -40847,7 +40841,7 @@
             </p:txBody>
           </p:sp>
         </mc:Choice>
-        <mc:Fallback>
+        <mc:Fallback xmlns="">
           <p:sp>
             <p:nvSpPr>
               <p:cNvPr id="3" name="Content Placeholder 2"/>

--- a/slides/4_DistanceAndSimilarityMeasures.pptx
+++ b/slides/4_DistanceAndSimilarityMeasures.pptx
@@ -232,7 +232,7 @@
           <a:p>
             <a:fld id="{8DD534D1-5B48-49E9-A024-C5EAE54CADD0}" type="datetimeFigureOut">
               <a:rPr lang="en-US" smtClean="0"/>
-              <a:t>6/19/2024</a:t>
+              <a:t>6/25/2024</a:t>
             </a:fld>
             <a:endParaRPr lang="en-US"/>
           </a:p>
@@ -3645,7 +3645,7 @@
           <a:p>
             <a:fld id="{9DC183D5-83EE-4A48-BB2E-1FC30CD8E44A}" type="datetimeFigureOut">
               <a:rPr lang="en-US" smtClean="0"/>
-              <a:t>6/19/2024</a:t>
+              <a:t>6/25/2024</a:t>
             </a:fld>
             <a:endParaRPr lang="en-US"/>
           </a:p>
@@ -3843,7 +3843,7 @@
           <a:p>
             <a:fld id="{9DC183D5-83EE-4A48-BB2E-1FC30CD8E44A}" type="datetimeFigureOut">
               <a:rPr lang="en-US" smtClean="0"/>
-              <a:t>6/19/2024</a:t>
+              <a:t>6/25/2024</a:t>
             </a:fld>
             <a:endParaRPr lang="en-US"/>
           </a:p>
@@ -4051,7 +4051,7 @@
           <a:p>
             <a:fld id="{9DC183D5-83EE-4A48-BB2E-1FC30CD8E44A}" type="datetimeFigureOut">
               <a:rPr lang="en-US" smtClean="0"/>
-              <a:t>6/19/2024</a:t>
+              <a:t>6/25/2024</a:t>
             </a:fld>
             <a:endParaRPr lang="en-US"/>
           </a:p>
@@ -4421,7 +4421,7 @@
           <a:p>
             <a:fld id="{9DC183D5-83EE-4A48-BB2E-1FC30CD8E44A}" type="datetimeFigureOut">
               <a:rPr lang="en-US" smtClean="0"/>
-              <a:t>6/19/2024</a:t>
+              <a:t>6/25/2024</a:t>
             </a:fld>
             <a:endParaRPr lang="en-US"/>
           </a:p>
@@ -4696,7 +4696,7 @@
           <a:p>
             <a:fld id="{9DC183D5-83EE-4A48-BB2E-1FC30CD8E44A}" type="datetimeFigureOut">
               <a:rPr lang="en-US" smtClean="0"/>
-              <a:t>6/19/2024</a:t>
+              <a:t>6/25/2024</a:t>
             </a:fld>
             <a:endParaRPr lang="en-US"/>
           </a:p>
@@ -4961,7 +4961,7 @@
           <a:p>
             <a:fld id="{9DC183D5-83EE-4A48-BB2E-1FC30CD8E44A}" type="datetimeFigureOut">
               <a:rPr lang="en-US" smtClean="0"/>
-              <a:t>6/19/2024</a:t>
+              <a:t>6/25/2024</a:t>
             </a:fld>
             <a:endParaRPr lang="en-US"/>
           </a:p>
@@ -5373,7 +5373,7 @@
           <a:p>
             <a:fld id="{9DC183D5-83EE-4A48-BB2E-1FC30CD8E44A}" type="datetimeFigureOut">
               <a:rPr lang="en-US" smtClean="0"/>
-              <a:t>6/19/2024</a:t>
+              <a:t>6/25/2024</a:t>
             </a:fld>
             <a:endParaRPr lang="en-US"/>
           </a:p>
@@ -5514,7 +5514,7 @@
           <a:p>
             <a:fld id="{9DC183D5-83EE-4A48-BB2E-1FC30CD8E44A}" type="datetimeFigureOut">
               <a:rPr lang="en-US" smtClean="0"/>
-              <a:t>6/19/2024</a:t>
+              <a:t>6/25/2024</a:t>
             </a:fld>
             <a:endParaRPr lang="en-US"/>
           </a:p>
@@ -5627,7 +5627,7 @@
           <a:p>
             <a:fld id="{9DC183D5-83EE-4A48-BB2E-1FC30CD8E44A}" type="datetimeFigureOut">
               <a:rPr lang="en-US" smtClean="0"/>
-              <a:t>6/19/2024</a:t>
+              <a:t>6/25/2024</a:t>
             </a:fld>
             <a:endParaRPr lang="en-US"/>
           </a:p>
@@ -5938,7 +5938,7 @@
           <a:p>
             <a:fld id="{9DC183D5-83EE-4A48-BB2E-1FC30CD8E44A}" type="datetimeFigureOut">
               <a:rPr lang="en-US" smtClean="0"/>
-              <a:t>6/19/2024</a:t>
+              <a:t>6/25/2024</a:t>
             </a:fld>
             <a:endParaRPr lang="en-US"/>
           </a:p>
@@ -6226,7 +6226,7 @@
           <a:p>
             <a:fld id="{9DC183D5-83EE-4A48-BB2E-1FC30CD8E44A}" type="datetimeFigureOut">
               <a:rPr lang="en-US" smtClean="0"/>
-              <a:t>6/19/2024</a:t>
+              <a:t>6/25/2024</a:t>
             </a:fld>
             <a:endParaRPr lang="en-US"/>
           </a:p>
@@ -6467,7 +6467,7 @@
           <a:p>
             <a:fld id="{9DC183D5-83EE-4A48-BB2E-1FC30CD8E44A}" type="datetimeFigureOut">
               <a:rPr lang="en-US" smtClean="0"/>
-              <a:t>6/19/2024</a:t>
+              <a:t>6/25/2024</a:t>
             </a:fld>
             <a:endParaRPr lang="en-US"/>
           </a:p>
@@ -6941,17 +6941,6 @@
               </a:rPr>
               <a:t>Distance and Similarity Measures</a:t>
             </a:r>
-            <a:br>
-              <a:rPr lang="en-US" dirty="0">
-                <a:latin typeface="+mn-lt"/>
-              </a:rPr>
-            </a:br>
-            <a:r>
-              <a:rPr lang="en-US" dirty="0">
-                <a:latin typeface="+mn-lt"/>
-              </a:rPr>
-              <a:t>Part I</a:t>
-            </a:r>
           </a:p>
         </p:txBody>
       </p:sp>
@@ -7137,8 +7126,8 @@
           </a:p>
         </p:txBody>
       </p:sp>
-      <mc:AlternateContent xmlns:mc="http://schemas.openxmlformats.org/markup-compatibility/2006" xmlns:a14="http://schemas.microsoft.com/office/drawing/2010/main">
-        <mc:Choice Requires="a14">
+      <mc:AlternateContent xmlns:mc="http://schemas.openxmlformats.org/markup-compatibility/2006">
+        <mc:Choice xmlns:a14="http://schemas.microsoft.com/office/drawing/2010/main" Requires="a14">
           <p:sp>
             <p:nvSpPr>
               <p:cNvPr id="3" name="Content Placeholder 2"/>
@@ -7192,6 +7181,23 @@
                   </a:rPr>
                   <a:t>(standardized Euclidean distance) is useful in cases with dependency between variables  </a:t>
                 </a:r>
+              </a:p>
+              <a:p>
+                <a:r>
+                  <a:rPr lang="en-US" dirty="0">
+                    <a:latin typeface="+mn-lt"/>
+                  </a:rPr>
+                  <a:t>Is a ‘pseudo-distance</a:t>
+                </a:r>
+                <a:r>
+                  <a:rPr lang="en-US">
+                    <a:latin typeface="+mn-lt"/>
+                  </a:rPr>
+                  <a:t>’ metric </a:t>
+                </a:r>
+                <a:endParaRPr lang="en-US" dirty="0">
+                  <a:latin typeface="+mn-lt"/>
+                </a:endParaRPr>
               </a:p>
               <a:p>
                 <a:r>
@@ -7516,7 +7522,7 @@
             </p:txBody>
           </p:sp>
         </mc:Choice>
-        <mc:Fallback xmlns="">
+        <mc:Fallback>
           <p:sp>
             <p:nvSpPr>
               <p:cNvPr id="3" name="Content Placeholder 2"/>
@@ -7664,15 +7670,33 @@
                                   </p:childTnLst>
                                 </p:cTn>
                               </p:par>
+                            </p:childTnLst>
+                          </p:cTn>
+                        </p:par>
+                      </p:childTnLst>
+                    </p:cTn>
+                  </p:par>
+                  <p:par>
+                    <p:cTn id="11" fill="hold">
+                      <p:stCondLst>
+                        <p:cond delay="indefinite"/>
+                      </p:stCondLst>
+                      <p:childTnLst>
+                        <p:par>
+                          <p:cTn id="12" fill="hold">
+                            <p:stCondLst>
+                              <p:cond delay="0"/>
+                            </p:stCondLst>
+                            <p:childTnLst>
                               <p:par>
-                                <p:cTn id="11" presetID="1" presetClass="entr" presetSubtype="0" fill="hold" nodeType="withEffect">
+                                <p:cTn id="13" presetID="1" presetClass="entr" presetSubtype="0" fill="hold" nodeType="clickEffect">
                                   <p:stCondLst>
                                     <p:cond delay="0"/>
                                   </p:stCondLst>
                                   <p:childTnLst>
                                     <p:set>
                                       <p:cBhvr>
-                                        <p:cTn id="12" dur="1" fill="hold">
+                                        <p:cTn id="14" dur="1" fill="hold">
                                           <p:stCondLst>
                                             <p:cond delay="0"/>
                                           </p:stCondLst>
@@ -7696,14 +7720,14 @@
                                 </p:cTn>
                               </p:par>
                               <p:par>
-                                <p:cTn id="13" presetID="1" presetClass="entr" presetSubtype="0" fill="hold" nodeType="withEffect">
+                                <p:cTn id="15" presetID="1" presetClass="entr" presetSubtype="0" fill="hold" nodeType="withEffect">
                                   <p:stCondLst>
                                     <p:cond delay="0"/>
                                   </p:stCondLst>
                                   <p:childTnLst>
                                     <p:set>
                                       <p:cBhvr>
-                                        <p:cTn id="14" dur="1" fill="hold">
+                                        <p:cTn id="16" dur="1" fill="hold">
                                           <p:stCondLst>
                                             <p:cond delay="0"/>
                                           </p:stCondLst>
@@ -7726,26 +7750,8 @@
                                   </p:childTnLst>
                                 </p:cTn>
                               </p:par>
-                            </p:childTnLst>
-                          </p:cTn>
-                        </p:par>
-                      </p:childTnLst>
-                    </p:cTn>
-                  </p:par>
-                  <p:par>
-                    <p:cTn id="15" fill="hold">
-                      <p:stCondLst>
-                        <p:cond delay="indefinite"/>
-                      </p:stCondLst>
-                      <p:childTnLst>
-                        <p:par>
-                          <p:cTn id="16" fill="hold">
-                            <p:stCondLst>
-                              <p:cond delay="0"/>
-                            </p:stCondLst>
-                            <p:childTnLst>
                               <p:par>
-                                <p:cTn id="17" presetID="1" presetClass="entr" presetSubtype="0" fill="hold" nodeType="clickEffect">
+                                <p:cTn id="17" presetID="1" presetClass="entr" presetSubtype="0" fill="hold" nodeType="withEffect">
                                   <p:stCondLst>
                                     <p:cond delay="0"/>
                                   </p:stCondLst>
@@ -7761,6 +7767,55 @@
                                           <p:spTgt spid="3">
                                             <p:txEl>
                                               <p:pRg st="5" end="5"/>
+                                            </p:txEl>
+                                          </p:spTgt>
+                                        </p:tgtEl>
+                                        <p:attrNameLst>
+                                          <p:attrName>style.visibility</p:attrName>
+                                        </p:attrNameLst>
+                                      </p:cBhvr>
+                                      <p:to>
+                                        <p:strVal val="visible"/>
+                                      </p:to>
+                                    </p:set>
+                                  </p:childTnLst>
+                                </p:cTn>
+                              </p:par>
+                            </p:childTnLst>
+                          </p:cTn>
+                        </p:par>
+                      </p:childTnLst>
+                    </p:cTn>
+                  </p:par>
+                  <p:par>
+                    <p:cTn id="19" fill="hold">
+                      <p:stCondLst>
+                        <p:cond delay="indefinite"/>
+                      </p:stCondLst>
+                      <p:childTnLst>
+                        <p:par>
+                          <p:cTn id="20" fill="hold">
+                            <p:stCondLst>
+                              <p:cond delay="0"/>
+                            </p:stCondLst>
+                            <p:childTnLst>
+                              <p:par>
+                                <p:cTn id="21" presetID="1" presetClass="entr" presetSubtype="0" fill="hold" nodeType="clickEffect">
+                                  <p:stCondLst>
+                                    <p:cond delay="0"/>
+                                  </p:stCondLst>
+                                  <p:childTnLst>
+                                    <p:set>
+                                      <p:cBhvr>
+                                        <p:cTn id="22" dur="1" fill="hold">
+                                          <p:stCondLst>
+                                            <p:cond delay="0"/>
+                                          </p:stCondLst>
+                                        </p:cTn>
+                                        <p:tgtEl>
+                                          <p:spTgt spid="3">
+                                            <p:txEl>
+                                              <p:pRg st="6" end="6"/>
                                             </p:txEl>
                                           </p:spTgt>
                                         </p:tgtEl>

--- a/slides/4_DistanceAndSimilarityMeasures.pptx
+++ b/slides/4_DistanceAndSimilarityMeasures.pptx
@@ -5,45 +5,46 @@
     <p:sldMasterId id="2147483648" r:id="rId1"/>
   </p:sldMasterIdLst>
   <p:notesMasterIdLst>
-    <p:notesMasterId r:id="rId38"/>
+    <p:notesMasterId r:id="rId39"/>
   </p:notesMasterIdLst>
   <p:sldIdLst>
     <p:sldId id="719" r:id="rId2"/>
     <p:sldId id="604" r:id="rId3"/>
-    <p:sldId id="687" r:id="rId4"/>
-    <p:sldId id="686" r:id="rId5"/>
-    <p:sldId id="672" r:id="rId6"/>
-    <p:sldId id="608" r:id="rId7"/>
-    <p:sldId id="612" r:id="rId8"/>
-    <p:sldId id="722" r:id="rId9"/>
-    <p:sldId id="607" r:id="rId10"/>
-    <p:sldId id="721" r:id="rId11"/>
-    <p:sldId id="681" r:id="rId12"/>
-    <p:sldId id="673" r:id="rId13"/>
-    <p:sldId id="674" r:id="rId14"/>
-    <p:sldId id="680" r:id="rId15"/>
-    <p:sldId id="730" r:id="rId16"/>
-    <p:sldId id="610" r:id="rId17"/>
-    <p:sldId id="611" r:id="rId18"/>
-    <p:sldId id="609" r:id="rId19"/>
-    <p:sldId id="613" r:id="rId20"/>
-    <p:sldId id="616" r:id="rId21"/>
-    <p:sldId id="615" r:id="rId22"/>
-    <p:sldId id="617" r:id="rId23"/>
-    <p:sldId id="618" r:id="rId24"/>
-    <p:sldId id="641" r:id="rId25"/>
-    <p:sldId id="679" r:id="rId26"/>
-    <p:sldId id="685" r:id="rId27"/>
-    <p:sldId id="724" r:id="rId28"/>
-    <p:sldId id="723" r:id="rId29"/>
-    <p:sldId id="682" r:id="rId30"/>
-    <p:sldId id="683" r:id="rId31"/>
-    <p:sldId id="725" r:id="rId32"/>
-    <p:sldId id="726" r:id="rId33"/>
-    <p:sldId id="727" r:id="rId34"/>
-    <p:sldId id="728" r:id="rId35"/>
-    <p:sldId id="729" r:id="rId36"/>
-    <p:sldId id="720" r:id="rId37"/>
+    <p:sldId id="731" r:id="rId4"/>
+    <p:sldId id="687" r:id="rId5"/>
+    <p:sldId id="686" r:id="rId6"/>
+    <p:sldId id="672" r:id="rId7"/>
+    <p:sldId id="608" r:id="rId8"/>
+    <p:sldId id="612" r:id="rId9"/>
+    <p:sldId id="722" r:id="rId10"/>
+    <p:sldId id="607" r:id="rId11"/>
+    <p:sldId id="721" r:id="rId12"/>
+    <p:sldId id="681" r:id="rId13"/>
+    <p:sldId id="673" r:id="rId14"/>
+    <p:sldId id="674" r:id="rId15"/>
+    <p:sldId id="680" r:id="rId16"/>
+    <p:sldId id="730" r:id="rId17"/>
+    <p:sldId id="610" r:id="rId18"/>
+    <p:sldId id="611" r:id="rId19"/>
+    <p:sldId id="609" r:id="rId20"/>
+    <p:sldId id="613" r:id="rId21"/>
+    <p:sldId id="616" r:id="rId22"/>
+    <p:sldId id="615" r:id="rId23"/>
+    <p:sldId id="617" r:id="rId24"/>
+    <p:sldId id="618" r:id="rId25"/>
+    <p:sldId id="641" r:id="rId26"/>
+    <p:sldId id="679" r:id="rId27"/>
+    <p:sldId id="685" r:id="rId28"/>
+    <p:sldId id="724" r:id="rId29"/>
+    <p:sldId id="723" r:id="rId30"/>
+    <p:sldId id="682" r:id="rId31"/>
+    <p:sldId id="683" r:id="rId32"/>
+    <p:sldId id="725" r:id="rId33"/>
+    <p:sldId id="726" r:id="rId34"/>
+    <p:sldId id="727" r:id="rId35"/>
+    <p:sldId id="728" r:id="rId36"/>
+    <p:sldId id="729" r:id="rId37"/>
+    <p:sldId id="720" r:id="rId38"/>
   </p:sldIdLst>
   <p:sldSz cx="12192000" cy="6858000"/>
   <p:notesSz cx="6858000" cy="9144000"/>
@@ -232,7 +233,7 @@
           <a:p>
             <a:fld id="{8DD534D1-5B48-49E9-A024-C5EAE54CADD0}" type="datetimeFigureOut">
               <a:rPr lang="en-US" smtClean="0"/>
-              <a:t>6/25/2024</a:t>
+              <a:t>7/2/2024</a:t>
             </a:fld>
             <a:endParaRPr lang="en-US"/>
           </a:p>
@@ -659,7 +660,7 @@
     </p:spTree>
     <p:extLst>
       <p:ext uri="{BB962C8B-B14F-4D97-AF65-F5344CB8AC3E}">
-        <p14:creationId xmlns:p14="http://schemas.microsoft.com/office/powerpoint/2010/main" val="1984437885"/>
+        <p14:creationId xmlns:p14="http://schemas.microsoft.com/office/powerpoint/2010/main" val="3875999212"/>
       </p:ext>
     </p:extLst>
   </p:cSld>
@@ -744,7 +745,7 @@
     </p:spTree>
     <p:extLst>
       <p:ext uri="{BB962C8B-B14F-4D97-AF65-F5344CB8AC3E}">
-        <p14:creationId xmlns:p14="http://schemas.microsoft.com/office/powerpoint/2010/main" val="3206964653"/>
+        <p14:creationId xmlns:p14="http://schemas.microsoft.com/office/powerpoint/2010/main" val="1984437885"/>
       </p:ext>
     </p:extLst>
   </p:cSld>
@@ -829,7 +830,7 @@
     </p:spTree>
     <p:extLst>
       <p:ext uri="{BB962C8B-B14F-4D97-AF65-F5344CB8AC3E}">
-        <p14:creationId xmlns:p14="http://schemas.microsoft.com/office/powerpoint/2010/main" val="1942439870"/>
+        <p14:creationId xmlns:p14="http://schemas.microsoft.com/office/powerpoint/2010/main" val="3206964653"/>
       </p:ext>
     </p:extLst>
   </p:cSld>
@@ -914,6 +915,91 @@
     </p:spTree>
     <p:extLst>
       <p:ext uri="{BB962C8B-B14F-4D97-AF65-F5344CB8AC3E}">
+        <p14:creationId xmlns:p14="http://schemas.microsoft.com/office/powerpoint/2010/main" val="1942439870"/>
+      </p:ext>
+    </p:extLst>
+  </p:cSld>
+  <p:clrMapOvr>
+    <a:masterClrMapping/>
+  </p:clrMapOvr>
+</p:notes>
+</file>
+
+<file path=ppt/notesSlides/notesSlide14.xml><?xml version="1.0" encoding="utf-8"?>
+<p:notes xmlns:a="http://schemas.openxmlformats.org/drawingml/2006/main" xmlns:r="http://schemas.openxmlformats.org/officeDocument/2006/relationships" xmlns:p="http://schemas.openxmlformats.org/presentationml/2006/main">
+  <p:cSld>
+    <p:spTree>
+      <p:nvGrpSpPr>
+        <p:cNvPr id="1" name=""/>
+        <p:cNvGrpSpPr/>
+        <p:nvPr/>
+      </p:nvGrpSpPr>
+      <p:grpSpPr>
+        <a:xfrm>
+          <a:off x="0" y="0"/>
+          <a:ext cx="0" cy="0"/>
+          <a:chOff x="0" y="0"/>
+          <a:chExt cx="0" cy="0"/>
+        </a:xfrm>
+      </p:grpSpPr>
+      <p:sp>
+        <p:nvSpPr>
+          <p:cNvPr id="2" name="Slide Image Placeholder 1"/>
+          <p:cNvSpPr>
+            <a:spLocks noGrp="1" noRot="1" noChangeAspect="1"/>
+          </p:cNvSpPr>
+          <p:nvPr>
+            <p:ph type="sldImg"/>
+          </p:nvPr>
+        </p:nvSpPr>
+        <p:spPr/>
+      </p:sp>
+      <p:sp>
+        <p:nvSpPr>
+          <p:cNvPr id="3" name="Notes Placeholder 2"/>
+          <p:cNvSpPr>
+            <a:spLocks noGrp="1"/>
+          </p:cNvSpPr>
+          <p:nvPr>
+            <p:ph type="body" idx="1"/>
+          </p:nvPr>
+        </p:nvSpPr>
+        <p:spPr/>
+        <p:txBody>
+          <a:bodyPr/>
+          <a:lstStyle/>
+          <a:p>
+            <a:endParaRPr lang="en-US" dirty="0"/>
+          </a:p>
+        </p:txBody>
+      </p:sp>
+      <p:sp>
+        <p:nvSpPr>
+          <p:cNvPr id="4" name="Slide Number Placeholder 3"/>
+          <p:cNvSpPr>
+            <a:spLocks noGrp="1"/>
+          </p:cNvSpPr>
+          <p:nvPr>
+            <p:ph type="sldNum" sz="quarter" idx="10"/>
+          </p:nvPr>
+        </p:nvSpPr>
+        <p:spPr/>
+        <p:txBody>
+          <a:bodyPr/>
+          <a:lstStyle/>
+          <a:p>
+            <a:fld id="{4CFD207A-07DF-40AD-A916-9872E089CE7A}" type="slidenum">
+              <a:rPr lang="en-US" smtClean="0"/>
+              <a:pPr/>
+              <a:t>15</a:t>
+            </a:fld>
+            <a:endParaRPr lang="en-US"/>
+          </a:p>
+        </p:txBody>
+      </p:sp>
+    </p:spTree>
+    <p:extLst>
+      <p:ext uri="{BB962C8B-B14F-4D97-AF65-F5344CB8AC3E}">
         <p14:creationId xmlns:p14="http://schemas.microsoft.com/office/powerpoint/2010/main" val="269515439"/>
       </p:ext>
     </p:extLst>
@@ -924,7 +1010,7 @@
 </p:notes>
 </file>
 
-<file path=ppt/notesSlides/notesSlide14.xml><?xml version="1.0" encoding="utf-8"?>
+<file path=ppt/notesSlides/notesSlide15.xml><?xml version="1.0" encoding="utf-8"?>
 <p:notes xmlns:a="http://schemas.openxmlformats.org/drawingml/2006/main" xmlns:r="http://schemas.openxmlformats.org/officeDocument/2006/relationships" xmlns:p="http://schemas.openxmlformats.org/presentationml/2006/main">
   <p:cSld>
     <p:spTree>
@@ -1014,7 +1100,7 @@
             <a:fld id="{4CFD207A-07DF-40AD-A916-9872E089CE7A}" type="slidenum">
               <a:rPr lang="en-US" smtClean="0"/>
               <a:pPr/>
-              <a:t>15</a:t>
+              <a:t>16</a:t>
             </a:fld>
             <a:endParaRPr lang="en-US"/>
           </a:p>
@@ -1024,91 +1110,6 @@
     <p:extLst>
       <p:ext uri="{BB962C8B-B14F-4D97-AF65-F5344CB8AC3E}">
         <p14:creationId xmlns:p14="http://schemas.microsoft.com/office/powerpoint/2010/main" val="4134444643"/>
-      </p:ext>
-    </p:extLst>
-  </p:cSld>
-  <p:clrMapOvr>
-    <a:masterClrMapping/>
-  </p:clrMapOvr>
-</p:notes>
-</file>
-
-<file path=ppt/notesSlides/notesSlide15.xml><?xml version="1.0" encoding="utf-8"?>
-<p:notes xmlns:a="http://schemas.openxmlformats.org/drawingml/2006/main" xmlns:r="http://schemas.openxmlformats.org/officeDocument/2006/relationships" xmlns:p="http://schemas.openxmlformats.org/presentationml/2006/main">
-  <p:cSld>
-    <p:spTree>
-      <p:nvGrpSpPr>
-        <p:cNvPr id="1" name=""/>
-        <p:cNvGrpSpPr/>
-        <p:nvPr/>
-      </p:nvGrpSpPr>
-      <p:grpSpPr>
-        <a:xfrm>
-          <a:off x="0" y="0"/>
-          <a:ext cx="0" cy="0"/>
-          <a:chOff x="0" y="0"/>
-          <a:chExt cx="0" cy="0"/>
-        </a:xfrm>
-      </p:grpSpPr>
-      <p:sp>
-        <p:nvSpPr>
-          <p:cNvPr id="2" name="Slide Image Placeholder 1"/>
-          <p:cNvSpPr>
-            <a:spLocks noGrp="1" noRot="1" noChangeAspect="1"/>
-          </p:cNvSpPr>
-          <p:nvPr>
-            <p:ph type="sldImg"/>
-          </p:nvPr>
-        </p:nvSpPr>
-        <p:spPr/>
-      </p:sp>
-      <p:sp>
-        <p:nvSpPr>
-          <p:cNvPr id="3" name="Notes Placeholder 2"/>
-          <p:cNvSpPr>
-            <a:spLocks noGrp="1"/>
-          </p:cNvSpPr>
-          <p:nvPr>
-            <p:ph type="body" idx="1"/>
-          </p:nvPr>
-        </p:nvSpPr>
-        <p:spPr/>
-        <p:txBody>
-          <a:bodyPr/>
-          <a:lstStyle/>
-          <a:p>
-            <a:endParaRPr lang="en-US" dirty="0"/>
-          </a:p>
-        </p:txBody>
-      </p:sp>
-      <p:sp>
-        <p:nvSpPr>
-          <p:cNvPr id="4" name="Slide Number Placeholder 3"/>
-          <p:cNvSpPr>
-            <a:spLocks noGrp="1"/>
-          </p:cNvSpPr>
-          <p:nvPr>
-            <p:ph type="sldNum" sz="quarter" idx="10"/>
-          </p:nvPr>
-        </p:nvSpPr>
-        <p:spPr/>
-        <p:txBody>
-          <a:bodyPr/>
-          <a:lstStyle/>
-          <a:p>
-            <a:fld id="{4CFD207A-07DF-40AD-A916-9872E089CE7A}" type="slidenum">
-              <a:rPr lang="en-US" smtClean="0"/>
-              <a:pPr/>
-              <a:t>16</a:t>
-            </a:fld>
-            <a:endParaRPr lang="en-US"/>
-          </a:p>
-        </p:txBody>
-      </p:sp>
-    </p:spTree>
-    <p:extLst>
-      <p:ext uri="{BB962C8B-B14F-4D97-AF65-F5344CB8AC3E}">
-        <p14:creationId xmlns:p14="http://schemas.microsoft.com/office/powerpoint/2010/main" val="489536907"/>
       </p:ext>
     </p:extLst>
   </p:cSld>
@@ -1193,7 +1194,7 @@
     </p:spTree>
     <p:extLst>
       <p:ext uri="{BB962C8B-B14F-4D97-AF65-F5344CB8AC3E}">
-        <p14:creationId xmlns:p14="http://schemas.microsoft.com/office/powerpoint/2010/main" val="243420119"/>
+        <p14:creationId xmlns:p14="http://schemas.microsoft.com/office/powerpoint/2010/main" val="489536907"/>
       </p:ext>
     </p:extLst>
   </p:cSld>
@@ -1278,7 +1279,7 @@
     </p:spTree>
     <p:extLst>
       <p:ext uri="{BB962C8B-B14F-4D97-AF65-F5344CB8AC3E}">
-        <p14:creationId xmlns:p14="http://schemas.microsoft.com/office/powerpoint/2010/main" val="3682425662"/>
+        <p14:creationId xmlns:p14="http://schemas.microsoft.com/office/powerpoint/2010/main" val="243420119"/>
       </p:ext>
     </p:extLst>
   </p:cSld>
@@ -1363,7 +1364,7 @@
     </p:spTree>
     <p:extLst>
       <p:ext uri="{BB962C8B-B14F-4D97-AF65-F5344CB8AC3E}">
-        <p14:creationId xmlns:p14="http://schemas.microsoft.com/office/powerpoint/2010/main" val="1090722005"/>
+        <p14:creationId xmlns:p14="http://schemas.microsoft.com/office/powerpoint/2010/main" val="3682425662"/>
       </p:ext>
     </p:extLst>
   </p:cSld>
@@ -1448,7 +1449,7 @@
     </p:spTree>
     <p:extLst>
       <p:ext uri="{BB962C8B-B14F-4D97-AF65-F5344CB8AC3E}">
-        <p14:creationId xmlns:p14="http://schemas.microsoft.com/office/powerpoint/2010/main" val="2875515759"/>
+        <p14:creationId xmlns:p14="http://schemas.microsoft.com/office/powerpoint/2010/main" val="1090722005"/>
       </p:ext>
     </p:extLst>
   </p:cSld>
@@ -1533,7 +1534,7 @@
     </p:spTree>
     <p:extLst>
       <p:ext uri="{BB962C8B-B14F-4D97-AF65-F5344CB8AC3E}">
-        <p14:creationId xmlns:p14="http://schemas.microsoft.com/office/powerpoint/2010/main" val="1129928345"/>
+        <p14:creationId xmlns:p14="http://schemas.microsoft.com/office/powerpoint/2010/main" val="3416908291"/>
       </p:ext>
     </p:extLst>
   </p:cSld>
@@ -1618,7 +1619,7 @@
     </p:spTree>
     <p:extLst>
       <p:ext uri="{BB962C8B-B14F-4D97-AF65-F5344CB8AC3E}">
-        <p14:creationId xmlns:p14="http://schemas.microsoft.com/office/powerpoint/2010/main" val="4065866648"/>
+        <p14:creationId xmlns:p14="http://schemas.microsoft.com/office/powerpoint/2010/main" val="2875515759"/>
       </p:ext>
     </p:extLst>
   </p:cSld>
@@ -1703,7 +1704,7 @@
     </p:spTree>
     <p:extLst>
       <p:ext uri="{BB962C8B-B14F-4D97-AF65-F5344CB8AC3E}">
-        <p14:creationId xmlns:p14="http://schemas.microsoft.com/office/powerpoint/2010/main" val="3575019063"/>
+        <p14:creationId xmlns:p14="http://schemas.microsoft.com/office/powerpoint/2010/main" val="4065866648"/>
       </p:ext>
     </p:extLst>
   </p:cSld>
@@ -1788,7 +1789,7 @@
     </p:spTree>
     <p:extLst>
       <p:ext uri="{BB962C8B-B14F-4D97-AF65-F5344CB8AC3E}">
-        <p14:creationId xmlns:p14="http://schemas.microsoft.com/office/powerpoint/2010/main" val="2305027239"/>
+        <p14:creationId xmlns:p14="http://schemas.microsoft.com/office/powerpoint/2010/main" val="3575019063"/>
       </p:ext>
     </p:extLst>
   </p:cSld>
@@ -1873,7 +1874,7 @@
     </p:spTree>
     <p:extLst>
       <p:ext uri="{BB962C8B-B14F-4D97-AF65-F5344CB8AC3E}">
-        <p14:creationId xmlns:p14="http://schemas.microsoft.com/office/powerpoint/2010/main" val="2995025684"/>
+        <p14:creationId xmlns:p14="http://schemas.microsoft.com/office/powerpoint/2010/main" val="2305027239"/>
       </p:ext>
     </p:extLst>
   </p:cSld>
@@ -1958,7 +1959,7 @@
     </p:spTree>
     <p:extLst>
       <p:ext uri="{BB962C8B-B14F-4D97-AF65-F5344CB8AC3E}">
-        <p14:creationId xmlns:p14="http://schemas.microsoft.com/office/powerpoint/2010/main" val="2400999226"/>
+        <p14:creationId xmlns:p14="http://schemas.microsoft.com/office/powerpoint/2010/main" val="2995025684"/>
       </p:ext>
     </p:extLst>
   </p:cSld>
@@ -2043,7 +2044,7 @@
     </p:spTree>
     <p:extLst>
       <p:ext uri="{BB962C8B-B14F-4D97-AF65-F5344CB8AC3E}">
-        <p14:creationId xmlns:p14="http://schemas.microsoft.com/office/powerpoint/2010/main" val="744865965"/>
+        <p14:creationId xmlns:p14="http://schemas.microsoft.com/office/powerpoint/2010/main" val="2400999226"/>
       </p:ext>
     </p:extLst>
   </p:cSld>
@@ -2128,7 +2129,7 @@
     </p:spTree>
     <p:extLst>
       <p:ext uri="{BB962C8B-B14F-4D97-AF65-F5344CB8AC3E}">
-        <p14:creationId xmlns:p14="http://schemas.microsoft.com/office/powerpoint/2010/main" val="2560398139"/>
+        <p14:creationId xmlns:p14="http://schemas.microsoft.com/office/powerpoint/2010/main" val="744865965"/>
       </p:ext>
     </p:extLst>
   </p:cSld>
@@ -2213,7 +2214,7 @@
     </p:spTree>
     <p:extLst>
       <p:ext uri="{BB962C8B-B14F-4D97-AF65-F5344CB8AC3E}">
-        <p14:creationId xmlns:p14="http://schemas.microsoft.com/office/powerpoint/2010/main" val="555763951"/>
+        <p14:creationId xmlns:p14="http://schemas.microsoft.com/office/powerpoint/2010/main" val="2560398139"/>
       </p:ext>
     </p:extLst>
   </p:cSld>
@@ -2298,7 +2299,7 @@
     </p:spTree>
     <p:extLst>
       <p:ext uri="{BB962C8B-B14F-4D97-AF65-F5344CB8AC3E}">
-        <p14:creationId xmlns:p14="http://schemas.microsoft.com/office/powerpoint/2010/main" val="1937406605"/>
+        <p14:creationId xmlns:p14="http://schemas.microsoft.com/office/powerpoint/2010/main" val="555763951"/>
       </p:ext>
     </p:extLst>
   </p:cSld>
@@ -2383,7 +2384,7 @@
     </p:spTree>
     <p:extLst>
       <p:ext uri="{BB962C8B-B14F-4D97-AF65-F5344CB8AC3E}">
-        <p14:creationId xmlns:p14="http://schemas.microsoft.com/office/powerpoint/2010/main" val="1817750170"/>
+        <p14:creationId xmlns:p14="http://schemas.microsoft.com/office/powerpoint/2010/main" val="1937406605"/>
       </p:ext>
     </p:extLst>
   </p:cSld>
@@ -2468,7 +2469,7 @@
     </p:spTree>
     <p:extLst>
       <p:ext uri="{BB962C8B-B14F-4D97-AF65-F5344CB8AC3E}">
-        <p14:creationId xmlns:p14="http://schemas.microsoft.com/office/powerpoint/2010/main" val="1489001693"/>
+        <p14:creationId xmlns:p14="http://schemas.microsoft.com/office/powerpoint/2010/main" val="1129928345"/>
       </p:ext>
     </p:extLst>
   </p:cSld>
@@ -2553,7 +2554,7 @@
     </p:spTree>
     <p:extLst>
       <p:ext uri="{BB962C8B-B14F-4D97-AF65-F5344CB8AC3E}">
-        <p14:creationId xmlns:p14="http://schemas.microsoft.com/office/powerpoint/2010/main" val="4019156545"/>
+        <p14:creationId xmlns:p14="http://schemas.microsoft.com/office/powerpoint/2010/main" val="1817750170"/>
       </p:ext>
     </p:extLst>
   </p:cSld>
@@ -2638,7 +2639,7 @@
     </p:spTree>
     <p:extLst>
       <p:ext uri="{BB962C8B-B14F-4D97-AF65-F5344CB8AC3E}">
-        <p14:creationId xmlns:p14="http://schemas.microsoft.com/office/powerpoint/2010/main" val="3731718061"/>
+        <p14:creationId xmlns:p14="http://schemas.microsoft.com/office/powerpoint/2010/main" val="4019156545"/>
       </p:ext>
     </p:extLst>
   </p:cSld>
@@ -2723,7 +2724,7 @@
     </p:spTree>
     <p:extLst>
       <p:ext uri="{BB962C8B-B14F-4D97-AF65-F5344CB8AC3E}">
-        <p14:creationId xmlns:p14="http://schemas.microsoft.com/office/powerpoint/2010/main" val="1781883727"/>
+        <p14:creationId xmlns:p14="http://schemas.microsoft.com/office/powerpoint/2010/main" val="3731718061"/>
       </p:ext>
     </p:extLst>
   </p:cSld>
@@ -2808,7 +2809,7 @@
     </p:spTree>
     <p:extLst>
       <p:ext uri="{BB962C8B-B14F-4D97-AF65-F5344CB8AC3E}">
-        <p14:creationId xmlns:p14="http://schemas.microsoft.com/office/powerpoint/2010/main" val="3631150544"/>
+        <p14:creationId xmlns:p14="http://schemas.microsoft.com/office/powerpoint/2010/main" val="1781883727"/>
       </p:ext>
     </p:extLst>
   </p:cSld>
@@ -2893,7 +2894,7 @@
     </p:spTree>
     <p:extLst>
       <p:ext uri="{BB962C8B-B14F-4D97-AF65-F5344CB8AC3E}">
-        <p14:creationId xmlns:p14="http://schemas.microsoft.com/office/powerpoint/2010/main" val="139523512"/>
+        <p14:creationId xmlns:p14="http://schemas.microsoft.com/office/powerpoint/2010/main" val="3631150544"/>
       </p:ext>
     </p:extLst>
   </p:cSld>
@@ -2970,6 +2971,91 @@
               <a:rPr lang="en-US" smtClean="0"/>
               <a:pPr/>
               <a:t>36</a:t>
+            </a:fld>
+            <a:endParaRPr lang="en-US"/>
+          </a:p>
+        </p:txBody>
+      </p:sp>
+    </p:spTree>
+    <p:extLst>
+      <p:ext uri="{BB962C8B-B14F-4D97-AF65-F5344CB8AC3E}">
+        <p14:creationId xmlns:p14="http://schemas.microsoft.com/office/powerpoint/2010/main" val="139523512"/>
+      </p:ext>
+    </p:extLst>
+  </p:cSld>
+  <p:clrMapOvr>
+    <a:masterClrMapping/>
+  </p:clrMapOvr>
+</p:notes>
+</file>
+
+<file path=ppt/notesSlides/notesSlide36.xml><?xml version="1.0" encoding="utf-8"?>
+<p:notes xmlns:a="http://schemas.openxmlformats.org/drawingml/2006/main" xmlns:r="http://schemas.openxmlformats.org/officeDocument/2006/relationships" xmlns:p="http://schemas.openxmlformats.org/presentationml/2006/main">
+  <p:cSld>
+    <p:spTree>
+      <p:nvGrpSpPr>
+        <p:cNvPr id="1" name=""/>
+        <p:cNvGrpSpPr/>
+        <p:nvPr/>
+      </p:nvGrpSpPr>
+      <p:grpSpPr>
+        <a:xfrm>
+          <a:off x="0" y="0"/>
+          <a:ext cx="0" cy="0"/>
+          <a:chOff x="0" y="0"/>
+          <a:chExt cx="0" cy="0"/>
+        </a:xfrm>
+      </p:grpSpPr>
+      <p:sp>
+        <p:nvSpPr>
+          <p:cNvPr id="2" name="Slide Image Placeholder 1"/>
+          <p:cNvSpPr>
+            <a:spLocks noGrp="1" noRot="1" noChangeAspect="1"/>
+          </p:cNvSpPr>
+          <p:nvPr>
+            <p:ph type="sldImg"/>
+          </p:nvPr>
+        </p:nvSpPr>
+        <p:spPr/>
+      </p:sp>
+      <p:sp>
+        <p:nvSpPr>
+          <p:cNvPr id="3" name="Notes Placeholder 2"/>
+          <p:cNvSpPr>
+            <a:spLocks noGrp="1"/>
+          </p:cNvSpPr>
+          <p:nvPr>
+            <p:ph type="body" idx="1"/>
+          </p:nvPr>
+        </p:nvSpPr>
+        <p:spPr/>
+        <p:txBody>
+          <a:bodyPr/>
+          <a:lstStyle/>
+          <a:p>
+            <a:endParaRPr lang="en-US" dirty="0"/>
+          </a:p>
+        </p:txBody>
+      </p:sp>
+      <p:sp>
+        <p:nvSpPr>
+          <p:cNvPr id="4" name="Slide Number Placeholder 3"/>
+          <p:cNvSpPr>
+            <a:spLocks noGrp="1"/>
+          </p:cNvSpPr>
+          <p:nvPr>
+            <p:ph type="sldNum" sz="quarter" idx="10"/>
+          </p:nvPr>
+        </p:nvSpPr>
+        <p:spPr/>
+        <p:txBody>
+          <a:bodyPr/>
+          <a:lstStyle/>
+          <a:p>
+            <a:fld id="{4CFD207A-07DF-40AD-A916-9872E089CE7A}" type="slidenum">
+              <a:rPr lang="en-US" smtClean="0"/>
+              <a:pPr/>
+              <a:t>37</a:t>
             </a:fld>
             <a:endParaRPr lang="en-US"/>
           </a:p>
@@ -3063,7 +3149,7 @@
     </p:spTree>
     <p:extLst>
       <p:ext uri="{BB962C8B-B14F-4D97-AF65-F5344CB8AC3E}">
-        <p14:creationId xmlns:p14="http://schemas.microsoft.com/office/powerpoint/2010/main" val="774251259"/>
+        <p14:creationId xmlns:p14="http://schemas.microsoft.com/office/powerpoint/2010/main" val="1489001693"/>
       </p:ext>
     </p:extLst>
   </p:cSld>
@@ -3148,7 +3234,7 @@
     </p:spTree>
     <p:extLst>
       <p:ext uri="{BB962C8B-B14F-4D97-AF65-F5344CB8AC3E}">
-        <p14:creationId xmlns:p14="http://schemas.microsoft.com/office/powerpoint/2010/main" val="1829577490"/>
+        <p14:creationId xmlns:p14="http://schemas.microsoft.com/office/powerpoint/2010/main" val="774251259"/>
       </p:ext>
     </p:extLst>
   </p:cSld>
@@ -3233,7 +3319,7 @@
     </p:spTree>
     <p:extLst>
       <p:ext uri="{BB962C8B-B14F-4D97-AF65-F5344CB8AC3E}">
-        <p14:creationId xmlns:p14="http://schemas.microsoft.com/office/powerpoint/2010/main" val="2750234573"/>
+        <p14:creationId xmlns:p14="http://schemas.microsoft.com/office/powerpoint/2010/main" val="1829577490"/>
       </p:ext>
     </p:extLst>
   </p:cSld>
@@ -3318,7 +3404,7 @@
     </p:spTree>
     <p:extLst>
       <p:ext uri="{BB962C8B-B14F-4D97-AF65-F5344CB8AC3E}">
-        <p14:creationId xmlns:p14="http://schemas.microsoft.com/office/powerpoint/2010/main" val="2651730332"/>
+        <p14:creationId xmlns:p14="http://schemas.microsoft.com/office/powerpoint/2010/main" val="2750234573"/>
       </p:ext>
     </p:extLst>
   </p:cSld>
@@ -3403,7 +3489,7 @@
     </p:spTree>
     <p:extLst>
       <p:ext uri="{BB962C8B-B14F-4D97-AF65-F5344CB8AC3E}">
-        <p14:creationId xmlns:p14="http://schemas.microsoft.com/office/powerpoint/2010/main" val="3519607454"/>
+        <p14:creationId xmlns:p14="http://schemas.microsoft.com/office/powerpoint/2010/main" val="2651730332"/>
       </p:ext>
     </p:extLst>
   </p:cSld>
@@ -3488,7 +3574,7 @@
     </p:spTree>
     <p:extLst>
       <p:ext uri="{BB962C8B-B14F-4D97-AF65-F5344CB8AC3E}">
-        <p14:creationId xmlns:p14="http://schemas.microsoft.com/office/powerpoint/2010/main" val="3875999212"/>
+        <p14:creationId xmlns:p14="http://schemas.microsoft.com/office/powerpoint/2010/main" val="3519607454"/>
       </p:ext>
     </p:extLst>
   </p:cSld>
@@ -3645,7 +3731,7 @@
           <a:p>
             <a:fld id="{9DC183D5-83EE-4A48-BB2E-1FC30CD8E44A}" type="datetimeFigureOut">
               <a:rPr lang="en-US" smtClean="0"/>
-              <a:t>6/25/2024</a:t>
+              <a:t>7/2/2024</a:t>
             </a:fld>
             <a:endParaRPr lang="en-US"/>
           </a:p>
@@ -3843,7 +3929,7 @@
           <a:p>
             <a:fld id="{9DC183D5-83EE-4A48-BB2E-1FC30CD8E44A}" type="datetimeFigureOut">
               <a:rPr lang="en-US" smtClean="0"/>
-              <a:t>6/25/2024</a:t>
+              <a:t>7/2/2024</a:t>
             </a:fld>
             <a:endParaRPr lang="en-US"/>
           </a:p>
@@ -4051,7 +4137,7 @@
           <a:p>
             <a:fld id="{9DC183D5-83EE-4A48-BB2E-1FC30CD8E44A}" type="datetimeFigureOut">
               <a:rPr lang="en-US" smtClean="0"/>
-              <a:t>6/25/2024</a:t>
+              <a:t>7/2/2024</a:t>
             </a:fld>
             <a:endParaRPr lang="en-US"/>
           </a:p>
@@ -4421,7 +4507,7 @@
           <a:p>
             <a:fld id="{9DC183D5-83EE-4A48-BB2E-1FC30CD8E44A}" type="datetimeFigureOut">
               <a:rPr lang="en-US" smtClean="0"/>
-              <a:t>6/25/2024</a:t>
+              <a:t>7/2/2024</a:t>
             </a:fld>
             <a:endParaRPr lang="en-US"/>
           </a:p>
@@ -4696,7 +4782,7 @@
           <a:p>
             <a:fld id="{9DC183D5-83EE-4A48-BB2E-1FC30CD8E44A}" type="datetimeFigureOut">
               <a:rPr lang="en-US" smtClean="0"/>
-              <a:t>6/25/2024</a:t>
+              <a:t>7/2/2024</a:t>
             </a:fld>
             <a:endParaRPr lang="en-US"/>
           </a:p>
@@ -4961,7 +5047,7 @@
           <a:p>
             <a:fld id="{9DC183D5-83EE-4A48-BB2E-1FC30CD8E44A}" type="datetimeFigureOut">
               <a:rPr lang="en-US" smtClean="0"/>
-              <a:t>6/25/2024</a:t>
+              <a:t>7/2/2024</a:t>
             </a:fld>
             <a:endParaRPr lang="en-US"/>
           </a:p>
@@ -5373,7 +5459,7 @@
           <a:p>
             <a:fld id="{9DC183D5-83EE-4A48-BB2E-1FC30CD8E44A}" type="datetimeFigureOut">
               <a:rPr lang="en-US" smtClean="0"/>
-              <a:t>6/25/2024</a:t>
+              <a:t>7/2/2024</a:t>
             </a:fld>
             <a:endParaRPr lang="en-US"/>
           </a:p>
@@ -5514,7 +5600,7 @@
           <a:p>
             <a:fld id="{9DC183D5-83EE-4A48-BB2E-1FC30CD8E44A}" type="datetimeFigureOut">
               <a:rPr lang="en-US" smtClean="0"/>
-              <a:t>6/25/2024</a:t>
+              <a:t>7/2/2024</a:t>
             </a:fld>
             <a:endParaRPr lang="en-US"/>
           </a:p>
@@ -5627,7 +5713,7 @@
           <a:p>
             <a:fld id="{9DC183D5-83EE-4A48-BB2E-1FC30CD8E44A}" type="datetimeFigureOut">
               <a:rPr lang="en-US" smtClean="0"/>
-              <a:t>6/25/2024</a:t>
+              <a:t>7/2/2024</a:t>
             </a:fld>
             <a:endParaRPr lang="en-US"/>
           </a:p>
@@ -5938,7 +6024,7 @@
           <a:p>
             <a:fld id="{9DC183D5-83EE-4A48-BB2E-1FC30CD8E44A}" type="datetimeFigureOut">
               <a:rPr lang="en-US" smtClean="0"/>
-              <a:t>6/25/2024</a:t>
+              <a:t>7/2/2024</a:t>
             </a:fld>
             <a:endParaRPr lang="en-US"/>
           </a:p>
@@ -6226,7 +6312,7 @@
           <a:p>
             <a:fld id="{9DC183D5-83EE-4A48-BB2E-1FC30CD8E44A}" type="datetimeFigureOut">
               <a:rPr lang="en-US" smtClean="0"/>
-              <a:t>6/25/2024</a:t>
+              <a:t>7/2/2024</a:t>
             </a:fld>
             <a:endParaRPr lang="en-US"/>
           </a:p>
@@ -6467,7 +6553,7 @@
           <a:p>
             <a:fld id="{9DC183D5-83EE-4A48-BB2E-1FC30CD8E44A}" type="datetimeFigureOut">
               <a:rPr lang="en-US" smtClean="0"/>
-              <a:t>6/25/2024</a:t>
+              <a:t>7/2/2024</a:t>
             </a:fld>
             <a:endParaRPr lang="en-US"/>
           </a:p>
@@ -7157,6 +7243,1320 @@
                   <a:rPr lang="en-US" dirty="0">
                     <a:latin typeface="+mn-lt"/>
                   </a:rPr>
+                  <a:t>Different metrics for dissimilarity can be computed for numeric variables with p dimensions</a:t>
+                </a:r>
+              </a:p>
+              <a:p>
+                <a:r>
+                  <a:rPr lang="en-US" b="1" dirty="0">
+                    <a:latin typeface="+mn-lt"/>
+                  </a:rPr>
+                  <a:t>Weighted Euclidian distance, (L2</a:t>
+                </a:r>
+                <a:r>
+                  <a:rPr lang="en-US" dirty="0">
+                    <a:latin typeface="+mn-lt"/>
+                  </a:rPr>
+                  <a:t>)</a:t>
+                </a:r>
+              </a:p>
+              <a:p>
+                <a:pPr marL="0" indent="0">
+                  <a:buNone/>
+                </a:pPr>
+                <a14:m>
+                  <m:oMathPara xmlns:m="http://schemas.openxmlformats.org/officeDocument/2006/math">
+                    <m:oMathParaPr>
+                      <m:jc m:val="centerGroup"/>
+                    </m:oMathParaPr>
+                    <m:oMath xmlns:m="http://schemas.openxmlformats.org/officeDocument/2006/math">
+                      <m:sSub>
+                        <m:sSubPr>
+                          <m:ctrlPr>
+                            <a:rPr lang="en-US" b="0" i="1" dirty="0" smtClean="0">
+                              <a:latin typeface="Cambria Math" panose="02040503050406030204" pitchFamily="18" charset="0"/>
+                            </a:rPr>
+                          </m:ctrlPr>
+                        </m:sSubPr>
+                        <m:e>
+                          <m:r>
+                            <a:rPr lang="en-US" b="0" i="1" dirty="0" smtClean="0">
+                              <a:latin typeface="Cambria Math" panose="02040503050406030204" pitchFamily="18" charset="0"/>
+                            </a:rPr>
+                            <m:t>𝑑</m:t>
+                          </m:r>
+                        </m:e>
+                        <m:sub>
+                          <m:r>
+                            <a:rPr lang="en-US" b="0" i="1" dirty="0" smtClean="0">
+                              <a:latin typeface="Cambria Math" panose="02040503050406030204" pitchFamily="18" charset="0"/>
+                            </a:rPr>
+                            <m:t>𝐿</m:t>
+                          </m:r>
+                          <m:r>
+                            <a:rPr lang="en-US" b="0" i="1" dirty="0" smtClean="0">
+                              <a:latin typeface="Cambria Math" panose="02040503050406030204" pitchFamily="18" charset="0"/>
+                            </a:rPr>
+                            <m:t>2</m:t>
+                          </m:r>
+                        </m:sub>
+                      </m:sSub>
+                      <m:d>
+                        <m:dPr>
+                          <m:ctrlPr>
+                            <a:rPr lang="en-US" b="0" i="1" smtClean="0">
+                              <a:latin typeface="Cambria Math" panose="02040503050406030204" pitchFamily="18" charset="0"/>
+                            </a:rPr>
+                          </m:ctrlPr>
+                        </m:dPr>
+                        <m:e>
+                          <m:r>
+                            <a:rPr lang="en-US" b="0" i="1" smtClean="0">
+                              <a:latin typeface="Cambria Math" panose="02040503050406030204" pitchFamily="18" charset="0"/>
+                            </a:rPr>
+                            <m:t>𝑥</m:t>
+                          </m:r>
+                          <m:r>
+                            <a:rPr lang="en-US" b="0" i="1" smtClean="0">
+                              <a:latin typeface="Cambria Math" panose="02040503050406030204" pitchFamily="18" charset="0"/>
+                            </a:rPr>
+                            <m:t>,</m:t>
+                          </m:r>
+                          <m:r>
+                            <a:rPr lang="en-US" b="0" i="1" smtClean="0">
+                              <a:latin typeface="Cambria Math" panose="02040503050406030204" pitchFamily="18" charset="0"/>
+                            </a:rPr>
+                            <m:t>𝑥</m:t>
+                          </m:r>
+                          <m:r>
+                            <a:rPr lang="en-US" b="0" i="1" smtClean="0">
+                              <a:latin typeface="Cambria Math" panose="02040503050406030204" pitchFamily="18" charset="0"/>
+                            </a:rPr>
+                            <m:t>′</m:t>
+                          </m:r>
+                        </m:e>
+                      </m:d>
+                      <m:r>
+                        <a:rPr lang="en-US" b="0" i="1" smtClean="0">
+                          <a:latin typeface="Cambria Math" panose="02040503050406030204" pitchFamily="18" charset="0"/>
+                        </a:rPr>
+                        <m:t>= </m:t>
+                      </m:r>
+                      <m:sSup>
+                        <m:sSupPr>
+                          <m:ctrlPr>
+                            <a:rPr lang="en-US" b="0" i="1" smtClean="0">
+                              <a:latin typeface="Cambria Math" panose="02040503050406030204" pitchFamily="18" charset="0"/>
+                            </a:rPr>
+                          </m:ctrlPr>
+                        </m:sSupPr>
+                        <m:e>
+                          <m:d>
+                            <m:dPr>
+                              <m:begChr m:val="["/>
+                              <m:endChr m:val="]"/>
+                              <m:ctrlPr>
+                                <a:rPr lang="en-US" b="0" i="1" smtClean="0">
+                                  <a:latin typeface="Cambria Math" panose="02040503050406030204" pitchFamily="18" charset="0"/>
+                                </a:rPr>
+                              </m:ctrlPr>
+                            </m:dPr>
+                            <m:e>
+                              <m:nary>
+                                <m:naryPr>
+                                  <m:chr m:val="∑"/>
+                                  <m:ctrlPr>
+                                    <a:rPr lang="en-US" i="1">
+                                      <a:latin typeface="Cambria Math" panose="02040503050406030204" pitchFamily="18" charset="0"/>
+                                    </a:rPr>
+                                  </m:ctrlPr>
+                                </m:naryPr>
+                                <m:sub>
+                                  <m:r>
+                                    <m:rPr>
+                                      <m:brk m:alnAt="23"/>
+                                    </m:rPr>
+                                    <a:rPr lang="en-US" i="1">
+                                      <a:latin typeface="Cambria Math" panose="02040503050406030204" pitchFamily="18" charset="0"/>
+                                    </a:rPr>
+                                    <m:t>𝑖</m:t>
+                                  </m:r>
+                                  <m:r>
+                                    <a:rPr lang="en-US" i="1">
+                                      <a:latin typeface="Cambria Math" panose="02040503050406030204" pitchFamily="18" charset="0"/>
+                                    </a:rPr>
+                                    <m:t>=1</m:t>
+                                  </m:r>
+                                </m:sub>
+                                <m:sup>
+                                  <m:r>
+                                    <a:rPr lang="en-US" i="1">
+                                      <a:latin typeface="Cambria Math" panose="02040503050406030204" pitchFamily="18" charset="0"/>
+                                    </a:rPr>
+                                    <m:t>𝑝</m:t>
+                                  </m:r>
+                                </m:sup>
+                                <m:e>
+                                  <m:sSub>
+                                    <m:sSubPr>
+                                      <m:ctrlPr>
+                                        <a:rPr lang="en-US" i="1">
+                                          <a:latin typeface="Cambria Math" panose="02040503050406030204" pitchFamily="18" charset="0"/>
+                                        </a:rPr>
+                                      </m:ctrlPr>
+                                    </m:sSubPr>
+                                    <m:e>
+                                      <m:r>
+                                        <a:rPr lang="en-US" i="1">
+                                          <a:latin typeface="Cambria Math" panose="02040503050406030204" pitchFamily="18" charset="0"/>
+                                        </a:rPr>
+                                        <m:t>𝑤</m:t>
+                                      </m:r>
+                                    </m:e>
+                                    <m:sub>
+                                      <m:r>
+                                        <a:rPr lang="en-US" i="1">
+                                          <a:latin typeface="Cambria Math" panose="02040503050406030204" pitchFamily="18" charset="0"/>
+                                        </a:rPr>
+                                        <m:t>𝑖</m:t>
+                                      </m:r>
+                                    </m:sub>
+                                  </m:sSub>
+                                  <m:r>
+                                    <a:rPr lang="en-US" i="1">
+                                      <a:latin typeface="Cambria Math" panose="02040503050406030204" pitchFamily="18" charset="0"/>
+                                    </a:rPr>
+                                    <m:t>(</m:t>
+                                  </m:r>
+                                  <m:sSubSup>
+                                    <m:sSubSupPr>
+                                      <m:ctrlPr>
+                                        <a:rPr lang="en-US" i="1">
+                                          <a:latin typeface="Cambria Math" panose="02040503050406030204" pitchFamily="18" charset="0"/>
+                                        </a:rPr>
+                                      </m:ctrlPr>
+                                    </m:sSubSupPr>
+                                    <m:e>
+                                      <m:r>
+                                        <a:rPr lang="en-US" i="1">
+                                          <a:latin typeface="Cambria Math" panose="02040503050406030204" pitchFamily="18" charset="0"/>
+                                        </a:rPr>
+                                        <m:t>𝑥</m:t>
+                                      </m:r>
+                                    </m:e>
+                                    <m:sub>
+                                      <m:r>
+                                        <a:rPr lang="en-US" i="1">
+                                          <a:latin typeface="Cambria Math" panose="02040503050406030204" pitchFamily="18" charset="0"/>
+                                        </a:rPr>
+                                        <m:t>𝑖</m:t>
+                                      </m:r>
+                                    </m:sub>
+                                    <m:sup>
+                                      <m:r>
+                                        <a:rPr lang="en-US" i="1">
+                                          <a:latin typeface="Cambria Math" panose="02040503050406030204" pitchFamily="18" charset="0"/>
+                                        </a:rPr>
+                                        <m:t> </m:t>
+                                      </m:r>
+                                    </m:sup>
+                                  </m:sSubSup>
+                                  <m:r>
+                                    <a:rPr lang="en-US" i="1">
+                                      <a:latin typeface="Cambria Math" panose="02040503050406030204" pitchFamily="18" charset="0"/>
+                                    </a:rPr>
+                                    <m:t>−</m:t>
+                                  </m:r>
+                                  <m:sSub>
+                                    <m:sSubPr>
+                                      <m:ctrlPr>
+                                        <a:rPr lang="en-US" i="1">
+                                          <a:latin typeface="Cambria Math" panose="02040503050406030204" pitchFamily="18" charset="0"/>
+                                        </a:rPr>
+                                      </m:ctrlPr>
+                                    </m:sSubPr>
+                                    <m:e>
+                                      <m:sSub>
+                                        <m:sSubPr>
+                                          <m:ctrlPr>
+                                            <a:rPr lang="en-US" i="1" smtClean="0">
+                                              <a:latin typeface="Cambria Math" panose="02040503050406030204" pitchFamily="18" charset="0"/>
+                                            </a:rPr>
+                                          </m:ctrlPr>
+                                        </m:sSubPr>
+                                        <m:e>
+                                          <m:r>
+                                            <a:rPr lang="en-US" b="0" i="1" smtClean="0">
+                                              <a:latin typeface="Cambria Math" panose="02040503050406030204" pitchFamily="18" charset="0"/>
+                                            </a:rPr>
+                                            <m:t>𝑥</m:t>
+                                          </m:r>
+                                        </m:e>
+                                        <m:sub>
+                                          <m:r>
+                                            <a:rPr lang="en-US" b="0" i="1" smtClean="0">
+                                              <a:latin typeface="Cambria Math" panose="02040503050406030204" pitchFamily="18" charset="0"/>
+                                            </a:rPr>
+                                            <m:t>𝑖</m:t>
+                                          </m:r>
+                                        </m:sub>
+                                      </m:sSub>
+                                      <m:r>
+                                        <a:rPr lang="en-US" i="1">
+                                          <a:latin typeface="Cambria Math" panose="02040503050406030204" pitchFamily="18" charset="0"/>
+                                        </a:rPr>
+                                        <m:t>′</m:t>
+                                      </m:r>
+                                    </m:e>
+                                    <m:sub>
+                                      <m:r>
+                                        <a:rPr lang="en-US" b="0" i="1" smtClean="0">
+                                          <a:latin typeface="Cambria Math" panose="02040503050406030204" pitchFamily="18" charset="0"/>
+                                        </a:rPr>
+                                        <m:t> </m:t>
+                                      </m:r>
+                                    </m:sub>
+                                  </m:sSub>
+                                  <m:sSup>
+                                    <m:sSupPr>
+                                      <m:ctrlPr>
+                                        <a:rPr lang="en-US" i="1">
+                                          <a:latin typeface="Cambria Math" panose="02040503050406030204" pitchFamily="18" charset="0"/>
+                                        </a:rPr>
+                                      </m:ctrlPr>
+                                    </m:sSupPr>
+                                    <m:e>
+                                      <m:r>
+                                        <a:rPr lang="en-US" i="1">
+                                          <a:latin typeface="Cambria Math" panose="02040503050406030204" pitchFamily="18" charset="0"/>
+                                        </a:rPr>
+                                        <m:t>)</m:t>
+                                      </m:r>
+                                    </m:e>
+                                    <m:sup>
+                                      <m:r>
+                                        <a:rPr lang="en-US" i="1">
+                                          <a:latin typeface="Cambria Math" panose="02040503050406030204" pitchFamily="18" charset="0"/>
+                                        </a:rPr>
+                                        <m:t>2</m:t>
+                                      </m:r>
+                                    </m:sup>
+                                  </m:sSup>
+                                </m:e>
+                              </m:nary>
+                            </m:e>
+                          </m:d>
+                        </m:e>
+                        <m:sup>
+                          <m:f>
+                            <m:fPr>
+                              <m:type m:val="skw"/>
+                              <m:ctrlPr>
+                                <a:rPr lang="en-US" b="0" i="1" smtClean="0">
+                                  <a:latin typeface="Cambria Math" panose="02040503050406030204" pitchFamily="18" charset="0"/>
+                                </a:rPr>
+                              </m:ctrlPr>
+                            </m:fPr>
+                            <m:num>
+                              <m:r>
+                                <a:rPr lang="en-US" b="0" i="1" smtClean="0">
+                                  <a:latin typeface="Cambria Math" panose="02040503050406030204" pitchFamily="18" charset="0"/>
+                                </a:rPr>
+                                <m:t>1</m:t>
+                              </m:r>
+                            </m:num>
+                            <m:den>
+                              <m:r>
+                                <a:rPr lang="en-US" b="0" i="1" smtClean="0">
+                                  <a:latin typeface="Cambria Math" panose="02040503050406030204" pitchFamily="18" charset="0"/>
+                                </a:rPr>
+                                <m:t>2</m:t>
+                              </m:r>
+                            </m:den>
+                          </m:f>
+                        </m:sup>
+                      </m:sSup>
+                    </m:oMath>
+                  </m:oMathPara>
+                </a14:m>
+                <a:endParaRPr lang="en-US" dirty="0">
+                  <a:latin typeface="+mn-lt"/>
+                </a:endParaRPr>
+              </a:p>
+              <a:p>
+                <a:r>
+                  <a:rPr lang="en-US" b="1" dirty="0">
+                    <a:latin typeface="+mn-lt"/>
+                  </a:rPr>
+                  <a:t>Weighted absolute distance</a:t>
+                </a:r>
+                <a:r>
+                  <a:rPr lang="en-US" dirty="0">
+                    <a:latin typeface="+mn-lt"/>
+                  </a:rPr>
+                  <a:t> or </a:t>
+                </a:r>
+                <a:r>
+                  <a:rPr lang="en-US" b="1" dirty="0">
+                    <a:latin typeface="+mn-lt"/>
+                  </a:rPr>
+                  <a:t>Manhattan distance (L1)</a:t>
+                </a:r>
+              </a:p>
+              <a:p>
+                <a:pPr marL="0" indent="0">
+                  <a:buNone/>
+                </a:pPr>
+                <a14:m>
+                  <m:oMathPara xmlns:m="http://schemas.openxmlformats.org/officeDocument/2006/math">
+                    <m:oMathParaPr>
+                      <m:jc m:val="centerGroup"/>
+                    </m:oMathParaPr>
+                    <m:oMath xmlns:m="http://schemas.openxmlformats.org/officeDocument/2006/math">
+                      <m:sSub>
+                        <m:sSubPr>
+                          <m:ctrlPr>
+                            <a:rPr lang="en-US" i="1" dirty="0">
+                              <a:latin typeface="Cambria Math" panose="02040503050406030204" pitchFamily="18" charset="0"/>
+                            </a:rPr>
+                          </m:ctrlPr>
+                        </m:sSubPr>
+                        <m:e>
+                          <m:r>
+                            <a:rPr lang="en-US" i="1" dirty="0">
+                              <a:latin typeface="Cambria Math" panose="02040503050406030204" pitchFamily="18" charset="0"/>
+                            </a:rPr>
+                            <m:t>𝑑</m:t>
+                          </m:r>
+                        </m:e>
+                        <m:sub>
+                          <m:r>
+                            <a:rPr lang="en-US" i="1" dirty="0">
+                              <a:latin typeface="Cambria Math" panose="02040503050406030204" pitchFamily="18" charset="0"/>
+                            </a:rPr>
+                            <m:t>𝐿</m:t>
+                          </m:r>
+                          <m:r>
+                            <a:rPr lang="en-US" b="0" i="1" dirty="0" smtClean="0">
+                              <a:latin typeface="Cambria Math" panose="02040503050406030204" pitchFamily="18" charset="0"/>
+                            </a:rPr>
+                            <m:t>1</m:t>
+                          </m:r>
+                        </m:sub>
+                      </m:sSub>
+                      <m:r>
+                        <a:rPr lang="en-US" i="1" dirty="0">
+                          <a:latin typeface="Cambria Math" panose="02040503050406030204" pitchFamily="18" charset="0"/>
+                        </a:rPr>
+                        <m:t> </m:t>
+                      </m:r>
+                      <m:d>
+                        <m:dPr>
+                          <m:ctrlPr>
+                            <a:rPr lang="en-US" i="1">
+                              <a:latin typeface="Cambria Math" panose="02040503050406030204" pitchFamily="18" charset="0"/>
+                            </a:rPr>
+                          </m:ctrlPr>
+                        </m:dPr>
+                        <m:e>
+                          <m:r>
+                            <a:rPr lang="en-US" b="0" i="1" smtClean="0">
+                              <a:latin typeface="Cambria Math" panose="02040503050406030204" pitchFamily="18" charset="0"/>
+                            </a:rPr>
+                            <m:t>𝑥</m:t>
+                          </m:r>
+                          <m:r>
+                            <a:rPr lang="en-US" b="0" i="1" smtClean="0">
+                              <a:latin typeface="Cambria Math" panose="02040503050406030204" pitchFamily="18" charset="0"/>
+                            </a:rPr>
+                            <m:t>,</m:t>
+                          </m:r>
+                          <m:r>
+                            <a:rPr lang="en-US" b="0" i="1" smtClean="0">
+                              <a:latin typeface="Cambria Math" panose="02040503050406030204" pitchFamily="18" charset="0"/>
+                            </a:rPr>
+                            <m:t>𝑥</m:t>
+                          </m:r>
+                          <m:r>
+                            <a:rPr lang="en-US" b="0" i="1" smtClean="0">
+                              <a:latin typeface="Cambria Math" panose="02040503050406030204" pitchFamily="18" charset="0"/>
+                            </a:rPr>
+                            <m:t>′</m:t>
+                          </m:r>
+                        </m:e>
+                      </m:d>
+                      <m:r>
+                        <a:rPr lang="en-US" i="1">
+                          <a:latin typeface="Cambria Math" panose="02040503050406030204" pitchFamily="18" charset="0"/>
+                        </a:rPr>
+                        <m:t>=</m:t>
+                      </m:r>
+                      <m:nary>
+                        <m:naryPr>
+                          <m:chr m:val="∑"/>
+                          <m:ctrlPr>
+                            <a:rPr lang="en-US" i="1" smtClean="0">
+                              <a:latin typeface="Cambria Math" panose="02040503050406030204" pitchFamily="18" charset="0"/>
+                            </a:rPr>
+                          </m:ctrlPr>
+                        </m:naryPr>
+                        <m:sub>
+                          <m:r>
+                            <a:rPr lang="en-US" b="0" i="1" smtClean="0">
+                              <a:latin typeface="Cambria Math" panose="02040503050406030204" pitchFamily="18" charset="0"/>
+                            </a:rPr>
+                            <m:t>𝑖</m:t>
+                          </m:r>
+                          <m:r>
+                            <a:rPr lang="en-US" i="1">
+                              <a:latin typeface="Cambria Math" panose="02040503050406030204" pitchFamily="18" charset="0"/>
+                            </a:rPr>
+                            <m:t>=1</m:t>
+                          </m:r>
+                        </m:sub>
+                        <m:sup>
+                          <m:r>
+                            <a:rPr lang="en-US" i="1">
+                              <a:latin typeface="Cambria Math" panose="02040503050406030204" pitchFamily="18" charset="0"/>
+                            </a:rPr>
+                            <m:t>𝑝</m:t>
+                          </m:r>
+                        </m:sup>
+                        <m:e>
+                          <m:sSub>
+                            <m:sSubPr>
+                              <m:ctrlPr>
+                                <a:rPr lang="en-US" i="1" smtClean="0">
+                                  <a:latin typeface="Cambria Math" panose="02040503050406030204" pitchFamily="18" charset="0"/>
+                                </a:rPr>
+                              </m:ctrlPr>
+                            </m:sSubPr>
+                            <m:e>
+                              <m:r>
+                                <a:rPr lang="en-US" b="0" i="1" smtClean="0">
+                                  <a:latin typeface="Cambria Math" panose="02040503050406030204" pitchFamily="18" charset="0"/>
+                                </a:rPr>
+                                <m:t>𝑤</m:t>
+                              </m:r>
+                            </m:e>
+                            <m:sub>
+                              <m:r>
+                                <a:rPr lang="en-US" b="0" i="1" smtClean="0">
+                                  <a:latin typeface="Cambria Math" panose="02040503050406030204" pitchFamily="18" charset="0"/>
+                                </a:rPr>
+                                <m:t>𝑖</m:t>
+                              </m:r>
+                            </m:sub>
+                          </m:sSub>
+                          <m:d>
+                            <m:dPr>
+                              <m:begChr m:val="|"/>
+                              <m:endChr m:val="|"/>
+                              <m:ctrlPr>
+                                <a:rPr lang="en-US" i="1" smtClean="0">
+                                  <a:latin typeface="Cambria Math" panose="02040503050406030204" pitchFamily="18" charset="0"/>
+                                </a:rPr>
+                              </m:ctrlPr>
+                            </m:dPr>
+                            <m:e>
+                              <m:sSub>
+                                <m:sSubPr>
+                                  <m:ctrlPr>
+                                    <a:rPr lang="en-US" i="1" smtClean="0">
+                                      <a:latin typeface="Cambria Math" panose="02040503050406030204" pitchFamily="18" charset="0"/>
+                                    </a:rPr>
+                                  </m:ctrlPr>
+                                </m:sSubPr>
+                                <m:e>
+                                  <m:r>
+                                    <a:rPr lang="en-US" b="0" i="1" smtClean="0">
+                                      <a:latin typeface="Cambria Math" panose="02040503050406030204" pitchFamily="18" charset="0"/>
+                                    </a:rPr>
+                                    <m:t>𝑥</m:t>
+                                  </m:r>
+                                </m:e>
+                                <m:sub>
+                                  <m:r>
+                                    <a:rPr lang="en-US" b="0" i="1" smtClean="0">
+                                      <a:latin typeface="Cambria Math" panose="02040503050406030204" pitchFamily="18" charset="0"/>
+                                    </a:rPr>
+                                    <m:t>𝑖</m:t>
+                                  </m:r>
+                                </m:sub>
+                              </m:sSub>
+                              <m:r>
+                                <a:rPr lang="en-US" b="0" i="1" smtClean="0">
+                                  <a:latin typeface="Cambria Math" panose="02040503050406030204" pitchFamily="18" charset="0"/>
+                                </a:rPr>
+                                <m:t>−</m:t>
+                              </m:r>
+                              <m:sSub>
+                                <m:sSubPr>
+                                  <m:ctrlPr>
+                                    <a:rPr lang="en-US" b="0" i="1" smtClean="0">
+                                      <a:latin typeface="Cambria Math" panose="02040503050406030204" pitchFamily="18" charset="0"/>
+                                    </a:rPr>
+                                  </m:ctrlPr>
+                                </m:sSubPr>
+                                <m:e>
+                                  <m:sSub>
+                                    <m:sSubPr>
+                                      <m:ctrlPr>
+                                        <a:rPr lang="en-US" i="1">
+                                          <a:latin typeface="Cambria Math" panose="02040503050406030204" pitchFamily="18" charset="0"/>
+                                        </a:rPr>
+                                      </m:ctrlPr>
+                                    </m:sSubPr>
+                                    <m:e>
+                                      <m:r>
+                                        <a:rPr lang="en-US" i="1">
+                                          <a:latin typeface="Cambria Math" panose="02040503050406030204" pitchFamily="18" charset="0"/>
+                                        </a:rPr>
+                                        <m:t>𝑥</m:t>
+                                      </m:r>
+                                    </m:e>
+                                    <m:sub>
+                                      <m:r>
+                                        <a:rPr lang="en-US" i="1">
+                                          <a:latin typeface="Cambria Math" panose="02040503050406030204" pitchFamily="18" charset="0"/>
+                                        </a:rPr>
+                                        <m:t>𝑖</m:t>
+                                      </m:r>
+                                    </m:sub>
+                                  </m:sSub>
+                                  <m:r>
+                                    <a:rPr lang="en-US" b="0" i="1" smtClean="0">
+                                      <a:latin typeface="Cambria Math" panose="02040503050406030204" pitchFamily="18" charset="0"/>
+                                    </a:rPr>
+                                    <m:t>′</m:t>
+                                  </m:r>
+                                </m:e>
+                                <m:sub>
+                                  <m:r>
+                                    <a:rPr lang="en-US" b="0" i="1" smtClean="0">
+                                      <a:latin typeface="Cambria Math" panose="02040503050406030204" pitchFamily="18" charset="0"/>
+                                    </a:rPr>
+                                    <m:t> </m:t>
+                                  </m:r>
+                                </m:sub>
+                              </m:sSub>
+                            </m:e>
+                          </m:d>
+                        </m:e>
+                      </m:nary>
+                    </m:oMath>
+                  </m:oMathPara>
+                </a14:m>
+                <a:endParaRPr lang="en-US" dirty="0">
+                  <a:latin typeface="+mn-lt"/>
+                </a:endParaRPr>
+              </a:p>
+              <a:p>
+                <a:r>
+                  <a:rPr lang="en-US" b="1" dirty="0">
+                    <a:latin typeface="+mn-lt"/>
+                  </a:rPr>
+                  <a:t>Weighted Max</a:t>
+                </a:r>
+                <a:r>
+                  <a:rPr lang="en-US" dirty="0">
+                    <a:latin typeface="+mn-lt"/>
+                  </a:rPr>
+                  <a:t>; or </a:t>
+                </a:r>
+                <a14:m>
+                  <m:oMath xmlns:m="http://schemas.openxmlformats.org/officeDocument/2006/math">
+                    <m:sSub>
+                      <m:sSubPr>
+                        <m:ctrlPr>
+                          <a:rPr lang="en-US" b="1" i="1" smtClean="0">
+                            <a:latin typeface="Cambria Math" panose="02040503050406030204" pitchFamily="18" charset="0"/>
+                          </a:rPr>
+                        </m:ctrlPr>
+                      </m:sSubPr>
+                      <m:e>
+                        <m:r>
+                          <a:rPr lang="en-US" b="1" i="1" smtClean="0">
+                            <a:latin typeface="Cambria Math" panose="02040503050406030204" pitchFamily="18" charset="0"/>
+                          </a:rPr>
+                          <m:t>𝑳</m:t>
+                        </m:r>
+                      </m:e>
+                      <m:sub>
+                        <m:r>
+                          <a:rPr lang="en-US" b="1" i="1" smtClean="0">
+                            <a:latin typeface="Cambria Math" panose="02040503050406030204" pitchFamily="18" charset="0"/>
+                            <a:ea typeface="Cambria Math" panose="02040503050406030204" pitchFamily="18" charset="0"/>
+                          </a:rPr>
+                          <m:t>∞</m:t>
+                        </m:r>
+                      </m:sub>
+                    </m:sSub>
+                  </m:oMath>
+                </a14:m>
+                <a:r>
+                  <a:rPr lang="en-US" dirty="0">
+                    <a:latin typeface="+mn-lt"/>
+                  </a:rPr>
+                  <a:t> norm</a:t>
+                </a:r>
+                <a:endParaRPr lang="en-US" b="1" dirty="0"/>
+              </a:p>
+              <a:p>
+                <a:pPr marL="0" indent="0">
+                  <a:buNone/>
+                </a:pPr>
+                <a14:m>
+                  <m:oMathPara xmlns:m="http://schemas.openxmlformats.org/officeDocument/2006/math">
+                    <m:oMathParaPr>
+                      <m:jc m:val="centerGroup"/>
+                    </m:oMathParaPr>
+                    <m:oMath xmlns:m="http://schemas.openxmlformats.org/officeDocument/2006/math">
+                      <m:sSub>
+                        <m:sSubPr>
+                          <m:ctrlPr>
+                            <a:rPr lang="en-US" i="1" dirty="0" smtClean="0">
+                              <a:latin typeface="Cambria Math" panose="02040503050406030204" pitchFamily="18" charset="0"/>
+                            </a:rPr>
+                          </m:ctrlPr>
+                        </m:sSubPr>
+                        <m:e>
+                          <m:r>
+                            <a:rPr lang="en-US" i="1" dirty="0">
+                              <a:latin typeface="Cambria Math" panose="02040503050406030204" pitchFamily="18" charset="0"/>
+                            </a:rPr>
+                            <m:t>𝑑</m:t>
+                          </m:r>
+                        </m:e>
+                        <m:sub>
+                          <m:r>
+                            <a:rPr lang="en-US" b="0" i="1" dirty="0" smtClean="0">
+                              <a:latin typeface="Cambria Math" panose="02040503050406030204" pitchFamily="18" charset="0"/>
+                            </a:rPr>
+                            <m:t>𝐿</m:t>
+                          </m:r>
+                          <m:r>
+                            <a:rPr lang="en-US" b="0" i="1" dirty="0" smtClean="0">
+                              <a:latin typeface="Cambria Math" panose="02040503050406030204" pitchFamily="18" charset="0"/>
+                              <a:ea typeface="Cambria Math" panose="02040503050406030204" pitchFamily="18" charset="0"/>
+                            </a:rPr>
+                            <m:t>∞</m:t>
+                          </m:r>
+                        </m:sub>
+                      </m:sSub>
+                      <m:d>
+                        <m:dPr>
+                          <m:ctrlPr>
+                            <a:rPr lang="en-US" i="1">
+                              <a:latin typeface="Cambria Math" panose="02040503050406030204" pitchFamily="18" charset="0"/>
+                            </a:rPr>
+                          </m:ctrlPr>
+                        </m:dPr>
+                        <m:e>
+                          <m:r>
+                            <a:rPr lang="en-US" i="1">
+                              <a:latin typeface="Cambria Math" panose="02040503050406030204" pitchFamily="18" charset="0"/>
+                            </a:rPr>
+                            <m:t>𝑥</m:t>
+                          </m:r>
+                          <m:r>
+                            <a:rPr lang="en-US" i="1">
+                              <a:latin typeface="Cambria Math" panose="02040503050406030204" pitchFamily="18" charset="0"/>
+                            </a:rPr>
+                            <m:t>,</m:t>
+                          </m:r>
+                          <m:r>
+                            <a:rPr lang="en-US" i="1">
+                              <a:latin typeface="Cambria Math" panose="02040503050406030204" pitchFamily="18" charset="0"/>
+                            </a:rPr>
+                            <m:t>𝑥</m:t>
+                          </m:r>
+                          <m:r>
+                            <a:rPr lang="en-US" i="1">
+                              <a:latin typeface="Cambria Math" panose="02040503050406030204" pitchFamily="18" charset="0"/>
+                            </a:rPr>
+                            <m:t>′</m:t>
+                          </m:r>
+                        </m:e>
+                      </m:d>
+                      <m:r>
+                        <a:rPr lang="en-US" i="1">
+                          <a:latin typeface="Cambria Math" panose="02040503050406030204" pitchFamily="18" charset="0"/>
+                        </a:rPr>
+                        <m:t>=</m:t>
+                      </m:r>
+                      <m:func>
+                        <m:funcPr>
+                          <m:ctrlPr>
+                            <a:rPr lang="en-US" i="1" smtClean="0">
+                              <a:latin typeface="Cambria Math" panose="02040503050406030204" pitchFamily="18" charset="0"/>
+                            </a:rPr>
+                          </m:ctrlPr>
+                        </m:funcPr>
+                        <m:fName>
+                          <m:limLow>
+                            <m:limLowPr>
+                              <m:ctrlPr>
+                                <a:rPr lang="en-US" i="1" smtClean="0">
+                                  <a:latin typeface="Cambria Math" panose="02040503050406030204" pitchFamily="18" charset="0"/>
+                                </a:rPr>
+                              </m:ctrlPr>
+                            </m:limLowPr>
+                            <m:e>
+                              <m:r>
+                                <m:rPr>
+                                  <m:sty m:val="p"/>
+                                </m:rPr>
+                                <a:rPr lang="en-US" i="0" smtClean="0">
+                                  <a:latin typeface="Cambria Math" panose="02040503050406030204" pitchFamily="18" charset="0"/>
+                                </a:rPr>
+                                <m:t>max</m:t>
+                              </m:r>
+                            </m:e>
+                            <m:lim>
+                              <m:r>
+                                <a:rPr lang="en-US" b="0" i="1" smtClean="0">
+                                  <a:latin typeface="Cambria Math" panose="02040503050406030204" pitchFamily="18" charset="0"/>
+                                </a:rPr>
+                                <m:t>𝑖</m:t>
+                              </m:r>
+                            </m:lim>
+                          </m:limLow>
+                          <m:r>
+                            <a:rPr lang="en-US" b="0" i="1" smtClean="0">
+                              <a:latin typeface="Cambria Math" panose="02040503050406030204" pitchFamily="18" charset="0"/>
+                            </a:rPr>
+                            <m:t> </m:t>
+                          </m:r>
+                          <m:sSub>
+                            <m:sSubPr>
+                              <m:ctrlPr>
+                                <a:rPr lang="en-US" b="0" i="1" smtClean="0">
+                                  <a:latin typeface="Cambria Math" panose="02040503050406030204" pitchFamily="18" charset="0"/>
+                                </a:rPr>
+                              </m:ctrlPr>
+                            </m:sSubPr>
+                            <m:e>
+                              <m:r>
+                                <a:rPr lang="en-US" b="0" i="1" smtClean="0">
+                                  <a:latin typeface="Cambria Math" panose="02040503050406030204" pitchFamily="18" charset="0"/>
+                                </a:rPr>
+                                <m:t>𝑤</m:t>
+                              </m:r>
+                            </m:e>
+                            <m:sub>
+                              <m:r>
+                                <a:rPr lang="en-US" b="0" i="1" smtClean="0">
+                                  <a:latin typeface="Cambria Math" panose="02040503050406030204" pitchFamily="18" charset="0"/>
+                                </a:rPr>
+                                <m:t>𝑖</m:t>
+                              </m:r>
+                            </m:sub>
+                          </m:sSub>
+                        </m:fName>
+                        <m:e>
+                          <m:d>
+                            <m:dPr>
+                              <m:begChr m:val="|"/>
+                              <m:endChr m:val="|"/>
+                              <m:ctrlPr>
+                                <a:rPr lang="en-US" i="1" smtClean="0">
+                                  <a:latin typeface="Cambria Math" panose="02040503050406030204" pitchFamily="18" charset="0"/>
+                                </a:rPr>
+                              </m:ctrlPr>
+                            </m:dPr>
+                            <m:e>
+                              <m:sSub>
+                                <m:sSubPr>
+                                  <m:ctrlPr>
+                                    <a:rPr lang="en-US" i="1" smtClean="0">
+                                      <a:latin typeface="Cambria Math" panose="02040503050406030204" pitchFamily="18" charset="0"/>
+                                    </a:rPr>
+                                  </m:ctrlPr>
+                                </m:sSubPr>
+                                <m:e>
+                                  <m:r>
+                                    <a:rPr lang="en-US" b="0" i="1" smtClean="0">
+                                      <a:latin typeface="Cambria Math" panose="02040503050406030204" pitchFamily="18" charset="0"/>
+                                    </a:rPr>
+                                    <m:t>𝑥</m:t>
+                                  </m:r>
+                                </m:e>
+                                <m:sub>
+                                  <m:r>
+                                    <a:rPr lang="en-US" b="0" i="1" smtClean="0">
+                                      <a:latin typeface="Cambria Math" panose="02040503050406030204" pitchFamily="18" charset="0"/>
+                                    </a:rPr>
+                                    <m:t>𝑖</m:t>
+                                  </m:r>
+                                </m:sub>
+                              </m:sSub>
+                              <m:r>
+                                <a:rPr lang="en-US" b="0" i="1" smtClean="0">
+                                  <a:latin typeface="Cambria Math" panose="02040503050406030204" pitchFamily="18" charset="0"/>
+                                </a:rPr>
+                                <m:t>−</m:t>
+                              </m:r>
+                              <m:sSub>
+                                <m:sSubPr>
+                                  <m:ctrlPr>
+                                    <a:rPr lang="en-US" b="0" i="1" smtClean="0">
+                                      <a:latin typeface="Cambria Math" panose="02040503050406030204" pitchFamily="18" charset="0"/>
+                                    </a:rPr>
+                                  </m:ctrlPr>
+                                </m:sSubPr>
+                                <m:e>
+                                  <m:sSub>
+                                    <m:sSubPr>
+                                      <m:ctrlPr>
+                                        <a:rPr lang="en-US" i="1">
+                                          <a:latin typeface="Cambria Math" panose="02040503050406030204" pitchFamily="18" charset="0"/>
+                                        </a:rPr>
+                                      </m:ctrlPr>
+                                    </m:sSubPr>
+                                    <m:e>
+                                      <m:r>
+                                        <a:rPr lang="en-US" i="1">
+                                          <a:latin typeface="Cambria Math" panose="02040503050406030204" pitchFamily="18" charset="0"/>
+                                        </a:rPr>
+                                        <m:t>𝑥</m:t>
+                                      </m:r>
+                                    </m:e>
+                                    <m:sub>
+                                      <m:r>
+                                        <a:rPr lang="en-US" i="1">
+                                          <a:latin typeface="Cambria Math" panose="02040503050406030204" pitchFamily="18" charset="0"/>
+                                        </a:rPr>
+                                        <m:t>𝑖</m:t>
+                                      </m:r>
+                                    </m:sub>
+                                  </m:sSub>
+                                  <m:r>
+                                    <a:rPr lang="en-US" b="0" i="1" smtClean="0">
+                                      <a:latin typeface="Cambria Math" panose="02040503050406030204" pitchFamily="18" charset="0"/>
+                                    </a:rPr>
+                                    <m:t>′</m:t>
+                                  </m:r>
+                                </m:e>
+                                <m:sub>
+                                  <m:r>
+                                    <a:rPr lang="en-US" b="0" i="1" smtClean="0">
+                                      <a:latin typeface="Cambria Math" panose="02040503050406030204" pitchFamily="18" charset="0"/>
+                                    </a:rPr>
+                                    <m:t> </m:t>
+                                  </m:r>
+                                </m:sub>
+                              </m:sSub>
+                            </m:e>
+                          </m:d>
+                        </m:e>
+                      </m:func>
+                    </m:oMath>
+                  </m:oMathPara>
+                </a14:m>
+                <a:endParaRPr lang="en-US" dirty="0"/>
+              </a:p>
+            </p:txBody>
+          </p:sp>
+        </mc:Choice>
+        <mc:Fallback>
+          <p:sp>
+            <p:nvSpPr>
+              <p:cNvPr id="3" name="Content Placeholder 2"/>
+              <p:cNvSpPr>
+                <a:spLocks noGrp="1" noRot="1" noChangeAspect="1" noMove="1" noResize="1" noEditPoints="1" noAdjustHandles="1" noChangeArrowheads="1" noChangeShapeType="1" noTextEdit="1"/>
+              </p:cNvSpPr>
+              <p:nvPr>
+                <p:ph sz="quarter" idx="10"/>
+              </p:nvPr>
+            </p:nvSpPr>
+            <p:spPr>
+              <a:xfrm>
+                <a:off x="333375" y="896079"/>
+                <a:ext cx="11525250" cy="5698998"/>
+              </a:xfrm>
+              <a:blipFill>
+                <a:blip r:embed="rId3"/>
+                <a:stretch>
+                  <a:fillRect l="-1111" t="-1818"/>
+                </a:stretch>
+              </a:blipFill>
+            </p:spPr>
+            <p:txBody>
+              <a:bodyPr/>
+              <a:lstStyle/>
+              <a:p>
+                <a:r>
+                  <a:rPr lang="en-US">
+                    <a:noFill/>
+                  </a:rPr>
+                  <a:t> </a:t>
+                </a:r>
+              </a:p>
+            </p:txBody>
+          </p:sp>
+        </mc:Fallback>
+      </mc:AlternateContent>
+    </p:spTree>
+    <p:extLst>
+      <p:ext uri="{BB962C8B-B14F-4D97-AF65-F5344CB8AC3E}">
+        <p14:creationId xmlns:p14="http://schemas.microsoft.com/office/powerpoint/2010/main" val="3966244024"/>
+      </p:ext>
+    </p:extLst>
+  </p:cSld>
+  <p:clrMapOvr>
+    <a:masterClrMapping/>
+  </p:clrMapOvr>
+  <p:timing>
+    <p:tnLst>
+      <p:par>
+        <p:cTn id="1" dur="indefinite" restart="never" nodeType="tmRoot">
+          <p:childTnLst>
+            <p:seq concurrent="1" nextAc="seek">
+              <p:cTn id="2" dur="indefinite" nodeType="mainSeq">
+                <p:childTnLst>
+                  <p:par>
+                    <p:cTn id="3" fill="hold">
+                      <p:stCondLst>
+                        <p:cond delay="indefinite"/>
+                      </p:stCondLst>
+                      <p:childTnLst>
+                        <p:par>
+                          <p:cTn id="4" fill="hold">
+                            <p:stCondLst>
+                              <p:cond delay="0"/>
+                            </p:stCondLst>
+                            <p:childTnLst>
+                              <p:par>
+                                <p:cTn id="5" presetID="1" presetClass="entr" presetSubtype="0" fill="hold" nodeType="clickEffect">
+                                  <p:stCondLst>
+                                    <p:cond delay="0"/>
+                                  </p:stCondLst>
+                                  <p:childTnLst>
+                                    <p:set>
+                                      <p:cBhvr>
+                                        <p:cTn id="6" dur="1" fill="hold">
+                                          <p:stCondLst>
+                                            <p:cond delay="0"/>
+                                          </p:stCondLst>
+                                        </p:cTn>
+                                        <p:tgtEl>
+                                          <p:spTgt spid="3">
+                                            <p:txEl>
+                                              <p:pRg st="1" end="1"/>
+                                            </p:txEl>
+                                          </p:spTgt>
+                                        </p:tgtEl>
+                                        <p:attrNameLst>
+                                          <p:attrName>style.visibility</p:attrName>
+                                        </p:attrNameLst>
+                                      </p:cBhvr>
+                                      <p:to>
+                                        <p:strVal val="visible"/>
+                                      </p:to>
+                                    </p:set>
+                                  </p:childTnLst>
+                                </p:cTn>
+                              </p:par>
+                              <p:par>
+                                <p:cTn id="7" presetID="1" presetClass="entr" presetSubtype="0" fill="hold" nodeType="withEffect">
+                                  <p:stCondLst>
+                                    <p:cond delay="0"/>
+                                  </p:stCondLst>
+                                  <p:childTnLst>
+                                    <p:set>
+                                      <p:cBhvr>
+                                        <p:cTn id="8" dur="1" fill="hold">
+                                          <p:stCondLst>
+                                            <p:cond delay="0"/>
+                                          </p:stCondLst>
+                                        </p:cTn>
+                                        <p:tgtEl>
+                                          <p:spTgt spid="3">
+                                            <p:txEl>
+                                              <p:pRg st="2" end="2"/>
+                                            </p:txEl>
+                                          </p:spTgt>
+                                        </p:tgtEl>
+                                        <p:attrNameLst>
+                                          <p:attrName>style.visibility</p:attrName>
+                                        </p:attrNameLst>
+                                      </p:cBhvr>
+                                      <p:to>
+                                        <p:strVal val="visible"/>
+                                      </p:to>
+                                    </p:set>
+                                  </p:childTnLst>
+                                </p:cTn>
+                              </p:par>
+                            </p:childTnLst>
+                          </p:cTn>
+                        </p:par>
+                      </p:childTnLst>
+                    </p:cTn>
+                  </p:par>
+                  <p:par>
+                    <p:cTn id="9" fill="hold">
+                      <p:stCondLst>
+                        <p:cond delay="indefinite"/>
+                      </p:stCondLst>
+                      <p:childTnLst>
+                        <p:par>
+                          <p:cTn id="10" fill="hold">
+                            <p:stCondLst>
+                              <p:cond delay="0"/>
+                            </p:stCondLst>
+                            <p:childTnLst>
+                              <p:par>
+                                <p:cTn id="11" presetID="1" presetClass="entr" presetSubtype="0" fill="hold" nodeType="clickEffect">
+                                  <p:stCondLst>
+                                    <p:cond delay="0"/>
+                                  </p:stCondLst>
+                                  <p:childTnLst>
+                                    <p:set>
+                                      <p:cBhvr>
+                                        <p:cTn id="12" dur="1" fill="hold">
+                                          <p:stCondLst>
+                                            <p:cond delay="0"/>
+                                          </p:stCondLst>
+                                        </p:cTn>
+                                        <p:tgtEl>
+                                          <p:spTgt spid="3">
+                                            <p:txEl>
+                                              <p:pRg st="3" end="3"/>
+                                            </p:txEl>
+                                          </p:spTgt>
+                                        </p:tgtEl>
+                                        <p:attrNameLst>
+                                          <p:attrName>style.visibility</p:attrName>
+                                        </p:attrNameLst>
+                                      </p:cBhvr>
+                                      <p:to>
+                                        <p:strVal val="visible"/>
+                                      </p:to>
+                                    </p:set>
+                                  </p:childTnLst>
+                                </p:cTn>
+                              </p:par>
+                              <p:par>
+                                <p:cTn id="13" presetID="1" presetClass="entr" presetSubtype="0" fill="hold" nodeType="withEffect">
+                                  <p:stCondLst>
+                                    <p:cond delay="0"/>
+                                  </p:stCondLst>
+                                  <p:childTnLst>
+                                    <p:set>
+                                      <p:cBhvr>
+                                        <p:cTn id="14" dur="1" fill="hold">
+                                          <p:stCondLst>
+                                            <p:cond delay="0"/>
+                                          </p:stCondLst>
+                                        </p:cTn>
+                                        <p:tgtEl>
+                                          <p:spTgt spid="3">
+                                            <p:txEl>
+                                              <p:pRg st="4" end="4"/>
+                                            </p:txEl>
+                                          </p:spTgt>
+                                        </p:tgtEl>
+                                        <p:attrNameLst>
+                                          <p:attrName>style.visibility</p:attrName>
+                                        </p:attrNameLst>
+                                      </p:cBhvr>
+                                      <p:to>
+                                        <p:strVal val="visible"/>
+                                      </p:to>
+                                    </p:set>
+                                  </p:childTnLst>
+                                </p:cTn>
+                              </p:par>
+                            </p:childTnLst>
+                          </p:cTn>
+                        </p:par>
+                      </p:childTnLst>
+                    </p:cTn>
+                  </p:par>
+                  <p:par>
+                    <p:cTn id="15" fill="hold">
+                      <p:stCondLst>
+                        <p:cond delay="indefinite"/>
+                      </p:stCondLst>
+                      <p:childTnLst>
+                        <p:par>
+                          <p:cTn id="16" fill="hold">
+                            <p:stCondLst>
+                              <p:cond delay="0"/>
+                            </p:stCondLst>
+                            <p:childTnLst>
+                              <p:par>
+                                <p:cTn id="17" presetID="1" presetClass="entr" presetSubtype="0" fill="hold" nodeType="clickEffect">
+                                  <p:stCondLst>
+                                    <p:cond delay="0"/>
+                                  </p:stCondLst>
+                                  <p:childTnLst>
+                                    <p:set>
+                                      <p:cBhvr>
+                                        <p:cTn id="18" dur="1" fill="hold">
+                                          <p:stCondLst>
+                                            <p:cond delay="0"/>
+                                          </p:stCondLst>
+                                        </p:cTn>
+                                        <p:tgtEl>
+                                          <p:spTgt spid="3">
+                                            <p:txEl>
+                                              <p:pRg st="5" end="5"/>
+                                            </p:txEl>
+                                          </p:spTgt>
+                                        </p:tgtEl>
+                                        <p:attrNameLst>
+                                          <p:attrName>style.visibility</p:attrName>
+                                        </p:attrNameLst>
+                                      </p:cBhvr>
+                                      <p:to>
+                                        <p:strVal val="visible"/>
+                                      </p:to>
+                                    </p:set>
+                                  </p:childTnLst>
+                                </p:cTn>
+                              </p:par>
+                              <p:par>
+                                <p:cTn id="19" presetID="1" presetClass="entr" presetSubtype="0" fill="hold" nodeType="withEffect">
+                                  <p:stCondLst>
+                                    <p:cond delay="0"/>
+                                  </p:stCondLst>
+                                  <p:childTnLst>
+                                    <p:set>
+                                      <p:cBhvr>
+                                        <p:cTn id="20" dur="1" fill="hold">
+                                          <p:stCondLst>
+                                            <p:cond delay="0"/>
+                                          </p:stCondLst>
+                                        </p:cTn>
+                                        <p:tgtEl>
+                                          <p:spTgt spid="3">
+                                            <p:txEl>
+                                              <p:pRg st="6" end="6"/>
+                                            </p:txEl>
+                                          </p:spTgt>
+                                        </p:tgtEl>
+                                        <p:attrNameLst>
+                                          <p:attrName>style.visibility</p:attrName>
+                                        </p:attrNameLst>
+                                      </p:cBhvr>
+                                      <p:to>
+                                        <p:strVal val="visible"/>
+                                      </p:to>
+                                    </p:set>
+                                  </p:childTnLst>
+                                </p:cTn>
+                              </p:par>
+                            </p:childTnLst>
+                          </p:cTn>
+                        </p:par>
+                      </p:childTnLst>
+                    </p:cTn>
+                  </p:par>
+                </p:childTnLst>
+              </p:cTn>
+              <p:prevCondLst>
+                <p:cond evt="onPrev" delay="0">
+                  <p:tgtEl>
+                    <p:sldTgt/>
+                  </p:tgtEl>
+                </p:cond>
+              </p:prevCondLst>
+              <p:nextCondLst>
+                <p:cond evt="onNext" delay="0">
+                  <p:tgtEl>
+                    <p:sldTgt/>
+                  </p:tgtEl>
+                </p:cond>
+              </p:nextCondLst>
+            </p:seq>
+          </p:childTnLst>
+        </p:cTn>
+      </p:par>
+    </p:tnLst>
+  </p:timing>
+</p:sld>
+</file>
+
+<file path=ppt/slides/slide11.xml><?xml version="1.0" encoding="utf-8"?>
+<p:sld xmlns:a="http://schemas.openxmlformats.org/drawingml/2006/main" xmlns:r="http://schemas.openxmlformats.org/officeDocument/2006/relationships" xmlns:p="http://schemas.openxmlformats.org/presentationml/2006/main">
+  <p:cSld>
+    <p:spTree>
+      <p:nvGrpSpPr>
+        <p:cNvPr id="1" name=""/>
+        <p:cNvGrpSpPr/>
+        <p:nvPr/>
+      </p:nvGrpSpPr>
+      <p:grpSpPr>
+        <a:xfrm>
+          <a:off x="0" y="0"/>
+          <a:ext cx="0" cy="0"/>
+          <a:chOff x="0" y="0"/>
+          <a:chExt cx="0" cy="0"/>
+        </a:xfrm>
+      </p:grpSpPr>
+      <p:sp>
+        <p:nvSpPr>
+          <p:cNvPr id="2" name="Title 1"/>
+          <p:cNvSpPr>
+            <a:spLocks noGrp="1"/>
+          </p:cNvSpPr>
+          <p:nvPr>
+            <p:ph type="title"/>
+          </p:nvPr>
+        </p:nvSpPr>
+        <p:spPr>
+          <a:xfrm>
+            <a:off x="584200" y="221992"/>
+            <a:ext cx="10515600" cy="530954"/>
+          </a:xfrm>
+        </p:spPr>
+        <p:txBody>
+          <a:bodyPr>
+            <a:normAutofit fontScale="90000"/>
+          </a:bodyPr>
+          <a:lstStyle/>
+          <a:p>
+            <a:r>
+              <a:rPr lang="en-US" dirty="0"/>
+              <a:t>Measuring distance or dissimilarity</a:t>
+            </a:r>
+          </a:p>
+        </p:txBody>
+      </p:sp>
+      <mc:AlternateContent xmlns:mc="http://schemas.openxmlformats.org/markup-compatibility/2006">
+        <mc:Choice xmlns:a14="http://schemas.microsoft.com/office/drawing/2010/main" Requires="a14">
+          <p:sp>
+            <p:nvSpPr>
+              <p:cNvPr id="3" name="Content Placeholder 2"/>
+              <p:cNvSpPr>
+                <a:spLocks noGrp="1"/>
+              </p:cNvSpPr>
+              <p:nvPr>
+                <p:ph sz="quarter" idx="10"/>
+              </p:nvPr>
+            </p:nvSpPr>
+            <p:spPr>
+              <a:xfrm>
+                <a:off x="333375" y="896079"/>
+                <a:ext cx="11525250" cy="5698998"/>
+              </a:xfrm>
+            </p:spPr>
+            <p:txBody>
+              <a:bodyPr>
+                <a:normAutofit/>
+              </a:bodyPr>
+              <a:lstStyle/>
+              <a:p>
+                <a:pPr marL="0" indent="0">
+                  <a:buNone/>
+                </a:pPr>
+                <a:r>
+                  <a:rPr lang="en-US" dirty="0">
+                    <a:latin typeface="+mn-lt"/>
+                  </a:rPr>
                   <a:t>Different metrics for numeric dissimilarity can be computed for numeric variables in p dimensions</a:t>
                 </a:r>
               </a:p>
@@ -7187,17 +8587,8 @@
                   <a:rPr lang="en-US" dirty="0">
                     <a:latin typeface="+mn-lt"/>
                   </a:rPr>
-                  <a:t>Is a ‘pseudo-distance</a:t>
+                  <a:t>Is a ‘pseudo-distance’ metric </a:t>
                 </a:r>
-                <a:r>
-                  <a:rPr lang="en-US">
-                    <a:latin typeface="+mn-lt"/>
-                  </a:rPr>
-                  <a:t>’ metric </a:t>
-                </a:r>
-                <a:endParaRPr lang="en-US" dirty="0">
-                  <a:latin typeface="+mn-lt"/>
-                </a:endParaRPr>
               </a:p>
               <a:p>
                 <a:r>
@@ -7408,7 +8799,7 @@
                   <a:buNone/>
                 </a:pPr>
                 <a:r>
-                  <a:rPr lang="en-US" dirty="0">
+                  <a:rPr lang="en-US" sz="2400" dirty="0">
                     <a:latin typeface="+mn-lt"/>
                   </a:rPr>
                   <a:t>Where, </a:t>
@@ -7418,14 +8809,14 @@
                     <m:sSup>
                       <m:sSupPr>
                         <m:ctrlPr>
-                          <a:rPr lang="en-US" i="1">
+                          <a:rPr lang="en-US" sz="2400" i="1">
                             <a:latin typeface="Cambria Math" panose="02040503050406030204" pitchFamily="18" charset="0"/>
                           </a:rPr>
                         </m:ctrlPr>
                       </m:sSupPr>
                       <m:e>
                         <m:r>
-                          <a:rPr lang="en-US" i="1">
+                          <a:rPr lang="en-US" sz="2400" i="1">
                             <a:latin typeface="Cambria Math" panose="02040503050406030204" pitchFamily="18" charset="0"/>
                           </a:rPr>
                           <m:t>𝑆</m:t>
@@ -7433,7 +8824,7 @@
                       </m:e>
                       <m:sup>
                         <m:r>
-                          <a:rPr lang="en-US" b="0" i="1" smtClean="0">
+                          <a:rPr lang="en-US" sz="2400" b="0" i="1" smtClean="0">
                             <a:latin typeface="Cambria Math" panose="02040503050406030204" pitchFamily="18" charset="0"/>
                           </a:rPr>
                           <m:t> </m:t>
@@ -7441,19 +8832,44 @@
                       </m:sup>
                     </m:sSup>
                     <m:r>
-                      <a:rPr lang="en-US" b="0" i="1" smtClean="0">
+                      <a:rPr lang="en-US" sz="2400" b="0" i="1" smtClean="0">
                         <a:latin typeface="Cambria Math" panose="02040503050406030204" pitchFamily="18" charset="0"/>
                       </a:rPr>
                       <m:t>=</m:t>
                     </m:r>
+                    <m:f>
+                      <m:fPr>
+                        <m:ctrlPr>
+                          <a:rPr lang="en-US" sz="2400" b="0" i="1" smtClean="0">
+                            <a:latin typeface="Cambria Math" panose="02040503050406030204" pitchFamily="18" charset="0"/>
+                          </a:rPr>
+                        </m:ctrlPr>
+                      </m:fPr>
+                      <m:num>
+                        <m:r>
+                          <a:rPr lang="en-US" sz="2400" b="0" i="1" smtClean="0">
+                            <a:latin typeface="Cambria Math" panose="02040503050406030204" pitchFamily="18" charset="0"/>
+                          </a:rPr>
+                          <m:t>1</m:t>
+                        </m:r>
+                      </m:num>
+                      <m:den>
+                        <m:r>
+                          <a:rPr lang="en-US" sz="2400" b="0" i="1" smtClean="0">
+                            <a:latin typeface="Cambria Math" panose="02040503050406030204" pitchFamily="18" charset="0"/>
+                          </a:rPr>
+                          <m:t>𝑛</m:t>
+                        </m:r>
+                      </m:den>
+                    </m:f>
                     <m:r>
-                      <a:rPr lang="en-US" b="0" i="1" smtClean="0">
+                      <a:rPr lang="en-US" sz="2400" b="0" i="1" smtClean="0">
                         <a:latin typeface="Cambria Math" panose="02040503050406030204" pitchFamily="18" charset="0"/>
                       </a:rPr>
                       <m:t>𝑥</m:t>
                     </m:r>
                     <m:r>
-                      <a:rPr lang="en-US" b="0" i="1" smtClean="0">
+                      <a:rPr lang="en-US" sz="2400" b="0" i="1" smtClean="0">
                         <a:latin typeface="Cambria Math" panose="02040503050406030204" pitchFamily="18" charset="0"/>
                         <a:ea typeface="Cambria Math" panose="02040503050406030204" pitchFamily="18" charset="0"/>
                       </a:rPr>
@@ -7462,20 +8878,20 @@
                     <m:sSup>
                       <m:sSupPr>
                         <m:ctrlPr>
-                          <a:rPr lang="en-US" b="0" i="1" smtClean="0">
+                          <a:rPr lang="en-US" sz="2400" b="0" i="1" smtClean="0">
                             <a:latin typeface="Cambria Math" panose="02040503050406030204" pitchFamily="18" charset="0"/>
                           </a:rPr>
                         </m:ctrlPr>
                       </m:sSupPr>
                       <m:e>
                         <m:r>
-                          <a:rPr lang="en-US" b="0" i="1" smtClean="0">
+                          <a:rPr lang="en-US" sz="2400" b="0" i="1" smtClean="0">
                             <a:latin typeface="Cambria Math" panose="02040503050406030204" pitchFamily="18" charset="0"/>
                           </a:rPr>
                           <m:t>𝑥</m:t>
                         </m:r>
                         <m:r>
-                          <a:rPr lang="en-US" b="0" i="1" smtClean="0">
+                          <a:rPr lang="en-US" sz="2400" b="0" i="1" smtClean="0">
                             <a:latin typeface="Cambria Math" panose="02040503050406030204" pitchFamily="18" charset="0"/>
                           </a:rPr>
                           <m:t>′</m:t>
@@ -7483,7 +8899,7 @@
                       </m:e>
                       <m:sup>
                         <m:r>
-                          <a:rPr lang="en-US" b="0" i="1" smtClean="0">
+                          <a:rPr lang="en-US" sz="2400" b="0" i="1" smtClean="0">
                             <a:latin typeface="Cambria Math" panose="02040503050406030204" pitchFamily="18" charset="0"/>
                           </a:rPr>
                           <m:t>𝑇</m:t>
@@ -7493,7 +8909,7 @@
                   </m:oMath>
                 </a14:m>
                 <a:r>
-                  <a:rPr lang="en-US" dirty="0">
+                  <a:rPr lang="en-US" sz="2400" dirty="0">
                     <a:latin typeface="+mn-lt"/>
                   </a:rPr>
                   <a:t> is the empirical covariance estimate </a:t>
@@ -7861,7 +9277,7 @@
 </p:sld>
 </file>
 
-<file path=ppt/slides/slide11.xml><?xml version="1.0" encoding="utf-8"?>
+<file path=ppt/slides/slide12.xml><?xml version="1.0" encoding="utf-8"?>
 <p:sld xmlns:a="http://schemas.openxmlformats.org/drawingml/2006/main" xmlns:r="http://schemas.openxmlformats.org/officeDocument/2006/relationships" xmlns:p="http://schemas.openxmlformats.org/presentationml/2006/main">
   <p:cSld>
     <p:spTree>
@@ -7907,8 +9323,8 @@
           </a:p>
         </p:txBody>
       </p:sp>
-      <mc:AlternateContent xmlns:mc="http://schemas.openxmlformats.org/markup-compatibility/2006" xmlns:a14="http://schemas.microsoft.com/office/drawing/2010/main">
-        <mc:Choice Requires="a14">
+      <mc:AlternateContent xmlns:mc="http://schemas.openxmlformats.org/markup-compatibility/2006">
+        <mc:Choice xmlns:a14="http://schemas.microsoft.com/office/drawing/2010/main" Requires="a14">
           <p:sp>
             <p:nvSpPr>
               <p:cNvPr id="3" name="Content Placeholder 2"/>
@@ -8150,7 +9566,7 @@
                   <a:buNone/>
                 </a:pPr>
                 <a:r>
-                  <a:rPr lang="en-US" dirty="0">
+                  <a:rPr lang="en-US" sz="2400" dirty="0">
                     <a:latin typeface="+mn-lt"/>
                   </a:rPr>
                   <a:t>Where, </a:t>
@@ -8160,14 +9576,14 @@
                     <m:sSup>
                       <m:sSupPr>
                         <m:ctrlPr>
-                          <a:rPr lang="en-US" i="1">
+                          <a:rPr lang="en-US" sz="2400" i="1">
                             <a:latin typeface="Cambria Math" panose="02040503050406030204" pitchFamily="18" charset="0"/>
                           </a:rPr>
                         </m:ctrlPr>
                       </m:sSupPr>
                       <m:e>
                         <m:r>
-                          <a:rPr lang="en-US" i="1">
+                          <a:rPr lang="en-US" sz="2400" i="1">
                             <a:latin typeface="Cambria Math" panose="02040503050406030204" pitchFamily="18" charset="0"/>
                           </a:rPr>
                           <m:t>𝑆</m:t>
@@ -8175,7 +9591,7 @@
                       </m:e>
                       <m:sup>
                         <m:r>
-                          <a:rPr lang="en-US" b="0" i="1" smtClean="0">
+                          <a:rPr lang="en-US" sz="2400" b="0" i="1" smtClean="0">
                             <a:latin typeface="Cambria Math" panose="02040503050406030204" pitchFamily="18" charset="0"/>
                           </a:rPr>
                           <m:t> </m:t>
@@ -8183,19 +9599,44 @@
                       </m:sup>
                     </m:sSup>
                     <m:r>
-                      <a:rPr lang="en-US" b="0" i="1" smtClean="0">
+                      <a:rPr lang="en-US" sz="2400" b="0" i="1" smtClean="0">
                         <a:latin typeface="Cambria Math" panose="02040503050406030204" pitchFamily="18" charset="0"/>
                       </a:rPr>
                       <m:t>=</m:t>
                     </m:r>
+                    <m:f>
+                      <m:fPr>
+                        <m:ctrlPr>
+                          <a:rPr lang="en-US" sz="2400" i="1">
+                            <a:latin typeface="Cambria Math" panose="02040503050406030204" pitchFamily="18" charset="0"/>
+                          </a:rPr>
+                        </m:ctrlPr>
+                      </m:fPr>
+                      <m:num>
+                        <m:r>
+                          <a:rPr lang="en-US" sz="2400" i="1">
+                            <a:latin typeface="Cambria Math" panose="02040503050406030204" pitchFamily="18" charset="0"/>
+                          </a:rPr>
+                          <m:t>1</m:t>
+                        </m:r>
+                      </m:num>
+                      <m:den>
+                        <m:r>
+                          <a:rPr lang="en-US" sz="2400" i="1">
+                            <a:latin typeface="Cambria Math" panose="02040503050406030204" pitchFamily="18" charset="0"/>
+                          </a:rPr>
+                          <m:t>𝑛</m:t>
+                        </m:r>
+                      </m:den>
+                    </m:f>
                     <m:r>
-                      <a:rPr lang="en-US" b="0" i="1" smtClean="0">
+                      <a:rPr lang="en-US" sz="2400" b="0" i="1" smtClean="0">
                         <a:latin typeface="Cambria Math" panose="02040503050406030204" pitchFamily="18" charset="0"/>
                       </a:rPr>
                       <m:t>𝑥</m:t>
                     </m:r>
                     <m:r>
-                      <a:rPr lang="en-US" b="0" i="1" smtClean="0">
+                      <a:rPr lang="en-US" sz="2400" b="0" i="1" smtClean="0">
                         <a:latin typeface="Cambria Math" panose="02040503050406030204" pitchFamily="18" charset="0"/>
                         <a:ea typeface="Cambria Math" panose="02040503050406030204" pitchFamily="18" charset="0"/>
                       </a:rPr>
@@ -8204,20 +9645,20 @@
                     <m:sSup>
                       <m:sSupPr>
                         <m:ctrlPr>
-                          <a:rPr lang="en-US" b="0" i="1" smtClean="0">
+                          <a:rPr lang="en-US" sz="2400" b="0" i="1" smtClean="0">
                             <a:latin typeface="Cambria Math" panose="02040503050406030204" pitchFamily="18" charset="0"/>
                           </a:rPr>
                         </m:ctrlPr>
                       </m:sSupPr>
                       <m:e>
                         <m:r>
-                          <a:rPr lang="en-US" b="0" i="1" smtClean="0">
+                          <a:rPr lang="en-US" sz="2400" b="0" i="1" smtClean="0">
                             <a:latin typeface="Cambria Math" panose="02040503050406030204" pitchFamily="18" charset="0"/>
                           </a:rPr>
                           <m:t>𝑥</m:t>
                         </m:r>
                         <m:r>
-                          <a:rPr lang="en-US" b="0" i="1" smtClean="0">
+                          <a:rPr lang="en-US" sz="2400" b="0" i="1" smtClean="0">
                             <a:latin typeface="Cambria Math" panose="02040503050406030204" pitchFamily="18" charset="0"/>
                           </a:rPr>
                           <m:t>′</m:t>
@@ -8225,7 +9666,7 @@
                       </m:e>
                       <m:sup>
                         <m:r>
-                          <a:rPr lang="en-US" b="0" i="1" smtClean="0">
+                          <a:rPr lang="en-US" sz="2400" b="0" i="1" smtClean="0">
                             <a:latin typeface="Cambria Math" panose="02040503050406030204" pitchFamily="18" charset="0"/>
                           </a:rPr>
                           <m:t>𝑇</m:t>
@@ -8235,7 +9676,7 @@
                   </m:oMath>
                 </a14:m>
                 <a:r>
-                  <a:rPr lang="en-US" dirty="0">
+                  <a:rPr lang="en-US" sz="2400" dirty="0">
                     <a:latin typeface="+mn-lt"/>
                   </a:rPr>
                   <a:t> is the empirical covariance estimate </a:t>
@@ -8373,7 +9814,7 @@
             </p:txBody>
           </p:sp>
         </mc:Choice>
-        <mc:Fallback xmlns="">
+        <mc:Fallback>
           <p:sp>
             <p:nvSpPr>
               <p:cNvPr id="3" name="Content Placeholder 2"/>
@@ -8601,7 +10042,7 @@
 </p:sld>
 </file>
 
-<file path=ppt/slides/slide12.xml><?xml version="1.0" encoding="utf-8"?>
+<file path=ppt/slides/slide13.xml><?xml version="1.0" encoding="utf-8"?>
 <p:sld xmlns:a="http://schemas.openxmlformats.org/drawingml/2006/main" xmlns:r="http://schemas.openxmlformats.org/officeDocument/2006/relationships" xmlns:p="http://schemas.openxmlformats.org/presentationml/2006/main">
   <p:cSld>
     <p:spTree>
@@ -10483,7 +11924,7 @@
 </p:sld>
 </file>
 
-<file path=ppt/slides/slide13.xml><?xml version="1.0" encoding="utf-8"?>
+<file path=ppt/slides/slide14.xml><?xml version="1.0" encoding="utf-8"?>
 <p:sld xmlns:a="http://schemas.openxmlformats.org/drawingml/2006/main" xmlns:r="http://schemas.openxmlformats.org/officeDocument/2006/relationships" xmlns:p="http://schemas.openxmlformats.org/presentationml/2006/main">
   <p:cSld>
     <p:spTree>
@@ -12023,7 +13464,7 @@
 </p:sld>
 </file>
 
-<file path=ppt/slides/slide14.xml><?xml version="1.0" encoding="utf-8"?>
+<file path=ppt/slides/slide15.xml><?xml version="1.0" encoding="utf-8"?>
 <p:sld xmlns:a="http://schemas.openxmlformats.org/drawingml/2006/main" xmlns:r="http://schemas.openxmlformats.org/officeDocument/2006/relationships" xmlns:p="http://schemas.openxmlformats.org/presentationml/2006/main">
   <p:cSld>
     <p:spTree>
@@ -12774,7 +14215,7 @@
 </p:sld>
 </file>
 
-<file path=ppt/slides/slide15.xml><?xml version="1.0" encoding="utf-8"?>
+<file path=ppt/slides/slide16.xml><?xml version="1.0" encoding="utf-8"?>
 <p:sld xmlns:a="http://schemas.openxmlformats.org/drawingml/2006/main" xmlns:r="http://schemas.openxmlformats.org/officeDocument/2006/relationships" xmlns:p="http://schemas.openxmlformats.org/presentationml/2006/main">
   <p:cSld>
     <p:spTree>
@@ -12832,8 +14273,8 @@
           </a:p>
         </p:txBody>
       </p:sp>
-      <mc:AlternateContent xmlns:mc="http://schemas.openxmlformats.org/markup-compatibility/2006" xmlns:a14="http://schemas.microsoft.com/office/drawing/2010/main">
-        <mc:Choice Requires="a14">
+      <mc:AlternateContent xmlns:mc="http://schemas.openxmlformats.org/markup-compatibility/2006">
+        <mc:Choice xmlns:a14="http://schemas.microsoft.com/office/drawing/2010/main" Requires="a14">
           <p:sp>
             <p:nvSpPr>
               <p:cNvPr id="3" name="Content Placeholder 2">
@@ -13224,7 +14665,7 @@
             </p:txBody>
           </p:sp>
         </mc:Choice>
-        <mc:Fallback xmlns="">
+        <mc:Fallback>
           <p:sp>
             <p:nvSpPr>
               <p:cNvPr id="3" name="Content Placeholder 2">
@@ -13680,7 +15121,7 @@
 </p:sld>
 </file>
 
-<file path=ppt/slides/slide16.xml><?xml version="1.0" encoding="utf-8"?>
+<file path=ppt/slides/slide17.xml><?xml version="1.0" encoding="utf-8"?>
 <p:sld xmlns:a="http://schemas.openxmlformats.org/drawingml/2006/main" xmlns:r="http://schemas.openxmlformats.org/officeDocument/2006/relationships" xmlns:p="http://schemas.openxmlformats.org/presentationml/2006/main">
   <p:cSld>
     <p:spTree>
@@ -14328,7 +15769,7 @@
 </p:sld>
 </file>
 
-<file path=ppt/slides/slide17.xml><?xml version="1.0" encoding="utf-8"?>
+<file path=ppt/slides/slide18.xml><?xml version="1.0" encoding="utf-8"?>
 <p:sld xmlns:a="http://schemas.openxmlformats.org/drawingml/2006/main" xmlns:r="http://schemas.openxmlformats.org/officeDocument/2006/relationships" xmlns:p="http://schemas.openxmlformats.org/presentationml/2006/main">
   <p:cSld>
     <p:spTree>
@@ -14899,17 +16340,8 @@
                   <a:rPr lang="en-US" sz="2400" dirty="0">
                     <a:latin typeface="+mn-lt"/>
                   </a:rPr>
-                  <a:t> is an optional normalization to ensure the </a:t>
+                  <a:t> is an optional normalization to ensure the weights sum to 1.0 </a:t>
                 </a:r>
-                <a:r>
-                  <a:rPr lang="en-US" sz="2400">
-                    <a:latin typeface="+mn-lt"/>
-                  </a:rPr>
-                  <a:t>weights sum to 1.0 </a:t>
-                </a:r>
-                <a:endParaRPr lang="en-US" sz="2400" dirty="0">
-                  <a:latin typeface="+mn-lt"/>
-                </a:endParaRPr>
               </a:p>
               <a:p>
                 <a:r>
@@ -14993,10 +16425,329 @@
   <p:clrMapOvr>
     <a:masterClrMapping/>
   </p:clrMapOvr>
+  <p:timing>
+    <p:tnLst>
+      <p:par>
+        <p:cTn id="1" dur="indefinite" restart="never" nodeType="tmRoot">
+          <p:childTnLst>
+            <p:seq concurrent="1" nextAc="seek">
+              <p:cTn id="2" dur="indefinite" nodeType="mainSeq">
+                <p:childTnLst>
+                  <p:par>
+                    <p:cTn id="3" fill="hold">
+                      <p:stCondLst>
+                        <p:cond delay="indefinite"/>
+                      </p:stCondLst>
+                      <p:childTnLst>
+                        <p:par>
+                          <p:cTn id="4" fill="hold">
+                            <p:stCondLst>
+                              <p:cond delay="0"/>
+                            </p:stCondLst>
+                            <p:childTnLst>
+                              <p:par>
+                                <p:cTn id="5" presetID="1" presetClass="entr" presetSubtype="0" fill="hold" nodeType="clickEffect">
+                                  <p:stCondLst>
+                                    <p:cond delay="0"/>
+                                  </p:stCondLst>
+                                  <p:childTnLst>
+                                    <p:set>
+                                      <p:cBhvr>
+                                        <p:cTn id="6" dur="1" fill="hold">
+                                          <p:stCondLst>
+                                            <p:cond delay="0"/>
+                                          </p:stCondLst>
+                                        </p:cTn>
+                                        <p:tgtEl>
+                                          <p:spTgt spid="3">
+                                            <p:txEl>
+                                              <p:pRg st="1" end="1"/>
+                                            </p:txEl>
+                                          </p:spTgt>
+                                        </p:tgtEl>
+                                        <p:attrNameLst>
+                                          <p:attrName>style.visibility</p:attrName>
+                                        </p:attrNameLst>
+                                      </p:cBhvr>
+                                      <p:to>
+                                        <p:strVal val="visible"/>
+                                      </p:to>
+                                    </p:set>
+                                  </p:childTnLst>
+                                </p:cTn>
+                              </p:par>
+                            </p:childTnLst>
+                          </p:cTn>
+                        </p:par>
+                      </p:childTnLst>
+                    </p:cTn>
+                  </p:par>
+                  <p:par>
+                    <p:cTn id="7" fill="hold">
+                      <p:stCondLst>
+                        <p:cond delay="indefinite"/>
+                      </p:stCondLst>
+                      <p:childTnLst>
+                        <p:par>
+                          <p:cTn id="8" fill="hold">
+                            <p:stCondLst>
+                              <p:cond delay="0"/>
+                            </p:stCondLst>
+                            <p:childTnLst>
+                              <p:par>
+                                <p:cTn id="9" presetID="1" presetClass="entr" presetSubtype="0" fill="hold" nodeType="clickEffect">
+                                  <p:stCondLst>
+                                    <p:cond delay="0"/>
+                                  </p:stCondLst>
+                                  <p:childTnLst>
+                                    <p:set>
+                                      <p:cBhvr>
+                                        <p:cTn id="10" dur="1" fill="hold">
+                                          <p:stCondLst>
+                                            <p:cond delay="0"/>
+                                          </p:stCondLst>
+                                        </p:cTn>
+                                        <p:tgtEl>
+                                          <p:spTgt spid="3">
+                                            <p:txEl>
+                                              <p:pRg st="2" end="2"/>
+                                            </p:txEl>
+                                          </p:spTgt>
+                                        </p:tgtEl>
+                                        <p:attrNameLst>
+                                          <p:attrName>style.visibility</p:attrName>
+                                        </p:attrNameLst>
+                                      </p:cBhvr>
+                                      <p:to>
+                                        <p:strVal val="visible"/>
+                                      </p:to>
+                                    </p:set>
+                                  </p:childTnLst>
+                                </p:cTn>
+                              </p:par>
+                            </p:childTnLst>
+                          </p:cTn>
+                        </p:par>
+                      </p:childTnLst>
+                    </p:cTn>
+                  </p:par>
+                  <p:par>
+                    <p:cTn id="11" fill="hold">
+                      <p:stCondLst>
+                        <p:cond delay="indefinite"/>
+                      </p:stCondLst>
+                      <p:childTnLst>
+                        <p:par>
+                          <p:cTn id="12" fill="hold">
+                            <p:stCondLst>
+                              <p:cond delay="0"/>
+                            </p:stCondLst>
+                            <p:childTnLst>
+                              <p:par>
+                                <p:cTn id="13" presetID="1" presetClass="entr" presetSubtype="0" fill="hold" nodeType="clickEffect">
+                                  <p:stCondLst>
+                                    <p:cond delay="0"/>
+                                  </p:stCondLst>
+                                  <p:childTnLst>
+                                    <p:set>
+                                      <p:cBhvr>
+                                        <p:cTn id="14" dur="1" fill="hold">
+                                          <p:stCondLst>
+                                            <p:cond delay="0"/>
+                                          </p:stCondLst>
+                                        </p:cTn>
+                                        <p:tgtEl>
+                                          <p:spTgt spid="3">
+                                            <p:txEl>
+                                              <p:pRg st="3" end="3"/>
+                                            </p:txEl>
+                                          </p:spTgt>
+                                        </p:tgtEl>
+                                        <p:attrNameLst>
+                                          <p:attrName>style.visibility</p:attrName>
+                                        </p:attrNameLst>
+                                      </p:cBhvr>
+                                      <p:to>
+                                        <p:strVal val="visible"/>
+                                      </p:to>
+                                    </p:set>
+                                  </p:childTnLst>
+                                </p:cTn>
+                              </p:par>
+                              <p:par>
+                                <p:cTn id="15" presetID="1" presetClass="entr" presetSubtype="0" fill="hold" nodeType="withEffect">
+                                  <p:stCondLst>
+                                    <p:cond delay="0"/>
+                                  </p:stCondLst>
+                                  <p:childTnLst>
+                                    <p:set>
+                                      <p:cBhvr>
+                                        <p:cTn id="16" dur="1" fill="hold">
+                                          <p:stCondLst>
+                                            <p:cond delay="0"/>
+                                          </p:stCondLst>
+                                        </p:cTn>
+                                        <p:tgtEl>
+                                          <p:spTgt spid="3">
+                                            <p:txEl>
+                                              <p:pRg st="4" end="4"/>
+                                            </p:txEl>
+                                          </p:spTgt>
+                                        </p:tgtEl>
+                                        <p:attrNameLst>
+                                          <p:attrName>style.visibility</p:attrName>
+                                        </p:attrNameLst>
+                                      </p:cBhvr>
+                                      <p:to>
+                                        <p:strVal val="visible"/>
+                                      </p:to>
+                                    </p:set>
+                                  </p:childTnLst>
+                                </p:cTn>
+                              </p:par>
+                              <p:par>
+                                <p:cTn id="17" presetID="1" presetClass="entr" presetSubtype="0" fill="hold" nodeType="withEffect">
+                                  <p:stCondLst>
+                                    <p:cond delay="0"/>
+                                  </p:stCondLst>
+                                  <p:childTnLst>
+                                    <p:set>
+                                      <p:cBhvr>
+                                        <p:cTn id="18" dur="1" fill="hold">
+                                          <p:stCondLst>
+                                            <p:cond delay="0"/>
+                                          </p:stCondLst>
+                                        </p:cTn>
+                                        <p:tgtEl>
+                                          <p:spTgt spid="3">
+                                            <p:txEl>
+                                              <p:pRg st="5" end="5"/>
+                                            </p:txEl>
+                                          </p:spTgt>
+                                        </p:tgtEl>
+                                        <p:attrNameLst>
+                                          <p:attrName>style.visibility</p:attrName>
+                                        </p:attrNameLst>
+                                      </p:cBhvr>
+                                      <p:to>
+                                        <p:strVal val="visible"/>
+                                      </p:to>
+                                    </p:set>
+                                  </p:childTnLst>
+                                </p:cTn>
+                              </p:par>
+                            </p:childTnLst>
+                          </p:cTn>
+                        </p:par>
+                      </p:childTnLst>
+                    </p:cTn>
+                  </p:par>
+                  <p:par>
+                    <p:cTn id="19" fill="hold">
+                      <p:stCondLst>
+                        <p:cond delay="indefinite"/>
+                      </p:stCondLst>
+                      <p:childTnLst>
+                        <p:par>
+                          <p:cTn id="20" fill="hold">
+                            <p:stCondLst>
+                              <p:cond delay="0"/>
+                            </p:stCondLst>
+                            <p:childTnLst>
+                              <p:par>
+                                <p:cTn id="21" presetID="1" presetClass="entr" presetSubtype="0" fill="hold" nodeType="clickEffect">
+                                  <p:stCondLst>
+                                    <p:cond delay="0"/>
+                                  </p:stCondLst>
+                                  <p:childTnLst>
+                                    <p:set>
+                                      <p:cBhvr>
+                                        <p:cTn id="22" dur="1" fill="hold">
+                                          <p:stCondLst>
+                                            <p:cond delay="0"/>
+                                          </p:stCondLst>
+                                        </p:cTn>
+                                        <p:tgtEl>
+                                          <p:spTgt spid="3">
+                                            <p:txEl>
+                                              <p:pRg st="6" end="6"/>
+                                            </p:txEl>
+                                          </p:spTgt>
+                                        </p:tgtEl>
+                                        <p:attrNameLst>
+                                          <p:attrName>style.visibility</p:attrName>
+                                        </p:attrNameLst>
+                                      </p:cBhvr>
+                                      <p:to>
+                                        <p:strVal val="visible"/>
+                                      </p:to>
+                                    </p:set>
+                                  </p:childTnLst>
+                                </p:cTn>
+                              </p:par>
+                              <p:par>
+                                <p:cTn id="23" presetID="1" presetClass="entr" presetSubtype="0" fill="hold" nodeType="withEffect">
+                                  <p:stCondLst>
+                                    <p:cond delay="0"/>
+                                  </p:stCondLst>
+                                  <p:childTnLst>
+                                    <p:set>
+                                      <p:cBhvr>
+                                        <p:cTn id="24" dur="1" fill="hold">
+                                          <p:stCondLst>
+                                            <p:cond delay="0"/>
+                                          </p:stCondLst>
+                                        </p:cTn>
+                                        <p:tgtEl>
+                                          <p:spTgt spid="3">
+                                            <p:txEl>
+                                              <p:pRg st="7" end="7"/>
+                                            </p:txEl>
+                                          </p:spTgt>
+                                        </p:tgtEl>
+                                        <p:attrNameLst>
+                                          <p:attrName>style.visibility</p:attrName>
+                                        </p:attrNameLst>
+                                      </p:cBhvr>
+                                      <p:to>
+                                        <p:strVal val="visible"/>
+                                      </p:to>
+                                    </p:set>
+                                  </p:childTnLst>
+                                </p:cTn>
+                              </p:par>
+                            </p:childTnLst>
+                          </p:cTn>
+                        </p:par>
+                      </p:childTnLst>
+                    </p:cTn>
+                  </p:par>
+                </p:childTnLst>
+              </p:cTn>
+              <p:prevCondLst>
+                <p:cond evt="onPrev" delay="0">
+                  <p:tgtEl>
+                    <p:sldTgt/>
+                  </p:tgtEl>
+                </p:cond>
+              </p:prevCondLst>
+              <p:nextCondLst>
+                <p:cond evt="onNext" delay="0">
+                  <p:tgtEl>
+                    <p:sldTgt/>
+                  </p:tgtEl>
+                </p:cond>
+              </p:nextCondLst>
+            </p:seq>
+          </p:childTnLst>
+        </p:cTn>
+      </p:par>
+    </p:tnLst>
+  </p:timing>
 </p:sld>
 </file>
 
-<file path=ppt/slides/slide18.xml><?xml version="1.0" encoding="utf-8"?>
+<file path=ppt/slides/slide19.xml><?xml version="1.0" encoding="utf-8"?>
 <p:sld xmlns:a="http://schemas.openxmlformats.org/drawingml/2006/main" xmlns:r="http://schemas.openxmlformats.org/officeDocument/2006/relationships" xmlns:p="http://schemas.openxmlformats.org/presentationml/2006/main">
   <p:cSld>
     <p:spTree>
@@ -15916,7 +17667,464 @@
 </p:sld>
 </file>
 
-<file path=ppt/slides/slide19.xml><?xml version="1.0" encoding="utf-8"?>
+<file path=ppt/slides/slide2.xml><?xml version="1.0" encoding="utf-8"?>
+<p:sld xmlns:a="http://schemas.openxmlformats.org/drawingml/2006/main" xmlns:r="http://schemas.openxmlformats.org/officeDocument/2006/relationships" xmlns:p="http://schemas.openxmlformats.org/presentationml/2006/main">
+  <p:cSld>
+    <p:spTree>
+      <p:nvGrpSpPr>
+        <p:cNvPr id="1" name=""/>
+        <p:cNvGrpSpPr/>
+        <p:nvPr/>
+      </p:nvGrpSpPr>
+      <p:grpSpPr>
+        <a:xfrm>
+          <a:off x="0" y="0"/>
+          <a:ext cx="0" cy="0"/>
+          <a:chOff x="0" y="0"/>
+          <a:chExt cx="0" cy="0"/>
+        </a:xfrm>
+      </p:grpSpPr>
+      <p:sp>
+        <p:nvSpPr>
+          <p:cNvPr id="2" name="Title 1"/>
+          <p:cNvSpPr>
+            <a:spLocks noGrp="1"/>
+          </p:cNvSpPr>
+          <p:nvPr>
+            <p:ph type="title"/>
+          </p:nvPr>
+        </p:nvSpPr>
+        <p:spPr>
+          <a:xfrm>
+            <a:off x="584200" y="221992"/>
+            <a:ext cx="10515600" cy="530954"/>
+          </a:xfrm>
+        </p:spPr>
+        <p:txBody>
+          <a:bodyPr>
+            <a:normAutofit fontScale="90000"/>
+          </a:bodyPr>
+          <a:lstStyle/>
+          <a:p>
+            <a:r>
+              <a:rPr lang="en-US" dirty="0"/>
+              <a:t>Measuring similarity and dissimilarity</a:t>
+            </a:r>
+          </a:p>
+        </p:txBody>
+      </p:sp>
+      <p:sp>
+        <p:nvSpPr>
+          <p:cNvPr id="3" name="Content Placeholder 2"/>
+          <p:cNvSpPr>
+            <a:spLocks noGrp="1"/>
+          </p:cNvSpPr>
+          <p:nvPr>
+            <p:ph sz="quarter" idx="10"/>
+          </p:nvPr>
+        </p:nvSpPr>
+        <p:spPr>
+          <a:xfrm>
+            <a:off x="333375" y="896079"/>
+            <a:ext cx="11525250" cy="5290388"/>
+          </a:xfrm>
+        </p:spPr>
+        <p:txBody>
+          <a:bodyPr>
+            <a:normAutofit/>
+          </a:bodyPr>
+          <a:lstStyle/>
+          <a:p>
+            <a:pPr marL="0" indent="0">
+              <a:buNone/>
+            </a:pPr>
+            <a:r>
+              <a:rPr lang="en-US" dirty="0">
+                <a:latin typeface="+mn-lt"/>
+              </a:rPr>
+              <a:t>Many data mining algorithms search for the most similar or dissimilar cases</a:t>
+            </a:r>
+          </a:p>
+          <a:p>
+            <a:r>
+              <a:rPr lang="en-US" dirty="0">
+                <a:latin typeface="+mn-lt"/>
+              </a:rPr>
+              <a:t>Similarity search is a core data mining method</a:t>
+            </a:r>
+          </a:p>
+          <a:p>
+            <a:r>
+              <a:rPr lang="en-US" dirty="0">
+                <a:latin typeface="+mn-lt"/>
+              </a:rPr>
+              <a:t>Many data mining algorithms rely on similarity (or dissimilarity) search   </a:t>
+            </a:r>
+          </a:p>
+          <a:p>
+            <a:pPr lvl="1"/>
+            <a:r>
+              <a:rPr lang="en-US" dirty="0">
+                <a:latin typeface="+mn-lt"/>
+              </a:rPr>
+              <a:t>Cluster models  </a:t>
+            </a:r>
+          </a:p>
+          <a:p>
+            <a:pPr lvl="1"/>
+            <a:r>
+              <a:rPr lang="en-US" dirty="0">
+                <a:latin typeface="+mn-lt"/>
+              </a:rPr>
+              <a:t>Nearest neighbor graph algorithms   </a:t>
+            </a:r>
+          </a:p>
+          <a:p>
+            <a:pPr lvl="1"/>
+            <a:r>
+              <a:rPr lang="en-US" dirty="0">
+                <a:latin typeface="+mn-lt"/>
+              </a:rPr>
+              <a:t>Recommender systems   </a:t>
+            </a:r>
+          </a:p>
+          <a:p>
+            <a:pPr lvl="1"/>
+            <a:r>
+              <a:rPr lang="en-US" dirty="0">
+                <a:latin typeface="+mn-lt"/>
+              </a:rPr>
+              <a:t>Dimensionality reduction </a:t>
+            </a:r>
+          </a:p>
+          <a:p>
+            <a:pPr lvl="1"/>
+            <a:r>
+              <a:rPr lang="en-US" dirty="0" err="1">
+                <a:latin typeface="+mn-lt"/>
+              </a:rPr>
+              <a:t>Etc</a:t>
+            </a:r>
+            <a:r>
+              <a:rPr lang="en-US" dirty="0">
+                <a:latin typeface="+mn-lt"/>
+              </a:rPr>
+              <a:t>…     </a:t>
+            </a:r>
+          </a:p>
+          <a:p>
+            <a:endParaRPr lang="en-US" dirty="0">
+              <a:latin typeface="+mn-lt"/>
+            </a:endParaRPr>
+          </a:p>
+          <a:p>
+            <a:endParaRPr lang="en-US" sz="2800" dirty="0">
+              <a:latin typeface="+mn-lt"/>
+            </a:endParaRPr>
+          </a:p>
+          <a:p>
+            <a:pPr lvl="1"/>
+            <a:endParaRPr lang="en-US" dirty="0"/>
+          </a:p>
+        </p:txBody>
+      </p:sp>
+    </p:spTree>
+    <p:extLst>
+      <p:ext uri="{BB962C8B-B14F-4D97-AF65-F5344CB8AC3E}">
+        <p14:creationId xmlns:p14="http://schemas.microsoft.com/office/powerpoint/2010/main" val="92654233"/>
+      </p:ext>
+    </p:extLst>
+  </p:cSld>
+  <p:clrMapOvr>
+    <a:masterClrMapping/>
+  </p:clrMapOvr>
+  <p:timing>
+    <p:tnLst>
+      <p:par>
+        <p:cTn id="1" dur="indefinite" restart="never" nodeType="tmRoot">
+          <p:childTnLst>
+            <p:seq concurrent="1" nextAc="seek">
+              <p:cTn id="2" dur="indefinite" nodeType="mainSeq">
+                <p:childTnLst>
+                  <p:par>
+                    <p:cTn id="3" fill="hold">
+                      <p:stCondLst>
+                        <p:cond delay="indefinite"/>
+                      </p:stCondLst>
+                      <p:childTnLst>
+                        <p:par>
+                          <p:cTn id="4" fill="hold">
+                            <p:stCondLst>
+                              <p:cond delay="0"/>
+                            </p:stCondLst>
+                            <p:childTnLst>
+                              <p:par>
+                                <p:cTn id="5" presetID="1" presetClass="entr" presetSubtype="0" fill="hold" nodeType="clickEffect">
+                                  <p:stCondLst>
+                                    <p:cond delay="0"/>
+                                  </p:stCondLst>
+                                  <p:childTnLst>
+                                    <p:set>
+                                      <p:cBhvr>
+                                        <p:cTn id="6" dur="1" fill="hold">
+                                          <p:stCondLst>
+                                            <p:cond delay="0"/>
+                                          </p:stCondLst>
+                                        </p:cTn>
+                                        <p:tgtEl>
+                                          <p:spTgt spid="3">
+                                            <p:txEl>
+                                              <p:pRg st="1" end="1"/>
+                                            </p:txEl>
+                                          </p:spTgt>
+                                        </p:tgtEl>
+                                        <p:attrNameLst>
+                                          <p:attrName>style.visibility</p:attrName>
+                                        </p:attrNameLst>
+                                      </p:cBhvr>
+                                      <p:to>
+                                        <p:strVal val="visible"/>
+                                      </p:to>
+                                    </p:set>
+                                  </p:childTnLst>
+                                </p:cTn>
+                              </p:par>
+                            </p:childTnLst>
+                          </p:cTn>
+                        </p:par>
+                      </p:childTnLst>
+                    </p:cTn>
+                  </p:par>
+                  <p:par>
+                    <p:cTn id="7" fill="hold">
+                      <p:stCondLst>
+                        <p:cond delay="indefinite"/>
+                      </p:stCondLst>
+                      <p:childTnLst>
+                        <p:par>
+                          <p:cTn id="8" fill="hold">
+                            <p:stCondLst>
+                              <p:cond delay="0"/>
+                            </p:stCondLst>
+                            <p:childTnLst>
+                              <p:par>
+                                <p:cTn id="9" presetID="1" presetClass="entr" presetSubtype="0" fill="hold" nodeType="clickEffect">
+                                  <p:stCondLst>
+                                    <p:cond delay="0"/>
+                                  </p:stCondLst>
+                                  <p:childTnLst>
+                                    <p:set>
+                                      <p:cBhvr>
+                                        <p:cTn id="10" dur="1" fill="hold">
+                                          <p:stCondLst>
+                                            <p:cond delay="0"/>
+                                          </p:stCondLst>
+                                        </p:cTn>
+                                        <p:tgtEl>
+                                          <p:spTgt spid="3">
+                                            <p:txEl>
+                                              <p:pRg st="2" end="2"/>
+                                            </p:txEl>
+                                          </p:spTgt>
+                                        </p:tgtEl>
+                                        <p:attrNameLst>
+                                          <p:attrName>style.visibility</p:attrName>
+                                        </p:attrNameLst>
+                                      </p:cBhvr>
+                                      <p:to>
+                                        <p:strVal val="visible"/>
+                                      </p:to>
+                                    </p:set>
+                                  </p:childTnLst>
+                                </p:cTn>
+                              </p:par>
+                              <p:par>
+                                <p:cTn id="11" presetID="1" presetClass="entr" presetSubtype="0" fill="hold" nodeType="withEffect">
+                                  <p:stCondLst>
+                                    <p:cond delay="0"/>
+                                  </p:stCondLst>
+                                  <p:childTnLst>
+                                    <p:set>
+                                      <p:cBhvr>
+                                        <p:cTn id="12" dur="1" fill="hold">
+                                          <p:stCondLst>
+                                            <p:cond delay="0"/>
+                                          </p:stCondLst>
+                                        </p:cTn>
+                                        <p:tgtEl>
+                                          <p:spTgt spid="3">
+                                            <p:txEl>
+                                              <p:pRg st="3" end="3"/>
+                                            </p:txEl>
+                                          </p:spTgt>
+                                        </p:tgtEl>
+                                        <p:attrNameLst>
+                                          <p:attrName>style.visibility</p:attrName>
+                                        </p:attrNameLst>
+                                      </p:cBhvr>
+                                      <p:to>
+                                        <p:strVal val="visible"/>
+                                      </p:to>
+                                    </p:set>
+                                  </p:childTnLst>
+                                </p:cTn>
+                              </p:par>
+                              <p:par>
+                                <p:cTn id="13" presetID="1" presetClass="entr" presetSubtype="0" fill="hold" nodeType="withEffect">
+                                  <p:stCondLst>
+                                    <p:cond delay="0"/>
+                                  </p:stCondLst>
+                                  <p:childTnLst>
+                                    <p:set>
+                                      <p:cBhvr>
+                                        <p:cTn id="14" dur="1" fill="hold">
+                                          <p:stCondLst>
+                                            <p:cond delay="0"/>
+                                          </p:stCondLst>
+                                        </p:cTn>
+                                        <p:tgtEl>
+                                          <p:spTgt spid="3">
+                                            <p:txEl>
+                                              <p:pRg st="4" end="4"/>
+                                            </p:txEl>
+                                          </p:spTgt>
+                                        </p:tgtEl>
+                                        <p:attrNameLst>
+                                          <p:attrName>style.visibility</p:attrName>
+                                        </p:attrNameLst>
+                                      </p:cBhvr>
+                                      <p:to>
+                                        <p:strVal val="visible"/>
+                                      </p:to>
+                                    </p:set>
+                                  </p:childTnLst>
+                                </p:cTn>
+                              </p:par>
+                              <p:par>
+                                <p:cTn id="15" presetID="1" presetClass="entr" presetSubtype="0" fill="hold" nodeType="withEffect">
+                                  <p:stCondLst>
+                                    <p:cond delay="0"/>
+                                  </p:stCondLst>
+                                  <p:childTnLst>
+                                    <p:set>
+                                      <p:cBhvr>
+                                        <p:cTn id="16" dur="1" fill="hold">
+                                          <p:stCondLst>
+                                            <p:cond delay="0"/>
+                                          </p:stCondLst>
+                                        </p:cTn>
+                                        <p:tgtEl>
+                                          <p:spTgt spid="3">
+                                            <p:txEl>
+                                              <p:pRg st="5" end="5"/>
+                                            </p:txEl>
+                                          </p:spTgt>
+                                        </p:tgtEl>
+                                        <p:attrNameLst>
+                                          <p:attrName>style.visibility</p:attrName>
+                                        </p:attrNameLst>
+                                      </p:cBhvr>
+                                      <p:to>
+                                        <p:strVal val="visible"/>
+                                      </p:to>
+                                    </p:set>
+                                  </p:childTnLst>
+                                </p:cTn>
+                              </p:par>
+                              <p:par>
+                                <p:cTn id="17" presetID="1" presetClass="entr" presetSubtype="0" fill="hold" nodeType="withEffect">
+                                  <p:stCondLst>
+                                    <p:cond delay="0"/>
+                                  </p:stCondLst>
+                                  <p:childTnLst>
+                                    <p:set>
+                                      <p:cBhvr>
+                                        <p:cTn id="18" dur="1" fill="hold">
+                                          <p:stCondLst>
+                                            <p:cond delay="0"/>
+                                          </p:stCondLst>
+                                        </p:cTn>
+                                        <p:tgtEl>
+                                          <p:spTgt spid="3">
+                                            <p:txEl>
+                                              <p:pRg st="6" end="6"/>
+                                            </p:txEl>
+                                          </p:spTgt>
+                                        </p:tgtEl>
+                                        <p:attrNameLst>
+                                          <p:attrName>style.visibility</p:attrName>
+                                        </p:attrNameLst>
+                                      </p:cBhvr>
+                                      <p:to>
+                                        <p:strVal val="visible"/>
+                                      </p:to>
+                                    </p:set>
+                                  </p:childTnLst>
+                                </p:cTn>
+                              </p:par>
+                              <p:par>
+                                <p:cTn id="19" presetID="1" presetClass="entr" presetSubtype="0" fill="hold" nodeType="withEffect">
+                                  <p:stCondLst>
+                                    <p:cond delay="0"/>
+                                  </p:stCondLst>
+                                  <p:childTnLst>
+                                    <p:set>
+                                      <p:cBhvr>
+                                        <p:cTn id="20" dur="1" fill="hold">
+                                          <p:stCondLst>
+                                            <p:cond delay="0"/>
+                                          </p:stCondLst>
+                                        </p:cTn>
+                                        <p:tgtEl>
+                                          <p:spTgt spid="3">
+                                            <p:txEl>
+                                              <p:pRg st="7" end="7"/>
+                                            </p:txEl>
+                                          </p:spTgt>
+                                        </p:tgtEl>
+                                        <p:attrNameLst>
+                                          <p:attrName>style.visibility</p:attrName>
+                                        </p:attrNameLst>
+                                      </p:cBhvr>
+                                      <p:to>
+                                        <p:strVal val="visible"/>
+                                      </p:to>
+                                    </p:set>
+                                  </p:childTnLst>
+                                </p:cTn>
+                              </p:par>
+                            </p:childTnLst>
+                          </p:cTn>
+                        </p:par>
+                      </p:childTnLst>
+                    </p:cTn>
+                  </p:par>
+                </p:childTnLst>
+              </p:cTn>
+              <p:prevCondLst>
+                <p:cond evt="onPrev" delay="0">
+                  <p:tgtEl>
+                    <p:sldTgt/>
+                  </p:tgtEl>
+                </p:cond>
+              </p:prevCondLst>
+              <p:nextCondLst>
+                <p:cond evt="onNext" delay="0">
+                  <p:tgtEl>
+                    <p:sldTgt/>
+                  </p:tgtEl>
+                </p:cond>
+              </p:nextCondLst>
+            </p:seq>
+          </p:childTnLst>
+        </p:cTn>
+      </p:par>
+    </p:tnLst>
+  </p:timing>
+</p:sld>
+</file>
+
+<file path=ppt/slides/slide20.xml><?xml version="1.0" encoding="utf-8"?>
 <p:sld xmlns:a="http://schemas.openxmlformats.org/drawingml/2006/main" xmlns:r="http://schemas.openxmlformats.org/officeDocument/2006/relationships" xmlns:p="http://schemas.openxmlformats.org/presentationml/2006/main">
   <p:cSld>
     <p:spTree>
@@ -16462,481 +18670,7 @@
 </p:sld>
 </file>
 
-<file path=ppt/slides/slide2.xml><?xml version="1.0" encoding="utf-8"?>
-<p:sld xmlns:a="http://schemas.openxmlformats.org/drawingml/2006/main" xmlns:r="http://schemas.openxmlformats.org/officeDocument/2006/relationships" xmlns:p="http://schemas.openxmlformats.org/presentationml/2006/main">
-  <p:cSld>
-    <p:spTree>
-      <p:nvGrpSpPr>
-        <p:cNvPr id="1" name=""/>
-        <p:cNvGrpSpPr/>
-        <p:nvPr/>
-      </p:nvGrpSpPr>
-      <p:grpSpPr>
-        <a:xfrm>
-          <a:off x="0" y="0"/>
-          <a:ext cx="0" cy="0"/>
-          <a:chOff x="0" y="0"/>
-          <a:chExt cx="0" cy="0"/>
-        </a:xfrm>
-      </p:grpSpPr>
-      <p:sp>
-        <p:nvSpPr>
-          <p:cNvPr id="2" name="Title 1"/>
-          <p:cNvSpPr>
-            <a:spLocks noGrp="1"/>
-          </p:cNvSpPr>
-          <p:nvPr>
-            <p:ph type="title"/>
-          </p:nvPr>
-        </p:nvSpPr>
-        <p:spPr>
-          <a:xfrm>
-            <a:off x="584200" y="221992"/>
-            <a:ext cx="10515600" cy="530954"/>
-          </a:xfrm>
-        </p:spPr>
-        <p:txBody>
-          <a:bodyPr>
-            <a:normAutofit fontScale="90000"/>
-          </a:bodyPr>
-          <a:lstStyle/>
-          <a:p>
-            <a:r>
-              <a:rPr lang="en-US" dirty="0"/>
-              <a:t>Measuring similarity and dissimilarity</a:t>
-            </a:r>
-          </a:p>
-        </p:txBody>
-      </p:sp>
-      <p:sp>
-        <p:nvSpPr>
-          <p:cNvPr id="3" name="Content Placeholder 2"/>
-          <p:cNvSpPr>
-            <a:spLocks noGrp="1"/>
-          </p:cNvSpPr>
-          <p:nvPr>
-            <p:ph sz="quarter" idx="10"/>
-          </p:nvPr>
-        </p:nvSpPr>
-        <p:spPr>
-          <a:xfrm>
-            <a:off x="333375" y="896079"/>
-            <a:ext cx="11525250" cy="5290388"/>
-          </a:xfrm>
-        </p:spPr>
-        <p:txBody>
-          <a:bodyPr>
-            <a:normAutofit/>
-          </a:bodyPr>
-          <a:lstStyle/>
-          <a:p>
-            <a:pPr marL="0" indent="0">
-              <a:buNone/>
-            </a:pPr>
-            <a:r>
-              <a:rPr lang="en-US" dirty="0">
-                <a:latin typeface="+mn-lt"/>
-              </a:rPr>
-              <a:t>Many data mining algorithms search for the most similar or dissimilar cases</a:t>
-            </a:r>
-          </a:p>
-          <a:p>
-            <a:r>
-              <a:rPr lang="en-US" dirty="0">
-                <a:latin typeface="+mn-lt"/>
-              </a:rPr>
-              <a:t>Searching for documents with similar content</a:t>
-            </a:r>
-          </a:p>
-          <a:p>
-            <a:r>
-              <a:rPr lang="en-US" dirty="0">
-                <a:latin typeface="+mn-lt"/>
-              </a:rPr>
-              <a:t>Finding customers with similar purchasing habits </a:t>
-            </a:r>
-          </a:p>
-          <a:p>
-            <a:r>
-              <a:rPr lang="en-US" dirty="0">
-                <a:latin typeface="+mn-lt"/>
-              </a:rPr>
-              <a:t>Discover similar mRNA sequences </a:t>
-            </a:r>
-          </a:p>
-          <a:p>
-            <a:r>
-              <a:rPr lang="en-US" dirty="0">
-                <a:latin typeface="+mn-lt"/>
-              </a:rPr>
-              <a:t>Similarity between two sensor streams</a:t>
-            </a:r>
-          </a:p>
-          <a:p>
-            <a:r>
-              <a:rPr lang="en-US" dirty="0">
-                <a:latin typeface="+mn-lt"/>
-              </a:rPr>
-              <a:t>Matching partners in a dating app</a:t>
-            </a:r>
-          </a:p>
-          <a:p>
-            <a:r>
-              <a:rPr lang="en-US" dirty="0">
-                <a:latin typeface="+mn-lt"/>
-              </a:rPr>
-              <a:t>And many others……………….. </a:t>
-            </a:r>
-          </a:p>
-          <a:p>
-            <a:endParaRPr lang="en-US" sz="2800" dirty="0">
-              <a:latin typeface="+mn-lt"/>
-            </a:endParaRPr>
-          </a:p>
-          <a:p>
-            <a:pPr lvl="1"/>
-            <a:endParaRPr lang="en-US" dirty="0"/>
-          </a:p>
-        </p:txBody>
-      </p:sp>
-    </p:spTree>
-    <p:extLst>
-      <p:ext uri="{BB962C8B-B14F-4D97-AF65-F5344CB8AC3E}">
-        <p14:creationId xmlns:p14="http://schemas.microsoft.com/office/powerpoint/2010/main" val="92654233"/>
-      </p:ext>
-    </p:extLst>
-  </p:cSld>
-  <p:clrMapOvr>
-    <a:masterClrMapping/>
-  </p:clrMapOvr>
-  <p:timing>
-    <p:tnLst>
-      <p:par>
-        <p:cTn id="1" dur="indefinite" restart="never" nodeType="tmRoot">
-          <p:childTnLst>
-            <p:seq concurrent="1" nextAc="seek">
-              <p:cTn id="2" dur="indefinite" nodeType="mainSeq">
-                <p:childTnLst>
-                  <p:par>
-                    <p:cTn id="3" fill="hold">
-                      <p:stCondLst>
-                        <p:cond delay="indefinite"/>
-                      </p:stCondLst>
-                      <p:childTnLst>
-                        <p:par>
-                          <p:cTn id="4" fill="hold">
-                            <p:stCondLst>
-                              <p:cond delay="0"/>
-                            </p:stCondLst>
-                            <p:childTnLst>
-                              <p:par>
-                                <p:cTn id="5" presetID="1" presetClass="entr" presetSubtype="0" fill="hold" nodeType="clickEffect">
-                                  <p:stCondLst>
-                                    <p:cond delay="0"/>
-                                  </p:stCondLst>
-                                  <p:childTnLst>
-                                    <p:set>
-                                      <p:cBhvr>
-                                        <p:cTn id="6" dur="1" fill="hold">
-                                          <p:stCondLst>
-                                            <p:cond delay="0"/>
-                                          </p:stCondLst>
-                                        </p:cTn>
-                                        <p:tgtEl>
-                                          <p:spTgt spid="3">
-                                            <p:txEl>
-                                              <p:pRg st="1" end="1"/>
-                                            </p:txEl>
-                                          </p:spTgt>
-                                        </p:tgtEl>
-                                        <p:attrNameLst>
-                                          <p:attrName>style.visibility</p:attrName>
-                                        </p:attrNameLst>
-                                      </p:cBhvr>
-                                      <p:to>
-                                        <p:strVal val="visible"/>
-                                      </p:to>
-                                    </p:set>
-                                  </p:childTnLst>
-                                </p:cTn>
-                              </p:par>
-                            </p:childTnLst>
-                          </p:cTn>
-                        </p:par>
-                      </p:childTnLst>
-                    </p:cTn>
-                  </p:par>
-                  <p:par>
-                    <p:cTn id="7" fill="hold">
-                      <p:stCondLst>
-                        <p:cond delay="indefinite"/>
-                      </p:stCondLst>
-                      <p:childTnLst>
-                        <p:par>
-                          <p:cTn id="8" fill="hold">
-                            <p:stCondLst>
-                              <p:cond delay="0"/>
-                            </p:stCondLst>
-                            <p:childTnLst>
-                              <p:par>
-                                <p:cTn id="9" presetID="1" presetClass="entr" presetSubtype="0" fill="hold" nodeType="clickEffect">
-                                  <p:stCondLst>
-                                    <p:cond delay="0"/>
-                                  </p:stCondLst>
-                                  <p:childTnLst>
-                                    <p:set>
-                                      <p:cBhvr>
-                                        <p:cTn id="10" dur="1" fill="hold">
-                                          <p:stCondLst>
-                                            <p:cond delay="0"/>
-                                          </p:stCondLst>
-                                        </p:cTn>
-                                        <p:tgtEl>
-                                          <p:spTgt spid="3">
-                                            <p:txEl>
-                                              <p:pRg st="2" end="2"/>
-                                            </p:txEl>
-                                          </p:spTgt>
-                                        </p:tgtEl>
-                                        <p:attrNameLst>
-                                          <p:attrName>style.visibility</p:attrName>
-                                        </p:attrNameLst>
-                                      </p:cBhvr>
-                                      <p:to>
-                                        <p:strVal val="visible"/>
-                                      </p:to>
-                                    </p:set>
-                                  </p:childTnLst>
-                                </p:cTn>
-                              </p:par>
-                            </p:childTnLst>
-                          </p:cTn>
-                        </p:par>
-                      </p:childTnLst>
-                    </p:cTn>
-                  </p:par>
-                  <p:par>
-                    <p:cTn id="11" fill="hold">
-                      <p:stCondLst>
-                        <p:cond delay="indefinite"/>
-                      </p:stCondLst>
-                      <p:childTnLst>
-                        <p:par>
-                          <p:cTn id="12" fill="hold">
-                            <p:stCondLst>
-                              <p:cond delay="0"/>
-                            </p:stCondLst>
-                            <p:childTnLst>
-                              <p:par>
-                                <p:cTn id="13" presetID="1" presetClass="entr" presetSubtype="0" fill="hold" nodeType="clickEffect">
-                                  <p:stCondLst>
-                                    <p:cond delay="0"/>
-                                  </p:stCondLst>
-                                  <p:childTnLst>
-                                    <p:set>
-                                      <p:cBhvr>
-                                        <p:cTn id="14" dur="1" fill="hold">
-                                          <p:stCondLst>
-                                            <p:cond delay="0"/>
-                                          </p:stCondLst>
-                                        </p:cTn>
-                                        <p:tgtEl>
-                                          <p:spTgt spid="3">
-                                            <p:txEl>
-                                              <p:pRg st="3" end="3"/>
-                                            </p:txEl>
-                                          </p:spTgt>
-                                        </p:tgtEl>
-                                        <p:attrNameLst>
-                                          <p:attrName>style.visibility</p:attrName>
-                                        </p:attrNameLst>
-                                      </p:cBhvr>
-                                      <p:to>
-                                        <p:strVal val="visible"/>
-                                      </p:to>
-                                    </p:set>
-                                  </p:childTnLst>
-                                </p:cTn>
-                              </p:par>
-                            </p:childTnLst>
-                          </p:cTn>
-                        </p:par>
-                      </p:childTnLst>
-                    </p:cTn>
-                  </p:par>
-                  <p:par>
-                    <p:cTn id="15" fill="hold">
-                      <p:stCondLst>
-                        <p:cond delay="indefinite"/>
-                      </p:stCondLst>
-                      <p:childTnLst>
-                        <p:par>
-                          <p:cTn id="16" fill="hold">
-                            <p:stCondLst>
-                              <p:cond delay="0"/>
-                            </p:stCondLst>
-                            <p:childTnLst>
-                              <p:par>
-                                <p:cTn id="17" presetID="1" presetClass="entr" presetSubtype="0" fill="hold" nodeType="clickEffect">
-                                  <p:stCondLst>
-                                    <p:cond delay="0"/>
-                                  </p:stCondLst>
-                                  <p:childTnLst>
-                                    <p:set>
-                                      <p:cBhvr>
-                                        <p:cTn id="18" dur="1" fill="hold">
-                                          <p:stCondLst>
-                                            <p:cond delay="0"/>
-                                          </p:stCondLst>
-                                        </p:cTn>
-                                        <p:tgtEl>
-                                          <p:spTgt spid="3">
-                                            <p:txEl>
-                                              <p:pRg st="4" end="4"/>
-                                            </p:txEl>
-                                          </p:spTgt>
-                                        </p:tgtEl>
-                                        <p:attrNameLst>
-                                          <p:attrName>style.visibility</p:attrName>
-                                        </p:attrNameLst>
-                                      </p:cBhvr>
-                                      <p:to>
-                                        <p:strVal val="visible"/>
-                                      </p:to>
-                                    </p:set>
-                                  </p:childTnLst>
-                                </p:cTn>
-                              </p:par>
-                            </p:childTnLst>
-                          </p:cTn>
-                        </p:par>
-                      </p:childTnLst>
-                    </p:cTn>
-                  </p:par>
-                  <p:par>
-                    <p:cTn id="19" fill="hold">
-                      <p:stCondLst>
-                        <p:cond delay="indefinite"/>
-                      </p:stCondLst>
-                      <p:childTnLst>
-                        <p:par>
-                          <p:cTn id="20" fill="hold">
-                            <p:stCondLst>
-                              <p:cond delay="0"/>
-                            </p:stCondLst>
-                            <p:childTnLst>
-                              <p:par>
-                                <p:cTn id="21" presetID="1" presetClass="entr" presetSubtype="0" fill="hold" nodeType="clickEffect">
-                                  <p:stCondLst>
-                                    <p:cond delay="0"/>
-                                  </p:stCondLst>
-                                  <p:childTnLst>
-                                    <p:set>
-                                      <p:cBhvr>
-                                        <p:cTn id="22" dur="1" fill="hold">
-                                          <p:stCondLst>
-                                            <p:cond delay="0"/>
-                                          </p:stCondLst>
-                                        </p:cTn>
-                                        <p:tgtEl>
-                                          <p:spTgt spid="3">
-                                            <p:txEl>
-                                              <p:pRg st="5" end="5"/>
-                                            </p:txEl>
-                                          </p:spTgt>
-                                        </p:tgtEl>
-                                        <p:attrNameLst>
-                                          <p:attrName>style.visibility</p:attrName>
-                                        </p:attrNameLst>
-                                      </p:cBhvr>
-                                      <p:to>
-                                        <p:strVal val="visible"/>
-                                      </p:to>
-                                    </p:set>
-                                  </p:childTnLst>
-                                </p:cTn>
-                              </p:par>
-                            </p:childTnLst>
-                          </p:cTn>
-                        </p:par>
-                      </p:childTnLst>
-                    </p:cTn>
-                  </p:par>
-                  <p:par>
-                    <p:cTn id="23" fill="hold">
-                      <p:stCondLst>
-                        <p:cond delay="indefinite"/>
-                      </p:stCondLst>
-                      <p:childTnLst>
-                        <p:par>
-                          <p:cTn id="24" fill="hold">
-                            <p:stCondLst>
-                              <p:cond delay="0"/>
-                            </p:stCondLst>
-                            <p:childTnLst>
-                              <p:par>
-                                <p:cTn id="25" presetID="1" presetClass="entr" presetSubtype="0" fill="hold" nodeType="clickEffect">
-                                  <p:stCondLst>
-                                    <p:cond delay="0"/>
-                                  </p:stCondLst>
-                                  <p:childTnLst>
-                                    <p:set>
-                                      <p:cBhvr>
-                                        <p:cTn id="26" dur="1" fill="hold">
-                                          <p:stCondLst>
-                                            <p:cond delay="0"/>
-                                          </p:stCondLst>
-                                        </p:cTn>
-                                        <p:tgtEl>
-                                          <p:spTgt spid="3">
-                                            <p:txEl>
-                                              <p:pRg st="6" end="6"/>
-                                            </p:txEl>
-                                          </p:spTgt>
-                                        </p:tgtEl>
-                                        <p:attrNameLst>
-                                          <p:attrName>style.visibility</p:attrName>
-                                        </p:attrNameLst>
-                                      </p:cBhvr>
-                                      <p:to>
-                                        <p:strVal val="visible"/>
-                                      </p:to>
-                                    </p:set>
-                                  </p:childTnLst>
-                                </p:cTn>
-                              </p:par>
-                            </p:childTnLst>
-                          </p:cTn>
-                        </p:par>
-                      </p:childTnLst>
-                    </p:cTn>
-                  </p:par>
-                </p:childTnLst>
-              </p:cTn>
-              <p:prevCondLst>
-                <p:cond evt="onPrev" delay="0">
-                  <p:tgtEl>
-                    <p:sldTgt/>
-                  </p:tgtEl>
-                </p:cond>
-              </p:prevCondLst>
-              <p:nextCondLst>
-                <p:cond evt="onNext" delay="0">
-                  <p:tgtEl>
-                    <p:sldTgt/>
-                  </p:tgtEl>
-                </p:cond>
-              </p:nextCondLst>
-            </p:seq>
-          </p:childTnLst>
-        </p:cTn>
-      </p:par>
-    </p:tnLst>
-  </p:timing>
-</p:sld>
-</file>
-
-<file path=ppt/slides/slide20.xml><?xml version="1.0" encoding="utf-8"?>
+<file path=ppt/slides/slide21.xml><?xml version="1.0" encoding="utf-8"?>
 <p:sld xmlns:a="http://schemas.openxmlformats.org/drawingml/2006/main" xmlns:r="http://schemas.openxmlformats.org/officeDocument/2006/relationships" xmlns:p="http://schemas.openxmlformats.org/presentationml/2006/main">
   <p:cSld>
     <p:spTree>
@@ -17438,7 +19172,7 @@
 </p:sld>
 </file>
 
-<file path=ppt/slides/slide21.xml><?xml version="1.0" encoding="utf-8"?>
+<file path=ppt/slides/slide22.xml><?xml version="1.0" encoding="utf-8"?>
 <p:sld xmlns:a="http://schemas.openxmlformats.org/drawingml/2006/main" xmlns:r="http://schemas.openxmlformats.org/officeDocument/2006/relationships" xmlns:p="http://schemas.openxmlformats.org/presentationml/2006/main">
   <p:cSld>
     <p:spTree>
@@ -18637,7 +20371,7 @@
 </p:sld>
 </file>
 
-<file path=ppt/slides/slide22.xml><?xml version="1.0" encoding="utf-8"?>
+<file path=ppt/slides/slide23.xml><?xml version="1.0" encoding="utf-8"?>
 <p:sld xmlns:a="http://schemas.openxmlformats.org/drawingml/2006/main" xmlns:r="http://schemas.openxmlformats.org/officeDocument/2006/relationships" xmlns:p="http://schemas.openxmlformats.org/presentationml/2006/main">
   <p:cSld>
     <p:spTree>
@@ -19868,7 +21602,7 @@
 </p:sld>
 </file>
 
-<file path=ppt/slides/slide23.xml><?xml version="1.0" encoding="utf-8"?>
+<file path=ppt/slides/slide24.xml><?xml version="1.0" encoding="utf-8"?>
 <p:sld xmlns:a="http://schemas.openxmlformats.org/drawingml/2006/main" xmlns:r="http://schemas.openxmlformats.org/officeDocument/2006/relationships" xmlns:p="http://schemas.openxmlformats.org/presentationml/2006/main">
   <p:cSld>
     <p:spTree>
@@ -20554,7 +22288,7 @@
 </p:sld>
 </file>
 
-<file path=ppt/slides/slide24.xml><?xml version="1.0" encoding="utf-8"?>
+<file path=ppt/slides/slide25.xml><?xml version="1.0" encoding="utf-8"?>
 <p:sld xmlns:a="http://schemas.openxmlformats.org/drawingml/2006/main" xmlns:r="http://schemas.openxmlformats.org/officeDocument/2006/relationships" xmlns:p="http://schemas.openxmlformats.org/presentationml/2006/main">
   <p:cSld>
     <p:spTree>
@@ -20645,7 +22379,7 @@
               <a:rPr lang="en-US" dirty="0">
                 <a:latin typeface="+mn-lt"/>
               </a:rPr>
-              <a:t>Some methods use measures of </a:t>
+              <a:t>We often work with measures of </a:t>
             </a:r>
             <a:r>
               <a:rPr lang="en-US" b="1" dirty="0">
@@ -21200,7 +22934,7 @@
 </p:sld>
 </file>
 
-<file path=ppt/slides/slide25.xml><?xml version="1.0" encoding="utf-8"?>
+<file path=ppt/slides/slide26.xml><?xml version="1.0" encoding="utf-8"?>
 <p:sld xmlns:a="http://schemas.openxmlformats.org/drawingml/2006/main" xmlns:r="http://schemas.openxmlformats.org/officeDocument/2006/relationships" xmlns:p="http://schemas.openxmlformats.org/presentationml/2006/main">
   <p:cSld>
     <p:spTree>
@@ -22184,7 +23918,7 @@
 </p:sld>
 </file>
 
-<file path=ppt/slides/slide26.xml><?xml version="1.0" encoding="utf-8"?>
+<file path=ppt/slides/slide27.xml><?xml version="1.0" encoding="utf-8"?>
 <p:sld xmlns:a="http://schemas.openxmlformats.org/drawingml/2006/main" xmlns:r="http://schemas.openxmlformats.org/officeDocument/2006/relationships" xmlns:p="http://schemas.openxmlformats.org/presentationml/2006/main">
   <p:cSld>
     <p:spTree>
@@ -22230,8 +23964,8 @@
           </a:p>
         </p:txBody>
       </p:sp>
-      <mc:AlternateContent xmlns:mc="http://schemas.openxmlformats.org/markup-compatibility/2006" xmlns:a14="http://schemas.microsoft.com/office/drawing/2010/main">
-        <mc:Choice Requires="a14">
+      <mc:AlternateContent xmlns:mc="http://schemas.openxmlformats.org/markup-compatibility/2006">
+        <mc:Choice xmlns:a14="http://schemas.microsoft.com/office/drawing/2010/main" Requires="a14">
           <p:sp>
             <p:nvSpPr>
               <p:cNvPr id="3" name="Content Placeholder 2"/>
@@ -22250,7 +23984,7 @@
             </p:spPr>
             <p:txBody>
               <a:bodyPr>
-                <a:normAutofit lnSpcReduction="10000"/>
+                <a:normAutofit fontScale="92500"/>
               </a:bodyPr>
               <a:lstStyle/>
               <a:p>
@@ -22616,6 +24350,40 @@
                   </m:oMathPara>
                 </a14:m>
                 <a:endParaRPr lang="en-US" b="0" dirty="0">
+                  <a:latin typeface="+mn-lt"/>
+                </a:endParaRPr>
+              </a:p>
+              <a:p>
+                <a:r>
+                  <a:rPr lang="en-US" dirty="0">
+                    <a:latin typeface="+mn-lt"/>
+                  </a:rPr>
+                  <a:t>Jaccard similarity in range </a:t>
+                </a:r>
+                <a14:m>
+                  <m:oMath xmlns:m="http://schemas.openxmlformats.org/officeDocument/2006/math">
+                    <m:d>
+                      <m:dPr>
+                        <m:begChr m:val="["/>
+                        <m:endChr m:val="]"/>
+                        <m:ctrlPr>
+                          <a:rPr lang="en-US" i="1" smtClean="0">
+                            <a:latin typeface="Cambria Math" panose="02040503050406030204" pitchFamily="18" charset="0"/>
+                          </a:rPr>
+                        </m:ctrlPr>
+                      </m:dPr>
+                      <m:e>
+                        <m:r>
+                          <a:rPr lang="en-US" b="0" i="1" smtClean="0">
+                            <a:latin typeface="Cambria Math" panose="02040503050406030204" pitchFamily="18" charset="0"/>
+                          </a:rPr>
+                          <m:t>0,1</m:t>
+                        </m:r>
+                      </m:e>
+                    </m:d>
+                  </m:oMath>
+                </a14:m>
+                <a:endParaRPr lang="en-US" dirty="0">
                   <a:latin typeface="+mn-lt"/>
                 </a:endParaRPr>
               </a:p>
@@ -23023,7 +24791,7 @@
             </p:txBody>
           </p:sp>
         </mc:Choice>
-        <mc:Fallback xmlns="">
+        <mc:Fallback>
           <p:sp>
             <p:nvSpPr>
               <p:cNvPr id="3" name="Content Placeholder 2"/>
@@ -23042,7 +24810,7 @@
               <a:blipFill>
                 <a:blip r:embed="rId4"/>
                 <a:stretch>
-                  <a:fillRect l="-1111" t="-2460"/>
+                  <a:fillRect l="-952" t="-1604" b="-1070"/>
                 </a:stretch>
               </a:blipFill>
             </p:spPr>
@@ -23202,39 +24970,26 @@
                                   </p:childTnLst>
                                 </p:cTn>
                               </p:par>
+                            </p:childTnLst>
+                          </p:cTn>
+                        </p:par>
+                      </p:childTnLst>
+                    </p:cTn>
+                  </p:par>
+                  <p:par>
+                    <p:cTn id="13" fill="hold">
+                      <p:stCondLst>
+                        <p:cond delay="indefinite"/>
+                      </p:stCondLst>
+                      <p:childTnLst>
+                        <p:par>
+                          <p:cTn id="14" fill="hold">
+                            <p:stCondLst>
+                              <p:cond delay="0"/>
+                            </p:stCondLst>
+                            <p:childTnLst>
                               <p:par>
-                                <p:cTn id="13" presetID="1" presetClass="entr" presetSubtype="0" fill="hold" nodeType="withEffect">
-                                  <p:stCondLst>
-                                    <p:cond delay="0"/>
-                                  </p:stCondLst>
-                                  <p:childTnLst>
-                                    <p:set>
-                                      <p:cBhvr>
-                                        <p:cTn id="14" dur="1" fill="hold">
-                                          <p:stCondLst>
-                                            <p:cond delay="0"/>
-                                          </p:stCondLst>
-                                        </p:cTn>
-                                        <p:tgtEl>
-                                          <p:spTgt spid="3">
-                                            <p:txEl>
-                                              <p:pRg st="4" end="4"/>
-                                            </p:txEl>
-                                          </p:spTgt>
-                                        </p:tgtEl>
-                                        <p:attrNameLst>
-                                          <p:attrName>style.visibility</p:attrName>
-                                        </p:attrNameLst>
-                                      </p:cBhvr>
-                                      <p:to>
-                                        <p:strVal val="visible"/>
-                                      </p:to>
-                                    </p:set>
-                                  </p:childTnLst>
-                                </p:cTn>
-                              </p:par>
-                              <p:par>
-                                <p:cTn id="15" presetID="1" presetClass="entr" presetSubtype="0" fill="hold" nodeType="withEffect">
+                                <p:cTn id="15" presetID="1" presetClass="entr" presetSubtype="0" fill="hold" nodeType="clickEffect">
                                   <p:stCondLst>
                                     <p:cond delay="0"/>
                                   </p:stCondLst>
@@ -23249,7 +25004,7 @@
                                         <p:tgtEl>
                                           <p:spTgt spid="3">
                                             <p:txEl>
-                                              <p:pRg st="5" end="5"/>
+                                              <p:pRg st="4" end="4"/>
                                             </p:txEl>
                                           </p:spTgt>
                                         </p:tgtEl>
@@ -23280,7 +25035,7 @@
                                         <p:tgtEl>
                                           <p:spTgt spid="3">
                                             <p:txEl>
-                                              <p:pRg st="6" end="6"/>
+                                              <p:pRg st="5" end="5"/>
                                             </p:txEl>
                                           </p:spTgt>
                                         </p:tgtEl>
@@ -23311,7 +25066,7 @@
                                         <p:tgtEl>
                                           <p:spTgt spid="3">
                                             <p:txEl>
-                                              <p:pRg st="7" end="7"/>
+                                              <p:pRg st="6" end="6"/>
                                             </p:txEl>
                                           </p:spTgt>
                                         </p:tgtEl>
@@ -23342,7 +25097,69 @@
                                         <p:tgtEl>
                                           <p:spTgt spid="3">
                                             <p:txEl>
+                                              <p:pRg st="7" end="7"/>
+                                            </p:txEl>
+                                          </p:spTgt>
+                                        </p:tgtEl>
+                                        <p:attrNameLst>
+                                          <p:attrName>style.visibility</p:attrName>
+                                        </p:attrNameLst>
+                                      </p:cBhvr>
+                                      <p:to>
+                                        <p:strVal val="visible"/>
+                                      </p:to>
+                                    </p:set>
+                                  </p:childTnLst>
+                                </p:cTn>
+                              </p:par>
+                              <p:par>
+                                <p:cTn id="23" presetID="1" presetClass="entr" presetSubtype="0" fill="hold" nodeType="withEffect">
+                                  <p:stCondLst>
+                                    <p:cond delay="0"/>
+                                  </p:stCondLst>
+                                  <p:childTnLst>
+                                    <p:set>
+                                      <p:cBhvr>
+                                        <p:cTn id="24" dur="1" fill="hold">
+                                          <p:stCondLst>
+                                            <p:cond delay="0"/>
+                                          </p:stCondLst>
+                                        </p:cTn>
+                                        <p:tgtEl>
+                                          <p:spTgt spid="3">
+                                            <p:txEl>
                                               <p:pRg st="8" end="8"/>
+                                            </p:txEl>
+                                          </p:spTgt>
+                                        </p:tgtEl>
+                                        <p:attrNameLst>
+                                          <p:attrName>style.visibility</p:attrName>
+                                        </p:attrNameLst>
+                                      </p:cBhvr>
+                                      <p:to>
+                                        <p:strVal val="visible"/>
+                                      </p:to>
+                                    </p:set>
+                                  </p:childTnLst>
+                                </p:cTn>
+                              </p:par>
+                              <p:par>
+                                <p:cTn id="25" presetID="1" presetClass="entr" presetSubtype="0" fill="hold" nodeType="withEffect">
+                                  <p:stCondLst>
+                                    <p:cond delay="0"/>
+                                  </p:stCondLst>
+                                  <p:childTnLst>
+                                    <p:set>
+                                      <p:cBhvr>
+                                        <p:cTn id="26" dur="1" fill="hold">
+                                          <p:stCondLst>
+                                            <p:cond delay="0"/>
+                                          </p:stCondLst>
+                                        </p:cTn>
+                                        <p:tgtEl>
+                                          <p:spTgt spid="3">
+                                            <p:txEl>
+                                              <p:pRg st="9" end="9"/>
                                             </p:txEl>
                                           </p:spTgt>
                                         </p:tgtEl>
@@ -23364,26 +25181,26 @@
                     </p:cTn>
                   </p:par>
                   <p:par>
-                    <p:cTn id="23" fill="hold">
+                    <p:cTn id="27" fill="hold">
                       <p:stCondLst>
                         <p:cond delay="indefinite"/>
                       </p:stCondLst>
                       <p:childTnLst>
                         <p:par>
-                          <p:cTn id="24" fill="hold">
+                          <p:cTn id="28" fill="hold">
                             <p:stCondLst>
                               <p:cond delay="0"/>
                             </p:stCondLst>
                             <p:childTnLst>
                               <p:par>
-                                <p:cTn id="25" presetID="1" presetClass="entr" presetSubtype="0" fill="hold" nodeType="clickEffect">
+                                <p:cTn id="29" presetID="1" presetClass="entr" presetSubtype="0" fill="hold" nodeType="clickEffect">
                                   <p:stCondLst>
                                     <p:cond delay="0"/>
                                   </p:stCondLst>
                                   <p:childTnLst>
                                     <p:set>
                                       <p:cBhvr>
-                                        <p:cTn id="26" dur="1" fill="hold">
+                                        <p:cTn id="30" dur="1" fill="hold">
                                           <p:stCondLst>
                                             <p:cond delay="0"/>
                                           </p:stCondLst>
@@ -23391,7 +25208,7 @@
                                         <p:tgtEl>
                                           <p:spTgt spid="3">
                                             <p:txEl>
-                                              <p:pRg st="9" end="9"/>
+                                              <p:pRg st="10" end="10"/>
                                             </p:txEl>
                                           </p:spTgt>
                                         </p:tgtEl>
@@ -23437,7 +25254,7 @@
 </p:sld>
 </file>
 
-<file path=ppt/slides/slide27.xml><?xml version="1.0" encoding="utf-8"?>
+<file path=ppt/slides/slide28.xml><?xml version="1.0" encoding="utf-8"?>
 <p:sld xmlns:a="http://schemas.openxmlformats.org/drawingml/2006/main" xmlns:r="http://schemas.openxmlformats.org/officeDocument/2006/relationships" xmlns:p="http://schemas.openxmlformats.org/presentationml/2006/main">
   <p:cSld>
     <p:spTree>
@@ -24155,8 +25972,8 @@
           </a:p>
         </p:txBody>
       </p:sp>
-      <mc:AlternateContent xmlns:mc="http://schemas.openxmlformats.org/markup-compatibility/2006" xmlns:a14="http://schemas.microsoft.com/office/drawing/2010/main">
-        <mc:Choice Requires="a14">
+      <mc:AlternateContent xmlns:mc="http://schemas.openxmlformats.org/markup-compatibility/2006">
+        <mc:Choice xmlns:a14="http://schemas.microsoft.com/office/drawing/2010/main" Requires="a14">
           <p:sp>
             <p:nvSpPr>
               <p:cNvPr id="17" name="TextBox 16">
@@ -24201,7 +26018,7 @@
                 </a:pPr>
                 <a:r>
                   <a:rPr lang="en-US" sz="2400" dirty="0"/>
-                  <a:t>What is the distance between them? </a:t>
+                  <a:t>What is the similarity? </a:t>
                 </a:r>
               </a:p>
               <a:p>
@@ -24211,7 +26028,7 @@
                 </a:pPr>
                 <a:r>
                   <a:rPr lang="en-US" sz="2400" dirty="0"/>
-                  <a:t>Cosine distance</a:t>
+                  <a:t>Cosine similarity</a:t>
                 </a:r>
               </a:p>
               <a:p>
@@ -24576,7 +26393,7 @@
             </p:txBody>
           </p:sp>
         </mc:Choice>
-        <mc:Fallback xmlns="">
+        <mc:Fallback>
           <p:sp>
             <p:nvSpPr>
               <p:cNvPr id="17" name="TextBox 16">
@@ -25295,7 +27112,7 @@
 </p:sld>
 </file>
 
-<file path=ppt/slides/slide28.xml><?xml version="1.0" encoding="utf-8"?>
+<file path=ppt/slides/slide29.xml><?xml version="1.0" encoding="utf-8"?>
 <p:sld xmlns:a="http://schemas.openxmlformats.org/drawingml/2006/main" xmlns:r="http://schemas.openxmlformats.org/officeDocument/2006/relationships" xmlns:p="http://schemas.openxmlformats.org/presentationml/2006/main">
   <p:cSld>
     <p:spTree>
@@ -27206,7 +29023,481 @@
 </p:sld>
 </file>
 
-<file path=ppt/slides/slide29.xml><?xml version="1.0" encoding="utf-8"?>
+<file path=ppt/slides/slide3.xml><?xml version="1.0" encoding="utf-8"?>
+<p:sld xmlns:a="http://schemas.openxmlformats.org/drawingml/2006/main" xmlns:r="http://schemas.openxmlformats.org/officeDocument/2006/relationships" xmlns:p="http://schemas.openxmlformats.org/presentationml/2006/main">
+  <p:cSld>
+    <p:spTree>
+      <p:nvGrpSpPr>
+        <p:cNvPr id="1" name=""/>
+        <p:cNvGrpSpPr/>
+        <p:nvPr/>
+      </p:nvGrpSpPr>
+      <p:grpSpPr>
+        <a:xfrm>
+          <a:off x="0" y="0"/>
+          <a:ext cx="0" cy="0"/>
+          <a:chOff x="0" y="0"/>
+          <a:chExt cx="0" cy="0"/>
+        </a:xfrm>
+      </p:grpSpPr>
+      <p:sp>
+        <p:nvSpPr>
+          <p:cNvPr id="2" name="Title 1"/>
+          <p:cNvSpPr>
+            <a:spLocks noGrp="1"/>
+          </p:cNvSpPr>
+          <p:nvPr>
+            <p:ph type="title"/>
+          </p:nvPr>
+        </p:nvSpPr>
+        <p:spPr>
+          <a:xfrm>
+            <a:off x="584200" y="221992"/>
+            <a:ext cx="10515600" cy="530954"/>
+          </a:xfrm>
+        </p:spPr>
+        <p:txBody>
+          <a:bodyPr>
+            <a:normAutofit fontScale="90000"/>
+          </a:bodyPr>
+          <a:lstStyle/>
+          <a:p>
+            <a:r>
+              <a:rPr lang="en-US" dirty="0"/>
+              <a:t>Measuring similarity and dissimilarity</a:t>
+            </a:r>
+          </a:p>
+        </p:txBody>
+      </p:sp>
+      <p:sp>
+        <p:nvSpPr>
+          <p:cNvPr id="3" name="Content Placeholder 2"/>
+          <p:cNvSpPr>
+            <a:spLocks noGrp="1"/>
+          </p:cNvSpPr>
+          <p:nvPr>
+            <p:ph sz="quarter" idx="10"/>
+          </p:nvPr>
+        </p:nvSpPr>
+        <p:spPr>
+          <a:xfrm>
+            <a:off x="333375" y="896079"/>
+            <a:ext cx="11525250" cy="5290388"/>
+          </a:xfrm>
+        </p:spPr>
+        <p:txBody>
+          <a:bodyPr>
+            <a:normAutofit/>
+          </a:bodyPr>
+          <a:lstStyle/>
+          <a:p>
+            <a:pPr marL="0" indent="0">
+              <a:buNone/>
+            </a:pPr>
+            <a:r>
+              <a:rPr lang="en-US" dirty="0">
+                <a:latin typeface="+mn-lt"/>
+              </a:rPr>
+              <a:t>Many data mining applications use search for the most similar or dissimilar cases</a:t>
+            </a:r>
+          </a:p>
+          <a:p>
+            <a:r>
+              <a:rPr lang="en-US" dirty="0">
+                <a:latin typeface="+mn-lt"/>
+              </a:rPr>
+              <a:t>Searching for documents with similar content</a:t>
+            </a:r>
+          </a:p>
+          <a:p>
+            <a:r>
+              <a:rPr lang="en-US" dirty="0">
+                <a:latin typeface="+mn-lt"/>
+              </a:rPr>
+              <a:t>Finding customers with similar movie interests </a:t>
+            </a:r>
+          </a:p>
+          <a:p>
+            <a:r>
+              <a:rPr lang="en-US" dirty="0">
+                <a:latin typeface="+mn-lt"/>
+              </a:rPr>
+              <a:t>Discovering similar mRNA sequences </a:t>
+            </a:r>
+          </a:p>
+          <a:p>
+            <a:r>
+              <a:rPr lang="en-US" dirty="0">
+                <a:latin typeface="+mn-lt"/>
+              </a:rPr>
+              <a:t>Finding the most similar sensor streams </a:t>
+            </a:r>
+          </a:p>
+          <a:p>
+            <a:r>
+              <a:rPr lang="en-US" dirty="0">
+                <a:latin typeface="+mn-lt"/>
+              </a:rPr>
+              <a:t>Finding similar products for recommendation </a:t>
+            </a:r>
+          </a:p>
+          <a:p>
+            <a:r>
+              <a:rPr lang="en-US" dirty="0">
+                <a:latin typeface="+mn-lt"/>
+              </a:rPr>
+              <a:t>And many others……………….. </a:t>
+            </a:r>
+          </a:p>
+          <a:p>
+            <a:endParaRPr lang="en-US" sz="2800" dirty="0">
+              <a:latin typeface="+mn-lt"/>
+            </a:endParaRPr>
+          </a:p>
+          <a:p>
+            <a:pPr lvl="1"/>
+            <a:endParaRPr lang="en-US" dirty="0"/>
+          </a:p>
+        </p:txBody>
+      </p:sp>
+    </p:spTree>
+    <p:extLst>
+      <p:ext uri="{BB962C8B-B14F-4D97-AF65-F5344CB8AC3E}">
+        <p14:creationId xmlns:p14="http://schemas.microsoft.com/office/powerpoint/2010/main" val="3043109730"/>
+      </p:ext>
+    </p:extLst>
+  </p:cSld>
+  <p:clrMapOvr>
+    <a:masterClrMapping/>
+  </p:clrMapOvr>
+  <p:timing>
+    <p:tnLst>
+      <p:par>
+        <p:cTn id="1" dur="indefinite" restart="never" nodeType="tmRoot">
+          <p:childTnLst>
+            <p:seq concurrent="1" nextAc="seek">
+              <p:cTn id="2" dur="indefinite" nodeType="mainSeq">
+                <p:childTnLst>
+                  <p:par>
+                    <p:cTn id="3" fill="hold">
+                      <p:stCondLst>
+                        <p:cond delay="indefinite"/>
+                      </p:stCondLst>
+                      <p:childTnLst>
+                        <p:par>
+                          <p:cTn id="4" fill="hold">
+                            <p:stCondLst>
+                              <p:cond delay="0"/>
+                            </p:stCondLst>
+                            <p:childTnLst>
+                              <p:par>
+                                <p:cTn id="5" presetID="1" presetClass="entr" presetSubtype="0" fill="hold" nodeType="clickEffect">
+                                  <p:stCondLst>
+                                    <p:cond delay="0"/>
+                                  </p:stCondLst>
+                                  <p:childTnLst>
+                                    <p:set>
+                                      <p:cBhvr>
+                                        <p:cTn id="6" dur="1" fill="hold">
+                                          <p:stCondLst>
+                                            <p:cond delay="0"/>
+                                          </p:stCondLst>
+                                        </p:cTn>
+                                        <p:tgtEl>
+                                          <p:spTgt spid="3">
+                                            <p:txEl>
+                                              <p:pRg st="1" end="1"/>
+                                            </p:txEl>
+                                          </p:spTgt>
+                                        </p:tgtEl>
+                                        <p:attrNameLst>
+                                          <p:attrName>style.visibility</p:attrName>
+                                        </p:attrNameLst>
+                                      </p:cBhvr>
+                                      <p:to>
+                                        <p:strVal val="visible"/>
+                                      </p:to>
+                                    </p:set>
+                                  </p:childTnLst>
+                                </p:cTn>
+                              </p:par>
+                            </p:childTnLst>
+                          </p:cTn>
+                        </p:par>
+                      </p:childTnLst>
+                    </p:cTn>
+                  </p:par>
+                  <p:par>
+                    <p:cTn id="7" fill="hold">
+                      <p:stCondLst>
+                        <p:cond delay="indefinite"/>
+                      </p:stCondLst>
+                      <p:childTnLst>
+                        <p:par>
+                          <p:cTn id="8" fill="hold">
+                            <p:stCondLst>
+                              <p:cond delay="0"/>
+                            </p:stCondLst>
+                            <p:childTnLst>
+                              <p:par>
+                                <p:cTn id="9" presetID="1" presetClass="entr" presetSubtype="0" fill="hold" nodeType="clickEffect">
+                                  <p:stCondLst>
+                                    <p:cond delay="0"/>
+                                  </p:stCondLst>
+                                  <p:childTnLst>
+                                    <p:set>
+                                      <p:cBhvr>
+                                        <p:cTn id="10" dur="1" fill="hold">
+                                          <p:stCondLst>
+                                            <p:cond delay="0"/>
+                                          </p:stCondLst>
+                                        </p:cTn>
+                                        <p:tgtEl>
+                                          <p:spTgt spid="3">
+                                            <p:txEl>
+                                              <p:pRg st="2" end="2"/>
+                                            </p:txEl>
+                                          </p:spTgt>
+                                        </p:tgtEl>
+                                        <p:attrNameLst>
+                                          <p:attrName>style.visibility</p:attrName>
+                                        </p:attrNameLst>
+                                      </p:cBhvr>
+                                      <p:to>
+                                        <p:strVal val="visible"/>
+                                      </p:to>
+                                    </p:set>
+                                  </p:childTnLst>
+                                </p:cTn>
+                              </p:par>
+                            </p:childTnLst>
+                          </p:cTn>
+                        </p:par>
+                      </p:childTnLst>
+                    </p:cTn>
+                  </p:par>
+                  <p:par>
+                    <p:cTn id="11" fill="hold">
+                      <p:stCondLst>
+                        <p:cond delay="indefinite"/>
+                      </p:stCondLst>
+                      <p:childTnLst>
+                        <p:par>
+                          <p:cTn id="12" fill="hold">
+                            <p:stCondLst>
+                              <p:cond delay="0"/>
+                            </p:stCondLst>
+                            <p:childTnLst>
+                              <p:par>
+                                <p:cTn id="13" presetID="1" presetClass="entr" presetSubtype="0" fill="hold" nodeType="clickEffect">
+                                  <p:stCondLst>
+                                    <p:cond delay="0"/>
+                                  </p:stCondLst>
+                                  <p:childTnLst>
+                                    <p:set>
+                                      <p:cBhvr>
+                                        <p:cTn id="14" dur="1" fill="hold">
+                                          <p:stCondLst>
+                                            <p:cond delay="0"/>
+                                          </p:stCondLst>
+                                        </p:cTn>
+                                        <p:tgtEl>
+                                          <p:spTgt spid="3">
+                                            <p:txEl>
+                                              <p:pRg st="3" end="3"/>
+                                            </p:txEl>
+                                          </p:spTgt>
+                                        </p:tgtEl>
+                                        <p:attrNameLst>
+                                          <p:attrName>style.visibility</p:attrName>
+                                        </p:attrNameLst>
+                                      </p:cBhvr>
+                                      <p:to>
+                                        <p:strVal val="visible"/>
+                                      </p:to>
+                                    </p:set>
+                                  </p:childTnLst>
+                                </p:cTn>
+                              </p:par>
+                            </p:childTnLst>
+                          </p:cTn>
+                        </p:par>
+                      </p:childTnLst>
+                    </p:cTn>
+                  </p:par>
+                  <p:par>
+                    <p:cTn id="15" fill="hold">
+                      <p:stCondLst>
+                        <p:cond delay="indefinite"/>
+                      </p:stCondLst>
+                      <p:childTnLst>
+                        <p:par>
+                          <p:cTn id="16" fill="hold">
+                            <p:stCondLst>
+                              <p:cond delay="0"/>
+                            </p:stCondLst>
+                            <p:childTnLst>
+                              <p:par>
+                                <p:cTn id="17" presetID="1" presetClass="entr" presetSubtype="0" fill="hold" nodeType="clickEffect">
+                                  <p:stCondLst>
+                                    <p:cond delay="0"/>
+                                  </p:stCondLst>
+                                  <p:childTnLst>
+                                    <p:set>
+                                      <p:cBhvr>
+                                        <p:cTn id="18" dur="1" fill="hold">
+                                          <p:stCondLst>
+                                            <p:cond delay="0"/>
+                                          </p:stCondLst>
+                                        </p:cTn>
+                                        <p:tgtEl>
+                                          <p:spTgt spid="3">
+                                            <p:txEl>
+                                              <p:pRg st="4" end="4"/>
+                                            </p:txEl>
+                                          </p:spTgt>
+                                        </p:tgtEl>
+                                        <p:attrNameLst>
+                                          <p:attrName>style.visibility</p:attrName>
+                                        </p:attrNameLst>
+                                      </p:cBhvr>
+                                      <p:to>
+                                        <p:strVal val="visible"/>
+                                      </p:to>
+                                    </p:set>
+                                  </p:childTnLst>
+                                </p:cTn>
+                              </p:par>
+                            </p:childTnLst>
+                          </p:cTn>
+                        </p:par>
+                      </p:childTnLst>
+                    </p:cTn>
+                  </p:par>
+                  <p:par>
+                    <p:cTn id="19" fill="hold">
+                      <p:stCondLst>
+                        <p:cond delay="indefinite"/>
+                      </p:stCondLst>
+                      <p:childTnLst>
+                        <p:par>
+                          <p:cTn id="20" fill="hold">
+                            <p:stCondLst>
+                              <p:cond delay="0"/>
+                            </p:stCondLst>
+                            <p:childTnLst>
+                              <p:par>
+                                <p:cTn id="21" presetID="1" presetClass="entr" presetSubtype="0" fill="hold" nodeType="clickEffect">
+                                  <p:stCondLst>
+                                    <p:cond delay="0"/>
+                                  </p:stCondLst>
+                                  <p:childTnLst>
+                                    <p:set>
+                                      <p:cBhvr>
+                                        <p:cTn id="22" dur="1" fill="hold">
+                                          <p:stCondLst>
+                                            <p:cond delay="0"/>
+                                          </p:stCondLst>
+                                        </p:cTn>
+                                        <p:tgtEl>
+                                          <p:spTgt spid="3">
+                                            <p:txEl>
+                                              <p:pRg st="5" end="5"/>
+                                            </p:txEl>
+                                          </p:spTgt>
+                                        </p:tgtEl>
+                                        <p:attrNameLst>
+                                          <p:attrName>style.visibility</p:attrName>
+                                        </p:attrNameLst>
+                                      </p:cBhvr>
+                                      <p:to>
+                                        <p:strVal val="visible"/>
+                                      </p:to>
+                                    </p:set>
+                                  </p:childTnLst>
+                                </p:cTn>
+                              </p:par>
+                            </p:childTnLst>
+                          </p:cTn>
+                        </p:par>
+                      </p:childTnLst>
+                    </p:cTn>
+                  </p:par>
+                  <p:par>
+                    <p:cTn id="23" fill="hold">
+                      <p:stCondLst>
+                        <p:cond delay="indefinite"/>
+                      </p:stCondLst>
+                      <p:childTnLst>
+                        <p:par>
+                          <p:cTn id="24" fill="hold">
+                            <p:stCondLst>
+                              <p:cond delay="0"/>
+                            </p:stCondLst>
+                            <p:childTnLst>
+                              <p:par>
+                                <p:cTn id="25" presetID="1" presetClass="entr" presetSubtype="0" fill="hold" nodeType="clickEffect">
+                                  <p:stCondLst>
+                                    <p:cond delay="0"/>
+                                  </p:stCondLst>
+                                  <p:childTnLst>
+                                    <p:set>
+                                      <p:cBhvr>
+                                        <p:cTn id="26" dur="1" fill="hold">
+                                          <p:stCondLst>
+                                            <p:cond delay="0"/>
+                                          </p:stCondLst>
+                                        </p:cTn>
+                                        <p:tgtEl>
+                                          <p:spTgt spid="3">
+                                            <p:txEl>
+                                              <p:pRg st="6" end="6"/>
+                                            </p:txEl>
+                                          </p:spTgt>
+                                        </p:tgtEl>
+                                        <p:attrNameLst>
+                                          <p:attrName>style.visibility</p:attrName>
+                                        </p:attrNameLst>
+                                      </p:cBhvr>
+                                      <p:to>
+                                        <p:strVal val="visible"/>
+                                      </p:to>
+                                    </p:set>
+                                  </p:childTnLst>
+                                </p:cTn>
+                              </p:par>
+                            </p:childTnLst>
+                          </p:cTn>
+                        </p:par>
+                      </p:childTnLst>
+                    </p:cTn>
+                  </p:par>
+                </p:childTnLst>
+              </p:cTn>
+              <p:prevCondLst>
+                <p:cond evt="onPrev" delay="0">
+                  <p:tgtEl>
+                    <p:sldTgt/>
+                  </p:tgtEl>
+                </p:cond>
+              </p:prevCondLst>
+              <p:nextCondLst>
+                <p:cond evt="onNext" delay="0">
+                  <p:tgtEl>
+                    <p:sldTgt/>
+                  </p:tgtEl>
+                </p:cond>
+              </p:nextCondLst>
+            </p:seq>
+          </p:childTnLst>
+        </p:cTn>
+      </p:par>
+    </p:tnLst>
+  </p:timing>
+</p:sld>
+</file>
+
+<file path=ppt/slides/slide30.xml><?xml version="1.0" encoding="utf-8"?>
 <p:sld xmlns:a="http://schemas.openxmlformats.org/drawingml/2006/main" xmlns:r="http://schemas.openxmlformats.org/officeDocument/2006/relationships" xmlns:p="http://schemas.openxmlformats.org/presentationml/2006/main">
   <p:cSld>
     <p:spTree>
@@ -29101,567 +31392,7 @@
 </p:sld>
 </file>
 
-<file path=ppt/slides/slide3.xml><?xml version="1.0" encoding="utf-8"?>
-<p:sld xmlns:a="http://schemas.openxmlformats.org/drawingml/2006/main" xmlns:r="http://schemas.openxmlformats.org/officeDocument/2006/relationships" xmlns:p="http://schemas.openxmlformats.org/presentationml/2006/main">
-  <p:cSld>
-    <p:spTree>
-      <p:nvGrpSpPr>
-        <p:cNvPr id="1" name=""/>
-        <p:cNvGrpSpPr/>
-        <p:nvPr/>
-      </p:nvGrpSpPr>
-      <p:grpSpPr>
-        <a:xfrm>
-          <a:off x="0" y="0"/>
-          <a:ext cx="0" cy="0"/>
-          <a:chOff x="0" y="0"/>
-          <a:chExt cx="0" cy="0"/>
-        </a:xfrm>
-      </p:grpSpPr>
-      <p:sp>
-        <p:nvSpPr>
-          <p:cNvPr id="2" name="Title 1"/>
-          <p:cNvSpPr>
-            <a:spLocks noGrp="1"/>
-          </p:cNvSpPr>
-          <p:nvPr>
-            <p:ph type="title"/>
-          </p:nvPr>
-        </p:nvSpPr>
-        <p:spPr>
-          <a:xfrm>
-            <a:off x="584200" y="221992"/>
-            <a:ext cx="10515600" cy="530954"/>
-          </a:xfrm>
-        </p:spPr>
-        <p:txBody>
-          <a:bodyPr>
-            <a:normAutofit fontScale="90000"/>
-          </a:bodyPr>
-          <a:lstStyle/>
-          <a:p>
-            <a:r>
-              <a:rPr lang="en-US" dirty="0"/>
-              <a:t>Measuring similarity and dissimilarity</a:t>
-            </a:r>
-          </a:p>
-        </p:txBody>
-      </p:sp>
-      <p:sp>
-        <p:nvSpPr>
-          <p:cNvPr id="3" name="Content Placeholder 2"/>
-          <p:cNvSpPr>
-            <a:spLocks noGrp="1"/>
-          </p:cNvSpPr>
-          <p:nvPr>
-            <p:ph sz="quarter" idx="10"/>
-          </p:nvPr>
-        </p:nvSpPr>
-        <p:spPr>
-          <a:xfrm>
-            <a:off x="333375" y="896079"/>
-            <a:ext cx="11525250" cy="5290388"/>
-          </a:xfrm>
-        </p:spPr>
-        <p:txBody>
-          <a:bodyPr>
-            <a:normAutofit/>
-          </a:bodyPr>
-          <a:lstStyle/>
-          <a:p>
-            <a:pPr marL="0" indent="0">
-              <a:buNone/>
-            </a:pPr>
-            <a:r>
-              <a:rPr lang="en-US" dirty="0">
-                <a:latin typeface="+mn-lt"/>
-              </a:rPr>
-              <a:t>Measuring similarity and dissimilarity is fundamental to data mining</a:t>
-            </a:r>
-          </a:p>
-          <a:p>
-            <a:r>
-              <a:rPr lang="en-US" dirty="0">
-                <a:latin typeface="+mn-lt"/>
-              </a:rPr>
-              <a:t>Distance and similarity measures are the foundation of unsupervised learning</a:t>
-            </a:r>
-          </a:p>
-          <a:p>
-            <a:r>
-              <a:rPr lang="en-US" dirty="0">
-                <a:latin typeface="+mn-lt"/>
-              </a:rPr>
-              <a:t>A wide range of metrics used in data mining</a:t>
-            </a:r>
-          </a:p>
-          <a:p>
-            <a:r>
-              <a:rPr lang="en-US" dirty="0">
-                <a:latin typeface="+mn-lt"/>
-              </a:rPr>
-              <a:t>The metrics used must fit the nature of the data and the analysis </a:t>
-            </a:r>
-          </a:p>
-          <a:p>
-            <a:pPr lvl="1"/>
-            <a:r>
-              <a:rPr lang="en-US" dirty="0">
-                <a:latin typeface="+mn-lt"/>
-              </a:rPr>
-              <a:t>Binary data</a:t>
-            </a:r>
-          </a:p>
-          <a:p>
-            <a:pPr lvl="1"/>
-            <a:r>
-              <a:rPr lang="en-US" dirty="0">
-                <a:latin typeface="+mn-lt"/>
-              </a:rPr>
-              <a:t>Text strings</a:t>
-            </a:r>
-          </a:p>
-          <a:p>
-            <a:pPr lvl="1"/>
-            <a:r>
-              <a:rPr lang="en-US" dirty="0">
-                <a:latin typeface="+mn-lt"/>
-              </a:rPr>
-              <a:t>Numeric data</a:t>
-            </a:r>
-          </a:p>
-          <a:p>
-            <a:pPr lvl="1"/>
-            <a:r>
-              <a:rPr lang="en-US" dirty="0">
-                <a:latin typeface="+mn-lt"/>
-              </a:rPr>
-              <a:t>Ordinal data; e.g. rankings and ratings </a:t>
-            </a:r>
-          </a:p>
-          <a:p>
-            <a:pPr lvl="1"/>
-            <a:r>
-              <a:rPr lang="en-US" dirty="0">
-                <a:latin typeface="+mn-lt"/>
-              </a:rPr>
-              <a:t>Unordered categorical data</a:t>
-            </a:r>
-          </a:p>
-          <a:p>
-            <a:r>
-              <a:rPr lang="en-US" b="1" dirty="0">
-                <a:latin typeface="+mn-lt"/>
-              </a:rPr>
-              <a:t>There is no one best metric!</a:t>
-            </a:r>
-          </a:p>
-          <a:p>
-            <a:endParaRPr lang="en-US" sz="2800" dirty="0">
-              <a:latin typeface="+mn-lt"/>
-            </a:endParaRPr>
-          </a:p>
-          <a:p>
-            <a:pPr lvl="1"/>
-            <a:endParaRPr lang="en-US" dirty="0"/>
-          </a:p>
-        </p:txBody>
-      </p:sp>
-    </p:spTree>
-    <p:extLst>
-      <p:ext uri="{BB962C8B-B14F-4D97-AF65-F5344CB8AC3E}">
-        <p14:creationId xmlns:p14="http://schemas.microsoft.com/office/powerpoint/2010/main" val="312349696"/>
-      </p:ext>
-    </p:extLst>
-  </p:cSld>
-  <p:clrMapOvr>
-    <a:masterClrMapping/>
-  </p:clrMapOvr>
-  <p:timing>
-    <p:tnLst>
-      <p:par>
-        <p:cTn id="1" dur="indefinite" restart="never" nodeType="tmRoot">
-          <p:childTnLst>
-            <p:seq concurrent="1" nextAc="seek">
-              <p:cTn id="2" dur="indefinite" nodeType="mainSeq">
-                <p:childTnLst>
-                  <p:par>
-                    <p:cTn id="3" fill="hold">
-                      <p:stCondLst>
-                        <p:cond delay="indefinite"/>
-                      </p:stCondLst>
-                      <p:childTnLst>
-                        <p:par>
-                          <p:cTn id="4" fill="hold">
-                            <p:stCondLst>
-                              <p:cond delay="0"/>
-                            </p:stCondLst>
-                            <p:childTnLst>
-                              <p:par>
-                                <p:cTn id="5" presetID="1" presetClass="entr" presetSubtype="0" fill="hold" nodeType="clickEffect">
-                                  <p:stCondLst>
-                                    <p:cond delay="0"/>
-                                  </p:stCondLst>
-                                  <p:childTnLst>
-                                    <p:set>
-                                      <p:cBhvr>
-                                        <p:cTn id="6" dur="1" fill="hold">
-                                          <p:stCondLst>
-                                            <p:cond delay="0"/>
-                                          </p:stCondLst>
-                                        </p:cTn>
-                                        <p:tgtEl>
-                                          <p:spTgt spid="3">
-                                            <p:txEl>
-                                              <p:pRg st="1" end="1"/>
-                                            </p:txEl>
-                                          </p:spTgt>
-                                        </p:tgtEl>
-                                        <p:attrNameLst>
-                                          <p:attrName>style.visibility</p:attrName>
-                                        </p:attrNameLst>
-                                      </p:cBhvr>
-                                      <p:to>
-                                        <p:strVal val="visible"/>
-                                      </p:to>
-                                    </p:set>
-                                  </p:childTnLst>
-                                </p:cTn>
-                              </p:par>
-                            </p:childTnLst>
-                          </p:cTn>
-                        </p:par>
-                      </p:childTnLst>
-                    </p:cTn>
-                  </p:par>
-                  <p:par>
-                    <p:cTn id="7" fill="hold">
-                      <p:stCondLst>
-                        <p:cond delay="indefinite"/>
-                      </p:stCondLst>
-                      <p:childTnLst>
-                        <p:par>
-                          <p:cTn id="8" fill="hold">
-                            <p:stCondLst>
-                              <p:cond delay="0"/>
-                            </p:stCondLst>
-                            <p:childTnLst>
-                              <p:par>
-                                <p:cTn id="9" presetID="1" presetClass="entr" presetSubtype="0" fill="hold" nodeType="clickEffect">
-                                  <p:stCondLst>
-                                    <p:cond delay="0"/>
-                                  </p:stCondLst>
-                                  <p:childTnLst>
-                                    <p:set>
-                                      <p:cBhvr>
-                                        <p:cTn id="10" dur="1" fill="hold">
-                                          <p:stCondLst>
-                                            <p:cond delay="0"/>
-                                          </p:stCondLst>
-                                        </p:cTn>
-                                        <p:tgtEl>
-                                          <p:spTgt spid="3">
-                                            <p:txEl>
-                                              <p:pRg st="2" end="2"/>
-                                            </p:txEl>
-                                          </p:spTgt>
-                                        </p:tgtEl>
-                                        <p:attrNameLst>
-                                          <p:attrName>style.visibility</p:attrName>
-                                        </p:attrNameLst>
-                                      </p:cBhvr>
-                                      <p:to>
-                                        <p:strVal val="visible"/>
-                                      </p:to>
-                                    </p:set>
-                                  </p:childTnLst>
-                                </p:cTn>
-                              </p:par>
-                            </p:childTnLst>
-                          </p:cTn>
-                        </p:par>
-                      </p:childTnLst>
-                    </p:cTn>
-                  </p:par>
-                  <p:par>
-                    <p:cTn id="11" fill="hold">
-                      <p:stCondLst>
-                        <p:cond delay="indefinite"/>
-                      </p:stCondLst>
-                      <p:childTnLst>
-                        <p:par>
-                          <p:cTn id="12" fill="hold">
-                            <p:stCondLst>
-                              <p:cond delay="0"/>
-                            </p:stCondLst>
-                            <p:childTnLst>
-                              <p:par>
-                                <p:cTn id="13" presetID="1" presetClass="entr" presetSubtype="0" fill="hold" nodeType="clickEffect">
-                                  <p:stCondLst>
-                                    <p:cond delay="0"/>
-                                  </p:stCondLst>
-                                  <p:childTnLst>
-                                    <p:set>
-                                      <p:cBhvr>
-                                        <p:cTn id="14" dur="1" fill="hold">
-                                          <p:stCondLst>
-                                            <p:cond delay="0"/>
-                                          </p:stCondLst>
-                                        </p:cTn>
-                                        <p:tgtEl>
-                                          <p:spTgt spid="3">
-                                            <p:txEl>
-                                              <p:pRg st="3" end="3"/>
-                                            </p:txEl>
-                                          </p:spTgt>
-                                        </p:tgtEl>
-                                        <p:attrNameLst>
-                                          <p:attrName>style.visibility</p:attrName>
-                                        </p:attrNameLst>
-                                      </p:cBhvr>
-                                      <p:to>
-                                        <p:strVal val="visible"/>
-                                      </p:to>
-                                    </p:set>
-                                  </p:childTnLst>
-                                </p:cTn>
-                              </p:par>
-                              <p:par>
-                                <p:cTn id="15" presetID="1" presetClass="entr" presetSubtype="0" fill="hold" nodeType="withEffect">
-                                  <p:stCondLst>
-                                    <p:cond delay="0"/>
-                                  </p:stCondLst>
-                                  <p:childTnLst>
-                                    <p:set>
-                                      <p:cBhvr>
-                                        <p:cTn id="16" dur="1" fill="hold">
-                                          <p:stCondLst>
-                                            <p:cond delay="0"/>
-                                          </p:stCondLst>
-                                        </p:cTn>
-                                        <p:tgtEl>
-                                          <p:spTgt spid="3">
-                                            <p:txEl>
-                                              <p:pRg st="4" end="4"/>
-                                            </p:txEl>
-                                          </p:spTgt>
-                                        </p:tgtEl>
-                                        <p:attrNameLst>
-                                          <p:attrName>style.visibility</p:attrName>
-                                        </p:attrNameLst>
-                                      </p:cBhvr>
-                                      <p:to>
-                                        <p:strVal val="visible"/>
-                                      </p:to>
-                                    </p:set>
-                                  </p:childTnLst>
-                                </p:cTn>
-                              </p:par>
-                              <p:par>
-                                <p:cTn id="17" presetID="1" presetClass="entr" presetSubtype="0" fill="hold" nodeType="withEffect">
-                                  <p:stCondLst>
-                                    <p:cond delay="0"/>
-                                  </p:stCondLst>
-                                  <p:childTnLst>
-                                    <p:set>
-                                      <p:cBhvr>
-                                        <p:cTn id="18" dur="1" fill="hold">
-                                          <p:stCondLst>
-                                            <p:cond delay="0"/>
-                                          </p:stCondLst>
-                                        </p:cTn>
-                                        <p:tgtEl>
-                                          <p:spTgt spid="3">
-                                            <p:txEl>
-                                              <p:pRg st="5" end="5"/>
-                                            </p:txEl>
-                                          </p:spTgt>
-                                        </p:tgtEl>
-                                        <p:attrNameLst>
-                                          <p:attrName>style.visibility</p:attrName>
-                                        </p:attrNameLst>
-                                      </p:cBhvr>
-                                      <p:to>
-                                        <p:strVal val="visible"/>
-                                      </p:to>
-                                    </p:set>
-                                  </p:childTnLst>
-                                </p:cTn>
-                              </p:par>
-                              <p:par>
-                                <p:cTn id="19" presetID="1" presetClass="entr" presetSubtype="0" fill="hold" nodeType="withEffect">
-                                  <p:stCondLst>
-                                    <p:cond delay="0"/>
-                                  </p:stCondLst>
-                                  <p:childTnLst>
-                                    <p:set>
-                                      <p:cBhvr>
-                                        <p:cTn id="20" dur="1" fill="hold">
-                                          <p:stCondLst>
-                                            <p:cond delay="0"/>
-                                          </p:stCondLst>
-                                        </p:cTn>
-                                        <p:tgtEl>
-                                          <p:spTgt spid="3">
-                                            <p:txEl>
-                                              <p:pRg st="6" end="6"/>
-                                            </p:txEl>
-                                          </p:spTgt>
-                                        </p:tgtEl>
-                                        <p:attrNameLst>
-                                          <p:attrName>style.visibility</p:attrName>
-                                        </p:attrNameLst>
-                                      </p:cBhvr>
-                                      <p:to>
-                                        <p:strVal val="visible"/>
-                                      </p:to>
-                                    </p:set>
-                                  </p:childTnLst>
-                                </p:cTn>
-                              </p:par>
-                              <p:par>
-                                <p:cTn id="21" presetID="1" presetClass="entr" presetSubtype="0" fill="hold" nodeType="withEffect">
-                                  <p:stCondLst>
-                                    <p:cond delay="0"/>
-                                  </p:stCondLst>
-                                  <p:childTnLst>
-                                    <p:set>
-                                      <p:cBhvr>
-                                        <p:cTn id="22" dur="1" fill="hold">
-                                          <p:stCondLst>
-                                            <p:cond delay="0"/>
-                                          </p:stCondLst>
-                                        </p:cTn>
-                                        <p:tgtEl>
-                                          <p:spTgt spid="3">
-                                            <p:txEl>
-                                              <p:pRg st="7" end="7"/>
-                                            </p:txEl>
-                                          </p:spTgt>
-                                        </p:tgtEl>
-                                        <p:attrNameLst>
-                                          <p:attrName>style.visibility</p:attrName>
-                                        </p:attrNameLst>
-                                      </p:cBhvr>
-                                      <p:to>
-                                        <p:strVal val="visible"/>
-                                      </p:to>
-                                    </p:set>
-                                  </p:childTnLst>
-                                </p:cTn>
-                              </p:par>
-                              <p:par>
-                                <p:cTn id="23" presetID="1" presetClass="entr" presetSubtype="0" fill="hold" nodeType="withEffect">
-                                  <p:stCondLst>
-                                    <p:cond delay="0"/>
-                                  </p:stCondLst>
-                                  <p:childTnLst>
-                                    <p:set>
-                                      <p:cBhvr>
-                                        <p:cTn id="24" dur="1" fill="hold">
-                                          <p:stCondLst>
-                                            <p:cond delay="0"/>
-                                          </p:stCondLst>
-                                        </p:cTn>
-                                        <p:tgtEl>
-                                          <p:spTgt spid="3">
-                                            <p:txEl>
-                                              <p:pRg st="8" end="8"/>
-                                            </p:txEl>
-                                          </p:spTgt>
-                                        </p:tgtEl>
-                                        <p:attrNameLst>
-                                          <p:attrName>style.visibility</p:attrName>
-                                        </p:attrNameLst>
-                                      </p:cBhvr>
-                                      <p:to>
-                                        <p:strVal val="visible"/>
-                                      </p:to>
-                                    </p:set>
-                                  </p:childTnLst>
-                                </p:cTn>
-                              </p:par>
-                            </p:childTnLst>
-                          </p:cTn>
-                        </p:par>
-                      </p:childTnLst>
-                    </p:cTn>
-                  </p:par>
-                  <p:par>
-                    <p:cTn id="25" fill="hold">
-                      <p:stCondLst>
-                        <p:cond delay="indefinite"/>
-                      </p:stCondLst>
-                      <p:childTnLst>
-                        <p:par>
-                          <p:cTn id="26" fill="hold">
-                            <p:stCondLst>
-                              <p:cond delay="0"/>
-                            </p:stCondLst>
-                            <p:childTnLst>
-                              <p:par>
-                                <p:cTn id="27" presetID="1" presetClass="entr" presetSubtype="0" fill="hold" nodeType="clickEffect">
-                                  <p:stCondLst>
-                                    <p:cond delay="0"/>
-                                  </p:stCondLst>
-                                  <p:childTnLst>
-                                    <p:set>
-                                      <p:cBhvr>
-                                        <p:cTn id="28" dur="1" fill="hold">
-                                          <p:stCondLst>
-                                            <p:cond delay="0"/>
-                                          </p:stCondLst>
-                                        </p:cTn>
-                                        <p:tgtEl>
-                                          <p:spTgt spid="3">
-                                            <p:txEl>
-                                              <p:pRg st="9" end="9"/>
-                                            </p:txEl>
-                                          </p:spTgt>
-                                        </p:tgtEl>
-                                        <p:attrNameLst>
-                                          <p:attrName>style.visibility</p:attrName>
-                                        </p:attrNameLst>
-                                      </p:cBhvr>
-                                      <p:to>
-                                        <p:strVal val="visible"/>
-                                      </p:to>
-                                    </p:set>
-                                  </p:childTnLst>
-                                </p:cTn>
-                              </p:par>
-                            </p:childTnLst>
-                          </p:cTn>
-                        </p:par>
-                      </p:childTnLst>
-                    </p:cTn>
-                  </p:par>
-                </p:childTnLst>
-              </p:cTn>
-              <p:prevCondLst>
-                <p:cond evt="onPrev" delay="0">
-                  <p:tgtEl>
-                    <p:sldTgt/>
-                  </p:tgtEl>
-                </p:cond>
-              </p:prevCondLst>
-              <p:nextCondLst>
-                <p:cond evt="onNext" delay="0">
-                  <p:tgtEl>
-                    <p:sldTgt/>
-                  </p:tgtEl>
-                </p:cond>
-              </p:nextCondLst>
-            </p:seq>
-          </p:childTnLst>
-        </p:cTn>
-      </p:par>
-    </p:tnLst>
-  </p:timing>
-</p:sld>
-</file>
-
-<file path=ppt/slides/slide30.xml><?xml version="1.0" encoding="utf-8"?>
+<file path=ppt/slides/slide31.xml><?xml version="1.0" encoding="utf-8"?>
 <p:sld xmlns:a="http://schemas.openxmlformats.org/drawingml/2006/main" xmlns:r="http://schemas.openxmlformats.org/officeDocument/2006/relationships" xmlns:p="http://schemas.openxmlformats.org/presentationml/2006/main">
   <p:cSld>
     <p:spTree>
@@ -30611,7 +32342,7 @@
 </p:sld>
 </file>
 
-<file path=ppt/slides/slide31.xml><?xml version="1.0" encoding="utf-8"?>
+<file path=ppt/slides/slide32.xml><?xml version="1.0" encoding="utf-8"?>
 <p:sld xmlns:a="http://schemas.openxmlformats.org/drawingml/2006/main" xmlns:r="http://schemas.openxmlformats.org/officeDocument/2006/relationships" xmlns:p="http://schemas.openxmlformats.org/presentationml/2006/main">
   <p:cSld>
     <p:spTree>
@@ -30657,8 +32388,8 @@
           </a:p>
         </p:txBody>
       </p:sp>
-      <mc:AlternateContent xmlns:mc="http://schemas.openxmlformats.org/markup-compatibility/2006" xmlns:a14="http://schemas.microsoft.com/office/drawing/2010/main">
-        <mc:Choice Requires="a14">
+      <mc:AlternateContent xmlns:mc="http://schemas.openxmlformats.org/markup-compatibility/2006">
+        <mc:Choice xmlns:a14="http://schemas.microsoft.com/office/drawing/2010/main" Requires="a14">
           <p:sp>
             <p:nvSpPr>
               <p:cNvPr id="3" name="Content Placeholder 2"/>
@@ -31451,86 +33182,37 @@
                     <m:d>
                       <m:dPr>
                         <m:ctrlPr>
-                          <a:rPr lang="en-US" b="1" i="1">
+                          <a:rPr lang="en-US" b="1" i="1" smtClean="0">
                             <a:latin typeface="Cambria Math" panose="02040503050406030204" pitchFamily="18" charset="0"/>
                           </a:rPr>
                         </m:ctrlPr>
                       </m:dPr>
                       <m:e>
-                        <m:f>
-                          <m:fPr>
+                        <m:sSup>
+                          <m:sSupPr>
                             <m:ctrlPr>
-                              <a:rPr lang="en-US" b="1" i="1">
+                              <a:rPr lang="en-US" b="1" i="1" smtClean="0">
                                 <a:latin typeface="Cambria Math" panose="02040503050406030204" pitchFamily="18" charset="0"/>
                               </a:rPr>
                             </m:ctrlPr>
-                          </m:fPr>
-                          <m:num>
-                            <m:sSup>
-                              <m:sSupPr>
-                                <m:ctrlPr>
-                                  <a:rPr lang="en-US" b="1" i="1">
-                                    <a:latin typeface="Cambria Math" panose="02040503050406030204" pitchFamily="18" charset="0"/>
-                                  </a:rPr>
-                                </m:ctrlPr>
-                              </m:sSupPr>
-                              <m:e>
-                                <m:r>
-                                  <a:rPr lang="en-US" b="1" i="1" smtClean="0">
-                                    <a:latin typeface="Cambria Math" panose="02040503050406030204" pitchFamily="18" charset="0"/>
-                                  </a:rPr>
-                                  <m:t>𝒏</m:t>
-                                </m:r>
-                                <m:r>
-                                  <a:rPr lang="en-US" b="1" i="1" smtClean="0">
-                                    <a:latin typeface="Cambria Math" panose="02040503050406030204" pitchFamily="18" charset="0"/>
-                                  </a:rPr>
-                                  <m:t>(</m:t>
-                                </m:r>
-                                <m:r>
-                                  <a:rPr lang="en-US" b="1" i="1">
-                                    <a:latin typeface="Cambria Math" panose="02040503050406030204" pitchFamily="18" charset="0"/>
-                                  </a:rPr>
-                                  <m:t>𝒏</m:t>
-                                </m:r>
-                              </m:e>
-                              <m:sup>
-                                <m:r>
-                                  <a:rPr lang="en-US" b="1" i="1" smtClean="0">
-                                    <a:latin typeface="Cambria Math" panose="02040503050406030204" pitchFamily="18" charset="0"/>
-                                  </a:rPr>
-                                  <m:t> </m:t>
-                                </m:r>
-                              </m:sup>
-                            </m:sSup>
-                            <m:r>
-                              <a:rPr lang="en-US" b="1" i="1">
-                                <a:latin typeface="Cambria Math" panose="02040503050406030204" pitchFamily="18" charset="0"/>
-                              </a:rPr>
-                              <m:t>−</m:t>
-                            </m:r>
+                          </m:sSupPr>
+                          <m:e>
                             <m:r>
                               <a:rPr lang="en-US" b="1" i="1" smtClean="0">
                                 <a:latin typeface="Cambria Math" panose="02040503050406030204" pitchFamily="18" charset="0"/>
                               </a:rPr>
-                              <m:t>𝟏</m:t>
+                              <m:t>𝒏</m:t>
                             </m:r>
+                          </m:e>
+                          <m:sup>
                             <m:r>
                               <a:rPr lang="en-US" b="1" i="1" smtClean="0">
                                 <a:latin typeface="Cambria Math" panose="02040503050406030204" pitchFamily="18" charset="0"/>
                               </a:rPr>
-                              <m:t>)</m:t>
-                            </m:r>
-                          </m:num>
-                          <m:den>
-                            <m:r>
-                              <a:rPr lang="en-US" b="1" i="1">
-                                <a:latin typeface="Cambria Math" panose="02040503050406030204" pitchFamily="18" charset="0"/>
-                              </a:rPr>
                               <m:t>𝟐</m:t>
                             </m:r>
-                          </m:den>
-                        </m:f>
+                          </m:sup>
+                        </m:sSup>
                       </m:e>
                     </m:d>
                   </m:oMath>
@@ -31542,7 +33224,7 @@
             </p:txBody>
           </p:sp>
         </mc:Choice>
-        <mc:Fallback xmlns="">
+        <mc:Fallback>
           <p:sp>
             <p:nvSpPr>
               <p:cNvPr id="3" name="Content Placeholder 2"/>
@@ -31721,7 +33403,7 @@
 </p:sld>
 </file>
 
-<file path=ppt/slides/slide32.xml><?xml version="1.0" encoding="utf-8"?>
+<file path=ppt/slides/slide33.xml><?xml version="1.0" encoding="utf-8"?>
 <p:sld xmlns:a="http://schemas.openxmlformats.org/drawingml/2006/main" xmlns:r="http://schemas.openxmlformats.org/officeDocument/2006/relationships" xmlns:p="http://schemas.openxmlformats.org/presentationml/2006/main">
   <p:cSld>
     <p:spTree>
@@ -31767,8 +33449,8 @@
           </a:p>
         </p:txBody>
       </p:sp>
-      <mc:AlternateContent xmlns:mc="http://schemas.openxmlformats.org/markup-compatibility/2006" xmlns:a14="http://schemas.microsoft.com/office/drawing/2010/main">
-        <mc:Choice Requires="a14">
+      <mc:AlternateContent xmlns:mc="http://schemas.openxmlformats.org/markup-compatibility/2006">
+        <mc:Choice xmlns:a14="http://schemas.microsoft.com/office/drawing/2010/main" Requires="a14">
           <p:sp>
             <p:nvSpPr>
               <p:cNvPr id="3" name="Content Placeholder 2"/>
@@ -31924,80 +33606,31 @@
                         </m:ctrlPr>
                       </m:dPr>
                       <m:e>
-                        <m:f>
-                          <m:fPr>
+                        <m:sSup>
+                          <m:sSupPr>
                             <m:ctrlPr>
-                              <a:rPr lang="en-US" b="1" i="1">
+                              <a:rPr lang="en-US" b="1" i="1" smtClean="0">
                                 <a:latin typeface="Cambria Math" panose="02040503050406030204" pitchFamily="18" charset="0"/>
                               </a:rPr>
                             </m:ctrlPr>
-                          </m:fPr>
-                          <m:num>
-                            <m:sSup>
-                              <m:sSupPr>
-                                <m:ctrlPr>
-                                  <a:rPr lang="en-US" b="1" i="1">
-                                    <a:latin typeface="Cambria Math" panose="02040503050406030204" pitchFamily="18" charset="0"/>
-                                  </a:rPr>
-                                </m:ctrlPr>
-                              </m:sSupPr>
-                              <m:e>
-                                <m:r>
-                                  <a:rPr lang="en-US" b="1" i="1">
-                                    <a:latin typeface="Cambria Math" panose="02040503050406030204" pitchFamily="18" charset="0"/>
-                                  </a:rPr>
-                                  <m:t>𝒏</m:t>
-                                </m:r>
-                                <m:r>
-                                  <a:rPr lang="en-US" b="1" i="1">
-                                    <a:latin typeface="Cambria Math" panose="02040503050406030204" pitchFamily="18" charset="0"/>
-                                  </a:rPr>
-                                  <m:t>(</m:t>
-                                </m:r>
-                                <m:r>
-                                  <a:rPr lang="en-US" b="1" i="1">
-                                    <a:latin typeface="Cambria Math" panose="02040503050406030204" pitchFamily="18" charset="0"/>
-                                  </a:rPr>
-                                  <m:t>𝒏</m:t>
-                                </m:r>
-                              </m:e>
-                              <m:sup>
-                                <m:r>
-                                  <a:rPr lang="en-US" b="1" i="1">
-                                    <a:latin typeface="Cambria Math" panose="02040503050406030204" pitchFamily="18" charset="0"/>
-                                  </a:rPr>
-                                  <m:t> </m:t>
-                                </m:r>
-                              </m:sup>
-                            </m:sSup>
+                          </m:sSupPr>
+                          <m:e>
                             <m:r>
-                              <a:rPr lang="en-US" b="1" i="1">
+                              <a:rPr lang="en-US" b="1" i="1" smtClean="0">
                                 <a:latin typeface="Cambria Math" panose="02040503050406030204" pitchFamily="18" charset="0"/>
                               </a:rPr>
-                              <m:t>−</m:t>
+                              <m:t>𝒏</m:t>
                             </m:r>
+                          </m:e>
+                          <m:sup>
                             <m:r>
-                              <a:rPr lang="en-US" b="1" i="1">
-                                <a:latin typeface="Cambria Math" panose="02040503050406030204" pitchFamily="18" charset="0"/>
-                              </a:rPr>
-                              <m:t>𝟏</m:t>
-                            </m:r>
-                            <m:r>
-                              <a:rPr lang="en-US" b="1" i="1">
-                                <a:latin typeface="Cambria Math" panose="02040503050406030204" pitchFamily="18" charset="0"/>
-                              </a:rPr>
-                              <m:t>)</m:t>
-                            </m:r>
-                          </m:num>
-                          <m:den>
-                            <m:r>
-                              <a:rPr lang="en-US" b="1" i="1">
+                              <a:rPr lang="en-US" b="1" i="1" smtClean="0">
                                 <a:latin typeface="Cambria Math" panose="02040503050406030204" pitchFamily="18" charset="0"/>
                               </a:rPr>
                               <m:t>𝟐</m:t>
                             </m:r>
-                          </m:den>
-                        </m:f>
+                          </m:sup>
+                        </m:sSup>
                       </m:e>
                     </m:d>
                     <m:r>
@@ -32061,7 +33694,7 @@
             </p:txBody>
           </p:sp>
         </mc:Choice>
-        <mc:Fallback xmlns="">
+        <mc:Fallback>
           <p:sp>
             <p:nvSpPr>
               <p:cNvPr id="3" name="Content Placeholder 2"/>
@@ -32338,7 +33971,7 @@
 </p:sld>
 </file>
 
-<file path=ppt/slides/slide33.xml><?xml version="1.0" encoding="utf-8"?>
+<file path=ppt/slides/slide34.xml><?xml version="1.0" encoding="utf-8"?>
 <p:sld xmlns:a="http://schemas.openxmlformats.org/drawingml/2006/main" xmlns:r="http://schemas.openxmlformats.org/officeDocument/2006/relationships" xmlns:p="http://schemas.openxmlformats.org/presentationml/2006/main">
   <p:cSld>
     <p:spTree>
@@ -32905,7 +34538,7 @@
 </p:sld>
 </file>
 
-<file path=ppt/slides/slide34.xml><?xml version="1.0" encoding="utf-8"?>
+<file path=ppt/slides/slide35.xml><?xml version="1.0" encoding="utf-8"?>
 <p:sld xmlns:a="http://schemas.openxmlformats.org/drawingml/2006/main" xmlns:r="http://schemas.openxmlformats.org/officeDocument/2006/relationships" xmlns:p="http://schemas.openxmlformats.org/presentationml/2006/main">
   <p:cSld>
     <p:spTree>
@@ -33754,7 +35387,7 @@
 </p:sld>
 </file>
 
-<file path=ppt/slides/slide35.xml><?xml version="1.0" encoding="utf-8"?>
+<file path=ppt/slides/slide36.xml><?xml version="1.0" encoding="utf-8"?>
 <p:sld xmlns:a="http://schemas.openxmlformats.org/drawingml/2006/main" xmlns:r="http://schemas.openxmlformats.org/officeDocument/2006/relationships" xmlns:p="http://schemas.openxmlformats.org/presentationml/2006/main">
   <p:cSld>
     <p:spTree>
@@ -33840,8 +35473,8 @@
           </a:p>
         </p:txBody>
       </p:sp>
-      <mc:AlternateContent xmlns:mc="http://schemas.openxmlformats.org/markup-compatibility/2006" xmlns:a14="http://schemas.microsoft.com/office/drawing/2010/main">
-        <mc:Choice Requires="a14">
+      <mc:AlternateContent xmlns:mc="http://schemas.openxmlformats.org/markup-compatibility/2006">
+        <mc:Choice xmlns:a14="http://schemas.microsoft.com/office/drawing/2010/main" Requires="a14">
           <p:sp>
             <p:nvSpPr>
               <p:cNvPr id="6" name="TextBox 5">
@@ -33857,7 +35490,7 @@
             <p:spPr>
               <a:xfrm>
                 <a:off x="396498" y="1709893"/>
-                <a:ext cx="5584552" cy="3539430"/>
+                <a:ext cx="5584552" cy="3970318"/>
               </a:xfrm>
               <a:prstGeom prst="rect">
                 <a:avLst/>
@@ -34090,13 +35723,66 @@
                 </a:pPr>
                 <a:r>
                   <a:rPr lang="en-US" sz="2800" dirty="0"/>
-                  <a:t>No disconnected graphs!</a:t>
+                  <a:t>Lower </a:t>
                 </a:r>
+                <a14:m>
+                  <m:oMath xmlns:m="http://schemas.openxmlformats.org/officeDocument/2006/math">
+                    <m:r>
+                      <a:rPr lang="en-US" sz="2800" i="1">
+                        <a:latin typeface="Cambria Math" panose="02040503050406030204" pitchFamily="18" charset="0"/>
+                      </a:rPr>
+                      <m:t>𝑘</m:t>
+                    </m:r>
+                    <m:r>
+                      <a:rPr lang="en-US" sz="2800" i="1">
+                        <a:latin typeface="Cambria Math" panose="02040503050406030204" pitchFamily="18" charset="0"/>
+                        <a:ea typeface="Cambria Math" panose="02040503050406030204" pitchFamily="18" charset="0"/>
+                      </a:rPr>
+                      <m:t>⟶</m:t>
+                    </m:r>
+                    <m:r>
+                      <a:rPr lang="en-US" sz="2800" b="0" i="1" smtClean="0">
+                        <a:latin typeface="Cambria Math" panose="02040503050406030204" pitchFamily="18" charset="0"/>
+                        <a:ea typeface="Cambria Math" panose="02040503050406030204" pitchFamily="18" charset="0"/>
+                      </a:rPr>
+                      <m:t>𝑝𝑜𝑠𝑠𝑖𝑏𝑙𝑒</m:t>
+                    </m:r>
+                    <m:r>
+                      <a:rPr lang="en-US" sz="2800" b="0" i="1" smtClean="0">
+                        <a:latin typeface="Cambria Math" panose="02040503050406030204" pitchFamily="18" charset="0"/>
+                        <a:ea typeface="Cambria Math" panose="02040503050406030204" pitchFamily="18" charset="0"/>
+                      </a:rPr>
+                      <m:t> </m:t>
+                    </m:r>
+                    <m:r>
+                      <a:rPr lang="en-US" sz="2800" b="0" i="1" smtClean="0">
+                        <a:latin typeface="Cambria Math" panose="02040503050406030204" pitchFamily="18" charset="0"/>
+                        <a:ea typeface="Cambria Math" panose="02040503050406030204" pitchFamily="18" charset="0"/>
+                      </a:rPr>
+                      <m:t>𝑑𝑖𝑠𝑐𝑜𝑛𝑛𝑒𝑐𝑡𝑒𝑑</m:t>
+                    </m:r>
+                    <m:r>
+                      <a:rPr lang="en-US" sz="2800" b="0" i="1" smtClean="0">
+                        <a:latin typeface="Cambria Math" panose="02040503050406030204" pitchFamily="18" charset="0"/>
+                        <a:ea typeface="Cambria Math" panose="02040503050406030204" pitchFamily="18" charset="0"/>
+                      </a:rPr>
+                      <m:t> </m:t>
+                    </m:r>
+                    <m:r>
+                      <a:rPr lang="en-US" sz="2800" b="0" i="1" smtClean="0">
+                        <a:latin typeface="Cambria Math" panose="02040503050406030204" pitchFamily="18" charset="0"/>
+                        <a:ea typeface="Cambria Math" panose="02040503050406030204" pitchFamily="18" charset="0"/>
+                      </a:rPr>
+                      <m:t>𝑔𝑟𝑎𝑝h</m:t>
+                    </m:r>
+                  </m:oMath>
+                </a14:m>
+                <a:endParaRPr lang="en-US" sz="2800" dirty="0"/>
               </a:p>
             </p:txBody>
           </p:sp>
         </mc:Choice>
-        <mc:Fallback xmlns="">
+        <mc:Fallback>
           <p:sp>
             <p:nvSpPr>
               <p:cNvPr id="6" name="TextBox 5">
@@ -34114,7 +35800,7 @@
             <p:spPr>
               <a:xfrm>
                 <a:off x="396498" y="1709893"/>
-                <a:ext cx="5584552" cy="3539430"/>
+                <a:ext cx="5584552" cy="3970318"/>
               </a:xfrm>
               <a:prstGeom prst="rect">
                 <a:avLst/>
@@ -34122,7 +35808,7 @@
               <a:blipFill>
                 <a:blip r:embed="rId3"/>
                 <a:stretch>
-                  <a:fillRect l="-1965" t="-1549" b="-3959"/>
+                  <a:fillRect l="-1965" t="-1380"/>
                 </a:stretch>
               </a:blipFill>
             </p:spPr>
@@ -34281,33 +35967,6 @@
                                   </p:childTnLst>
                                 </p:cTn>
                               </p:par>
-                              <p:par>
-                                <p:cTn id="11" presetID="1" presetClass="entr" presetSubtype="0" fill="hold" nodeType="withEffect">
-                                  <p:stCondLst>
-                                    <p:cond delay="0"/>
-                                  </p:stCondLst>
-                                  <p:childTnLst>
-                                    <p:set>
-                                      <p:cBhvr>
-                                        <p:cTn id="12" dur="1" fill="hold">
-                                          <p:stCondLst>
-                                            <p:cond delay="0"/>
-                                          </p:stCondLst>
-                                        </p:cTn>
-                                        <p:tgtEl>
-                                          <p:spTgt spid="7"/>
-                                        </p:tgtEl>
-                                        <p:attrNameLst>
-                                          <p:attrName>style.visibility</p:attrName>
-                                        </p:attrNameLst>
-                                      </p:cBhvr>
-                                      <p:to>
-                                        <p:strVal val="visible"/>
-                                      </p:to>
-                                    </p:set>
-                                  </p:childTnLst>
-                                </p:cTn>
-                              </p:par>
                             </p:childTnLst>
                           </p:cTn>
                         </p:par>
@@ -34315,26 +35974,26 @@
                     </p:cTn>
                   </p:par>
                   <p:par>
-                    <p:cTn id="13" fill="hold">
+                    <p:cTn id="11" fill="hold">
                       <p:stCondLst>
                         <p:cond delay="indefinite"/>
                       </p:stCondLst>
                       <p:childTnLst>
                         <p:par>
-                          <p:cTn id="14" fill="hold">
+                          <p:cTn id="12" fill="hold">
                             <p:stCondLst>
                               <p:cond delay="0"/>
                             </p:stCondLst>
                             <p:childTnLst>
                               <p:par>
-                                <p:cTn id="15" presetID="1" presetClass="entr" presetSubtype="0" fill="hold" nodeType="clickEffect">
+                                <p:cTn id="13" presetID="1" presetClass="entr" presetSubtype="0" fill="hold" nodeType="clickEffect">
                                   <p:stCondLst>
                                     <p:cond delay="0"/>
                                   </p:stCondLst>
                                   <p:childTnLst>
                                     <p:set>
                                       <p:cBhvr>
-                                        <p:cTn id="16" dur="1" fill="hold">
+                                        <p:cTn id="14" dur="1" fill="hold">
                                           <p:stCondLst>
                                             <p:cond delay="0"/>
                                           </p:stCondLst>
@@ -34364,26 +36023,26 @@
                     </p:cTn>
                   </p:par>
                   <p:par>
-                    <p:cTn id="17" fill="hold">
+                    <p:cTn id="15" fill="hold">
                       <p:stCondLst>
                         <p:cond delay="indefinite"/>
                       </p:stCondLst>
                       <p:childTnLst>
                         <p:par>
-                          <p:cTn id="18" fill="hold">
+                          <p:cTn id="16" fill="hold">
                             <p:stCondLst>
                               <p:cond delay="0"/>
                             </p:stCondLst>
                             <p:childTnLst>
                               <p:par>
-                                <p:cTn id="19" presetID="1" presetClass="entr" presetSubtype="0" fill="hold" nodeType="clickEffect">
+                                <p:cTn id="17" presetID="1" presetClass="entr" presetSubtype="0" fill="hold" nodeType="clickEffect">
                                   <p:stCondLst>
                                     <p:cond delay="0"/>
                                   </p:stCondLst>
                                   <p:childTnLst>
                                     <p:set>
                                       <p:cBhvr>
-                                        <p:cTn id="20" dur="1" fill="hold">
+                                        <p:cTn id="18" dur="1" fill="hold">
                                           <p:stCondLst>
                                             <p:cond delay="0"/>
                                           </p:stCondLst>
@@ -34413,26 +36072,26 @@
                     </p:cTn>
                   </p:par>
                   <p:par>
-                    <p:cTn id="21" fill="hold">
+                    <p:cTn id="19" fill="hold">
                       <p:stCondLst>
                         <p:cond delay="indefinite"/>
                       </p:stCondLst>
                       <p:childTnLst>
                         <p:par>
-                          <p:cTn id="22" fill="hold">
+                          <p:cTn id="20" fill="hold">
                             <p:stCondLst>
                               <p:cond delay="0"/>
                             </p:stCondLst>
                             <p:childTnLst>
                               <p:par>
-                                <p:cTn id="23" presetID="1" presetClass="entr" presetSubtype="0" fill="hold" nodeType="clickEffect">
+                                <p:cTn id="21" presetID="1" presetClass="entr" presetSubtype="0" fill="hold" nodeType="clickEffect">
                                   <p:stCondLst>
                                     <p:cond delay="0"/>
                                   </p:stCondLst>
                                   <p:childTnLst>
                                     <p:set>
                                       <p:cBhvr>
-                                        <p:cTn id="24" dur="1" fill="hold">
+                                        <p:cTn id="22" dur="1" fill="hold">
                                           <p:stCondLst>
                                             <p:cond delay="0"/>
                                           </p:stCondLst>
@@ -34462,26 +36121,26 @@
                     </p:cTn>
                   </p:par>
                   <p:par>
-                    <p:cTn id="25" fill="hold">
+                    <p:cTn id="23" fill="hold">
                       <p:stCondLst>
                         <p:cond delay="indefinite"/>
                       </p:stCondLst>
                       <p:childTnLst>
                         <p:par>
-                          <p:cTn id="26" fill="hold">
+                          <p:cTn id="24" fill="hold">
                             <p:stCondLst>
                               <p:cond delay="0"/>
                             </p:stCondLst>
                             <p:childTnLst>
                               <p:par>
-                                <p:cTn id="27" presetID="1" presetClass="entr" presetSubtype="0" fill="hold" nodeType="clickEffect">
+                                <p:cTn id="25" presetID="1" presetClass="entr" presetSubtype="0" fill="hold" nodeType="clickEffect">
                                   <p:stCondLst>
                                     <p:cond delay="0"/>
                                   </p:stCondLst>
                                   <p:childTnLst>
                                     <p:set>
                                       <p:cBhvr>
-                                        <p:cTn id="28" dur="1" fill="hold">
+                                        <p:cTn id="26" dur="1" fill="hold">
                                           <p:stCondLst>
                                             <p:cond delay="0"/>
                                           </p:stCondLst>
@@ -34511,19 +36170,50 @@
                     </p:cTn>
                   </p:par>
                   <p:par>
-                    <p:cTn id="29" fill="hold">
+                    <p:cTn id="27" fill="hold">
                       <p:stCondLst>
                         <p:cond delay="indefinite"/>
                       </p:stCondLst>
                       <p:childTnLst>
                         <p:par>
-                          <p:cTn id="30" fill="hold">
+                          <p:cTn id="28" fill="hold">
                             <p:stCondLst>
                               <p:cond delay="0"/>
                             </p:stCondLst>
                             <p:childTnLst>
                               <p:par>
-                                <p:cTn id="31" presetID="1" presetClass="entr" presetSubtype="0" fill="hold" nodeType="clickEffect">
+                                <p:cTn id="29" presetID="1" presetClass="entr" presetSubtype="0" fill="hold" nodeType="clickEffect">
+                                  <p:stCondLst>
+                                    <p:cond delay="0"/>
+                                  </p:stCondLst>
+                                  <p:childTnLst>
+                                    <p:set>
+                                      <p:cBhvr>
+                                        <p:cTn id="30" dur="1" fill="hold">
+                                          <p:stCondLst>
+                                            <p:cond delay="0"/>
+                                          </p:stCondLst>
+                                        </p:cTn>
+                                        <p:tgtEl>
+                                          <p:spTgt spid="6">
+                                            <p:txEl>
+                                              <p:pRg st="6" end="6"/>
+                                            </p:txEl>
+                                          </p:spTgt>
+                                        </p:tgtEl>
+                                        <p:attrNameLst>
+                                          <p:attrName>style.visibility</p:attrName>
+                                        </p:attrNameLst>
+                                      </p:cBhvr>
+                                      <p:to>
+                                        <p:strVal val="visible"/>
+                                      </p:to>
+                                    </p:set>
+                                  </p:childTnLst>
+                                </p:cTn>
+                              </p:par>
+                              <p:par>
+                                <p:cTn id="31" presetID="1" presetClass="entr" presetSubtype="0" fill="hold" nodeType="withEffect">
                                   <p:stCondLst>
                                     <p:cond delay="0"/>
                                   </p:stCondLst>
@@ -34536,11 +36226,7 @@
                                           </p:stCondLst>
                                         </p:cTn>
                                         <p:tgtEl>
-                                          <p:spTgt spid="6">
-                                            <p:txEl>
-                                              <p:pRg st="6" end="6"/>
-                                            </p:txEl>
-                                          </p:spTgt>
+                                          <p:spTgt spid="7"/>
                                         </p:tgtEl>
                                         <p:attrNameLst>
                                           <p:attrName>style.visibility</p:attrName>
@@ -34584,7 +36270,7 @@
 </p:sld>
 </file>
 
-<file path=ppt/slides/slide36.xml><?xml version="1.0" encoding="utf-8"?>
+<file path=ppt/slides/slide37.xml><?xml version="1.0" encoding="utf-8"?>
 <p:sld xmlns:a="http://schemas.openxmlformats.org/drawingml/2006/main" xmlns:r="http://schemas.openxmlformats.org/officeDocument/2006/relationships" xmlns:p="http://schemas.openxmlformats.org/presentationml/2006/main">
   <p:cSld>
     <p:spTree>
@@ -34823,7 +36509,7 @@
           <a:p>
             <a:r>
               <a:rPr lang="en-US" dirty="0"/>
-              <a:t>Measuring distance or dissimilarity</a:t>
+              <a:t>Measuring similarity and dissimilarity</a:t>
             </a:r>
           </a:p>
         </p:txBody>
@@ -34850,94 +36536,14 @@
           </a:bodyPr>
           <a:lstStyle/>
           <a:p>
+            <a:pPr marL="0" indent="0">
+              <a:buNone/>
+            </a:pPr>
             <a:r>
               <a:rPr lang="en-US" dirty="0">
                 <a:latin typeface="+mn-lt"/>
               </a:rPr>
-              <a:t>Relationships between variables in a dataset are often based on </a:t>
-            </a:r>
-            <a:r>
-              <a:rPr lang="en-US" b="1" dirty="0">
-                <a:latin typeface="+mn-lt"/>
-              </a:rPr>
-              <a:t>dissimilarity</a:t>
-            </a:r>
-            <a:r>
-              <a:rPr lang="en-US" dirty="0">
-                <a:latin typeface="+mn-lt"/>
-              </a:rPr>
-              <a:t> using a </a:t>
-            </a:r>
-            <a:r>
-              <a:rPr lang="en-US" b="1" dirty="0">
-                <a:latin typeface="+mn-lt"/>
-              </a:rPr>
-              <a:t>distance metric</a:t>
-            </a:r>
-            <a:endParaRPr lang="en-US" sz="2800" b="1" dirty="0">
-              <a:latin typeface="+mn-lt"/>
-            </a:endParaRPr>
-          </a:p>
-          <a:p>
-            <a:r>
-              <a:rPr lang="en-US" sz="2800" dirty="0">
-                <a:latin typeface="+mn-lt"/>
-              </a:rPr>
-              <a:t>The variables or observations </a:t>
-            </a:r>
-            <a:r>
-              <a:rPr lang="en-US" dirty="0">
-                <a:latin typeface="+mn-lt"/>
-              </a:rPr>
-              <a:t>have multiple observations or measurements</a:t>
-            </a:r>
-          </a:p>
-          <a:p>
-            <a:pPr lvl="1"/>
-            <a:r>
-              <a:rPr lang="en-US" sz="2800" dirty="0">
-                <a:latin typeface="+mn-lt"/>
-              </a:rPr>
-              <a:t>Distance measures are therefore </a:t>
-            </a:r>
-            <a:r>
-              <a:rPr lang="en-US" sz="2800" b="1" dirty="0">
-                <a:latin typeface="+mn-lt"/>
-              </a:rPr>
-              <a:t>multivariate</a:t>
-            </a:r>
-            <a:r>
-              <a:rPr lang="en-US" sz="2800" dirty="0">
-                <a:latin typeface="+mn-lt"/>
-              </a:rPr>
-              <a:t> </a:t>
-            </a:r>
-          </a:p>
-          <a:p>
-            <a:pPr lvl="1"/>
-            <a:r>
-              <a:rPr lang="en-US" sz="2800" dirty="0">
-                <a:latin typeface="+mn-lt"/>
-              </a:rPr>
-              <a:t>Map </a:t>
-            </a:r>
-            <a:r>
-              <a:rPr lang="en-US" sz="2800" b="1" dirty="0">
-                <a:latin typeface="+mn-lt"/>
-              </a:rPr>
-              <a:t>two vector values </a:t>
-            </a:r>
-            <a:r>
-              <a:rPr lang="en-US" sz="2800" dirty="0">
-                <a:latin typeface="+mn-lt"/>
-              </a:rPr>
-              <a:t>to a </a:t>
-            </a:r>
-            <a:r>
-              <a:rPr lang="en-US" sz="2800" b="1" dirty="0">
-                <a:latin typeface="+mn-lt"/>
-              </a:rPr>
-              <a:t>real scalar value    </a:t>
+              <a:t>Measuring similarity and dissimilarity is fundamental to data mining</a:t>
             </a:r>
           </a:p>
           <a:p>
@@ -34945,42 +36551,93 @@
               <a:rPr lang="en-US" dirty="0">
                 <a:latin typeface="+mn-lt"/>
               </a:rPr>
-              <a:t>Distance metrics can be computed for different variable types:</a:t>
+              <a:t>Distance and similarity measures are the foundation of unsupervised learning</a:t>
+            </a:r>
+          </a:p>
+          <a:p>
+            <a:r>
+              <a:rPr lang="en-US" dirty="0">
+                <a:latin typeface="+mn-lt"/>
+              </a:rPr>
+              <a:t>A wide range of metrics used in data mining</a:t>
+            </a:r>
+          </a:p>
+          <a:p>
+            <a:r>
+              <a:rPr lang="en-US" dirty="0">
+                <a:latin typeface="+mn-lt"/>
+              </a:rPr>
+              <a:t>The metrics used must fit the nature of the data and the analysis </a:t>
             </a:r>
           </a:p>
           <a:p>
             <a:pPr lvl="1"/>
             <a:r>
-              <a:rPr lang="en-US" sz="2800" dirty="0">
+              <a:rPr lang="en-US" dirty="0">
                 <a:latin typeface="+mn-lt"/>
               </a:rPr>
-              <a:t>Numeric distance for numeric variables</a:t>
+              <a:t>Binary data</a:t>
             </a:r>
           </a:p>
           <a:p>
             <a:pPr lvl="1"/>
             <a:r>
-              <a:rPr lang="en-US" sz="2800" dirty="0">
+              <a:rPr lang="en-US" dirty="0">
                 <a:latin typeface="+mn-lt"/>
               </a:rPr>
-              <a:t>Rank difference for ordinal variables</a:t>
+              <a:t>Text strings</a:t>
             </a:r>
           </a:p>
           <a:p>
             <a:pPr lvl="1"/>
             <a:r>
-              <a:rPr lang="en-US" sz="2800" dirty="0">
+              <a:rPr lang="en-US" dirty="0">
                 <a:latin typeface="+mn-lt"/>
               </a:rPr>
-              <a:t>Binary distance (no match, match), for unordered categorical variables</a:t>
+              <a:t>Numeric data</a:t>
             </a:r>
+          </a:p>
+          <a:p>
+            <a:pPr lvl="1"/>
+            <a:r>
+              <a:rPr lang="en-US" dirty="0">
+                <a:latin typeface="+mn-lt"/>
+              </a:rPr>
+              <a:t>Ordinal data; e.g. rankings and ratings </a:t>
+            </a:r>
+          </a:p>
+          <a:p>
+            <a:pPr lvl="1"/>
+            <a:r>
+              <a:rPr lang="en-US" dirty="0">
+                <a:latin typeface="+mn-lt"/>
+              </a:rPr>
+              <a:t>Unordered categorical data</a:t>
+            </a:r>
+          </a:p>
+          <a:p>
+            <a:r>
+              <a:rPr lang="en-US" b="1" dirty="0">
+                <a:latin typeface="+mn-lt"/>
+              </a:rPr>
+              <a:t>There is no one best metric!</a:t>
+            </a:r>
+          </a:p>
+          <a:p>
+            <a:endParaRPr lang="en-US" sz="2800" dirty="0">
+              <a:latin typeface="+mn-lt"/>
+            </a:endParaRPr>
+          </a:p>
+          <a:p>
+            <a:pPr lvl="1"/>
+            <a:endParaRPr lang="en-US" dirty="0"/>
           </a:p>
         </p:txBody>
       </p:sp>
     </p:spTree>
     <p:extLst>
       <p:ext uri="{BB962C8B-B14F-4D97-AF65-F5344CB8AC3E}">
-        <p14:creationId xmlns:p14="http://schemas.microsoft.com/office/powerpoint/2010/main" val="3008515469"/>
+        <p14:creationId xmlns:p14="http://schemas.microsoft.com/office/powerpoint/2010/main" val="312349696"/>
       </p:ext>
     </p:extLst>
   </p:cSld>
@@ -35038,39 +36695,26 @@
                                   </p:childTnLst>
                                 </p:cTn>
                               </p:par>
+                            </p:childTnLst>
+                          </p:cTn>
+                        </p:par>
+                      </p:childTnLst>
+                    </p:cTn>
+                  </p:par>
+                  <p:par>
+                    <p:cTn id="7" fill="hold">
+                      <p:stCondLst>
+                        <p:cond delay="indefinite"/>
+                      </p:stCondLst>
+                      <p:childTnLst>
+                        <p:par>
+                          <p:cTn id="8" fill="hold">
+                            <p:stCondLst>
+                              <p:cond delay="0"/>
+                            </p:stCondLst>
+                            <p:childTnLst>
                               <p:par>
-                                <p:cTn id="7" presetID="1" presetClass="entr" presetSubtype="0" fill="hold" nodeType="withEffect">
-                                  <p:stCondLst>
-                                    <p:cond delay="0"/>
-                                  </p:stCondLst>
-                                  <p:childTnLst>
-                                    <p:set>
-                                      <p:cBhvr>
-                                        <p:cTn id="8" dur="1" fill="hold">
-                                          <p:stCondLst>
-                                            <p:cond delay="0"/>
-                                          </p:stCondLst>
-                                        </p:cTn>
-                                        <p:tgtEl>
-                                          <p:spTgt spid="3">
-                                            <p:txEl>
-                                              <p:pRg st="2" end="2"/>
-                                            </p:txEl>
-                                          </p:spTgt>
-                                        </p:tgtEl>
-                                        <p:attrNameLst>
-                                          <p:attrName>style.visibility</p:attrName>
-                                        </p:attrNameLst>
-                                      </p:cBhvr>
-                                      <p:to>
-                                        <p:strVal val="visible"/>
-                                      </p:to>
-                                    </p:set>
-                                  </p:childTnLst>
-                                </p:cTn>
-                              </p:par>
-                              <p:par>
-                                <p:cTn id="9" presetID="1" presetClass="entr" presetSubtype="0" fill="hold" nodeType="withEffect">
+                                <p:cTn id="9" presetID="1" presetClass="entr" presetSubtype="0" fill="hold" nodeType="clickEffect">
                                   <p:stCondLst>
                                     <p:cond delay="0"/>
                                   </p:stCondLst>
@@ -35085,7 +36729,7 @@
                                         <p:tgtEl>
                                           <p:spTgt spid="3">
                                             <p:txEl>
-                                              <p:pRg st="3" end="3"/>
+                                              <p:pRg st="2" end="2"/>
                                             </p:txEl>
                                           </p:spTgt>
                                         </p:tgtEl>
@@ -35134,7 +36778,7 @@
                                         <p:tgtEl>
                                           <p:spTgt spid="3">
                                             <p:txEl>
-                                              <p:pRg st="4" end="4"/>
+                                              <p:pRg st="3" end="3"/>
                                             </p:txEl>
                                           </p:spTgt>
                                         </p:tgtEl>
@@ -35165,7 +36809,7 @@
                                         <p:tgtEl>
                                           <p:spTgt spid="3">
                                             <p:txEl>
-                                              <p:pRg st="5" end="5"/>
+                                              <p:pRg st="4" end="4"/>
                                             </p:txEl>
                                           </p:spTgt>
                                         </p:tgtEl>
@@ -35196,7 +36840,7 @@
                                         <p:tgtEl>
                                           <p:spTgt spid="3">
                                             <p:txEl>
-                                              <p:pRg st="6" end="6"/>
+                                              <p:pRg st="5" end="5"/>
                                             </p:txEl>
                                           </p:spTgt>
                                         </p:tgtEl>
@@ -35227,7 +36871,118 @@
                                         <p:tgtEl>
                                           <p:spTgt spid="3">
                                             <p:txEl>
+                                              <p:pRg st="6" end="6"/>
+                                            </p:txEl>
+                                          </p:spTgt>
+                                        </p:tgtEl>
+                                        <p:attrNameLst>
+                                          <p:attrName>style.visibility</p:attrName>
+                                        </p:attrNameLst>
+                                      </p:cBhvr>
+                                      <p:to>
+                                        <p:strVal val="visible"/>
+                                      </p:to>
+                                    </p:set>
+                                  </p:childTnLst>
+                                </p:cTn>
+                              </p:par>
+                              <p:par>
+                                <p:cTn id="21" presetID="1" presetClass="entr" presetSubtype="0" fill="hold" nodeType="withEffect">
+                                  <p:stCondLst>
+                                    <p:cond delay="0"/>
+                                  </p:stCondLst>
+                                  <p:childTnLst>
+                                    <p:set>
+                                      <p:cBhvr>
+                                        <p:cTn id="22" dur="1" fill="hold">
+                                          <p:stCondLst>
+                                            <p:cond delay="0"/>
+                                          </p:stCondLst>
+                                        </p:cTn>
+                                        <p:tgtEl>
+                                          <p:spTgt spid="3">
+                                            <p:txEl>
                                               <p:pRg st="7" end="7"/>
+                                            </p:txEl>
+                                          </p:spTgt>
+                                        </p:tgtEl>
+                                        <p:attrNameLst>
+                                          <p:attrName>style.visibility</p:attrName>
+                                        </p:attrNameLst>
+                                      </p:cBhvr>
+                                      <p:to>
+                                        <p:strVal val="visible"/>
+                                      </p:to>
+                                    </p:set>
+                                  </p:childTnLst>
+                                </p:cTn>
+                              </p:par>
+                              <p:par>
+                                <p:cTn id="23" presetID="1" presetClass="entr" presetSubtype="0" fill="hold" nodeType="withEffect">
+                                  <p:stCondLst>
+                                    <p:cond delay="0"/>
+                                  </p:stCondLst>
+                                  <p:childTnLst>
+                                    <p:set>
+                                      <p:cBhvr>
+                                        <p:cTn id="24" dur="1" fill="hold">
+                                          <p:stCondLst>
+                                            <p:cond delay="0"/>
+                                          </p:stCondLst>
+                                        </p:cTn>
+                                        <p:tgtEl>
+                                          <p:spTgt spid="3">
+                                            <p:txEl>
+                                              <p:pRg st="8" end="8"/>
+                                            </p:txEl>
+                                          </p:spTgt>
+                                        </p:tgtEl>
+                                        <p:attrNameLst>
+                                          <p:attrName>style.visibility</p:attrName>
+                                        </p:attrNameLst>
+                                      </p:cBhvr>
+                                      <p:to>
+                                        <p:strVal val="visible"/>
+                                      </p:to>
+                                    </p:set>
+                                  </p:childTnLst>
+                                </p:cTn>
+                              </p:par>
+                            </p:childTnLst>
+                          </p:cTn>
+                        </p:par>
+                      </p:childTnLst>
+                    </p:cTn>
+                  </p:par>
+                  <p:par>
+                    <p:cTn id="25" fill="hold">
+                      <p:stCondLst>
+                        <p:cond delay="indefinite"/>
+                      </p:stCondLst>
+                      <p:childTnLst>
+                        <p:par>
+                          <p:cTn id="26" fill="hold">
+                            <p:stCondLst>
+                              <p:cond delay="0"/>
+                            </p:stCondLst>
+                            <p:childTnLst>
+                              <p:par>
+                                <p:cTn id="27" presetID="1" presetClass="entr" presetSubtype="0" fill="hold" nodeType="clickEffect">
+                                  <p:stCondLst>
+                                    <p:cond delay="0"/>
+                                  </p:stCondLst>
+                                  <p:childTnLst>
+                                    <p:set>
+                                      <p:cBhvr>
+                                        <p:cTn id="28" dur="1" fill="hold">
+                                          <p:stCondLst>
+                                            <p:cond delay="0"/>
+                                          </p:stCondLst>
+                                        </p:cTn>
+                                        <p:tgtEl>
+                                          <p:spTgt spid="3">
+                                            <p:txEl>
+                                              <p:pRg st="9" end="9"/>
                                             </p:txEl>
                                           </p:spTgt>
                                         </p:tgtEl>
@@ -35319,8 +37074,344 @@
           </a:p>
         </p:txBody>
       </p:sp>
-      <mc:AlternateContent xmlns:mc="http://schemas.openxmlformats.org/markup-compatibility/2006" xmlns:a14="http://schemas.microsoft.com/office/drawing/2010/main">
-        <mc:Choice Requires="a14">
+      <p:sp>
+        <p:nvSpPr>
+          <p:cNvPr id="3" name="Content Placeholder 2"/>
+          <p:cNvSpPr>
+            <a:spLocks noGrp="1"/>
+          </p:cNvSpPr>
+          <p:nvPr>
+            <p:ph sz="quarter" idx="10"/>
+          </p:nvPr>
+        </p:nvSpPr>
+        <p:spPr>
+          <a:xfrm>
+            <a:off x="333375" y="896079"/>
+            <a:ext cx="11525250" cy="5290388"/>
+          </a:xfrm>
+        </p:spPr>
+        <p:txBody>
+          <a:bodyPr>
+            <a:normAutofit/>
+          </a:bodyPr>
+          <a:lstStyle/>
+          <a:p>
+            <a:r>
+              <a:rPr lang="en-US" dirty="0">
+                <a:latin typeface="+mn-lt"/>
+              </a:rPr>
+              <a:t>Relationships between variables in a dataset are often based on </a:t>
+            </a:r>
+            <a:r>
+              <a:rPr lang="en-US" b="1" dirty="0">
+                <a:latin typeface="+mn-lt"/>
+              </a:rPr>
+              <a:t>dissimilarity</a:t>
+            </a:r>
+            <a:r>
+              <a:rPr lang="en-US" dirty="0">
+                <a:latin typeface="+mn-lt"/>
+              </a:rPr>
+              <a:t> using a </a:t>
+            </a:r>
+            <a:r>
+              <a:rPr lang="en-US" b="1" dirty="0">
+                <a:latin typeface="+mn-lt"/>
+              </a:rPr>
+              <a:t>distance metric</a:t>
+            </a:r>
+            <a:endParaRPr lang="en-US" sz="2800" b="1" dirty="0">
+              <a:latin typeface="+mn-lt"/>
+            </a:endParaRPr>
+          </a:p>
+          <a:p>
+            <a:r>
+              <a:rPr lang="en-US" sz="2800" dirty="0">
+                <a:latin typeface="+mn-lt"/>
+              </a:rPr>
+              <a:t>The variables or observations </a:t>
+            </a:r>
+            <a:r>
+              <a:rPr lang="en-US" dirty="0">
+                <a:latin typeface="+mn-lt"/>
+              </a:rPr>
+              <a:t>are vector valued</a:t>
+            </a:r>
+          </a:p>
+          <a:p>
+            <a:r>
+              <a:rPr lang="en-US" dirty="0">
+                <a:latin typeface="+mn-lt"/>
+              </a:rPr>
+              <a:t>Distance and similarity are scalar values </a:t>
+            </a:r>
+          </a:p>
+          <a:p>
+            <a:r>
+              <a:rPr lang="en-US" sz="3200" dirty="0">
+                <a:latin typeface="+mn-lt"/>
+              </a:rPr>
+              <a:t>Distance (similarity) metrics map </a:t>
+            </a:r>
+            <a:r>
+              <a:rPr lang="en-US" sz="3200" b="1" dirty="0">
+                <a:latin typeface="+mn-lt"/>
+              </a:rPr>
+              <a:t>two vector valued variables </a:t>
+            </a:r>
+            <a:r>
+              <a:rPr lang="en-US" sz="3200" dirty="0">
+                <a:latin typeface="+mn-lt"/>
+              </a:rPr>
+              <a:t>to a </a:t>
+            </a:r>
+            <a:r>
+              <a:rPr lang="en-US" sz="3200" b="1" dirty="0">
+                <a:latin typeface="+mn-lt"/>
+              </a:rPr>
+              <a:t>real scalar value    </a:t>
+            </a:r>
+          </a:p>
+        </p:txBody>
+      </p:sp>
+    </p:spTree>
+    <p:extLst>
+      <p:ext uri="{BB962C8B-B14F-4D97-AF65-F5344CB8AC3E}">
+        <p14:creationId xmlns:p14="http://schemas.microsoft.com/office/powerpoint/2010/main" val="3008515469"/>
+      </p:ext>
+    </p:extLst>
+  </p:cSld>
+  <p:clrMapOvr>
+    <a:masterClrMapping/>
+  </p:clrMapOvr>
+  <p:timing>
+    <p:tnLst>
+      <p:par>
+        <p:cTn id="1" dur="indefinite" restart="never" nodeType="tmRoot">
+          <p:childTnLst>
+            <p:seq concurrent="1" nextAc="seek">
+              <p:cTn id="2" dur="indefinite" nodeType="mainSeq">
+                <p:childTnLst>
+                  <p:par>
+                    <p:cTn id="3" fill="hold">
+                      <p:stCondLst>
+                        <p:cond delay="indefinite"/>
+                      </p:stCondLst>
+                      <p:childTnLst>
+                        <p:par>
+                          <p:cTn id="4" fill="hold">
+                            <p:stCondLst>
+                              <p:cond delay="0"/>
+                            </p:stCondLst>
+                            <p:childTnLst>
+                              <p:par>
+                                <p:cTn id="5" presetID="1" presetClass="entr" presetSubtype="0" fill="hold" nodeType="clickEffect">
+                                  <p:stCondLst>
+                                    <p:cond delay="0"/>
+                                  </p:stCondLst>
+                                  <p:childTnLst>
+                                    <p:set>
+                                      <p:cBhvr>
+                                        <p:cTn id="6" dur="1" fill="hold">
+                                          <p:stCondLst>
+                                            <p:cond delay="0"/>
+                                          </p:stCondLst>
+                                        </p:cTn>
+                                        <p:tgtEl>
+                                          <p:spTgt spid="3">
+                                            <p:txEl>
+                                              <p:pRg st="1" end="1"/>
+                                            </p:txEl>
+                                          </p:spTgt>
+                                        </p:tgtEl>
+                                        <p:attrNameLst>
+                                          <p:attrName>style.visibility</p:attrName>
+                                        </p:attrNameLst>
+                                      </p:cBhvr>
+                                      <p:to>
+                                        <p:strVal val="visible"/>
+                                      </p:to>
+                                    </p:set>
+                                  </p:childTnLst>
+                                </p:cTn>
+                              </p:par>
+                            </p:childTnLst>
+                          </p:cTn>
+                        </p:par>
+                      </p:childTnLst>
+                    </p:cTn>
+                  </p:par>
+                  <p:par>
+                    <p:cTn id="7" fill="hold">
+                      <p:stCondLst>
+                        <p:cond delay="indefinite"/>
+                      </p:stCondLst>
+                      <p:childTnLst>
+                        <p:par>
+                          <p:cTn id="8" fill="hold">
+                            <p:stCondLst>
+                              <p:cond delay="0"/>
+                            </p:stCondLst>
+                            <p:childTnLst>
+                              <p:par>
+                                <p:cTn id="9" presetID="1" presetClass="entr" presetSubtype="0" fill="hold" nodeType="clickEffect">
+                                  <p:stCondLst>
+                                    <p:cond delay="0"/>
+                                  </p:stCondLst>
+                                  <p:childTnLst>
+                                    <p:set>
+                                      <p:cBhvr>
+                                        <p:cTn id="10" dur="1" fill="hold">
+                                          <p:stCondLst>
+                                            <p:cond delay="0"/>
+                                          </p:stCondLst>
+                                        </p:cTn>
+                                        <p:tgtEl>
+                                          <p:spTgt spid="3">
+                                            <p:txEl>
+                                              <p:pRg st="2" end="2"/>
+                                            </p:txEl>
+                                          </p:spTgt>
+                                        </p:tgtEl>
+                                        <p:attrNameLst>
+                                          <p:attrName>style.visibility</p:attrName>
+                                        </p:attrNameLst>
+                                      </p:cBhvr>
+                                      <p:to>
+                                        <p:strVal val="visible"/>
+                                      </p:to>
+                                    </p:set>
+                                  </p:childTnLst>
+                                </p:cTn>
+                              </p:par>
+                            </p:childTnLst>
+                          </p:cTn>
+                        </p:par>
+                      </p:childTnLst>
+                    </p:cTn>
+                  </p:par>
+                  <p:par>
+                    <p:cTn id="11" fill="hold">
+                      <p:stCondLst>
+                        <p:cond delay="indefinite"/>
+                      </p:stCondLst>
+                      <p:childTnLst>
+                        <p:par>
+                          <p:cTn id="12" fill="hold">
+                            <p:stCondLst>
+                              <p:cond delay="0"/>
+                            </p:stCondLst>
+                            <p:childTnLst>
+                              <p:par>
+                                <p:cTn id="13" presetID="1" presetClass="entr" presetSubtype="0" fill="hold" nodeType="clickEffect">
+                                  <p:stCondLst>
+                                    <p:cond delay="0"/>
+                                  </p:stCondLst>
+                                  <p:childTnLst>
+                                    <p:set>
+                                      <p:cBhvr>
+                                        <p:cTn id="14" dur="1" fill="hold">
+                                          <p:stCondLst>
+                                            <p:cond delay="0"/>
+                                          </p:stCondLst>
+                                        </p:cTn>
+                                        <p:tgtEl>
+                                          <p:spTgt spid="3">
+                                            <p:txEl>
+                                              <p:pRg st="3" end="3"/>
+                                            </p:txEl>
+                                          </p:spTgt>
+                                        </p:tgtEl>
+                                        <p:attrNameLst>
+                                          <p:attrName>style.visibility</p:attrName>
+                                        </p:attrNameLst>
+                                      </p:cBhvr>
+                                      <p:to>
+                                        <p:strVal val="visible"/>
+                                      </p:to>
+                                    </p:set>
+                                  </p:childTnLst>
+                                </p:cTn>
+                              </p:par>
+                            </p:childTnLst>
+                          </p:cTn>
+                        </p:par>
+                      </p:childTnLst>
+                    </p:cTn>
+                  </p:par>
+                </p:childTnLst>
+              </p:cTn>
+              <p:prevCondLst>
+                <p:cond evt="onPrev" delay="0">
+                  <p:tgtEl>
+                    <p:sldTgt/>
+                  </p:tgtEl>
+                </p:cond>
+              </p:prevCondLst>
+              <p:nextCondLst>
+                <p:cond evt="onNext" delay="0">
+                  <p:tgtEl>
+                    <p:sldTgt/>
+                  </p:tgtEl>
+                </p:cond>
+              </p:nextCondLst>
+            </p:seq>
+          </p:childTnLst>
+        </p:cTn>
+      </p:par>
+    </p:tnLst>
+  </p:timing>
+</p:sld>
+</file>
+
+<file path=ppt/slides/slide6.xml><?xml version="1.0" encoding="utf-8"?>
+<p:sld xmlns:a="http://schemas.openxmlformats.org/drawingml/2006/main" xmlns:r="http://schemas.openxmlformats.org/officeDocument/2006/relationships" xmlns:p="http://schemas.openxmlformats.org/presentationml/2006/main">
+  <p:cSld>
+    <p:spTree>
+      <p:nvGrpSpPr>
+        <p:cNvPr id="1" name=""/>
+        <p:cNvGrpSpPr/>
+        <p:nvPr/>
+      </p:nvGrpSpPr>
+      <p:grpSpPr>
+        <a:xfrm>
+          <a:off x="0" y="0"/>
+          <a:ext cx="0" cy="0"/>
+          <a:chOff x="0" y="0"/>
+          <a:chExt cx="0" cy="0"/>
+        </a:xfrm>
+      </p:grpSpPr>
+      <p:sp>
+        <p:nvSpPr>
+          <p:cNvPr id="2" name="Title 1"/>
+          <p:cNvSpPr>
+            <a:spLocks noGrp="1"/>
+          </p:cNvSpPr>
+          <p:nvPr>
+            <p:ph type="title"/>
+          </p:nvPr>
+        </p:nvSpPr>
+        <p:spPr>
+          <a:xfrm>
+            <a:off x="584200" y="221992"/>
+            <a:ext cx="10515600" cy="530954"/>
+          </a:xfrm>
+        </p:spPr>
+        <p:txBody>
+          <a:bodyPr>
+            <a:normAutofit fontScale="90000"/>
+          </a:bodyPr>
+          <a:lstStyle/>
+          <a:p>
+            <a:r>
+              <a:rPr lang="en-US" dirty="0"/>
+              <a:t>Measuring distance or dissimilarity</a:t>
+            </a:r>
+          </a:p>
+        </p:txBody>
+      </p:sp>
+      <mc:AlternateContent xmlns:mc="http://schemas.openxmlformats.org/markup-compatibility/2006">
+        <mc:Choice xmlns:a14="http://schemas.microsoft.com/office/drawing/2010/main" Requires="a14">
           <p:sp>
             <p:nvSpPr>
               <p:cNvPr id="3" name="Content Placeholder 2"/>
@@ -35350,7 +37441,7 @@
                   <a:rPr lang="en-US" dirty="0">
                     <a:latin typeface="+mn-lt"/>
                   </a:rPr>
-                  <a:t>Distance metrics area measure between two points in a space </a:t>
+                  <a:t>Distance metrics between two points, </a:t>
                 </a:r>
                 <a14:m>
                   <m:oMath xmlns:m="http://schemas.openxmlformats.org/officeDocument/2006/math">
@@ -35396,7 +37487,7 @@
                   <a:rPr lang="en-US" dirty="0">
                     <a:latin typeface="+mn-lt"/>
                   </a:rPr>
-                  <a:t> must conform to these </a:t>
+                  <a:t>, must conform to these </a:t>
                 </a:r>
                 <a:r>
                   <a:rPr lang="en-US" b="1" dirty="0">
@@ -36011,7 +38102,7 @@
             </p:txBody>
           </p:sp>
         </mc:Choice>
-        <mc:Fallback xmlns="">
+        <mc:Fallback>
           <p:sp>
             <p:nvSpPr>
               <p:cNvPr id="3" name="Content Placeholder 2"/>
@@ -36412,7 +38503,7 @@
 </p:sld>
 </file>
 
-<file path=ppt/slides/slide6.xml><?xml version="1.0" encoding="utf-8"?>
+<file path=ppt/slides/slide7.xml><?xml version="1.0" encoding="utf-8"?>
 <p:sld xmlns:a="http://schemas.openxmlformats.org/drawingml/2006/main" xmlns:r="http://schemas.openxmlformats.org/officeDocument/2006/relationships" xmlns:p="http://schemas.openxmlformats.org/presentationml/2006/main">
   <p:cSld>
     <p:spTree>
@@ -36458,8 +38549,8 @@
           </a:p>
         </p:txBody>
       </p:sp>
-      <mc:AlternateContent xmlns:mc="http://schemas.openxmlformats.org/markup-compatibility/2006" xmlns:a14="http://schemas.microsoft.com/office/drawing/2010/main">
-        <mc:Choice Requires="a14">
+      <mc:AlternateContent xmlns:mc="http://schemas.openxmlformats.org/markup-compatibility/2006">
+        <mc:Choice xmlns:a14="http://schemas.microsoft.com/office/drawing/2010/main" Requires="a14">
           <p:sp>
             <p:nvSpPr>
               <p:cNvPr id="3" name="Content Placeholder 2"/>
@@ -36518,7 +38609,7 @@
                   <a:rPr lang="en-US" sz="2800" dirty="0">
                     <a:latin typeface="+mn-lt"/>
                   </a:rPr>
-                  <a:t>How do we organize the dissimilarity metrics? </a:t>
+                  <a:t>How do we organize dissimilarity (similarity) values? </a:t>
                 </a:r>
               </a:p>
               <a:p>
@@ -37264,7 +39355,7 @@
             </p:txBody>
           </p:sp>
         </mc:Choice>
-        <mc:Fallback xmlns="">
+        <mc:Fallback>
           <p:sp>
             <p:nvSpPr>
               <p:cNvPr id="3" name="Content Placeholder 2"/>
@@ -37474,7 +39565,7 @@
 </p:sld>
 </file>
 
-<file path=ppt/slides/slide7.xml><?xml version="1.0" encoding="utf-8"?>
+<file path=ppt/slides/slide8.xml><?xml version="1.0" encoding="utf-8"?>
 <p:sld xmlns:a="http://schemas.openxmlformats.org/drawingml/2006/main" xmlns:r="http://schemas.openxmlformats.org/officeDocument/2006/relationships" xmlns:p="http://schemas.openxmlformats.org/presentationml/2006/main">
   <p:cSld>
     <p:spTree>
@@ -37520,8 +39611,8 @@
           </a:p>
         </p:txBody>
       </p:sp>
-      <mc:AlternateContent xmlns:mc="http://schemas.openxmlformats.org/markup-compatibility/2006" xmlns:a14="http://schemas.microsoft.com/office/drawing/2010/main">
-        <mc:Choice Requires="a14">
+      <mc:AlternateContent xmlns:mc="http://schemas.openxmlformats.org/markup-compatibility/2006">
+        <mc:Choice xmlns:a14="http://schemas.microsoft.com/office/drawing/2010/main" Requires="a14">
           <p:sp>
             <p:nvSpPr>
               <p:cNvPr id="3" name="Content Placeholder 2"/>
@@ -37540,7 +39631,7 @@
             </p:spPr>
             <p:txBody>
               <a:bodyPr>
-                <a:normAutofit/>
+                <a:normAutofit lnSpcReduction="10000"/>
               </a:bodyPr>
               <a:lstStyle/>
               <a:p>
@@ -38456,111 +40547,31 @@
                   <a:rPr lang="en-US" dirty="0">
                     <a:latin typeface="+mn-lt"/>
                   </a:rPr>
-                  <a:t>Dense representation is computationally intensive to create, </a:t>
+                  <a:t>Similarity matrix is the inverse of dissimilarity matrix    </a:t>
                 </a:r>
-                <a14:m>
-                  <m:oMath xmlns:m="http://schemas.openxmlformats.org/officeDocument/2006/math">
-                    <m:r>
-                      <a:rPr lang="en-US" b="1" i="1" smtClean="0">
-                        <a:latin typeface="Cambria Math" panose="02040503050406030204" pitchFamily="18" charset="0"/>
-                      </a:rPr>
-                      <m:t>𝑶</m:t>
-                    </m:r>
-                    <m:d>
-                      <m:dPr>
-                        <m:ctrlPr>
-                          <a:rPr lang="en-US" b="1" i="1" smtClean="0">
-                            <a:latin typeface="Cambria Math" panose="02040503050406030204" pitchFamily="18" charset="0"/>
-                          </a:rPr>
-                        </m:ctrlPr>
-                      </m:dPr>
-                      <m:e>
-                        <m:f>
-                          <m:fPr>
-                            <m:ctrlPr>
-                              <a:rPr lang="en-US" b="1" i="1" smtClean="0">
-                                <a:latin typeface="Cambria Math" panose="02040503050406030204" pitchFamily="18" charset="0"/>
-                              </a:rPr>
-                            </m:ctrlPr>
-                          </m:fPr>
-                          <m:num>
-                            <m:r>
-                              <a:rPr lang="en-US" b="1" i="1" smtClean="0">
-                                <a:latin typeface="Cambria Math" panose="02040503050406030204" pitchFamily="18" charset="0"/>
-                              </a:rPr>
-                              <m:t>𝒏</m:t>
-                            </m:r>
-                            <m:r>
-                              <a:rPr lang="en-US" b="1" i="1" smtClean="0">
-                                <a:latin typeface="Cambria Math" panose="02040503050406030204" pitchFamily="18" charset="0"/>
-                              </a:rPr>
-                              <m:t>(</m:t>
-                            </m:r>
-                            <m:sSup>
-                              <m:sSupPr>
-                                <m:ctrlPr>
-                                  <a:rPr lang="en-US" b="1" i="1" smtClean="0">
-                                    <a:latin typeface="Cambria Math" panose="02040503050406030204" pitchFamily="18" charset="0"/>
-                                  </a:rPr>
-                                </m:ctrlPr>
-                              </m:sSupPr>
-                              <m:e>
-                                <m:r>
-                                  <a:rPr lang="en-US" b="1" i="1" smtClean="0">
-                                    <a:latin typeface="Cambria Math" panose="02040503050406030204" pitchFamily="18" charset="0"/>
-                                  </a:rPr>
-                                  <m:t>𝒏</m:t>
-                                </m:r>
-                              </m:e>
-                              <m:sup>
-                                <m:r>
-                                  <a:rPr lang="en-US" b="1" i="1" smtClean="0">
-                                    <a:latin typeface="Cambria Math" panose="02040503050406030204" pitchFamily="18" charset="0"/>
-                                  </a:rPr>
-                                  <m:t> </m:t>
-                                </m:r>
-                              </m:sup>
-                            </m:sSup>
-                            <m:r>
-                              <a:rPr lang="en-US" b="1" i="1" smtClean="0">
-                                <a:latin typeface="Cambria Math" panose="02040503050406030204" pitchFamily="18" charset="0"/>
-                              </a:rPr>
-                              <m:t>−</m:t>
-                            </m:r>
-                            <m:r>
-                              <a:rPr lang="en-US" b="1" i="1" smtClean="0">
-                                <a:latin typeface="Cambria Math" panose="02040503050406030204" pitchFamily="18" charset="0"/>
-                              </a:rPr>
-                              <m:t>𝟏</m:t>
-                            </m:r>
-                            <m:r>
-                              <a:rPr lang="en-US" b="1" i="1" smtClean="0">
-                                <a:latin typeface="Cambria Math" panose="02040503050406030204" pitchFamily="18" charset="0"/>
-                              </a:rPr>
-                              <m:t>)</m:t>
-                            </m:r>
-                          </m:num>
-                          <m:den>
-                            <m:r>
-                              <a:rPr lang="en-US" b="1" i="1" smtClean="0">
-                                <a:latin typeface="Cambria Math" panose="02040503050406030204" pitchFamily="18" charset="0"/>
-                              </a:rPr>
-                              <m:t>𝟐</m:t>
-                            </m:r>
-                          </m:den>
-                        </m:f>
-                      </m:e>
-                    </m:d>
-                  </m:oMath>
-                </a14:m>
-                <a:endParaRPr lang="en-US" b="1" dirty="0">
-                  <a:latin typeface="+mn-lt"/>
-                </a:endParaRPr>
+              </a:p>
+              <a:p>
+                <a:pPr lvl="1"/>
+                <a:r>
+                  <a:rPr lang="en-US" dirty="0">
+                    <a:latin typeface="+mn-lt"/>
+                  </a:rPr>
+                  <a:t>Symmetric</a:t>
+                </a:r>
+              </a:p>
+              <a:p>
+                <a:pPr lvl="1"/>
+                <a:r>
+                  <a:rPr lang="en-US" dirty="0">
+                    <a:latin typeface="+mn-lt"/>
+                  </a:rPr>
+                  <a:t>All 1s on the diagonal   </a:t>
+                </a:r>
               </a:p>
             </p:txBody>
           </p:sp>
         </mc:Choice>
-        <mc:Fallback xmlns="">
+        <mc:Fallback>
           <p:sp>
             <p:nvSpPr>
               <p:cNvPr id="3" name="Content Placeholder 2"/>
@@ -38579,7 +40590,7 @@
               <a:blipFill>
                 <a:blip r:embed="rId3"/>
                 <a:stretch>
-                  <a:fillRect l="-1111" t="-1876"/>
+                  <a:fillRect l="-1111" t="-2539" b="-1104"/>
                 </a:stretch>
               </a:blipFill>
             </p:spPr>
@@ -38757,6 +40768,68 @@
                                   </p:childTnLst>
                                 </p:cTn>
                               </p:par>
+                              <p:par>
+                                <p:cTn id="15" presetID="1" presetClass="entr" presetSubtype="0" fill="hold" nodeType="withEffect">
+                                  <p:stCondLst>
+                                    <p:cond delay="0"/>
+                                  </p:stCondLst>
+                                  <p:childTnLst>
+                                    <p:set>
+                                      <p:cBhvr>
+                                        <p:cTn id="16" dur="1" fill="hold">
+                                          <p:stCondLst>
+                                            <p:cond delay="0"/>
+                                          </p:stCondLst>
+                                        </p:cTn>
+                                        <p:tgtEl>
+                                          <p:spTgt spid="3">
+                                            <p:txEl>
+                                              <p:pRg st="7" end="7"/>
+                                            </p:txEl>
+                                          </p:spTgt>
+                                        </p:tgtEl>
+                                        <p:attrNameLst>
+                                          <p:attrName>style.visibility</p:attrName>
+                                        </p:attrNameLst>
+                                      </p:cBhvr>
+                                      <p:to>
+                                        <p:strVal val="visible"/>
+                                      </p:to>
+                                    </p:set>
+                                  </p:childTnLst>
+                                </p:cTn>
+                              </p:par>
+                              <p:par>
+                                <p:cTn id="17" presetID="1" presetClass="entr" presetSubtype="0" fill="hold" nodeType="withEffect">
+                                  <p:stCondLst>
+                                    <p:cond delay="0"/>
+                                  </p:stCondLst>
+                                  <p:childTnLst>
+                                    <p:set>
+                                      <p:cBhvr>
+                                        <p:cTn id="18" dur="1" fill="hold">
+                                          <p:stCondLst>
+                                            <p:cond delay="0"/>
+                                          </p:stCondLst>
+                                        </p:cTn>
+                                        <p:tgtEl>
+                                          <p:spTgt spid="3">
+                                            <p:txEl>
+                                              <p:pRg st="8" end="8"/>
+                                            </p:txEl>
+                                          </p:spTgt>
+                                        </p:tgtEl>
+                                        <p:attrNameLst>
+                                          <p:attrName>style.visibility</p:attrName>
+                                        </p:attrNameLst>
+                                      </p:cBhvr>
+                                      <p:to>
+                                        <p:strVal val="visible"/>
+                                      </p:to>
+                                    </p:set>
+                                  </p:childTnLst>
+                                </p:cTn>
+                              </p:par>
                             </p:childTnLst>
                           </p:cTn>
                         </p:par>
@@ -38788,7 +40861,7 @@
 </p:sld>
 </file>
 
-<file path=ppt/slides/slide8.xml><?xml version="1.0" encoding="utf-8"?>
+<file path=ppt/slides/slide9.xml><?xml version="1.0" encoding="utf-8"?>
 <p:sld xmlns:a="http://schemas.openxmlformats.org/drawingml/2006/main" xmlns:r="http://schemas.openxmlformats.org/officeDocument/2006/relationships" xmlns:p="http://schemas.openxmlformats.org/presentationml/2006/main">
   <p:cSld>
     <p:spTree>
@@ -38834,8 +40907,8 @@
           </a:p>
         </p:txBody>
       </p:sp>
-      <mc:AlternateContent xmlns:mc="http://schemas.openxmlformats.org/markup-compatibility/2006" xmlns:a14="http://schemas.microsoft.com/office/drawing/2010/main">
-        <mc:Choice Requires="a14">
+      <mc:AlternateContent xmlns:mc="http://schemas.openxmlformats.org/markup-compatibility/2006">
+        <mc:Choice xmlns:a14="http://schemas.microsoft.com/office/drawing/2010/main" Requires="a14">
           <p:sp>
             <p:nvSpPr>
               <p:cNvPr id="3" name="Content Placeholder 2"/>
@@ -39591,7 +41664,7 @@
                   <a:rPr lang="en-US" dirty="0">
                     <a:latin typeface="+mn-lt"/>
                   </a:rPr>
-                  <a:t>But, a dense and </a:t>
+                  <a:t>But, is a dense and </a:t>
                 </a:r>
                 <a:r>
                   <a:rPr lang="en-US" b="1" dirty="0">
@@ -39616,86 +41689,37 @@
                     <m:d>
                       <m:dPr>
                         <m:ctrlPr>
-                          <a:rPr lang="en-US" b="1" i="1">
+                          <a:rPr lang="en-US" b="1" i="1" smtClean="0">
                             <a:latin typeface="Cambria Math" panose="02040503050406030204" pitchFamily="18" charset="0"/>
                           </a:rPr>
                         </m:ctrlPr>
                       </m:dPr>
                       <m:e>
-                        <m:f>
-                          <m:fPr>
+                        <m:sSup>
+                          <m:sSupPr>
                             <m:ctrlPr>
-                              <a:rPr lang="en-US" b="1" i="1">
+                              <a:rPr lang="en-US" b="1" i="1" smtClean="0">
                                 <a:latin typeface="Cambria Math" panose="02040503050406030204" pitchFamily="18" charset="0"/>
                               </a:rPr>
                             </m:ctrlPr>
-                          </m:fPr>
-                          <m:num>
-                            <m:sSup>
-                              <m:sSupPr>
-                                <m:ctrlPr>
-                                  <a:rPr lang="en-US" b="1" i="1">
-                                    <a:latin typeface="Cambria Math" panose="02040503050406030204" pitchFamily="18" charset="0"/>
-                                  </a:rPr>
-                                </m:ctrlPr>
-                              </m:sSupPr>
-                              <m:e>
-                                <m:r>
-                                  <a:rPr lang="en-US" b="1" i="1" smtClean="0">
-                                    <a:latin typeface="Cambria Math" panose="02040503050406030204" pitchFamily="18" charset="0"/>
-                                  </a:rPr>
-                                  <m:t>𝒏</m:t>
-                                </m:r>
-                                <m:r>
-                                  <a:rPr lang="en-US" b="1" i="1" smtClean="0">
-                                    <a:latin typeface="Cambria Math" panose="02040503050406030204" pitchFamily="18" charset="0"/>
-                                  </a:rPr>
-                                  <m:t>(</m:t>
-                                </m:r>
-                                <m:r>
-                                  <a:rPr lang="en-US" b="1" i="1">
-                                    <a:latin typeface="Cambria Math" panose="02040503050406030204" pitchFamily="18" charset="0"/>
-                                  </a:rPr>
-                                  <m:t>𝒏</m:t>
-                                </m:r>
-                              </m:e>
-                              <m:sup>
-                                <m:r>
-                                  <a:rPr lang="en-US" b="1" i="1" smtClean="0">
-                                    <a:latin typeface="Cambria Math" panose="02040503050406030204" pitchFamily="18" charset="0"/>
-                                  </a:rPr>
-                                  <m:t> </m:t>
-                                </m:r>
-                              </m:sup>
-                            </m:sSup>
-                            <m:r>
-                              <a:rPr lang="en-US" b="1" i="1">
-                                <a:latin typeface="Cambria Math" panose="02040503050406030204" pitchFamily="18" charset="0"/>
-                              </a:rPr>
-                              <m:t>−</m:t>
-                            </m:r>
+                          </m:sSupPr>
+                          <m:e>
                             <m:r>
                               <a:rPr lang="en-US" b="1" i="1" smtClean="0">
                                 <a:latin typeface="Cambria Math" panose="02040503050406030204" pitchFamily="18" charset="0"/>
                               </a:rPr>
-                              <m:t>𝟏</m:t>
+                              <m:t>𝒏</m:t>
                             </m:r>
+                          </m:e>
+                          <m:sup>
                             <m:r>
                               <a:rPr lang="en-US" b="1" i="1" smtClean="0">
                                 <a:latin typeface="Cambria Math" panose="02040503050406030204" pitchFamily="18" charset="0"/>
                               </a:rPr>
-                              <m:t>)</m:t>
-                            </m:r>
-                          </m:num>
-                          <m:den>
-                            <m:r>
-                              <a:rPr lang="en-US" b="1" i="1">
-                                <a:latin typeface="Cambria Math" panose="02040503050406030204" pitchFamily="18" charset="0"/>
-                              </a:rPr>
                               <m:t>𝟐</m:t>
                             </m:r>
-                          </m:den>
-                        </m:f>
+                          </m:sup>
+                        </m:sSup>
                       </m:e>
                     </m:d>
                   </m:oMath>
@@ -39724,7 +41748,7 @@
             </p:txBody>
           </p:sp>
         </mc:Choice>
-        <mc:Fallback xmlns="">
+        <mc:Fallback>
           <p:sp>
             <p:nvSpPr>
               <p:cNvPr id="3" name="Content Placeholder 2"/>
@@ -39900,1050 +41924,6 @@
       </p:par>
     </p:tnLst>
   </p:timing>
-</p:sld>
-</file>
-
-<file path=ppt/slides/slide9.xml><?xml version="1.0" encoding="utf-8"?>
-<p:sld xmlns:a="http://schemas.openxmlformats.org/drawingml/2006/main" xmlns:r="http://schemas.openxmlformats.org/officeDocument/2006/relationships" xmlns:p="http://schemas.openxmlformats.org/presentationml/2006/main">
-  <p:cSld>
-    <p:spTree>
-      <p:nvGrpSpPr>
-        <p:cNvPr id="1" name=""/>
-        <p:cNvGrpSpPr/>
-        <p:nvPr/>
-      </p:nvGrpSpPr>
-      <p:grpSpPr>
-        <a:xfrm>
-          <a:off x="0" y="0"/>
-          <a:ext cx="0" cy="0"/>
-          <a:chOff x="0" y="0"/>
-          <a:chExt cx="0" cy="0"/>
-        </a:xfrm>
-      </p:grpSpPr>
-      <p:sp>
-        <p:nvSpPr>
-          <p:cNvPr id="2" name="Title 1"/>
-          <p:cNvSpPr>
-            <a:spLocks noGrp="1"/>
-          </p:cNvSpPr>
-          <p:nvPr>
-            <p:ph type="title"/>
-          </p:nvPr>
-        </p:nvSpPr>
-        <p:spPr>
-          <a:xfrm>
-            <a:off x="584200" y="221992"/>
-            <a:ext cx="10515600" cy="530954"/>
-          </a:xfrm>
-        </p:spPr>
-        <p:txBody>
-          <a:bodyPr>
-            <a:normAutofit fontScale="90000"/>
-          </a:bodyPr>
-          <a:lstStyle/>
-          <a:p>
-            <a:r>
-              <a:rPr lang="en-US" dirty="0"/>
-              <a:t>Measuring distance or dissimilarity</a:t>
-            </a:r>
-          </a:p>
-        </p:txBody>
-      </p:sp>
-      <mc:AlternateContent xmlns:mc="http://schemas.openxmlformats.org/markup-compatibility/2006" xmlns:a14="http://schemas.microsoft.com/office/drawing/2010/main">
-        <mc:Choice Requires="a14">
-          <p:sp>
-            <p:nvSpPr>
-              <p:cNvPr id="3" name="Content Placeholder 2"/>
-              <p:cNvSpPr>
-                <a:spLocks noGrp="1"/>
-              </p:cNvSpPr>
-              <p:nvPr>
-                <p:ph sz="quarter" idx="10"/>
-              </p:nvPr>
-            </p:nvSpPr>
-            <p:spPr>
-              <a:xfrm>
-                <a:off x="333375" y="896079"/>
-                <a:ext cx="11525250" cy="5698998"/>
-              </a:xfrm>
-            </p:spPr>
-            <p:txBody>
-              <a:bodyPr>
-                <a:normAutofit/>
-              </a:bodyPr>
-              <a:lstStyle/>
-              <a:p>
-                <a:pPr marL="0" indent="0">
-                  <a:buNone/>
-                </a:pPr>
-                <a:r>
-                  <a:rPr lang="en-US" dirty="0">
-                    <a:latin typeface="+mn-lt"/>
-                  </a:rPr>
-                  <a:t>Different metrics for dissimilarity can be computed for numeric variables in p dimensions</a:t>
-                </a:r>
-              </a:p>
-              <a:p>
-                <a:r>
-                  <a:rPr lang="en-US" b="1" dirty="0">
-                    <a:latin typeface="+mn-lt"/>
-                  </a:rPr>
-                  <a:t>Weighted Euclidian distance, (L2</a:t>
-                </a:r>
-                <a:r>
-                  <a:rPr lang="en-US" dirty="0">
-                    <a:latin typeface="+mn-lt"/>
-                  </a:rPr>
-                  <a:t>)</a:t>
-                </a:r>
-              </a:p>
-              <a:p>
-                <a:pPr marL="0" indent="0">
-                  <a:buNone/>
-                </a:pPr>
-                <a14:m>
-                  <m:oMathPara xmlns:m="http://schemas.openxmlformats.org/officeDocument/2006/math">
-                    <m:oMathParaPr>
-                      <m:jc m:val="centerGroup"/>
-                    </m:oMathParaPr>
-                    <m:oMath xmlns:m="http://schemas.openxmlformats.org/officeDocument/2006/math">
-                      <m:sSub>
-                        <m:sSubPr>
-                          <m:ctrlPr>
-                            <a:rPr lang="en-US" b="0" i="1" dirty="0" smtClean="0">
-                              <a:latin typeface="Cambria Math" panose="02040503050406030204" pitchFamily="18" charset="0"/>
-                            </a:rPr>
-                          </m:ctrlPr>
-                        </m:sSubPr>
-                        <m:e>
-                          <m:r>
-                            <a:rPr lang="en-US" b="0" i="1" dirty="0" smtClean="0">
-                              <a:latin typeface="Cambria Math" panose="02040503050406030204" pitchFamily="18" charset="0"/>
-                            </a:rPr>
-                            <m:t>𝑑</m:t>
-                          </m:r>
-                        </m:e>
-                        <m:sub>
-                          <m:r>
-                            <a:rPr lang="en-US" b="0" i="1" dirty="0" smtClean="0">
-                              <a:latin typeface="Cambria Math" panose="02040503050406030204" pitchFamily="18" charset="0"/>
-                            </a:rPr>
-                            <m:t>𝐿</m:t>
-                          </m:r>
-                          <m:r>
-                            <a:rPr lang="en-US" b="0" i="1" dirty="0" smtClean="0">
-                              <a:latin typeface="Cambria Math" panose="02040503050406030204" pitchFamily="18" charset="0"/>
-                            </a:rPr>
-                            <m:t>2</m:t>
-                          </m:r>
-                        </m:sub>
-                      </m:sSub>
-                      <m:d>
-                        <m:dPr>
-                          <m:ctrlPr>
-                            <a:rPr lang="en-US" b="0" i="1" smtClean="0">
-                              <a:latin typeface="Cambria Math" panose="02040503050406030204" pitchFamily="18" charset="0"/>
-                            </a:rPr>
-                          </m:ctrlPr>
-                        </m:dPr>
-                        <m:e>
-                          <m:r>
-                            <a:rPr lang="en-US" b="0" i="1" smtClean="0">
-                              <a:latin typeface="Cambria Math" panose="02040503050406030204" pitchFamily="18" charset="0"/>
-                            </a:rPr>
-                            <m:t>𝑥</m:t>
-                          </m:r>
-                          <m:r>
-                            <a:rPr lang="en-US" b="0" i="1" smtClean="0">
-                              <a:latin typeface="Cambria Math" panose="02040503050406030204" pitchFamily="18" charset="0"/>
-                            </a:rPr>
-                            <m:t>,</m:t>
-                          </m:r>
-                          <m:r>
-                            <a:rPr lang="en-US" b="0" i="1" smtClean="0">
-                              <a:latin typeface="Cambria Math" panose="02040503050406030204" pitchFamily="18" charset="0"/>
-                            </a:rPr>
-                            <m:t>𝑥</m:t>
-                          </m:r>
-                          <m:r>
-                            <a:rPr lang="en-US" b="0" i="1" smtClean="0">
-                              <a:latin typeface="Cambria Math" panose="02040503050406030204" pitchFamily="18" charset="0"/>
-                            </a:rPr>
-                            <m:t>′</m:t>
-                          </m:r>
-                        </m:e>
-                      </m:d>
-                      <m:r>
-                        <a:rPr lang="en-US" b="0" i="1" smtClean="0">
-                          <a:latin typeface="Cambria Math" panose="02040503050406030204" pitchFamily="18" charset="0"/>
-                        </a:rPr>
-                        <m:t>= </m:t>
-                      </m:r>
-                      <m:sSup>
-                        <m:sSupPr>
-                          <m:ctrlPr>
-                            <a:rPr lang="en-US" b="0" i="1" smtClean="0">
-                              <a:latin typeface="Cambria Math" panose="02040503050406030204" pitchFamily="18" charset="0"/>
-                            </a:rPr>
-                          </m:ctrlPr>
-                        </m:sSupPr>
-                        <m:e>
-                          <m:d>
-                            <m:dPr>
-                              <m:begChr m:val="["/>
-                              <m:endChr m:val="]"/>
-                              <m:ctrlPr>
-                                <a:rPr lang="en-US" b="0" i="1" smtClean="0">
-                                  <a:latin typeface="Cambria Math" panose="02040503050406030204" pitchFamily="18" charset="0"/>
-                                </a:rPr>
-                              </m:ctrlPr>
-                            </m:dPr>
-                            <m:e>
-                              <m:nary>
-                                <m:naryPr>
-                                  <m:chr m:val="∑"/>
-                                  <m:ctrlPr>
-                                    <a:rPr lang="en-US" i="1">
-                                      <a:latin typeface="Cambria Math" panose="02040503050406030204" pitchFamily="18" charset="0"/>
-                                    </a:rPr>
-                                  </m:ctrlPr>
-                                </m:naryPr>
-                                <m:sub>
-                                  <m:r>
-                                    <m:rPr>
-                                      <m:brk m:alnAt="23"/>
-                                    </m:rPr>
-                                    <a:rPr lang="en-US" i="1">
-                                      <a:latin typeface="Cambria Math" panose="02040503050406030204" pitchFamily="18" charset="0"/>
-                                    </a:rPr>
-                                    <m:t>𝑖</m:t>
-                                  </m:r>
-                                  <m:r>
-                                    <a:rPr lang="en-US" i="1">
-                                      <a:latin typeface="Cambria Math" panose="02040503050406030204" pitchFamily="18" charset="0"/>
-                                    </a:rPr>
-                                    <m:t>=1</m:t>
-                                  </m:r>
-                                </m:sub>
-                                <m:sup>
-                                  <m:r>
-                                    <a:rPr lang="en-US" i="1">
-                                      <a:latin typeface="Cambria Math" panose="02040503050406030204" pitchFamily="18" charset="0"/>
-                                    </a:rPr>
-                                    <m:t>𝑝</m:t>
-                                  </m:r>
-                                </m:sup>
-                                <m:e>
-                                  <m:sSub>
-                                    <m:sSubPr>
-                                      <m:ctrlPr>
-                                        <a:rPr lang="en-US" i="1">
-                                          <a:latin typeface="Cambria Math" panose="02040503050406030204" pitchFamily="18" charset="0"/>
-                                        </a:rPr>
-                                      </m:ctrlPr>
-                                    </m:sSubPr>
-                                    <m:e>
-                                      <m:r>
-                                        <a:rPr lang="en-US" i="1">
-                                          <a:latin typeface="Cambria Math" panose="02040503050406030204" pitchFamily="18" charset="0"/>
-                                        </a:rPr>
-                                        <m:t>𝑤</m:t>
-                                      </m:r>
-                                    </m:e>
-                                    <m:sub>
-                                      <m:r>
-                                        <a:rPr lang="en-US" i="1">
-                                          <a:latin typeface="Cambria Math" panose="02040503050406030204" pitchFamily="18" charset="0"/>
-                                        </a:rPr>
-                                        <m:t>𝑖</m:t>
-                                      </m:r>
-                                    </m:sub>
-                                  </m:sSub>
-                                  <m:r>
-                                    <a:rPr lang="en-US" i="1">
-                                      <a:latin typeface="Cambria Math" panose="02040503050406030204" pitchFamily="18" charset="0"/>
-                                    </a:rPr>
-                                    <m:t>(</m:t>
-                                  </m:r>
-                                  <m:sSubSup>
-                                    <m:sSubSupPr>
-                                      <m:ctrlPr>
-                                        <a:rPr lang="en-US" i="1">
-                                          <a:latin typeface="Cambria Math" panose="02040503050406030204" pitchFamily="18" charset="0"/>
-                                        </a:rPr>
-                                      </m:ctrlPr>
-                                    </m:sSubSupPr>
-                                    <m:e>
-                                      <m:r>
-                                        <a:rPr lang="en-US" i="1">
-                                          <a:latin typeface="Cambria Math" panose="02040503050406030204" pitchFamily="18" charset="0"/>
-                                        </a:rPr>
-                                        <m:t>𝑥</m:t>
-                                      </m:r>
-                                    </m:e>
-                                    <m:sub>
-                                      <m:r>
-                                        <a:rPr lang="en-US" i="1">
-                                          <a:latin typeface="Cambria Math" panose="02040503050406030204" pitchFamily="18" charset="0"/>
-                                        </a:rPr>
-                                        <m:t>𝑖</m:t>
-                                      </m:r>
-                                    </m:sub>
-                                    <m:sup>
-                                      <m:r>
-                                        <a:rPr lang="en-US" i="1">
-                                          <a:latin typeface="Cambria Math" panose="02040503050406030204" pitchFamily="18" charset="0"/>
-                                        </a:rPr>
-                                        <m:t> </m:t>
-                                      </m:r>
-                                    </m:sup>
-                                  </m:sSubSup>
-                                  <m:r>
-                                    <a:rPr lang="en-US" i="1">
-                                      <a:latin typeface="Cambria Math" panose="02040503050406030204" pitchFamily="18" charset="0"/>
-                                    </a:rPr>
-                                    <m:t>−</m:t>
-                                  </m:r>
-                                  <m:sSub>
-                                    <m:sSubPr>
-                                      <m:ctrlPr>
-                                        <a:rPr lang="en-US" i="1">
-                                          <a:latin typeface="Cambria Math" panose="02040503050406030204" pitchFamily="18" charset="0"/>
-                                        </a:rPr>
-                                      </m:ctrlPr>
-                                    </m:sSubPr>
-                                    <m:e>
-                                      <m:sSub>
-                                        <m:sSubPr>
-                                          <m:ctrlPr>
-                                            <a:rPr lang="en-US" i="1" smtClean="0">
-                                              <a:latin typeface="Cambria Math" panose="02040503050406030204" pitchFamily="18" charset="0"/>
-                                            </a:rPr>
-                                          </m:ctrlPr>
-                                        </m:sSubPr>
-                                        <m:e>
-                                          <m:r>
-                                            <a:rPr lang="en-US" b="0" i="1" smtClean="0">
-                                              <a:latin typeface="Cambria Math" panose="02040503050406030204" pitchFamily="18" charset="0"/>
-                                            </a:rPr>
-                                            <m:t>𝑥</m:t>
-                                          </m:r>
-                                        </m:e>
-                                        <m:sub>
-                                          <m:r>
-                                            <a:rPr lang="en-US" b="0" i="1" smtClean="0">
-                                              <a:latin typeface="Cambria Math" panose="02040503050406030204" pitchFamily="18" charset="0"/>
-                                            </a:rPr>
-                                            <m:t>𝑖</m:t>
-                                          </m:r>
-                                        </m:sub>
-                                      </m:sSub>
-                                      <m:r>
-                                        <a:rPr lang="en-US" i="1">
-                                          <a:latin typeface="Cambria Math" panose="02040503050406030204" pitchFamily="18" charset="0"/>
-                                        </a:rPr>
-                                        <m:t>′</m:t>
-                                      </m:r>
-                                    </m:e>
-                                    <m:sub>
-                                      <m:r>
-                                        <a:rPr lang="en-US" b="0" i="1" smtClean="0">
-                                          <a:latin typeface="Cambria Math" panose="02040503050406030204" pitchFamily="18" charset="0"/>
-                                        </a:rPr>
-                                        <m:t> </m:t>
-                                      </m:r>
-                                    </m:sub>
-                                  </m:sSub>
-                                  <m:sSup>
-                                    <m:sSupPr>
-                                      <m:ctrlPr>
-                                        <a:rPr lang="en-US" i="1">
-                                          <a:latin typeface="Cambria Math" panose="02040503050406030204" pitchFamily="18" charset="0"/>
-                                        </a:rPr>
-                                      </m:ctrlPr>
-                                    </m:sSupPr>
-                                    <m:e>
-                                      <m:r>
-                                        <a:rPr lang="en-US" i="1">
-                                          <a:latin typeface="Cambria Math" panose="02040503050406030204" pitchFamily="18" charset="0"/>
-                                        </a:rPr>
-                                        <m:t>)</m:t>
-                                      </m:r>
-                                    </m:e>
-                                    <m:sup>
-                                      <m:r>
-                                        <a:rPr lang="en-US" i="1">
-                                          <a:latin typeface="Cambria Math" panose="02040503050406030204" pitchFamily="18" charset="0"/>
-                                        </a:rPr>
-                                        <m:t>2</m:t>
-                                      </m:r>
-                                    </m:sup>
-                                  </m:sSup>
-                                </m:e>
-                              </m:nary>
-                            </m:e>
-                          </m:d>
-                        </m:e>
-                        <m:sup>
-                          <m:f>
-                            <m:fPr>
-                              <m:type m:val="skw"/>
-                              <m:ctrlPr>
-                                <a:rPr lang="en-US" b="0" i="1" smtClean="0">
-                                  <a:latin typeface="Cambria Math" panose="02040503050406030204" pitchFamily="18" charset="0"/>
-                                </a:rPr>
-                              </m:ctrlPr>
-                            </m:fPr>
-                            <m:num>
-                              <m:r>
-                                <a:rPr lang="en-US" b="0" i="1" smtClean="0">
-                                  <a:latin typeface="Cambria Math" panose="02040503050406030204" pitchFamily="18" charset="0"/>
-                                </a:rPr>
-                                <m:t>1</m:t>
-                              </m:r>
-                            </m:num>
-                            <m:den>
-                              <m:r>
-                                <a:rPr lang="en-US" b="0" i="1" smtClean="0">
-                                  <a:latin typeface="Cambria Math" panose="02040503050406030204" pitchFamily="18" charset="0"/>
-                                </a:rPr>
-                                <m:t>2</m:t>
-                              </m:r>
-                            </m:den>
-                          </m:f>
-                        </m:sup>
-                      </m:sSup>
-                    </m:oMath>
-                  </m:oMathPara>
-                </a14:m>
-                <a:endParaRPr lang="en-US" dirty="0">
-                  <a:latin typeface="+mn-lt"/>
-                </a:endParaRPr>
-              </a:p>
-              <a:p>
-                <a:r>
-                  <a:rPr lang="en-US" b="1" dirty="0">
-                    <a:latin typeface="+mn-lt"/>
-                  </a:rPr>
-                  <a:t>Weighted absolute distance</a:t>
-                </a:r>
-                <a:r>
-                  <a:rPr lang="en-US" dirty="0">
-                    <a:latin typeface="+mn-lt"/>
-                  </a:rPr>
-                  <a:t> or </a:t>
-                </a:r>
-                <a:r>
-                  <a:rPr lang="en-US" b="1" dirty="0">
-                    <a:latin typeface="+mn-lt"/>
-                  </a:rPr>
-                  <a:t>Manhattan distance (L1)</a:t>
-                </a:r>
-              </a:p>
-              <a:p>
-                <a:pPr marL="0" indent="0">
-                  <a:buNone/>
-                </a:pPr>
-                <a14:m>
-                  <m:oMathPara xmlns:m="http://schemas.openxmlformats.org/officeDocument/2006/math">
-                    <m:oMathParaPr>
-                      <m:jc m:val="centerGroup"/>
-                    </m:oMathParaPr>
-                    <m:oMath xmlns:m="http://schemas.openxmlformats.org/officeDocument/2006/math">
-                      <m:sSub>
-                        <m:sSubPr>
-                          <m:ctrlPr>
-                            <a:rPr lang="en-US" i="1" dirty="0">
-                              <a:latin typeface="Cambria Math" panose="02040503050406030204" pitchFamily="18" charset="0"/>
-                            </a:rPr>
-                          </m:ctrlPr>
-                        </m:sSubPr>
-                        <m:e>
-                          <m:r>
-                            <a:rPr lang="en-US" i="1" dirty="0">
-                              <a:latin typeface="Cambria Math" panose="02040503050406030204" pitchFamily="18" charset="0"/>
-                            </a:rPr>
-                            <m:t>𝑑</m:t>
-                          </m:r>
-                        </m:e>
-                        <m:sub>
-                          <m:r>
-                            <a:rPr lang="en-US" i="1" dirty="0">
-                              <a:latin typeface="Cambria Math" panose="02040503050406030204" pitchFamily="18" charset="0"/>
-                            </a:rPr>
-                            <m:t>𝐿</m:t>
-                          </m:r>
-                          <m:r>
-                            <a:rPr lang="en-US" b="0" i="1" dirty="0" smtClean="0">
-                              <a:latin typeface="Cambria Math" panose="02040503050406030204" pitchFamily="18" charset="0"/>
-                            </a:rPr>
-                            <m:t>1</m:t>
-                          </m:r>
-                        </m:sub>
-                      </m:sSub>
-                      <m:r>
-                        <a:rPr lang="en-US" i="1" dirty="0">
-                          <a:latin typeface="Cambria Math" panose="02040503050406030204" pitchFamily="18" charset="0"/>
-                        </a:rPr>
-                        <m:t> </m:t>
-                      </m:r>
-                      <m:d>
-                        <m:dPr>
-                          <m:ctrlPr>
-                            <a:rPr lang="en-US" i="1">
-                              <a:latin typeface="Cambria Math" panose="02040503050406030204" pitchFamily="18" charset="0"/>
-                            </a:rPr>
-                          </m:ctrlPr>
-                        </m:dPr>
-                        <m:e>
-                          <m:r>
-                            <a:rPr lang="en-US" b="0" i="1" smtClean="0">
-                              <a:latin typeface="Cambria Math" panose="02040503050406030204" pitchFamily="18" charset="0"/>
-                            </a:rPr>
-                            <m:t>𝑥</m:t>
-                          </m:r>
-                          <m:r>
-                            <a:rPr lang="en-US" b="0" i="1" smtClean="0">
-                              <a:latin typeface="Cambria Math" panose="02040503050406030204" pitchFamily="18" charset="0"/>
-                            </a:rPr>
-                            <m:t>,</m:t>
-                          </m:r>
-                          <m:r>
-                            <a:rPr lang="en-US" b="0" i="1" smtClean="0">
-                              <a:latin typeface="Cambria Math" panose="02040503050406030204" pitchFamily="18" charset="0"/>
-                            </a:rPr>
-                            <m:t>𝑥</m:t>
-                          </m:r>
-                          <m:r>
-                            <a:rPr lang="en-US" b="0" i="1" smtClean="0">
-                              <a:latin typeface="Cambria Math" panose="02040503050406030204" pitchFamily="18" charset="0"/>
-                            </a:rPr>
-                            <m:t>′</m:t>
-                          </m:r>
-                        </m:e>
-                      </m:d>
-                      <m:r>
-                        <a:rPr lang="en-US" i="1">
-                          <a:latin typeface="Cambria Math" panose="02040503050406030204" pitchFamily="18" charset="0"/>
-                        </a:rPr>
-                        <m:t>=</m:t>
-                      </m:r>
-                      <m:nary>
-                        <m:naryPr>
-                          <m:chr m:val="∑"/>
-                          <m:ctrlPr>
-                            <a:rPr lang="en-US" i="1" smtClean="0">
-                              <a:latin typeface="Cambria Math" panose="02040503050406030204" pitchFamily="18" charset="0"/>
-                            </a:rPr>
-                          </m:ctrlPr>
-                        </m:naryPr>
-                        <m:sub>
-                          <m:r>
-                            <a:rPr lang="en-US" b="0" i="1" smtClean="0">
-                              <a:latin typeface="Cambria Math" panose="02040503050406030204" pitchFamily="18" charset="0"/>
-                            </a:rPr>
-                            <m:t>𝑖</m:t>
-                          </m:r>
-                          <m:r>
-                            <a:rPr lang="en-US" i="1">
-                              <a:latin typeface="Cambria Math" panose="02040503050406030204" pitchFamily="18" charset="0"/>
-                            </a:rPr>
-                            <m:t>=1</m:t>
-                          </m:r>
-                        </m:sub>
-                        <m:sup>
-                          <m:r>
-                            <a:rPr lang="en-US" i="1">
-                              <a:latin typeface="Cambria Math" panose="02040503050406030204" pitchFamily="18" charset="0"/>
-                            </a:rPr>
-                            <m:t>𝑝</m:t>
-                          </m:r>
-                        </m:sup>
-                        <m:e>
-                          <m:sSub>
-                            <m:sSubPr>
-                              <m:ctrlPr>
-                                <a:rPr lang="en-US" i="1" smtClean="0">
-                                  <a:latin typeface="Cambria Math" panose="02040503050406030204" pitchFamily="18" charset="0"/>
-                                </a:rPr>
-                              </m:ctrlPr>
-                            </m:sSubPr>
-                            <m:e>
-                              <m:r>
-                                <a:rPr lang="en-US" b="0" i="1" smtClean="0">
-                                  <a:latin typeface="Cambria Math" panose="02040503050406030204" pitchFamily="18" charset="0"/>
-                                </a:rPr>
-                                <m:t>𝑤</m:t>
-                              </m:r>
-                            </m:e>
-                            <m:sub>
-                              <m:r>
-                                <a:rPr lang="en-US" b="0" i="1" smtClean="0">
-                                  <a:latin typeface="Cambria Math" panose="02040503050406030204" pitchFamily="18" charset="0"/>
-                                </a:rPr>
-                                <m:t>𝑖</m:t>
-                              </m:r>
-                            </m:sub>
-                          </m:sSub>
-                          <m:d>
-                            <m:dPr>
-                              <m:begChr m:val="|"/>
-                              <m:endChr m:val="|"/>
-                              <m:ctrlPr>
-                                <a:rPr lang="en-US" i="1" smtClean="0">
-                                  <a:latin typeface="Cambria Math" panose="02040503050406030204" pitchFamily="18" charset="0"/>
-                                </a:rPr>
-                              </m:ctrlPr>
-                            </m:dPr>
-                            <m:e>
-                              <m:sSub>
-                                <m:sSubPr>
-                                  <m:ctrlPr>
-                                    <a:rPr lang="en-US" i="1" smtClean="0">
-                                      <a:latin typeface="Cambria Math" panose="02040503050406030204" pitchFamily="18" charset="0"/>
-                                    </a:rPr>
-                                  </m:ctrlPr>
-                                </m:sSubPr>
-                                <m:e>
-                                  <m:r>
-                                    <a:rPr lang="en-US" b="0" i="1" smtClean="0">
-                                      <a:latin typeface="Cambria Math" panose="02040503050406030204" pitchFamily="18" charset="0"/>
-                                    </a:rPr>
-                                    <m:t>𝑥</m:t>
-                                  </m:r>
-                                </m:e>
-                                <m:sub>
-                                  <m:r>
-                                    <a:rPr lang="en-US" b="0" i="1" smtClean="0">
-                                      <a:latin typeface="Cambria Math" panose="02040503050406030204" pitchFamily="18" charset="0"/>
-                                    </a:rPr>
-                                    <m:t>𝑖</m:t>
-                                  </m:r>
-                                </m:sub>
-                              </m:sSub>
-                              <m:r>
-                                <a:rPr lang="en-US" b="0" i="1" smtClean="0">
-                                  <a:latin typeface="Cambria Math" panose="02040503050406030204" pitchFamily="18" charset="0"/>
-                                </a:rPr>
-                                <m:t>−</m:t>
-                              </m:r>
-                              <m:sSub>
-                                <m:sSubPr>
-                                  <m:ctrlPr>
-                                    <a:rPr lang="en-US" b="0" i="1" smtClean="0">
-                                      <a:latin typeface="Cambria Math" panose="02040503050406030204" pitchFamily="18" charset="0"/>
-                                    </a:rPr>
-                                  </m:ctrlPr>
-                                </m:sSubPr>
-                                <m:e>
-                                  <m:sSub>
-                                    <m:sSubPr>
-                                      <m:ctrlPr>
-                                        <a:rPr lang="en-US" i="1">
-                                          <a:latin typeface="Cambria Math" panose="02040503050406030204" pitchFamily="18" charset="0"/>
-                                        </a:rPr>
-                                      </m:ctrlPr>
-                                    </m:sSubPr>
-                                    <m:e>
-                                      <m:r>
-                                        <a:rPr lang="en-US" i="1">
-                                          <a:latin typeface="Cambria Math" panose="02040503050406030204" pitchFamily="18" charset="0"/>
-                                        </a:rPr>
-                                        <m:t>𝑥</m:t>
-                                      </m:r>
-                                    </m:e>
-                                    <m:sub>
-                                      <m:r>
-                                        <a:rPr lang="en-US" i="1">
-                                          <a:latin typeface="Cambria Math" panose="02040503050406030204" pitchFamily="18" charset="0"/>
-                                        </a:rPr>
-                                        <m:t>𝑖</m:t>
-                                      </m:r>
-                                    </m:sub>
-                                  </m:sSub>
-                                  <m:r>
-                                    <a:rPr lang="en-US" b="0" i="1" smtClean="0">
-                                      <a:latin typeface="Cambria Math" panose="02040503050406030204" pitchFamily="18" charset="0"/>
-                                    </a:rPr>
-                                    <m:t>′</m:t>
-                                  </m:r>
-                                </m:e>
-                                <m:sub>
-                                  <m:r>
-                                    <a:rPr lang="en-US" b="0" i="1" smtClean="0">
-                                      <a:latin typeface="Cambria Math" panose="02040503050406030204" pitchFamily="18" charset="0"/>
-                                    </a:rPr>
-                                    <m:t> </m:t>
-                                  </m:r>
-                                </m:sub>
-                              </m:sSub>
-                            </m:e>
-                          </m:d>
-                        </m:e>
-                      </m:nary>
-                    </m:oMath>
-                  </m:oMathPara>
-                </a14:m>
-                <a:endParaRPr lang="en-US" dirty="0">
-                  <a:latin typeface="+mn-lt"/>
-                </a:endParaRPr>
-              </a:p>
-              <a:p>
-                <a:r>
-                  <a:rPr lang="en-US" b="1" dirty="0">
-                    <a:latin typeface="+mn-lt"/>
-                  </a:rPr>
-                  <a:t>Weighted Max</a:t>
-                </a:r>
-                <a:r>
-                  <a:rPr lang="en-US" dirty="0">
-                    <a:latin typeface="+mn-lt"/>
-                  </a:rPr>
-                  <a:t>; or </a:t>
-                </a:r>
-                <a14:m>
-                  <m:oMath xmlns:m="http://schemas.openxmlformats.org/officeDocument/2006/math">
-                    <m:sSub>
-                      <m:sSubPr>
-                        <m:ctrlPr>
-                          <a:rPr lang="en-US" b="1" i="1" smtClean="0">
-                            <a:latin typeface="Cambria Math" panose="02040503050406030204" pitchFamily="18" charset="0"/>
-                          </a:rPr>
-                        </m:ctrlPr>
-                      </m:sSubPr>
-                      <m:e>
-                        <m:r>
-                          <a:rPr lang="en-US" b="1" i="1" smtClean="0">
-                            <a:latin typeface="Cambria Math" panose="02040503050406030204" pitchFamily="18" charset="0"/>
-                          </a:rPr>
-                          <m:t>𝑳</m:t>
-                        </m:r>
-                      </m:e>
-                      <m:sub>
-                        <m:r>
-                          <a:rPr lang="en-US" b="1" i="1" smtClean="0">
-                            <a:latin typeface="Cambria Math" panose="02040503050406030204" pitchFamily="18" charset="0"/>
-                            <a:ea typeface="Cambria Math" panose="02040503050406030204" pitchFamily="18" charset="0"/>
-                          </a:rPr>
-                          <m:t>∞</m:t>
-                        </m:r>
-                      </m:sub>
-                    </m:sSub>
-                  </m:oMath>
-                </a14:m>
-                <a:r>
-                  <a:rPr lang="en-US" dirty="0">
-                    <a:latin typeface="+mn-lt"/>
-                  </a:rPr>
-                  <a:t> norm</a:t>
-                </a:r>
-                <a:endParaRPr lang="en-US" b="1" dirty="0"/>
-              </a:p>
-              <a:p>
-                <a:pPr marL="0" indent="0">
-                  <a:buNone/>
-                </a:pPr>
-                <a14:m>
-                  <m:oMathPara xmlns:m="http://schemas.openxmlformats.org/officeDocument/2006/math">
-                    <m:oMathParaPr>
-                      <m:jc m:val="centerGroup"/>
-                    </m:oMathParaPr>
-                    <m:oMath xmlns:m="http://schemas.openxmlformats.org/officeDocument/2006/math">
-                      <m:sSub>
-                        <m:sSubPr>
-                          <m:ctrlPr>
-                            <a:rPr lang="en-US" i="1" dirty="0" smtClean="0">
-                              <a:latin typeface="Cambria Math" panose="02040503050406030204" pitchFamily="18" charset="0"/>
-                            </a:rPr>
-                          </m:ctrlPr>
-                        </m:sSubPr>
-                        <m:e>
-                          <m:r>
-                            <a:rPr lang="en-US" i="1" dirty="0">
-                              <a:latin typeface="Cambria Math" panose="02040503050406030204" pitchFamily="18" charset="0"/>
-                            </a:rPr>
-                            <m:t>𝑑</m:t>
-                          </m:r>
-                        </m:e>
-                        <m:sub>
-                          <m:r>
-                            <a:rPr lang="en-US" b="0" i="1" dirty="0" smtClean="0">
-                              <a:latin typeface="Cambria Math" panose="02040503050406030204" pitchFamily="18" charset="0"/>
-                            </a:rPr>
-                            <m:t>𝐿</m:t>
-                          </m:r>
-                          <m:r>
-                            <a:rPr lang="en-US" b="0" i="1" dirty="0" smtClean="0">
-                              <a:latin typeface="Cambria Math" panose="02040503050406030204" pitchFamily="18" charset="0"/>
-                              <a:ea typeface="Cambria Math" panose="02040503050406030204" pitchFamily="18" charset="0"/>
-                            </a:rPr>
-                            <m:t>∞</m:t>
-                          </m:r>
-                        </m:sub>
-                      </m:sSub>
-                      <m:d>
-                        <m:dPr>
-                          <m:ctrlPr>
-                            <a:rPr lang="en-US" i="1">
-                              <a:latin typeface="Cambria Math" panose="02040503050406030204" pitchFamily="18" charset="0"/>
-                            </a:rPr>
-                          </m:ctrlPr>
-                        </m:dPr>
-                        <m:e>
-                          <m:r>
-                            <a:rPr lang="en-US" i="1">
-                              <a:latin typeface="Cambria Math" panose="02040503050406030204" pitchFamily="18" charset="0"/>
-                            </a:rPr>
-                            <m:t>𝑥</m:t>
-                          </m:r>
-                          <m:r>
-                            <a:rPr lang="en-US" i="1">
-                              <a:latin typeface="Cambria Math" panose="02040503050406030204" pitchFamily="18" charset="0"/>
-                            </a:rPr>
-                            <m:t>,</m:t>
-                          </m:r>
-                          <m:r>
-                            <a:rPr lang="en-US" i="1">
-                              <a:latin typeface="Cambria Math" panose="02040503050406030204" pitchFamily="18" charset="0"/>
-                            </a:rPr>
-                            <m:t>𝑥</m:t>
-                          </m:r>
-                          <m:r>
-                            <a:rPr lang="en-US" i="1">
-                              <a:latin typeface="Cambria Math" panose="02040503050406030204" pitchFamily="18" charset="0"/>
-                            </a:rPr>
-                            <m:t>′</m:t>
-                          </m:r>
-                        </m:e>
-                      </m:d>
-                      <m:r>
-                        <a:rPr lang="en-US" i="1">
-                          <a:latin typeface="Cambria Math" panose="02040503050406030204" pitchFamily="18" charset="0"/>
-                        </a:rPr>
-                        <m:t>=</m:t>
-                      </m:r>
-                      <m:func>
-                        <m:funcPr>
-                          <m:ctrlPr>
-                            <a:rPr lang="en-US" i="1" smtClean="0">
-                              <a:latin typeface="Cambria Math" panose="02040503050406030204" pitchFamily="18" charset="0"/>
-                            </a:rPr>
-                          </m:ctrlPr>
-                        </m:funcPr>
-                        <m:fName>
-                          <m:limLow>
-                            <m:limLowPr>
-                              <m:ctrlPr>
-                                <a:rPr lang="en-US" i="1" smtClean="0">
-                                  <a:latin typeface="Cambria Math" panose="02040503050406030204" pitchFamily="18" charset="0"/>
-                                </a:rPr>
-                              </m:ctrlPr>
-                            </m:limLowPr>
-                            <m:e>
-                              <m:r>
-                                <m:rPr>
-                                  <m:sty m:val="p"/>
-                                </m:rPr>
-                                <a:rPr lang="en-US" i="0" smtClean="0">
-                                  <a:latin typeface="Cambria Math" panose="02040503050406030204" pitchFamily="18" charset="0"/>
-                                </a:rPr>
-                                <m:t>max</m:t>
-                              </m:r>
-                            </m:e>
-                            <m:lim>
-                              <m:r>
-                                <a:rPr lang="en-US" b="0" i="1" smtClean="0">
-                                  <a:latin typeface="Cambria Math" panose="02040503050406030204" pitchFamily="18" charset="0"/>
-                                </a:rPr>
-                                <m:t>𝑖</m:t>
-                              </m:r>
-                            </m:lim>
-                          </m:limLow>
-                          <m:r>
-                            <a:rPr lang="en-US" b="0" i="1" smtClean="0">
-                              <a:latin typeface="Cambria Math" panose="02040503050406030204" pitchFamily="18" charset="0"/>
-                            </a:rPr>
-                            <m:t> </m:t>
-                          </m:r>
-                          <m:sSub>
-                            <m:sSubPr>
-                              <m:ctrlPr>
-                                <a:rPr lang="en-US" b="0" i="1" smtClean="0">
-                                  <a:latin typeface="Cambria Math" panose="02040503050406030204" pitchFamily="18" charset="0"/>
-                                </a:rPr>
-                              </m:ctrlPr>
-                            </m:sSubPr>
-                            <m:e>
-                              <m:r>
-                                <a:rPr lang="en-US" b="0" i="1" smtClean="0">
-                                  <a:latin typeface="Cambria Math" panose="02040503050406030204" pitchFamily="18" charset="0"/>
-                                </a:rPr>
-                                <m:t>𝑤</m:t>
-                              </m:r>
-                            </m:e>
-                            <m:sub>
-                              <m:r>
-                                <a:rPr lang="en-US" b="0" i="1" smtClean="0">
-                                  <a:latin typeface="Cambria Math" panose="02040503050406030204" pitchFamily="18" charset="0"/>
-                                </a:rPr>
-                                <m:t>𝑖</m:t>
-                              </m:r>
-                            </m:sub>
-                          </m:sSub>
-                        </m:fName>
-                        <m:e>
-                          <m:d>
-                            <m:dPr>
-                              <m:begChr m:val="|"/>
-                              <m:endChr m:val="|"/>
-                              <m:ctrlPr>
-                                <a:rPr lang="en-US" i="1" smtClean="0">
-                                  <a:latin typeface="Cambria Math" panose="02040503050406030204" pitchFamily="18" charset="0"/>
-                                </a:rPr>
-                              </m:ctrlPr>
-                            </m:dPr>
-                            <m:e>
-                              <m:sSub>
-                                <m:sSubPr>
-                                  <m:ctrlPr>
-                                    <a:rPr lang="en-US" i="1" smtClean="0">
-                                      <a:latin typeface="Cambria Math" panose="02040503050406030204" pitchFamily="18" charset="0"/>
-                                    </a:rPr>
-                                  </m:ctrlPr>
-                                </m:sSubPr>
-                                <m:e>
-                                  <m:r>
-                                    <a:rPr lang="en-US" b="0" i="1" smtClean="0">
-                                      <a:latin typeface="Cambria Math" panose="02040503050406030204" pitchFamily="18" charset="0"/>
-                                    </a:rPr>
-                                    <m:t>𝑥</m:t>
-                                  </m:r>
-                                </m:e>
-                                <m:sub>
-                                  <m:r>
-                                    <a:rPr lang="en-US" b="0" i="1" smtClean="0">
-                                      <a:latin typeface="Cambria Math" panose="02040503050406030204" pitchFamily="18" charset="0"/>
-                                    </a:rPr>
-                                    <m:t>𝑖</m:t>
-                                  </m:r>
-                                </m:sub>
-                              </m:sSub>
-                              <m:r>
-                                <a:rPr lang="en-US" b="0" i="1" smtClean="0">
-                                  <a:latin typeface="Cambria Math" panose="02040503050406030204" pitchFamily="18" charset="0"/>
-                                </a:rPr>
-                                <m:t>−</m:t>
-                              </m:r>
-                              <m:sSub>
-                                <m:sSubPr>
-                                  <m:ctrlPr>
-                                    <a:rPr lang="en-US" b="0" i="1" smtClean="0">
-                                      <a:latin typeface="Cambria Math" panose="02040503050406030204" pitchFamily="18" charset="0"/>
-                                    </a:rPr>
-                                  </m:ctrlPr>
-                                </m:sSubPr>
-                                <m:e>
-                                  <m:sSub>
-                                    <m:sSubPr>
-                                      <m:ctrlPr>
-                                        <a:rPr lang="en-US" i="1">
-                                          <a:latin typeface="Cambria Math" panose="02040503050406030204" pitchFamily="18" charset="0"/>
-                                        </a:rPr>
-                                      </m:ctrlPr>
-                                    </m:sSubPr>
-                                    <m:e>
-                                      <m:r>
-                                        <a:rPr lang="en-US" i="1">
-                                          <a:latin typeface="Cambria Math" panose="02040503050406030204" pitchFamily="18" charset="0"/>
-                                        </a:rPr>
-                                        <m:t>𝑥</m:t>
-                                      </m:r>
-                                    </m:e>
-                                    <m:sub>
-                                      <m:r>
-                                        <a:rPr lang="en-US" i="1">
-                                          <a:latin typeface="Cambria Math" panose="02040503050406030204" pitchFamily="18" charset="0"/>
-                                        </a:rPr>
-                                        <m:t>𝑖</m:t>
-                                      </m:r>
-                                    </m:sub>
-                                  </m:sSub>
-                                  <m:r>
-                                    <a:rPr lang="en-US" b="0" i="1" smtClean="0">
-                                      <a:latin typeface="Cambria Math" panose="02040503050406030204" pitchFamily="18" charset="0"/>
-                                    </a:rPr>
-                                    <m:t>′</m:t>
-                                  </m:r>
-                                </m:e>
-                                <m:sub>
-                                  <m:r>
-                                    <a:rPr lang="en-US" b="0" i="1" smtClean="0">
-                                      <a:latin typeface="Cambria Math" panose="02040503050406030204" pitchFamily="18" charset="0"/>
-                                    </a:rPr>
-                                    <m:t> </m:t>
-                                  </m:r>
-                                </m:sub>
-                              </m:sSub>
-                            </m:e>
-                          </m:d>
-                        </m:e>
-                      </m:func>
-                    </m:oMath>
-                  </m:oMathPara>
-                </a14:m>
-                <a:endParaRPr lang="en-US" dirty="0"/>
-              </a:p>
-            </p:txBody>
-          </p:sp>
-        </mc:Choice>
-        <mc:Fallback xmlns="">
-          <p:sp>
-            <p:nvSpPr>
-              <p:cNvPr id="3" name="Content Placeholder 2"/>
-              <p:cNvSpPr>
-                <a:spLocks noGrp="1" noRot="1" noChangeAspect="1" noMove="1" noResize="1" noEditPoints="1" noAdjustHandles="1" noChangeArrowheads="1" noChangeShapeType="1" noTextEdit="1"/>
-              </p:cNvSpPr>
-              <p:nvPr>
-                <p:ph sz="quarter" idx="10"/>
-              </p:nvPr>
-            </p:nvSpPr>
-            <p:spPr>
-              <a:xfrm>
-                <a:off x="333375" y="896079"/>
-                <a:ext cx="11525250" cy="5698998"/>
-              </a:xfrm>
-              <a:blipFill>
-                <a:blip r:embed="rId3"/>
-                <a:stretch>
-                  <a:fillRect l="-1111" t="-1818"/>
-                </a:stretch>
-              </a:blipFill>
-            </p:spPr>
-            <p:txBody>
-              <a:bodyPr/>
-              <a:lstStyle/>
-              <a:p>
-                <a:r>
-                  <a:rPr lang="en-US">
-                    <a:noFill/>
-                  </a:rPr>
-                  <a:t> </a:t>
-                </a:r>
-              </a:p>
-            </p:txBody>
-          </p:sp>
-        </mc:Fallback>
-      </mc:AlternateContent>
-    </p:spTree>
-    <p:extLst>
-      <p:ext uri="{BB962C8B-B14F-4D97-AF65-F5344CB8AC3E}">
-        <p14:creationId xmlns:p14="http://schemas.microsoft.com/office/powerpoint/2010/main" val="3966244024"/>
-      </p:ext>
-    </p:extLst>
-  </p:cSld>
-  <p:clrMapOvr>
-    <a:masterClrMapping/>
-  </p:clrMapOvr>
 </p:sld>
 </file>
 

--- a/slides/4_DistanceAndSimilarityMeasures.pptx
+++ b/slides/4_DistanceAndSimilarityMeasures.pptx
@@ -5,7 +5,7 @@
     <p:sldMasterId id="2147483648" r:id="rId1"/>
   </p:sldMasterIdLst>
   <p:notesMasterIdLst>
-    <p:notesMasterId r:id="rId39"/>
+    <p:notesMasterId r:id="rId42"/>
   </p:notesMasterIdLst>
   <p:sldIdLst>
     <p:sldId id="719" r:id="rId2"/>
@@ -18,33 +18,36 @@
     <p:sldId id="612" r:id="rId9"/>
     <p:sldId id="722" r:id="rId10"/>
     <p:sldId id="607" r:id="rId11"/>
-    <p:sldId id="721" r:id="rId12"/>
-    <p:sldId id="681" r:id="rId13"/>
-    <p:sldId id="673" r:id="rId14"/>
-    <p:sldId id="674" r:id="rId15"/>
-    <p:sldId id="680" r:id="rId16"/>
-    <p:sldId id="730" r:id="rId17"/>
-    <p:sldId id="610" r:id="rId18"/>
-    <p:sldId id="611" r:id="rId19"/>
-    <p:sldId id="609" r:id="rId20"/>
-    <p:sldId id="613" r:id="rId21"/>
-    <p:sldId id="616" r:id="rId22"/>
-    <p:sldId id="615" r:id="rId23"/>
-    <p:sldId id="617" r:id="rId24"/>
-    <p:sldId id="618" r:id="rId25"/>
-    <p:sldId id="641" r:id="rId26"/>
-    <p:sldId id="679" r:id="rId27"/>
-    <p:sldId id="685" r:id="rId28"/>
-    <p:sldId id="724" r:id="rId29"/>
-    <p:sldId id="723" r:id="rId30"/>
-    <p:sldId id="682" r:id="rId31"/>
-    <p:sldId id="683" r:id="rId32"/>
-    <p:sldId id="725" r:id="rId33"/>
-    <p:sldId id="726" r:id="rId34"/>
-    <p:sldId id="727" r:id="rId35"/>
-    <p:sldId id="728" r:id="rId36"/>
-    <p:sldId id="729" r:id="rId37"/>
-    <p:sldId id="720" r:id="rId38"/>
+    <p:sldId id="673" r:id="rId12"/>
+    <p:sldId id="674" r:id="rId13"/>
+    <p:sldId id="721" r:id="rId14"/>
+    <p:sldId id="732" r:id="rId15"/>
+    <p:sldId id="734" r:id="rId16"/>
+    <p:sldId id="736" r:id="rId17"/>
+    <p:sldId id="735" r:id="rId18"/>
+    <p:sldId id="680" r:id="rId19"/>
+    <p:sldId id="730" r:id="rId20"/>
+    <p:sldId id="610" r:id="rId21"/>
+    <p:sldId id="611" r:id="rId22"/>
+    <p:sldId id="609" r:id="rId23"/>
+    <p:sldId id="613" r:id="rId24"/>
+    <p:sldId id="616" r:id="rId25"/>
+    <p:sldId id="615" r:id="rId26"/>
+    <p:sldId id="617" r:id="rId27"/>
+    <p:sldId id="618" r:id="rId28"/>
+    <p:sldId id="641" r:id="rId29"/>
+    <p:sldId id="679" r:id="rId30"/>
+    <p:sldId id="685" r:id="rId31"/>
+    <p:sldId id="724" r:id="rId32"/>
+    <p:sldId id="723" r:id="rId33"/>
+    <p:sldId id="682" r:id="rId34"/>
+    <p:sldId id="683" r:id="rId35"/>
+    <p:sldId id="725" r:id="rId36"/>
+    <p:sldId id="726" r:id="rId37"/>
+    <p:sldId id="727" r:id="rId38"/>
+    <p:sldId id="728" r:id="rId39"/>
+    <p:sldId id="729" r:id="rId40"/>
+    <p:sldId id="720" r:id="rId41"/>
   </p:sldIdLst>
   <p:sldSz cx="12192000" cy="6858000"/>
   <p:notesSz cx="6858000" cy="9144000"/>
@@ -233,7 +236,7 @@
           <a:p>
             <a:fld id="{8DD534D1-5B48-49E9-A024-C5EAE54CADD0}" type="datetimeFigureOut">
               <a:rPr lang="en-US" smtClean="0"/>
-              <a:t>7/2/2024</a:t>
+              <a:t>7/3/2024</a:t>
             </a:fld>
             <a:endParaRPr lang="en-US"/>
           </a:p>
@@ -660,7 +663,7 @@
     </p:spTree>
     <p:extLst>
       <p:ext uri="{BB962C8B-B14F-4D97-AF65-F5344CB8AC3E}">
-        <p14:creationId xmlns:p14="http://schemas.microsoft.com/office/powerpoint/2010/main" val="3875999212"/>
+        <p14:creationId xmlns:p14="http://schemas.microsoft.com/office/powerpoint/2010/main" val="3206964653"/>
       </p:ext>
     </p:extLst>
   </p:cSld>
@@ -745,7 +748,7 @@
     </p:spTree>
     <p:extLst>
       <p:ext uri="{BB962C8B-B14F-4D97-AF65-F5344CB8AC3E}">
-        <p14:creationId xmlns:p14="http://schemas.microsoft.com/office/powerpoint/2010/main" val="1984437885"/>
+        <p14:creationId xmlns:p14="http://schemas.microsoft.com/office/powerpoint/2010/main" val="1942439870"/>
       </p:ext>
     </p:extLst>
   </p:cSld>
@@ -830,7 +833,7 @@
     </p:spTree>
     <p:extLst>
       <p:ext uri="{BB962C8B-B14F-4D97-AF65-F5344CB8AC3E}">
-        <p14:creationId xmlns:p14="http://schemas.microsoft.com/office/powerpoint/2010/main" val="3206964653"/>
+        <p14:creationId xmlns:p14="http://schemas.microsoft.com/office/powerpoint/2010/main" val="3875999212"/>
       </p:ext>
     </p:extLst>
   </p:cSld>
@@ -915,7 +918,7 @@
     </p:spTree>
     <p:extLst>
       <p:ext uri="{BB962C8B-B14F-4D97-AF65-F5344CB8AC3E}">
-        <p14:creationId xmlns:p14="http://schemas.microsoft.com/office/powerpoint/2010/main" val="1942439870"/>
+        <p14:creationId xmlns:p14="http://schemas.microsoft.com/office/powerpoint/2010/main" val="810175937"/>
       </p:ext>
     </p:extLst>
   </p:cSld>
@@ -1000,6 +1003,261 @@
     </p:spTree>
     <p:extLst>
       <p:ext uri="{BB962C8B-B14F-4D97-AF65-F5344CB8AC3E}">
+        <p14:creationId xmlns:p14="http://schemas.microsoft.com/office/powerpoint/2010/main" val="2058345789"/>
+      </p:ext>
+    </p:extLst>
+  </p:cSld>
+  <p:clrMapOvr>
+    <a:masterClrMapping/>
+  </p:clrMapOvr>
+</p:notes>
+</file>
+
+<file path=ppt/notesSlides/notesSlide15.xml><?xml version="1.0" encoding="utf-8"?>
+<p:notes xmlns:a="http://schemas.openxmlformats.org/drawingml/2006/main" xmlns:r="http://schemas.openxmlformats.org/officeDocument/2006/relationships" xmlns:p="http://schemas.openxmlformats.org/presentationml/2006/main">
+  <p:cSld>
+    <p:spTree>
+      <p:nvGrpSpPr>
+        <p:cNvPr id="1" name=""/>
+        <p:cNvGrpSpPr/>
+        <p:nvPr/>
+      </p:nvGrpSpPr>
+      <p:grpSpPr>
+        <a:xfrm>
+          <a:off x="0" y="0"/>
+          <a:ext cx="0" cy="0"/>
+          <a:chOff x="0" y="0"/>
+          <a:chExt cx="0" cy="0"/>
+        </a:xfrm>
+      </p:grpSpPr>
+      <p:sp>
+        <p:nvSpPr>
+          <p:cNvPr id="2" name="Slide Image Placeholder 1"/>
+          <p:cNvSpPr>
+            <a:spLocks noGrp="1" noRot="1" noChangeAspect="1"/>
+          </p:cNvSpPr>
+          <p:nvPr>
+            <p:ph type="sldImg"/>
+          </p:nvPr>
+        </p:nvSpPr>
+        <p:spPr/>
+      </p:sp>
+      <p:sp>
+        <p:nvSpPr>
+          <p:cNvPr id="3" name="Notes Placeholder 2"/>
+          <p:cNvSpPr>
+            <a:spLocks noGrp="1"/>
+          </p:cNvSpPr>
+          <p:nvPr>
+            <p:ph type="body" idx="1"/>
+          </p:nvPr>
+        </p:nvSpPr>
+        <p:spPr/>
+        <p:txBody>
+          <a:bodyPr/>
+          <a:lstStyle/>
+          <a:p>
+            <a:endParaRPr lang="en-US" dirty="0"/>
+          </a:p>
+        </p:txBody>
+      </p:sp>
+      <p:sp>
+        <p:nvSpPr>
+          <p:cNvPr id="4" name="Slide Number Placeholder 3"/>
+          <p:cNvSpPr>
+            <a:spLocks noGrp="1"/>
+          </p:cNvSpPr>
+          <p:nvPr>
+            <p:ph type="sldNum" sz="quarter" idx="10"/>
+          </p:nvPr>
+        </p:nvSpPr>
+        <p:spPr/>
+        <p:txBody>
+          <a:bodyPr/>
+          <a:lstStyle/>
+          <a:p>
+            <a:fld id="{4CFD207A-07DF-40AD-A916-9872E089CE7A}" type="slidenum">
+              <a:rPr lang="en-US" smtClean="0"/>
+              <a:pPr/>
+              <a:t>16</a:t>
+            </a:fld>
+            <a:endParaRPr lang="en-US"/>
+          </a:p>
+        </p:txBody>
+      </p:sp>
+    </p:spTree>
+    <p:extLst>
+      <p:ext uri="{BB962C8B-B14F-4D97-AF65-F5344CB8AC3E}">
+        <p14:creationId xmlns:p14="http://schemas.microsoft.com/office/powerpoint/2010/main" val="4008882764"/>
+      </p:ext>
+    </p:extLst>
+  </p:cSld>
+  <p:clrMapOvr>
+    <a:masterClrMapping/>
+  </p:clrMapOvr>
+</p:notes>
+</file>
+
+<file path=ppt/notesSlides/notesSlide16.xml><?xml version="1.0" encoding="utf-8"?>
+<p:notes xmlns:a="http://schemas.openxmlformats.org/drawingml/2006/main" xmlns:r="http://schemas.openxmlformats.org/officeDocument/2006/relationships" xmlns:p="http://schemas.openxmlformats.org/presentationml/2006/main">
+  <p:cSld>
+    <p:spTree>
+      <p:nvGrpSpPr>
+        <p:cNvPr id="1" name=""/>
+        <p:cNvGrpSpPr/>
+        <p:nvPr/>
+      </p:nvGrpSpPr>
+      <p:grpSpPr>
+        <a:xfrm>
+          <a:off x="0" y="0"/>
+          <a:ext cx="0" cy="0"/>
+          <a:chOff x="0" y="0"/>
+          <a:chExt cx="0" cy="0"/>
+        </a:xfrm>
+      </p:grpSpPr>
+      <p:sp>
+        <p:nvSpPr>
+          <p:cNvPr id="2" name="Slide Image Placeholder 1"/>
+          <p:cNvSpPr>
+            <a:spLocks noGrp="1" noRot="1" noChangeAspect="1"/>
+          </p:cNvSpPr>
+          <p:nvPr>
+            <p:ph type="sldImg"/>
+          </p:nvPr>
+        </p:nvSpPr>
+        <p:spPr/>
+      </p:sp>
+      <p:sp>
+        <p:nvSpPr>
+          <p:cNvPr id="3" name="Notes Placeholder 2"/>
+          <p:cNvSpPr>
+            <a:spLocks noGrp="1"/>
+          </p:cNvSpPr>
+          <p:nvPr>
+            <p:ph type="body" idx="1"/>
+          </p:nvPr>
+        </p:nvSpPr>
+        <p:spPr/>
+        <p:txBody>
+          <a:bodyPr/>
+          <a:lstStyle/>
+          <a:p>
+            <a:endParaRPr lang="en-US" dirty="0"/>
+          </a:p>
+        </p:txBody>
+      </p:sp>
+      <p:sp>
+        <p:nvSpPr>
+          <p:cNvPr id="4" name="Slide Number Placeholder 3"/>
+          <p:cNvSpPr>
+            <a:spLocks noGrp="1"/>
+          </p:cNvSpPr>
+          <p:nvPr>
+            <p:ph type="sldNum" sz="quarter" idx="10"/>
+          </p:nvPr>
+        </p:nvSpPr>
+        <p:spPr/>
+        <p:txBody>
+          <a:bodyPr/>
+          <a:lstStyle/>
+          <a:p>
+            <a:fld id="{4CFD207A-07DF-40AD-A916-9872E089CE7A}" type="slidenum">
+              <a:rPr lang="en-US" smtClean="0"/>
+              <a:pPr/>
+              <a:t>17</a:t>
+            </a:fld>
+            <a:endParaRPr lang="en-US"/>
+          </a:p>
+        </p:txBody>
+      </p:sp>
+    </p:spTree>
+    <p:extLst>
+      <p:ext uri="{BB962C8B-B14F-4D97-AF65-F5344CB8AC3E}">
+        <p14:creationId xmlns:p14="http://schemas.microsoft.com/office/powerpoint/2010/main" val="1958100915"/>
+      </p:ext>
+    </p:extLst>
+  </p:cSld>
+  <p:clrMapOvr>
+    <a:masterClrMapping/>
+  </p:clrMapOvr>
+</p:notes>
+</file>
+
+<file path=ppt/notesSlides/notesSlide17.xml><?xml version="1.0" encoding="utf-8"?>
+<p:notes xmlns:a="http://schemas.openxmlformats.org/drawingml/2006/main" xmlns:r="http://schemas.openxmlformats.org/officeDocument/2006/relationships" xmlns:p="http://schemas.openxmlformats.org/presentationml/2006/main">
+  <p:cSld>
+    <p:spTree>
+      <p:nvGrpSpPr>
+        <p:cNvPr id="1" name=""/>
+        <p:cNvGrpSpPr/>
+        <p:nvPr/>
+      </p:nvGrpSpPr>
+      <p:grpSpPr>
+        <a:xfrm>
+          <a:off x="0" y="0"/>
+          <a:ext cx="0" cy="0"/>
+          <a:chOff x="0" y="0"/>
+          <a:chExt cx="0" cy="0"/>
+        </a:xfrm>
+      </p:grpSpPr>
+      <p:sp>
+        <p:nvSpPr>
+          <p:cNvPr id="2" name="Slide Image Placeholder 1"/>
+          <p:cNvSpPr>
+            <a:spLocks noGrp="1" noRot="1" noChangeAspect="1"/>
+          </p:cNvSpPr>
+          <p:nvPr>
+            <p:ph type="sldImg"/>
+          </p:nvPr>
+        </p:nvSpPr>
+        <p:spPr/>
+      </p:sp>
+      <p:sp>
+        <p:nvSpPr>
+          <p:cNvPr id="3" name="Notes Placeholder 2"/>
+          <p:cNvSpPr>
+            <a:spLocks noGrp="1"/>
+          </p:cNvSpPr>
+          <p:nvPr>
+            <p:ph type="body" idx="1"/>
+          </p:nvPr>
+        </p:nvSpPr>
+        <p:spPr/>
+        <p:txBody>
+          <a:bodyPr/>
+          <a:lstStyle/>
+          <a:p>
+            <a:endParaRPr lang="en-US" dirty="0"/>
+          </a:p>
+        </p:txBody>
+      </p:sp>
+      <p:sp>
+        <p:nvSpPr>
+          <p:cNvPr id="4" name="Slide Number Placeholder 3"/>
+          <p:cNvSpPr>
+            <a:spLocks noGrp="1"/>
+          </p:cNvSpPr>
+          <p:nvPr>
+            <p:ph type="sldNum" sz="quarter" idx="10"/>
+          </p:nvPr>
+        </p:nvSpPr>
+        <p:spPr/>
+        <p:txBody>
+          <a:bodyPr/>
+          <a:lstStyle/>
+          <a:p>
+            <a:fld id="{4CFD207A-07DF-40AD-A916-9872E089CE7A}" type="slidenum">
+              <a:rPr lang="en-US" smtClean="0"/>
+              <a:pPr/>
+              <a:t>18</a:t>
+            </a:fld>
+            <a:endParaRPr lang="en-US"/>
+          </a:p>
+        </p:txBody>
+      </p:sp>
+    </p:spTree>
+    <p:extLst>
+      <p:ext uri="{BB962C8B-B14F-4D97-AF65-F5344CB8AC3E}">
         <p14:creationId xmlns:p14="http://schemas.microsoft.com/office/powerpoint/2010/main" val="269515439"/>
       </p:ext>
     </p:extLst>
@@ -1010,7 +1268,7 @@
 </p:notes>
 </file>
 
-<file path=ppt/notesSlides/notesSlide15.xml><?xml version="1.0" encoding="utf-8"?>
+<file path=ppt/notesSlides/notesSlide18.xml><?xml version="1.0" encoding="utf-8"?>
 <p:notes xmlns:a="http://schemas.openxmlformats.org/drawingml/2006/main" xmlns:r="http://schemas.openxmlformats.org/officeDocument/2006/relationships" xmlns:p="http://schemas.openxmlformats.org/presentationml/2006/main">
   <p:cSld>
     <p:spTree>
@@ -1100,7 +1358,7 @@
             <a:fld id="{4CFD207A-07DF-40AD-A916-9872E089CE7A}" type="slidenum">
               <a:rPr lang="en-US" smtClean="0"/>
               <a:pPr/>
-              <a:t>16</a:t>
+              <a:t>19</a:t>
             </a:fld>
             <a:endParaRPr lang="en-US"/>
           </a:p>
@@ -1110,261 +1368,6 @@
     <p:extLst>
       <p:ext uri="{BB962C8B-B14F-4D97-AF65-F5344CB8AC3E}">
         <p14:creationId xmlns:p14="http://schemas.microsoft.com/office/powerpoint/2010/main" val="4134444643"/>
-      </p:ext>
-    </p:extLst>
-  </p:cSld>
-  <p:clrMapOvr>
-    <a:masterClrMapping/>
-  </p:clrMapOvr>
-</p:notes>
-</file>
-
-<file path=ppt/notesSlides/notesSlide16.xml><?xml version="1.0" encoding="utf-8"?>
-<p:notes xmlns:a="http://schemas.openxmlformats.org/drawingml/2006/main" xmlns:r="http://schemas.openxmlformats.org/officeDocument/2006/relationships" xmlns:p="http://schemas.openxmlformats.org/presentationml/2006/main">
-  <p:cSld>
-    <p:spTree>
-      <p:nvGrpSpPr>
-        <p:cNvPr id="1" name=""/>
-        <p:cNvGrpSpPr/>
-        <p:nvPr/>
-      </p:nvGrpSpPr>
-      <p:grpSpPr>
-        <a:xfrm>
-          <a:off x="0" y="0"/>
-          <a:ext cx="0" cy="0"/>
-          <a:chOff x="0" y="0"/>
-          <a:chExt cx="0" cy="0"/>
-        </a:xfrm>
-      </p:grpSpPr>
-      <p:sp>
-        <p:nvSpPr>
-          <p:cNvPr id="2" name="Slide Image Placeholder 1"/>
-          <p:cNvSpPr>
-            <a:spLocks noGrp="1" noRot="1" noChangeAspect="1"/>
-          </p:cNvSpPr>
-          <p:nvPr>
-            <p:ph type="sldImg"/>
-          </p:nvPr>
-        </p:nvSpPr>
-        <p:spPr/>
-      </p:sp>
-      <p:sp>
-        <p:nvSpPr>
-          <p:cNvPr id="3" name="Notes Placeholder 2"/>
-          <p:cNvSpPr>
-            <a:spLocks noGrp="1"/>
-          </p:cNvSpPr>
-          <p:nvPr>
-            <p:ph type="body" idx="1"/>
-          </p:nvPr>
-        </p:nvSpPr>
-        <p:spPr/>
-        <p:txBody>
-          <a:bodyPr/>
-          <a:lstStyle/>
-          <a:p>
-            <a:endParaRPr lang="en-US" dirty="0"/>
-          </a:p>
-        </p:txBody>
-      </p:sp>
-      <p:sp>
-        <p:nvSpPr>
-          <p:cNvPr id="4" name="Slide Number Placeholder 3"/>
-          <p:cNvSpPr>
-            <a:spLocks noGrp="1"/>
-          </p:cNvSpPr>
-          <p:nvPr>
-            <p:ph type="sldNum" sz="quarter" idx="10"/>
-          </p:nvPr>
-        </p:nvSpPr>
-        <p:spPr/>
-        <p:txBody>
-          <a:bodyPr/>
-          <a:lstStyle/>
-          <a:p>
-            <a:fld id="{4CFD207A-07DF-40AD-A916-9872E089CE7A}" type="slidenum">
-              <a:rPr lang="en-US" smtClean="0"/>
-              <a:pPr/>
-              <a:t>17</a:t>
-            </a:fld>
-            <a:endParaRPr lang="en-US"/>
-          </a:p>
-        </p:txBody>
-      </p:sp>
-    </p:spTree>
-    <p:extLst>
-      <p:ext uri="{BB962C8B-B14F-4D97-AF65-F5344CB8AC3E}">
-        <p14:creationId xmlns:p14="http://schemas.microsoft.com/office/powerpoint/2010/main" val="489536907"/>
-      </p:ext>
-    </p:extLst>
-  </p:cSld>
-  <p:clrMapOvr>
-    <a:masterClrMapping/>
-  </p:clrMapOvr>
-</p:notes>
-</file>
-
-<file path=ppt/notesSlides/notesSlide17.xml><?xml version="1.0" encoding="utf-8"?>
-<p:notes xmlns:a="http://schemas.openxmlformats.org/drawingml/2006/main" xmlns:r="http://schemas.openxmlformats.org/officeDocument/2006/relationships" xmlns:p="http://schemas.openxmlformats.org/presentationml/2006/main">
-  <p:cSld>
-    <p:spTree>
-      <p:nvGrpSpPr>
-        <p:cNvPr id="1" name=""/>
-        <p:cNvGrpSpPr/>
-        <p:nvPr/>
-      </p:nvGrpSpPr>
-      <p:grpSpPr>
-        <a:xfrm>
-          <a:off x="0" y="0"/>
-          <a:ext cx="0" cy="0"/>
-          <a:chOff x="0" y="0"/>
-          <a:chExt cx="0" cy="0"/>
-        </a:xfrm>
-      </p:grpSpPr>
-      <p:sp>
-        <p:nvSpPr>
-          <p:cNvPr id="2" name="Slide Image Placeholder 1"/>
-          <p:cNvSpPr>
-            <a:spLocks noGrp="1" noRot="1" noChangeAspect="1"/>
-          </p:cNvSpPr>
-          <p:nvPr>
-            <p:ph type="sldImg"/>
-          </p:nvPr>
-        </p:nvSpPr>
-        <p:spPr/>
-      </p:sp>
-      <p:sp>
-        <p:nvSpPr>
-          <p:cNvPr id="3" name="Notes Placeholder 2"/>
-          <p:cNvSpPr>
-            <a:spLocks noGrp="1"/>
-          </p:cNvSpPr>
-          <p:nvPr>
-            <p:ph type="body" idx="1"/>
-          </p:nvPr>
-        </p:nvSpPr>
-        <p:spPr/>
-        <p:txBody>
-          <a:bodyPr/>
-          <a:lstStyle/>
-          <a:p>
-            <a:endParaRPr lang="en-US" dirty="0"/>
-          </a:p>
-        </p:txBody>
-      </p:sp>
-      <p:sp>
-        <p:nvSpPr>
-          <p:cNvPr id="4" name="Slide Number Placeholder 3"/>
-          <p:cNvSpPr>
-            <a:spLocks noGrp="1"/>
-          </p:cNvSpPr>
-          <p:nvPr>
-            <p:ph type="sldNum" sz="quarter" idx="10"/>
-          </p:nvPr>
-        </p:nvSpPr>
-        <p:spPr/>
-        <p:txBody>
-          <a:bodyPr/>
-          <a:lstStyle/>
-          <a:p>
-            <a:fld id="{4CFD207A-07DF-40AD-A916-9872E089CE7A}" type="slidenum">
-              <a:rPr lang="en-US" smtClean="0"/>
-              <a:pPr/>
-              <a:t>18</a:t>
-            </a:fld>
-            <a:endParaRPr lang="en-US"/>
-          </a:p>
-        </p:txBody>
-      </p:sp>
-    </p:spTree>
-    <p:extLst>
-      <p:ext uri="{BB962C8B-B14F-4D97-AF65-F5344CB8AC3E}">
-        <p14:creationId xmlns:p14="http://schemas.microsoft.com/office/powerpoint/2010/main" val="243420119"/>
-      </p:ext>
-    </p:extLst>
-  </p:cSld>
-  <p:clrMapOvr>
-    <a:masterClrMapping/>
-  </p:clrMapOvr>
-</p:notes>
-</file>
-
-<file path=ppt/notesSlides/notesSlide18.xml><?xml version="1.0" encoding="utf-8"?>
-<p:notes xmlns:a="http://schemas.openxmlformats.org/drawingml/2006/main" xmlns:r="http://schemas.openxmlformats.org/officeDocument/2006/relationships" xmlns:p="http://schemas.openxmlformats.org/presentationml/2006/main">
-  <p:cSld>
-    <p:spTree>
-      <p:nvGrpSpPr>
-        <p:cNvPr id="1" name=""/>
-        <p:cNvGrpSpPr/>
-        <p:nvPr/>
-      </p:nvGrpSpPr>
-      <p:grpSpPr>
-        <a:xfrm>
-          <a:off x="0" y="0"/>
-          <a:ext cx="0" cy="0"/>
-          <a:chOff x="0" y="0"/>
-          <a:chExt cx="0" cy="0"/>
-        </a:xfrm>
-      </p:grpSpPr>
-      <p:sp>
-        <p:nvSpPr>
-          <p:cNvPr id="2" name="Slide Image Placeholder 1"/>
-          <p:cNvSpPr>
-            <a:spLocks noGrp="1" noRot="1" noChangeAspect="1"/>
-          </p:cNvSpPr>
-          <p:nvPr>
-            <p:ph type="sldImg"/>
-          </p:nvPr>
-        </p:nvSpPr>
-        <p:spPr/>
-      </p:sp>
-      <p:sp>
-        <p:nvSpPr>
-          <p:cNvPr id="3" name="Notes Placeholder 2"/>
-          <p:cNvSpPr>
-            <a:spLocks noGrp="1"/>
-          </p:cNvSpPr>
-          <p:nvPr>
-            <p:ph type="body" idx="1"/>
-          </p:nvPr>
-        </p:nvSpPr>
-        <p:spPr/>
-        <p:txBody>
-          <a:bodyPr/>
-          <a:lstStyle/>
-          <a:p>
-            <a:endParaRPr lang="en-US" dirty="0"/>
-          </a:p>
-        </p:txBody>
-      </p:sp>
-      <p:sp>
-        <p:nvSpPr>
-          <p:cNvPr id="4" name="Slide Number Placeholder 3"/>
-          <p:cNvSpPr>
-            <a:spLocks noGrp="1"/>
-          </p:cNvSpPr>
-          <p:nvPr>
-            <p:ph type="sldNum" sz="quarter" idx="10"/>
-          </p:nvPr>
-        </p:nvSpPr>
-        <p:spPr/>
-        <p:txBody>
-          <a:bodyPr/>
-          <a:lstStyle/>
-          <a:p>
-            <a:fld id="{4CFD207A-07DF-40AD-A916-9872E089CE7A}" type="slidenum">
-              <a:rPr lang="en-US" smtClean="0"/>
-              <a:pPr/>
-              <a:t>19</a:t>
-            </a:fld>
-            <a:endParaRPr lang="en-US"/>
-          </a:p>
-        </p:txBody>
-      </p:sp>
-    </p:spTree>
-    <p:extLst>
-      <p:ext uri="{BB962C8B-B14F-4D97-AF65-F5344CB8AC3E}">
-        <p14:creationId xmlns:p14="http://schemas.microsoft.com/office/powerpoint/2010/main" val="3682425662"/>
       </p:ext>
     </p:extLst>
   </p:cSld>
@@ -1449,7 +1452,7 @@
     </p:spTree>
     <p:extLst>
       <p:ext uri="{BB962C8B-B14F-4D97-AF65-F5344CB8AC3E}">
-        <p14:creationId xmlns:p14="http://schemas.microsoft.com/office/powerpoint/2010/main" val="1090722005"/>
+        <p14:creationId xmlns:p14="http://schemas.microsoft.com/office/powerpoint/2010/main" val="489536907"/>
       </p:ext>
     </p:extLst>
   </p:cSld>
@@ -1619,7 +1622,7 @@
     </p:spTree>
     <p:extLst>
       <p:ext uri="{BB962C8B-B14F-4D97-AF65-F5344CB8AC3E}">
-        <p14:creationId xmlns:p14="http://schemas.microsoft.com/office/powerpoint/2010/main" val="2875515759"/>
+        <p14:creationId xmlns:p14="http://schemas.microsoft.com/office/powerpoint/2010/main" val="243420119"/>
       </p:ext>
     </p:extLst>
   </p:cSld>
@@ -1704,7 +1707,7 @@
     </p:spTree>
     <p:extLst>
       <p:ext uri="{BB962C8B-B14F-4D97-AF65-F5344CB8AC3E}">
-        <p14:creationId xmlns:p14="http://schemas.microsoft.com/office/powerpoint/2010/main" val="4065866648"/>
+        <p14:creationId xmlns:p14="http://schemas.microsoft.com/office/powerpoint/2010/main" val="3682425662"/>
       </p:ext>
     </p:extLst>
   </p:cSld>
@@ -1789,7 +1792,7 @@
     </p:spTree>
     <p:extLst>
       <p:ext uri="{BB962C8B-B14F-4D97-AF65-F5344CB8AC3E}">
-        <p14:creationId xmlns:p14="http://schemas.microsoft.com/office/powerpoint/2010/main" val="3575019063"/>
+        <p14:creationId xmlns:p14="http://schemas.microsoft.com/office/powerpoint/2010/main" val="1090722005"/>
       </p:ext>
     </p:extLst>
   </p:cSld>
@@ -1874,7 +1877,7 @@
     </p:spTree>
     <p:extLst>
       <p:ext uri="{BB962C8B-B14F-4D97-AF65-F5344CB8AC3E}">
-        <p14:creationId xmlns:p14="http://schemas.microsoft.com/office/powerpoint/2010/main" val="2305027239"/>
+        <p14:creationId xmlns:p14="http://schemas.microsoft.com/office/powerpoint/2010/main" val="2875515759"/>
       </p:ext>
     </p:extLst>
   </p:cSld>
@@ -1959,7 +1962,7 @@
     </p:spTree>
     <p:extLst>
       <p:ext uri="{BB962C8B-B14F-4D97-AF65-F5344CB8AC3E}">
-        <p14:creationId xmlns:p14="http://schemas.microsoft.com/office/powerpoint/2010/main" val="2995025684"/>
+        <p14:creationId xmlns:p14="http://schemas.microsoft.com/office/powerpoint/2010/main" val="4065866648"/>
       </p:ext>
     </p:extLst>
   </p:cSld>
@@ -2044,7 +2047,7 @@
     </p:spTree>
     <p:extLst>
       <p:ext uri="{BB962C8B-B14F-4D97-AF65-F5344CB8AC3E}">
-        <p14:creationId xmlns:p14="http://schemas.microsoft.com/office/powerpoint/2010/main" val="2400999226"/>
+        <p14:creationId xmlns:p14="http://schemas.microsoft.com/office/powerpoint/2010/main" val="3575019063"/>
       </p:ext>
     </p:extLst>
   </p:cSld>
@@ -2129,7 +2132,7 @@
     </p:spTree>
     <p:extLst>
       <p:ext uri="{BB962C8B-B14F-4D97-AF65-F5344CB8AC3E}">
-        <p14:creationId xmlns:p14="http://schemas.microsoft.com/office/powerpoint/2010/main" val="744865965"/>
+        <p14:creationId xmlns:p14="http://schemas.microsoft.com/office/powerpoint/2010/main" val="2305027239"/>
       </p:ext>
     </p:extLst>
   </p:cSld>
@@ -2214,7 +2217,7 @@
     </p:spTree>
     <p:extLst>
       <p:ext uri="{BB962C8B-B14F-4D97-AF65-F5344CB8AC3E}">
-        <p14:creationId xmlns:p14="http://schemas.microsoft.com/office/powerpoint/2010/main" val="2560398139"/>
+        <p14:creationId xmlns:p14="http://schemas.microsoft.com/office/powerpoint/2010/main" val="2995025684"/>
       </p:ext>
     </p:extLst>
   </p:cSld>
@@ -2299,7 +2302,7 @@
     </p:spTree>
     <p:extLst>
       <p:ext uri="{BB962C8B-B14F-4D97-AF65-F5344CB8AC3E}">
-        <p14:creationId xmlns:p14="http://schemas.microsoft.com/office/powerpoint/2010/main" val="555763951"/>
+        <p14:creationId xmlns:p14="http://schemas.microsoft.com/office/powerpoint/2010/main" val="2400999226"/>
       </p:ext>
     </p:extLst>
   </p:cSld>
@@ -2384,7 +2387,7 @@
     </p:spTree>
     <p:extLst>
       <p:ext uri="{BB962C8B-B14F-4D97-AF65-F5344CB8AC3E}">
-        <p14:creationId xmlns:p14="http://schemas.microsoft.com/office/powerpoint/2010/main" val="1937406605"/>
+        <p14:creationId xmlns:p14="http://schemas.microsoft.com/office/powerpoint/2010/main" val="744865965"/>
       </p:ext>
     </p:extLst>
   </p:cSld>
@@ -2554,7 +2557,7 @@
     </p:spTree>
     <p:extLst>
       <p:ext uri="{BB962C8B-B14F-4D97-AF65-F5344CB8AC3E}">
-        <p14:creationId xmlns:p14="http://schemas.microsoft.com/office/powerpoint/2010/main" val="1817750170"/>
+        <p14:creationId xmlns:p14="http://schemas.microsoft.com/office/powerpoint/2010/main" val="2560398139"/>
       </p:ext>
     </p:extLst>
   </p:cSld>
@@ -2639,7 +2642,7 @@
     </p:spTree>
     <p:extLst>
       <p:ext uri="{BB962C8B-B14F-4D97-AF65-F5344CB8AC3E}">
-        <p14:creationId xmlns:p14="http://schemas.microsoft.com/office/powerpoint/2010/main" val="4019156545"/>
+        <p14:creationId xmlns:p14="http://schemas.microsoft.com/office/powerpoint/2010/main" val="555763951"/>
       </p:ext>
     </p:extLst>
   </p:cSld>
@@ -2724,7 +2727,7 @@
     </p:spTree>
     <p:extLst>
       <p:ext uri="{BB962C8B-B14F-4D97-AF65-F5344CB8AC3E}">
-        <p14:creationId xmlns:p14="http://schemas.microsoft.com/office/powerpoint/2010/main" val="3731718061"/>
+        <p14:creationId xmlns:p14="http://schemas.microsoft.com/office/powerpoint/2010/main" val="1937406605"/>
       </p:ext>
     </p:extLst>
   </p:cSld>
@@ -2809,7 +2812,7 @@
     </p:spTree>
     <p:extLst>
       <p:ext uri="{BB962C8B-B14F-4D97-AF65-F5344CB8AC3E}">
-        <p14:creationId xmlns:p14="http://schemas.microsoft.com/office/powerpoint/2010/main" val="1781883727"/>
+        <p14:creationId xmlns:p14="http://schemas.microsoft.com/office/powerpoint/2010/main" val="1817750170"/>
       </p:ext>
     </p:extLst>
   </p:cSld>
@@ -2894,7 +2897,7 @@
     </p:spTree>
     <p:extLst>
       <p:ext uri="{BB962C8B-B14F-4D97-AF65-F5344CB8AC3E}">
-        <p14:creationId xmlns:p14="http://schemas.microsoft.com/office/powerpoint/2010/main" val="3631150544"/>
+        <p14:creationId xmlns:p14="http://schemas.microsoft.com/office/powerpoint/2010/main" val="4019156545"/>
       </p:ext>
     </p:extLst>
   </p:cSld>
@@ -2979,7 +2982,7 @@
     </p:spTree>
     <p:extLst>
       <p:ext uri="{BB962C8B-B14F-4D97-AF65-F5344CB8AC3E}">
-        <p14:creationId xmlns:p14="http://schemas.microsoft.com/office/powerpoint/2010/main" val="139523512"/>
+        <p14:creationId xmlns:p14="http://schemas.microsoft.com/office/powerpoint/2010/main" val="3731718061"/>
       </p:ext>
     </p:extLst>
   </p:cSld>
@@ -3056,6 +3059,261 @@
               <a:rPr lang="en-US" smtClean="0"/>
               <a:pPr/>
               <a:t>37</a:t>
+            </a:fld>
+            <a:endParaRPr lang="en-US"/>
+          </a:p>
+        </p:txBody>
+      </p:sp>
+    </p:spTree>
+    <p:extLst>
+      <p:ext uri="{BB962C8B-B14F-4D97-AF65-F5344CB8AC3E}">
+        <p14:creationId xmlns:p14="http://schemas.microsoft.com/office/powerpoint/2010/main" val="1781883727"/>
+      </p:ext>
+    </p:extLst>
+  </p:cSld>
+  <p:clrMapOvr>
+    <a:masterClrMapping/>
+  </p:clrMapOvr>
+</p:notes>
+</file>
+
+<file path=ppt/notesSlides/notesSlide37.xml><?xml version="1.0" encoding="utf-8"?>
+<p:notes xmlns:a="http://schemas.openxmlformats.org/drawingml/2006/main" xmlns:r="http://schemas.openxmlformats.org/officeDocument/2006/relationships" xmlns:p="http://schemas.openxmlformats.org/presentationml/2006/main">
+  <p:cSld>
+    <p:spTree>
+      <p:nvGrpSpPr>
+        <p:cNvPr id="1" name=""/>
+        <p:cNvGrpSpPr/>
+        <p:nvPr/>
+      </p:nvGrpSpPr>
+      <p:grpSpPr>
+        <a:xfrm>
+          <a:off x="0" y="0"/>
+          <a:ext cx="0" cy="0"/>
+          <a:chOff x="0" y="0"/>
+          <a:chExt cx="0" cy="0"/>
+        </a:xfrm>
+      </p:grpSpPr>
+      <p:sp>
+        <p:nvSpPr>
+          <p:cNvPr id="2" name="Slide Image Placeholder 1"/>
+          <p:cNvSpPr>
+            <a:spLocks noGrp="1" noRot="1" noChangeAspect="1"/>
+          </p:cNvSpPr>
+          <p:nvPr>
+            <p:ph type="sldImg"/>
+          </p:nvPr>
+        </p:nvSpPr>
+        <p:spPr/>
+      </p:sp>
+      <p:sp>
+        <p:nvSpPr>
+          <p:cNvPr id="3" name="Notes Placeholder 2"/>
+          <p:cNvSpPr>
+            <a:spLocks noGrp="1"/>
+          </p:cNvSpPr>
+          <p:nvPr>
+            <p:ph type="body" idx="1"/>
+          </p:nvPr>
+        </p:nvSpPr>
+        <p:spPr/>
+        <p:txBody>
+          <a:bodyPr/>
+          <a:lstStyle/>
+          <a:p>
+            <a:endParaRPr lang="en-US" dirty="0"/>
+          </a:p>
+        </p:txBody>
+      </p:sp>
+      <p:sp>
+        <p:nvSpPr>
+          <p:cNvPr id="4" name="Slide Number Placeholder 3"/>
+          <p:cNvSpPr>
+            <a:spLocks noGrp="1"/>
+          </p:cNvSpPr>
+          <p:nvPr>
+            <p:ph type="sldNum" sz="quarter" idx="10"/>
+          </p:nvPr>
+        </p:nvSpPr>
+        <p:spPr/>
+        <p:txBody>
+          <a:bodyPr/>
+          <a:lstStyle/>
+          <a:p>
+            <a:fld id="{4CFD207A-07DF-40AD-A916-9872E089CE7A}" type="slidenum">
+              <a:rPr lang="en-US" smtClean="0"/>
+              <a:pPr/>
+              <a:t>38</a:t>
+            </a:fld>
+            <a:endParaRPr lang="en-US"/>
+          </a:p>
+        </p:txBody>
+      </p:sp>
+    </p:spTree>
+    <p:extLst>
+      <p:ext uri="{BB962C8B-B14F-4D97-AF65-F5344CB8AC3E}">
+        <p14:creationId xmlns:p14="http://schemas.microsoft.com/office/powerpoint/2010/main" val="3631150544"/>
+      </p:ext>
+    </p:extLst>
+  </p:cSld>
+  <p:clrMapOvr>
+    <a:masterClrMapping/>
+  </p:clrMapOvr>
+</p:notes>
+</file>
+
+<file path=ppt/notesSlides/notesSlide38.xml><?xml version="1.0" encoding="utf-8"?>
+<p:notes xmlns:a="http://schemas.openxmlformats.org/drawingml/2006/main" xmlns:r="http://schemas.openxmlformats.org/officeDocument/2006/relationships" xmlns:p="http://schemas.openxmlformats.org/presentationml/2006/main">
+  <p:cSld>
+    <p:spTree>
+      <p:nvGrpSpPr>
+        <p:cNvPr id="1" name=""/>
+        <p:cNvGrpSpPr/>
+        <p:nvPr/>
+      </p:nvGrpSpPr>
+      <p:grpSpPr>
+        <a:xfrm>
+          <a:off x="0" y="0"/>
+          <a:ext cx="0" cy="0"/>
+          <a:chOff x="0" y="0"/>
+          <a:chExt cx="0" cy="0"/>
+        </a:xfrm>
+      </p:grpSpPr>
+      <p:sp>
+        <p:nvSpPr>
+          <p:cNvPr id="2" name="Slide Image Placeholder 1"/>
+          <p:cNvSpPr>
+            <a:spLocks noGrp="1" noRot="1" noChangeAspect="1"/>
+          </p:cNvSpPr>
+          <p:nvPr>
+            <p:ph type="sldImg"/>
+          </p:nvPr>
+        </p:nvSpPr>
+        <p:spPr/>
+      </p:sp>
+      <p:sp>
+        <p:nvSpPr>
+          <p:cNvPr id="3" name="Notes Placeholder 2"/>
+          <p:cNvSpPr>
+            <a:spLocks noGrp="1"/>
+          </p:cNvSpPr>
+          <p:nvPr>
+            <p:ph type="body" idx="1"/>
+          </p:nvPr>
+        </p:nvSpPr>
+        <p:spPr/>
+        <p:txBody>
+          <a:bodyPr/>
+          <a:lstStyle/>
+          <a:p>
+            <a:endParaRPr lang="en-US" dirty="0"/>
+          </a:p>
+        </p:txBody>
+      </p:sp>
+      <p:sp>
+        <p:nvSpPr>
+          <p:cNvPr id="4" name="Slide Number Placeholder 3"/>
+          <p:cNvSpPr>
+            <a:spLocks noGrp="1"/>
+          </p:cNvSpPr>
+          <p:nvPr>
+            <p:ph type="sldNum" sz="quarter" idx="10"/>
+          </p:nvPr>
+        </p:nvSpPr>
+        <p:spPr/>
+        <p:txBody>
+          <a:bodyPr/>
+          <a:lstStyle/>
+          <a:p>
+            <a:fld id="{4CFD207A-07DF-40AD-A916-9872E089CE7A}" type="slidenum">
+              <a:rPr lang="en-US" smtClean="0"/>
+              <a:pPr/>
+              <a:t>39</a:t>
+            </a:fld>
+            <a:endParaRPr lang="en-US"/>
+          </a:p>
+        </p:txBody>
+      </p:sp>
+    </p:spTree>
+    <p:extLst>
+      <p:ext uri="{BB962C8B-B14F-4D97-AF65-F5344CB8AC3E}">
+        <p14:creationId xmlns:p14="http://schemas.microsoft.com/office/powerpoint/2010/main" val="139523512"/>
+      </p:ext>
+    </p:extLst>
+  </p:cSld>
+  <p:clrMapOvr>
+    <a:masterClrMapping/>
+  </p:clrMapOvr>
+</p:notes>
+</file>
+
+<file path=ppt/notesSlides/notesSlide39.xml><?xml version="1.0" encoding="utf-8"?>
+<p:notes xmlns:a="http://schemas.openxmlformats.org/drawingml/2006/main" xmlns:r="http://schemas.openxmlformats.org/officeDocument/2006/relationships" xmlns:p="http://schemas.openxmlformats.org/presentationml/2006/main">
+  <p:cSld>
+    <p:spTree>
+      <p:nvGrpSpPr>
+        <p:cNvPr id="1" name=""/>
+        <p:cNvGrpSpPr/>
+        <p:nvPr/>
+      </p:nvGrpSpPr>
+      <p:grpSpPr>
+        <a:xfrm>
+          <a:off x="0" y="0"/>
+          <a:ext cx="0" cy="0"/>
+          <a:chOff x="0" y="0"/>
+          <a:chExt cx="0" cy="0"/>
+        </a:xfrm>
+      </p:grpSpPr>
+      <p:sp>
+        <p:nvSpPr>
+          <p:cNvPr id="2" name="Slide Image Placeholder 1"/>
+          <p:cNvSpPr>
+            <a:spLocks noGrp="1" noRot="1" noChangeAspect="1"/>
+          </p:cNvSpPr>
+          <p:nvPr>
+            <p:ph type="sldImg"/>
+          </p:nvPr>
+        </p:nvSpPr>
+        <p:spPr/>
+      </p:sp>
+      <p:sp>
+        <p:nvSpPr>
+          <p:cNvPr id="3" name="Notes Placeholder 2"/>
+          <p:cNvSpPr>
+            <a:spLocks noGrp="1"/>
+          </p:cNvSpPr>
+          <p:nvPr>
+            <p:ph type="body" idx="1"/>
+          </p:nvPr>
+        </p:nvSpPr>
+        <p:spPr/>
+        <p:txBody>
+          <a:bodyPr/>
+          <a:lstStyle/>
+          <a:p>
+            <a:endParaRPr lang="en-US" dirty="0"/>
+          </a:p>
+        </p:txBody>
+      </p:sp>
+      <p:sp>
+        <p:nvSpPr>
+          <p:cNvPr id="4" name="Slide Number Placeholder 3"/>
+          <p:cNvSpPr>
+            <a:spLocks noGrp="1"/>
+          </p:cNvSpPr>
+          <p:nvPr>
+            <p:ph type="sldNum" sz="quarter" idx="10"/>
+          </p:nvPr>
+        </p:nvSpPr>
+        <p:spPr/>
+        <p:txBody>
+          <a:bodyPr/>
+          <a:lstStyle/>
+          <a:p>
+            <a:fld id="{4CFD207A-07DF-40AD-A916-9872E089CE7A}" type="slidenum">
+              <a:rPr lang="en-US" smtClean="0"/>
+              <a:pPr/>
+              <a:t>40</a:t>
             </a:fld>
             <a:endParaRPr lang="en-US"/>
           </a:p>
@@ -3731,7 +3989,7 @@
           <a:p>
             <a:fld id="{9DC183D5-83EE-4A48-BB2E-1FC30CD8E44A}" type="datetimeFigureOut">
               <a:rPr lang="en-US" smtClean="0"/>
-              <a:t>7/2/2024</a:t>
+              <a:t>7/3/2024</a:t>
             </a:fld>
             <a:endParaRPr lang="en-US"/>
           </a:p>
@@ -3929,7 +4187,7 @@
           <a:p>
             <a:fld id="{9DC183D5-83EE-4A48-BB2E-1FC30CD8E44A}" type="datetimeFigureOut">
               <a:rPr lang="en-US" smtClean="0"/>
-              <a:t>7/2/2024</a:t>
+              <a:t>7/3/2024</a:t>
             </a:fld>
             <a:endParaRPr lang="en-US"/>
           </a:p>
@@ -4137,7 +4395,7 @@
           <a:p>
             <a:fld id="{9DC183D5-83EE-4A48-BB2E-1FC30CD8E44A}" type="datetimeFigureOut">
               <a:rPr lang="en-US" smtClean="0"/>
-              <a:t>7/2/2024</a:t>
+              <a:t>7/3/2024</a:t>
             </a:fld>
             <a:endParaRPr lang="en-US"/>
           </a:p>
@@ -4507,7 +4765,7 @@
           <a:p>
             <a:fld id="{9DC183D5-83EE-4A48-BB2E-1FC30CD8E44A}" type="datetimeFigureOut">
               <a:rPr lang="en-US" smtClean="0"/>
-              <a:t>7/2/2024</a:t>
+              <a:t>7/3/2024</a:t>
             </a:fld>
             <a:endParaRPr lang="en-US"/>
           </a:p>
@@ -4782,7 +5040,7 @@
           <a:p>
             <a:fld id="{9DC183D5-83EE-4A48-BB2E-1FC30CD8E44A}" type="datetimeFigureOut">
               <a:rPr lang="en-US" smtClean="0"/>
-              <a:t>7/2/2024</a:t>
+              <a:t>7/3/2024</a:t>
             </a:fld>
             <a:endParaRPr lang="en-US"/>
           </a:p>
@@ -5047,7 +5305,7 @@
           <a:p>
             <a:fld id="{9DC183D5-83EE-4A48-BB2E-1FC30CD8E44A}" type="datetimeFigureOut">
               <a:rPr lang="en-US" smtClean="0"/>
-              <a:t>7/2/2024</a:t>
+              <a:t>7/3/2024</a:t>
             </a:fld>
             <a:endParaRPr lang="en-US"/>
           </a:p>
@@ -5459,7 +5717,7 @@
           <a:p>
             <a:fld id="{9DC183D5-83EE-4A48-BB2E-1FC30CD8E44A}" type="datetimeFigureOut">
               <a:rPr lang="en-US" smtClean="0"/>
-              <a:t>7/2/2024</a:t>
+              <a:t>7/3/2024</a:t>
             </a:fld>
             <a:endParaRPr lang="en-US"/>
           </a:p>
@@ -5600,7 +5858,7 @@
           <a:p>
             <a:fld id="{9DC183D5-83EE-4A48-BB2E-1FC30CD8E44A}" type="datetimeFigureOut">
               <a:rPr lang="en-US" smtClean="0"/>
-              <a:t>7/2/2024</a:t>
+              <a:t>7/3/2024</a:t>
             </a:fld>
             <a:endParaRPr lang="en-US"/>
           </a:p>
@@ -5713,7 +5971,7 @@
           <a:p>
             <a:fld id="{9DC183D5-83EE-4A48-BB2E-1FC30CD8E44A}" type="datetimeFigureOut">
               <a:rPr lang="en-US" smtClean="0"/>
-              <a:t>7/2/2024</a:t>
+              <a:t>7/3/2024</a:t>
             </a:fld>
             <a:endParaRPr lang="en-US"/>
           </a:p>
@@ -6024,7 +6282,7 @@
           <a:p>
             <a:fld id="{9DC183D5-83EE-4A48-BB2E-1FC30CD8E44A}" type="datetimeFigureOut">
               <a:rPr lang="en-US" smtClean="0"/>
-              <a:t>7/2/2024</a:t>
+              <a:t>7/3/2024</a:t>
             </a:fld>
             <a:endParaRPr lang="en-US"/>
           </a:p>
@@ -6312,7 +6570,7 @@
           <a:p>
             <a:fld id="{9DC183D5-83EE-4A48-BB2E-1FC30CD8E44A}" type="datetimeFigureOut">
               <a:rPr lang="en-US" smtClean="0"/>
-              <a:t>7/2/2024</a:t>
+              <a:t>7/3/2024</a:t>
             </a:fld>
             <a:endParaRPr lang="en-US"/>
           </a:p>
@@ -6553,7 +6811,7 @@
           <a:p>
             <a:fld id="{9DC183D5-83EE-4A48-BB2E-1FC30CD8E44A}" type="datetimeFigureOut">
               <a:rPr lang="en-US" smtClean="0"/>
-              <a:t>7/2/2024</a:t>
+              <a:t>7/3/2024</a:t>
             </a:fld>
             <a:endParaRPr lang="en-US"/>
           </a:p>
@@ -7212,8 +7470,8 @@
           </a:p>
         </p:txBody>
       </p:sp>
-      <mc:AlternateContent xmlns:mc="http://schemas.openxmlformats.org/markup-compatibility/2006">
-        <mc:Choice xmlns:a14="http://schemas.microsoft.com/office/drawing/2010/main" Requires="a14">
+      <mc:AlternateContent xmlns:mc="http://schemas.openxmlformats.org/markup-compatibility/2006" xmlns:a14="http://schemas.microsoft.com/office/drawing/2010/main">
+        <mc:Choice Requires="a14">
           <p:sp>
             <p:nvSpPr>
               <p:cNvPr id="3" name="Content Placeholder 2"/>
@@ -8159,7 +8417,7 @@
             </p:txBody>
           </p:sp>
         </mc:Choice>
-        <mc:Fallback>
+        <mc:Fallback xmlns="">
           <p:sp>
             <p:nvSpPr>
               <p:cNvPr id="3" name="Content Placeholder 2"/>
@@ -8481,1568 +8739,6 @@
 </file>
 
 <file path=ppt/slides/slide11.xml><?xml version="1.0" encoding="utf-8"?>
-<p:sld xmlns:a="http://schemas.openxmlformats.org/drawingml/2006/main" xmlns:r="http://schemas.openxmlformats.org/officeDocument/2006/relationships" xmlns:p="http://schemas.openxmlformats.org/presentationml/2006/main">
-  <p:cSld>
-    <p:spTree>
-      <p:nvGrpSpPr>
-        <p:cNvPr id="1" name=""/>
-        <p:cNvGrpSpPr/>
-        <p:nvPr/>
-      </p:nvGrpSpPr>
-      <p:grpSpPr>
-        <a:xfrm>
-          <a:off x="0" y="0"/>
-          <a:ext cx="0" cy="0"/>
-          <a:chOff x="0" y="0"/>
-          <a:chExt cx="0" cy="0"/>
-        </a:xfrm>
-      </p:grpSpPr>
-      <p:sp>
-        <p:nvSpPr>
-          <p:cNvPr id="2" name="Title 1"/>
-          <p:cNvSpPr>
-            <a:spLocks noGrp="1"/>
-          </p:cNvSpPr>
-          <p:nvPr>
-            <p:ph type="title"/>
-          </p:nvPr>
-        </p:nvSpPr>
-        <p:spPr>
-          <a:xfrm>
-            <a:off x="584200" y="221992"/>
-            <a:ext cx="10515600" cy="530954"/>
-          </a:xfrm>
-        </p:spPr>
-        <p:txBody>
-          <a:bodyPr>
-            <a:normAutofit fontScale="90000"/>
-          </a:bodyPr>
-          <a:lstStyle/>
-          <a:p>
-            <a:r>
-              <a:rPr lang="en-US" dirty="0"/>
-              <a:t>Measuring distance or dissimilarity</a:t>
-            </a:r>
-          </a:p>
-        </p:txBody>
-      </p:sp>
-      <mc:AlternateContent xmlns:mc="http://schemas.openxmlformats.org/markup-compatibility/2006">
-        <mc:Choice xmlns:a14="http://schemas.microsoft.com/office/drawing/2010/main" Requires="a14">
-          <p:sp>
-            <p:nvSpPr>
-              <p:cNvPr id="3" name="Content Placeholder 2"/>
-              <p:cNvSpPr>
-                <a:spLocks noGrp="1"/>
-              </p:cNvSpPr>
-              <p:nvPr>
-                <p:ph sz="quarter" idx="10"/>
-              </p:nvPr>
-            </p:nvSpPr>
-            <p:spPr>
-              <a:xfrm>
-                <a:off x="333375" y="896079"/>
-                <a:ext cx="11525250" cy="5698998"/>
-              </a:xfrm>
-            </p:spPr>
-            <p:txBody>
-              <a:bodyPr>
-                <a:normAutofit/>
-              </a:bodyPr>
-              <a:lstStyle/>
-              <a:p>
-                <a:pPr marL="0" indent="0">
-                  <a:buNone/>
-                </a:pPr>
-                <a:r>
-                  <a:rPr lang="en-US" dirty="0">
-                    <a:latin typeface="+mn-lt"/>
-                  </a:rPr>
-                  <a:t>Different metrics for numeric dissimilarity can be computed for numeric variables in p dimensions</a:t>
-                </a:r>
-              </a:p>
-              <a:p>
-                <a:r>
-                  <a:rPr lang="en-US" b="1" dirty="0" err="1">
-                    <a:latin typeface="+mn-lt"/>
-                    <a:hlinkClick r:id="rId3"/>
-                  </a:rPr>
-                  <a:t>Mahalanobis</a:t>
-                </a:r>
-                <a:r>
-                  <a:rPr lang="en-US" b="1" dirty="0">
-                    <a:latin typeface="+mn-lt"/>
-                    <a:hlinkClick r:id="rId3"/>
-                  </a:rPr>
-                  <a:t> Distance </a:t>
-                </a:r>
-                <a:r>
-                  <a:rPr lang="en-US" dirty="0">
-                    <a:latin typeface="+mn-lt"/>
-                  </a:rPr>
-                  <a:t>(standardized Euclidean distance) is useful in cases with dependency between variables  </a:t>
-                </a:r>
-              </a:p>
-              <a:p>
-                <a:r>
-                  <a:rPr lang="en-US" dirty="0">
-                    <a:latin typeface="+mn-lt"/>
-                  </a:rPr>
-                  <a:t>Is a ‘pseudo-distance’ metric </a:t>
-                </a:r>
-              </a:p>
-              <a:p>
-                <a:r>
-                  <a:rPr lang="en-US" b="1" dirty="0" err="1">
-                    <a:latin typeface="+mn-lt"/>
-                  </a:rPr>
-                  <a:t>Mahalanobis</a:t>
-                </a:r>
-                <a:r>
-                  <a:rPr lang="en-US" b="1" dirty="0">
-                    <a:latin typeface="+mn-lt"/>
-                  </a:rPr>
-                  <a:t> Distance </a:t>
-                </a:r>
-                <a:r>
-                  <a:rPr lang="en-US" dirty="0">
-                    <a:latin typeface="+mn-lt"/>
-                  </a:rPr>
-                  <a:t>between two points (vectors) </a:t>
-                </a:r>
-                <a:endParaRPr lang="en-US" dirty="0"/>
-              </a:p>
-              <a:p>
-                <a:pPr marL="0" indent="0">
-                  <a:buNone/>
-                </a:pPr>
-                <a:r>
-                  <a:rPr lang="en-US" dirty="0"/>
-                  <a:t>				</a:t>
-                </a:r>
-                <a14:m>
-                  <m:oMath xmlns:m="http://schemas.openxmlformats.org/officeDocument/2006/math">
-                    <m:r>
-                      <a:rPr lang="en-US">
-                        <a:latin typeface="Cambria Math" panose="02040503050406030204" pitchFamily="18" charset="0"/>
-                      </a:rPr>
-                      <m:t> </m:t>
-                    </m:r>
-                    <m:r>
-                      <a:rPr lang="en-US" i="1">
-                        <a:latin typeface="Cambria Math" panose="02040503050406030204" pitchFamily="18" charset="0"/>
-                      </a:rPr>
-                      <m:t>𝑑</m:t>
-                    </m:r>
-                    <m:r>
-                      <a:rPr lang="en-US" i="1">
-                        <a:latin typeface="Cambria Math" panose="02040503050406030204" pitchFamily="18" charset="0"/>
-                      </a:rPr>
-                      <m:t>(</m:t>
-                    </m:r>
-                    <m:r>
-                      <a:rPr lang="en-US" i="1">
-                        <a:latin typeface="Cambria Math" panose="02040503050406030204" pitchFamily="18" charset="0"/>
-                      </a:rPr>
-                      <m:t>𝑥</m:t>
-                    </m:r>
-                    <m:r>
-                      <a:rPr lang="en-US" i="1">
-                        <a:latin typeface="Cambria Math" panose="02040503050406030204" pitchFamily="18" charset="0"/>
-                      </a:rPr>
-                      <m:t>,</m:t>
-                    </m:r>
-                    <m:r>
-                      <a:rPr lang="en-US" b="0" i="1" smtClean="0">
-                        <a:latin typeface="Cambria Math" panose="02040503050406030204" pitchFamily="18" charset="0"/>
-                      </a:rPr>
-                      <m:t>𝑥</m:t>
-                    </m:r>
-                    <m:r>
-                      <a:rPr lang="en-US" b="0" i="1" smtClean="0">
-                        <a:latin typeface="Cambria Math" panose="02040503050406030204" pitchFamily="18" charset="0"/>
-                      </a:rPr>
-                      <m:t>′)= </m:t>
-                    </m:r>
-                    <m:rad>
-                      <m:radPr>
-                        <m:degHide m:val="on"/>
-                        <m:ctrlPr>
-                          <a:rPr lang="en-US" i="1">
-                            <a:latin typeface="Cambria Math" panose="02040503050406030204" pitchFamily="18" charset="0"/>
-                          </a:rPr>
-                        </m:ctrlPr>
-                      </m:radPr>
-                      <m:deg/>
-                      <m:e>
-                        <m:sSup>
-                          <m:sSupPr>
-                            <m:ctrlPr>
-                              <a:rPr lang="en-US" i="1">
-                                <a:latin typeface="Cambria Math" panose="02040503050406030204" pitchFamily="18" charset="0"/>
-                              </a:rPr>
-                            </m:ctrlPr>
-                          </m:sSupPr>
-                          <m:e>
-                            <m:d>
-                              <m:dPr>
-                                <m:ctrlPr>
-                                  <a:rPr lang="en-US" i="1" smtClean="0">
-                                    <a:latin typeface="Cambria Math" panose="02040503050406030204" pitchFamily="18" charset="0"/>
-                                  </a:rPr>
-                                </m:ctrlPr>
-                              </m:dPr>
-                              <m:e>
-                                <m:r>
-                                  <a:rPr lang="en-US" i="1">
-                                    <a:latin typeface="Cambria Math" panose="02040503050406030204" pitchFamily="18" charset="0"/>
-                                  </a:rPr>
-                                  <m:t>𝑥</m:t>
-                                </m:r>
-                                <m:r>
-                                  <a:rPr lang="en-US" i="1">
-                                    <a:latin typeface="Cambria Math" panose="02040503050406030204" pitchFamily="18" charset="0"/>
-                                  </a:rPr>
-                                  <m:t>−</m:t>
-                                </m:r>
-                                <m:r>
-                                  <a:rPr lang="en-US" b="0" i="1" smtClean="0">
-                                    <a:latin typeface="Cambria Math" panose="02040503050406030204" pitchFamily="18" charset="0"/>
-                                  </a:rPr>
-                                  <m:t>𝑥</m:t>
-                                </m:r>
-                                <m:r>
-                                  <a:rPr lang="en-US" b="0" i="1" smtClean="0">
-                                    <a:latin typeface="Cambria Math" panose="02040503050406030204" pitchFamily="18" charset="0"/>
-                                  </a:rPr>
-                                  <m:t>′</m:t>
-                                </m:r>
-                              </m:e>
-                            </m:d>
-                          </m:e>
-                          <m:sup>
-                            <m:r>
-                              <a:rPr lang="en-US" i="1">
-                                <a:latin typeface="Cambria Math" panose="02040503050406030204" pitchFamily="18" charset="0"/>
-                              </a:rPr>
-                              <m:t>𝑇</m:t>
-                            </m:r>
-                          </m:sup>
-                        </m:sSup>
-                        <m:sSup>
-                          <m:sSupPr>
-                            <m:ctrlPr>
-                              <a:rPr lang="en-US" i="1">
-                                <a:latin typeface="Cambria Math" panose="02040503050406030204" pitchFamily="18" charset="0"/>
-                              </a:rPr>
-                            </m:ctrlPr>
-                          </m:sSupPr>
-                          <m:e>
-                            <m:r>
-                              <a:rPr lang="en-US" i="1">
-                                <a:latin typeface="Cambria Math" panose="02040503050406030204" pitchFamily="18" charset="0"/>
-                              </a:rPr>
-                              <m:t>𝑆</m:t>
-                            </m:r>
-                          </m:e>
-                          <m:sup>
-                            <m:r>
-                              <a:rPr lang="en-US" i="1">
-                                <a:latin typeface="Cambria Math" panose="02040503050406030204" pitchFamily="18" charset="0"/>
-                              </a:rPr>
-                              <m:t>−1</m:t>
-                            </m:r>
-                          </m:sup>
-                        </m:sSup>
-                        <m:d>
-                          <m:dPr>
-                            <m:ctrlPr>
-                              <a:rPr lang="en-US" i="1">
-                                <a:latin typeface="Cambria Math" panose="02040503050406030204" pitchFamily="18" charset="0"/>
-                              </a:rPr>
-                            </m:ctrlPr>
-                          </m:dPr>
-                          <m:e>
-                            <m:r>
-                              <a:rPr lang="en-US" i="1">
-                                <a:latin typeface="Cambria Math" panose="02040503050406030204" pitchFamily="18" charset="0"/>
-                              </a:rPr>
-                              <m:t>𝑥</m:t>
-                            </m:r>
-                            <m:r>
-                              <a:rPr lang="en-US" i="1">
-                                <a:latin typeface="Cambria Math" panose="02040503050406030204" pitchFamily="18" charset="0"/>
-                              </a:rPr>
-                              <m:t>−</m:t>
-                            </m:r>
-                            <m:r>
-                              <a:rPr lang="en-US" b="0" i="1" smtClean="0">
-                                <a:latin typeface="Cambria Math" panose="02040503050406030204" pitchFamily="18" charset="0"/>
-                              </a:rPr>
-                              <m:t>𝑥</m:t>
-                            </m:r>
-                            <m:r>
-                              <a:rPr lang="en-US" b="0" i="1" smtClean="0">
-                                <a:latin typeface="Cambria Math" panose="02040503050406030204" pitchFamily="18" charset="0"/>
-                              </a:rPr>
-                              <m:t>′</m:t>
-                            </m:r>
-                          </m:e>
-                        </m:d>
-                      </m:e>
-                    </m:rad>
-                  </m:oMath>
-                </a14:m>
-                <a:endParaRPr lang="en-US" dirty="0"/>
-              </a:p>
-              <a:p>
-                <a:pPr marL="0" indent="0">
-                  <a:buNone/>
-                </a:pPr>
-                <a:r>
-                  <a:rPr lang="en-US" sz="2400" dirty="0">
-                    <a:latin typeface="+mn-lt"/>
-                  </a:rPr>
-                  <a:t>Where, </a:t>
-                </a:r>
-                <a14:m>
-                  <m:oMath xmlns:m="http://schemas.openxmlformats.org/officeDocument/2006/math">
-                    <m:sSup>
-                      <m:sSupPr>
-                        <m:ctrlPr>
-                          <a:rPr lang="en-US" sz="2400" i="1">
-                            <a:latin typeface="Cambria Math" panose="02040503050406030204" pitchFamily="18" charset="0"/>
-                          </a:rPr>
-                        </m:ctrlPr>
-                      </m:sSupPr>
-                      <m:e>
-                        <m:r>
-                          <a:rPr lang="en-US" sz="2400" i="1">
-                            <a:latin typeface="Cambria Math" panose="02040503050406030204" pitchFamily="18" charset="0"/>
-                          </a:rPr>
-                          <m:t>𝑆</m:t>
-                        </m:r>
-                      </m:e>
-                      <m:sup>
-                        <m:r>
-                          <a:rPr lang="en-US" sz="2400" b="0" i="1" smtClean="0">
-                            <a:latin typeface="Cambria Math" panose="02040503050406030204" pitchFamily="18" charset="0"/>
-                          </a:rPr>
-                          <m:t> </m:t>
-                        </m:r>
-                      </m:sup>
-                    </m:sSup>
-                    <m:r>
-                      <a:rPr lang="en-US" sz="2400" b="0" i="1" smtClean="0">
-                        <a:latin typeface="Cambria Math" panose="02040503050406030204" pitchFamily="18" charset="0"/>
-                      </a:rPr>
-                      <m:t>=</m:t>
-                    </m:r>
-                    <m:f>
-                      <m:fPr>
-                        <m:ctrlPr>
-                          <a:rPr lang="en-US" sz="2400" b="0" i="1" smtClean="0">
-                            <a:latin typeface="Cambria Math" panose="02040503050406030204" pitchFamily="18" charset="0"/>
-                          </a:rPr>
-                        </m:ctrlPr>
-                      </m:fPr>
-                      <m:num>
-                        <m:r>
-                          <a:rPr lang="en-US" sz="2400" b="0" i="1" smtClean="0">
-                            <a:latin typeface="Cambria Math" panose="02040503050406030204" pitchFamily="18" charset="0"/>
-                          </a:rPr>
-                          <m:t>1</m:t>
-                        </m:r>
-                      </m:num>
-                      <m:den>
-                        <m:r>
-                          <a:rPr lang="en-US" sz="2400" b="0" i="1" smtClean="0">
-                            <a:latin typeface="Cambria Math" panose="02040503050406030204" pitchFamily="18" charset="0"/>
-                          </a:rPr>
-                          <m:t>𝑛</m:t>
-                        </m:r>
-                      </m:den>
-                    </m:f>
-                    <m:r>
-                      <a:rPr lang="en-US" sz="2400" b="0" i="1" smtClean="0">
-                        <a:latin typeface="Cambria Math" panose="02040503050406030204" pitchFamily="18" charset="0"/>
-                      </a:rPr>
-                      <m:t>𝑥</m:t>
-                    </m:r>
-                    <m:r>
-                      <a:rPr lang="en-US" sz="2400" b="0" i="1" smtClean="0">
-                        <a:latin typeface="Cambria Math" panose="02040503050406030204" pitchFamily="18" charset="0"/>
-                        <a:ea typeface="Cambria Math" panose="02040503050406030204" pitchFamily="18" charset="0"/>
-                      </a:rPr>
-                      <m:t>∙</m:t>
-                    </m:r>
-                    <m:sSup>
-                      <m:sSupPr>
-                        <m:ctrlPr>
-                          <a:rPr lang="en-US" sz="2400" b="0" i="1" smtClean="0">
-                            <a:latin typeface="Cambria Math" panose="02040503050406030204" pitchFamily="18" charset="0"/>
-                          </a:rPr>
-                        </m:ctrlPr>
-                      </m:sSupPr>
-                      <m:e>
-                        <m:r>
-                          <a:rPr lang="en-US" sz="2400" b="0" i="1" smtClean="0">
-                            <a:latin typeface="Cambria Math" panose="02040503050406030204" pitchFamily="18" charset="0"/>
-                          </a:rPr>
-                          <m:t>𝑥</m:t>
-                        </m:r>
-                        <m:r>
-                          <a:rPr lang="en-US" sz="2400" b="0" i="1" smtClean="0">
-                            <a:latin typeface="Cambria Math" panose="02040503050406030204" pitchFamily="18" charset="0"/>
-                          </a:rPr>
-                          <m:t>′</m:t>
-                        </m:r>
-                      </m:e>
-                      <m:sup>
-                        <m:r>
-                          <a:rPr lang="en-US" sz="2400" b="0" i="1" smtClean="0">
-                            <a:latin typeface="Cambria Math" panose="02040503050406030204" pitchFamily="18" charset="0"/>
-                          </a:rPr>
-                          <m:t>𝑇</m:t>
-                        </m:r>
-                      </m:sup>
-                    </m:sSup>
-                  </m:oMath>
-                </a14:m>
-                <a:r>
-                  <a:rPr lang="en-US" sz="2400" dirty="0">
-                    <a:latin typeface="+mn-lt"/>
-                  </a:rPr>
-                  <a:t> is the empirical covariance estimate </a:t>
-                </a:r>
-              </a:p>
-              <a:p>
-                <a:r>
-                  <a:rPr lang="en-US" dirty="0">
-                    <a:latin typeface="+mn-lt"/>
-                  </a:rPr>
-                  <a:t>How can we interpret the </a:t>
-                </a:r>
-                <a:r>
-                  <a:rPr lang="en-US" dirty="0" err="1">
-                    <a:latin typeface="+mn-lt"/>
-                  </a:rPr>
-                  <a:t>Mahalanobis</a:t>
-                </a:r>
-                <a:r>
-                  <a:rPr lang="en-US" dirty="0">
-                    <a:latin typeface="+mn-lt"/>
-                  </a:rPr>
-                  <a:t> distance?   </a:t>
-                </a:r>
-              </a:p>
-            </p:txBody>
-          </p:sp>
-        </mc:Choice>
-        <mc:Fallback>
-          <p:sp>
-            <p:nvSpPr>
-              <p:cNvPr id="3" name="Content Placeholder 2"/>
-              <p:cNvSpPr>
-                <a:spLocks noGrp="1" noRot="1" noChangeAspect="1" noMove="1" noResize="1" noEditPoints="1" noAdjustHandles="1" noChangeArrowheads="1" noChangeShapeType="1" noTextEdit="1"/>
-              </p:cNvSpPr>
-              <p:nvPr>
-                <p:ph sz="quarter" idx="10"/>
-              </p:nvPr>
-            </p:nvSpPr>
-            <p:spPr>
-              <a:xfrm>
-                <a:off x="333375" y="896079"/>
-                <a:ext cx="11525250" cy="5698998"/>
-              </a:xfrm>
-              <a:blipFill>
-                <a:blip r:embed="rId4"/>
-                <a:stretch>
-                  <a:fillRect l="-1111" t="-1818"/>
-                </a:stretch>
-              </a:blipFill>
-            </p:spPr>
-            <p:txBody>
-              <a:bodyPr/>
-              <a:lstStyle/>
-              <a:p>
-                <a:r>
-                  <a:rPr lang="en-US">
-                    <a:noFill/>
-                  </a:rPr>
-                  <a:t> </a:t>
-                </a:r>
-              </a:p>
-            </p:txBody>
-          </p:sp>
-        </mc:Fallback>
-      </mc:AlternateContent>
-    </p:spTree>
-    <p:extLst>
-      <p:ext uri="{BB962C8B-B14F-4D97-AF65-F5344CB8AC3E}">
-        <p14:creationId xmlns:p14="http://schemas.microsoft.com/office/powerpoint/2010/main" val="4220097327"/>
-      </p:ext>
-    </p:extLst>
-  </p:cSld>
-  <p:clrMapOvr>
-    <a:masterClrMapping/>
-  </p:clrMapOvr>
-  <p:timing>
-    <p:tnLst>
-      <p:par>
-        <p:cTn id="1" dur="indefinite" restart="never" nodeType="tmRoot">
-          <p:childTnLst>
-            <p:seq concurrent="1" nextAc="seek">
-              <p:cTn id="2" dur="indefinite" nodeType="mainSeq">
-                <p:childTnLst>
-                  <p:par>
-                    <p:cTn id="3" fill="hold">
-                      <p:stCondLst>
-                        <p:cond delay="indefinite"/>
-                      </p:stCondLst>
-                      <p:childTnLst>
-                        <p:par>
-                          <p:cTn id="4" fill="hold">
-                            <p:stCondLst>
-                              <p:cond delay="0"/>
-                            </p:stCondLst>
-                            <p:childTnLst>
-                              <p:par>
-                                <p:cTn id="5" presetID="1" presetClass="entr" presetSubtype="0" fill="hold" nodeType="clickEffect">
-                                  <p:stCondLst>
-                                    <p:cond delay="0"/>
-                                  </p:stCondLst>
-                                  <p:childTnLst>
-                                    <p:set>
-                                      <p:cBhvr>
-                                        <p:cTn id="6" dur="1" fill="hold">
-                                          <p:stCondLst>
-                                            <p:cond delay="0"/>
-                                          </p:stCondLst>
-                                        </p:cTn>
-                                        <p:tgtEl>
-                                          <p:spTgt spid="3">
-                                            <p:txEl>
-                                              <p:pRg st="1" end="1"/>
-                                            </p:txEl>
-                                          </p:spTgt>
-                                        </p:tgtEl>
-                                        <p:attrNameLst>
-                                          <p:attrName>style.visibility</p:attrName>
-                                        </p:attrNameLst>
-                                      </p:cBhvr>
-                                      <p:to>
-                                        <p:strVal val="visible"/>
-                                      </p:to>
-                                    </p:set>
-                                  </p:childTnLst>
-                                </p:cTn>
-                              </p:par>
-                            </p:childTnLst>
-                          </p:cTn>
-                        </p:par>
-                      </p:childTnLst>
-                    </p:cTn>
-                  </p:par>
-                  <p:par>
-                    <p:cTn id="7" fill="hold">
-                      <p:stCondLst>
-                        <p:cond delay="indefinite"/>
-                      </p:stCondLst>
-                      <p:childTnLst>
-                        <p:par>
-                          <p:cTn id="8" fill="hold">
-                            <p:stCondLst>
-                              <p:cond delay="0"/>
-                            </p:stCondLst>
-                            <p:childTnLst>
-                              <p:par>
-                                <p:cTn id="9" presetID="1" presetClass="entr" presetSubtype="0" fill="hold" nodeType="clickEffect">
-                                  <p:stCondLst>
-                                    <p:cond delay="0"/>
-                                  </p:stCondLst>
-                                  <p:childTnLst>
-                                    <p:set>
-                                      <p:cBhvr>
-                                        <p:cTn id="10" dur="1" fill="hold">
-                                          <p:stCondLst>
-                                            <p:cond delay="0"/>
-                                          </p:stCondLst>
-                                        </p:cTn>
-                                        <p:tgtEl>
-                                          <p:spTgt spid="3">
-                                            <p:txEl>
-                                              <p:pRg st="2" end="2"/>
-                                            </p:txEl>
-                                          </p:spTgt>
-                                        </p:tgtEl>
-                                        <p:attrNameLst>
-                                          <p:attrName>style.visibility</p:attrName>
-                                        </p:attrNameLst>
-                                      </p:cBhvr>
-                                      <p:to>
-                                        <p:strVal val="visible"/>
-                                      </p:to>
-                                    </p:set>
-                                  </p:childTnLst>
-                                </p:cTn>
-                              </p:par>
-                            </p:childTnLst>
-                          </p:cTn>
-                        </p:par>
-                      </p:childTnLst>
-                    </p:cTn>
-                  </p:par>
-                  <p:par>
-                    <p:cTn id="11" fill="hold">
-                      <p:stCondLst>
-                        <p:cond delay="indefinite"/>
-                      </p:stCondLst>
-                      <p:childTnLst>
-                        <p:par>
-                          <p:cTn id="12" fill="hold">
-                            <p:stCondLst>
-                              <p:cond delay="0"/>
-                            </p:stCondLst>
-                            <p:childTnLst>
-                              <p:par>
-                                <p:cTn id="13" presetID="1" presetClass="entr" presetSubtype="0" fill="hold" nodeType="clickEffect">
-                                  <p:stCondLst>
-                                    <p:cond delay="0"/>
-                                  </p:stCondLst>
-                                  <p:childTnLst>
-                                    <p:set>
-                                      <p:cBhvr>
-                                        <p:cTn id="14" dur="1" fill="hold">
-                                          <p:stCondLst>
-                                            <p:cond delay="0"/>
-                                          </p:stCondLst>
-                                        </p:cTn>
-                                        <p:tgtEl>
-                                          <p:spTgt spid="3">
-                                            <p:txEl>
-                                              <p:pRg st="3" end="3"/>
-                                            </p:txEl>
-                                          </p:spTgt>
-                                        </p:tgtEl>
-                                        <p:attrNameLst>
-                                          <p:attrName>style.visibility</p:attrName>
-                                        </p:attrNameLst>
-                                      </p:cBhvr>
-                                      <p:to>
-                                        <p:strVal val="visible"/>
-                                      </p:to>
-                                    </p:set>
-                                  </p:childTnLst>
-                                </p:cTn>
-                              </p:par>
-                              <p:par>
-                                <p:cTn id="15" presetID="1" presetClass="entr" presetSubtype="0" fill="hold" nodeType="withEffect">
-                                  <p:stCondLst>
-                                    <p:cond delay="0"/>
-                                  </p:stCondLst>
-                                  <p:childTnLst>
-                                    <p:set>
-                                      <p:cBhvr>
-                                        <p:cTn id="16" dur="1" fill="hold">
-                                          <p:stCondLst>
-                                            <p:cond delay="0"/>
-                                          </p:stCondLst>
-                                        </p:cTn>
-                                        <p:tgtEl>
-                                          <p:spTgt spid="3">
-                                            <p:txEl>
-                                              <p:pRg st="4" end="4"/>
-                                            </p:txEl>
-                                          </p:spTgt>
-                                        </p:tgtEl>
-                                        <p:attrNameLst>
-                                          <p:attrName>style.visibility</p:attrName>
-                                        </p:attrNameLst>
-                                      </p:cBhvr>
-                                      <p:to>
-                                        <p:strVal val="visible"/>
-                                      </p:to>
-                                    </p:set>
-                                  </p:childTnLst>
-                                </p:cTn>
-                              </p:par>
-                              <p:par>
-                                <p:cTn id="17" presetID="1" presetClass="entr" presetSubtype="0" fill="hold" nodeType="withEffect">
-                                  <p:stCondLst>
-                                    <p:cond delay="0"/>
-                                  </p:stCondLst>
-                                  <p:childTnLst>
-                                    <p:set>
-                                      <p:cBhvr>
-                                        <p:cTn id="18" dur="1" fill="hold">
-                                          <p:stCondLst>
-                                            <p:cond delay="0"/>
-                                          </p:stCondLst>
-                                        </p:cTn>
-                                        <p:tgtEl>
-                                          <p:spTgt spid="3">
-                                            <p:txEl>
-                                              <p:pRg st="5" end="5"/>
-                                            </p:txEl>
-                                          </p:spTgt>
-                                        </p:tgtEl>
-                                        <p:attrNameLst>
-                                          <p:attrName>style.visibility</p:attrName>
-                                        </p:attrNameLst>
-                                      </p:cBhvr>
-                                      <p:to>
-                                        <p:strVal val="visible"/>
-                                      </p:to>
-                                    </p:set>
-                                  </p:childTnLst>
-                                </p:cTn>
-                              </p:par>
-                            </p:childTnLst>
-                          </p:cTn>
-                        </p:par>
-                      </p:childTnLst>
-                    </p:cTn>
-                  </p:par>
-                  <p:par>
-                    <p:cTn id="19" fill="hold">
-                      <p:stCondLst>
-                        <p:cond delay="indefinite"/>
-                      </p:stCondLst>
-                      <p:childTnLst>
-                        <p:par>
-                          <p:cTn id="20" fill="hold">
-                            <p:stCondLst>
-                              <p:cond delay="0"/>
-                            </p:stCondLst>
-                            <p:childTnLst>
-                              <p:par>
-                                <p:cTn id="21" presetID="1" presetClass="entr" presetSubtype="0" fill="hold" nodeType="clickEffect">
-                                  <p:stCondLst>
-                                    <p:cond delay="0"/>
-                                  </p:stCondLst>
-                                  <p:childTnLst>
-                                    <p:set>
-                                      <p:cBhvr>
-                                        <p:cTn id="22" dur="1" fill="hold">
-                                          <p:stCondLst>
-                                            <p:cond delay="0"/>
-                                          </p:stCondLst>
-                                        </p:cTn>
-                                        <p:tgtEl>
-                                          <p:spTgt spid="3">
-                                            <p:txEl>
-                                              <p:pRg st="6" end="6"/>
-                                            </p:txEl>
-                                          </p:spTgt>
-                                        </p:tgtEl>
-                                        <p:attrNameLst>
-                                          <p:attrName>style.visibility</p:attrName>
-                                        </p:attrNameLst>
-                                      </p:cBhvr>
-                                      <p:to>
-                                        <p:strVal val="visible"/>
-                                      </p:to>
-                                    </p:set>
-                                  </p:childTnLst>
-                                </p:cTn>
-                              </p:par>
-                            </p:childTnLst>
-                          </p:cTn>
-                        </p:par>
-                      </p:childTnLst>
-                    </p:cTn>
-                  </p:par>
-                </p:childTnLst>
-              </p:cTn>
-              <p:prevCondLst>
-                <p:cond evt="onPrev" delay="0">
-                  <p:tgtEl>
-                    <p:sldTgt/>
-                  </p:tgtEl>
-                </p:cond>
-              </p:prevCondLst>
-              <p:nextCondLst>
-                <p:cond evt="onNext" delay="0">
-                  <p:tgtEl>
-                    <p:sldTgt/>
-                  </p:tgtEl>
-                </p:cond>
-              </p:nextCondLst>
-            </p:seq>
-          </p:childTnLst>
-        </p:cTn>
-      </p:par>
-    </p:tnLst>
-  </p:timing>
-</p:sld>
-</file>
-
-<file path=ppt/slides/slide12.xml><?xml version="1.0" encoding="utf-8"?>
-<p:sld xmlns:a="http://schemas.openxmlformats.org/drawingml/2006/main" xmlns:r="http://schemas.openxmlformats.org/officeDocument/2006/relationships" xmlns:p="http://schemas.openxmlformats.org/presentationml/2006/main">
-  <p:cSld>
-    <p:spTree>
-      <p:nvGrpSpPr>
-        <p:cNvPr id="1" name=""/>
-        <p:cNvGrpSpPr/>
-        <p:nvPr/>
-      </p:nvGrpSpPr>
-      <p:grpSpPr>
-        <a:xfrm>
-          <a:off x="0" y="0"/>
-          <a:ext cx="0" cy="0"/>
-          <a:chOff x="0" y="0"/>
-          <a:chExt cx="0" cy="0"/>
-        </a:xfrm>
-      </p:grpSpPr>
-      <p:sp>
-        <p:nvSpPr>
-          <p:cNvPr id="2" name="Title 1"/>
-          <p:cNvSpPr>
-            <a:spLocks noGrp="1"/>
-          </p:cNvSpPr>
-          <p:nvPr>
-            <p:ph type="title"/>
-          </p:nvPr>
-        </p:nvSpPr>
-        <p:spPr>
-          <a:xfrm>
-            <a:off x="584200" y="221992"/>
-            <a:ext cx="10515600" cy="530954"/>
-          </a:xfrm>
-        </p:spPr>
-        <p:txBody>
-          <a:bodyPr>
-            <a:normAutofit fontScale="90000"/>
-          </a:bodyPr>
-          <a:lstStyle/>
-          <a:p>
-            <a:r>
-              <a:rPr lang="en-US" dirty="0"/>
-              <a:t>Measuring distance or dissimilarity</a:t>
-            </a:r>
-          </a:p>
-        </p:txBody>
-      </p:sp>
-      <mc:AlternateContent xmlns:mc="http://schemas.openxmlformats.org/markup-compatibility/2006">
-        <mc:Choice xmlns:a14="http://schemas.microsoft.com/office/drawing/2010/main" Requires="a14">
-          <p:sp>
-            <p:nvSpPr>
-              <p:cNvPr id="3" name="Content Placeholder 2"/>
-              <p:cNvSpPr>
-                <a:spLocks noGrp="1"/>
-              </p:cNvSpPr>
-              <p:nvPr>
-                <p:ph sz="quarter" idx="10"/>
-              </p:nvPr>
-            </p:nvSpPr>
-            <p:spPr>
-              <a:xfrm>
-                <a:off x="333375" y="896079"/>
-                <a:ext cx="11525250" cy="5698998"/>
-              </a:xfrm>
-            </p:spPr>
-            <p:txBody>
-              <a:bodyPr>
-                <a:normAutofit/>
-              </a:bodyPr>
-              <a:lstStyle/>
-              <a:p>
-                <a:pPr marL="0" indent="0">
-                  <a:buNone/>
-                </a:pPr>
-                <a:r>
-                  <a:rPr lang="en-US" dirty="0">
-                    <a:latin typeface="+mn-lt"/>
-                  </a:rPr>
-                  <a:t>Different metrics for numeric dissimilarity can be computed for numeric variables in p dimensions</a:t>
-                </a:r>
-              </a:p>
-              <a:p>
-                <a:r>
-                  <a:rPr lang="en-US" b="1" dirty="0" err="1">
-                    <a:latin typeface="+mn-lt"/>
-                  </a:rPr>
-                  <a:t>Mahalanobis</a:t>
-                </a:r>
-                <a:r>
-                  <a:rPr lang="en-US" b="1" dirty="0">
-                    <a:latin typeface="+mn-lt"/>
-                  </a:rPr>
-                  <a:t> Distance </a:t>
-                </a:r>
-                <a:r>
-                  <a:rPr lang="en-US" dirty="0">
-                    <a:latin typeface="+mn-lt"/>
-                  </a:rPr>
-                  <a:t>between two points (vectors) </a:t>
-                </a:r>
-                <a:endParaRPr lang="en-US" dirty="0"/>
-              </a:p>
-              <a:p>
-                <a:pPr marL="0" indent="0">
-                  <a:buNone/>
-                </a:pPr>
-                <a:r>
-                  <a:rPr lang="en-US" dirty="0"/>
-                  <a:t>				</a:t>
-                </a:r>
-                <a14:m>
-                  <m:oMath xmlns:m="http://schemas.openxmlformats.org/officeDocument/2006/math">
-                    <m:r>
-                      <a:rPr lang="en-US">
-                        <a:latin typeface="Cambria Math" panose="02040503050406030204" pitchFamily="18" charset="0"/>
-                      </a:rPr>
-                      <m:t> </m:t>
-                    </m:r>
-                    <m:r>
-                      <a:rPr lang="en-US" i="1">
-                        <a:latin typeface="Cambria Math" panose="02040503050406030204" pitchFamily="18" charset="0"/>
-                      </a:rPr>
-                      <m:t>𝑑</m:t>
-                    </m:r>
-                    <m:r>
-                      <a:rPr lang="en-US" i="1">
-                        <a:latin typeface="Cambria Math" panose="02040503050406030204" pitchFamily="18" charset="0"/>
-                      </a:rPr>
-                      <m:t>(</m:t>
-                    </m:r>
-                    <m:r>
-                      <a:rPr lang="en-US" i="1">
-                        <a:latin typeface="Cambria Math" panose="02040503050406030204" pitchFamily="18" charset="0"/>
-                      </a:rPr>
-                      <m:t>𝑥</m:t>
-                    </m:r>
-                    <m:r>
-                      <a:rPr lang="en-US" i="1">
-                        <a:latin typeface="Cambria Math" panose="02040503050406030204" pitchFamily="18" charset="0"/>
-                      </a:rPr>
-                      <m:t>,</m:t>
-                    </m:r>
-                    <m:r>
-                      <a:rPr lang="en-US" b="0" i="1" smtClean="0">
-                        <a:latin typeface="Cambria Math" panose="02040503050406030204" pitchFamily="18" charset="0"/>
-                      </a:rPr>
-                      <m:t>𝑥</m:t>
-                    </m:r>
-                    <m:r>
-                      <a:rPr lang="en-US" b="0" i="1" smtClean="0">
-                        <a:latin typeface="Cambria Math" panose="02040503050406030204" pitchFamily="18" charset="0"/>
-                      </a:rPr>
-                      <m:t>′)= </m:t>
-                    </m:r>
-                    <m:rad>
-                      <m:radPr>
-                        <m:degHide m:val="on"/>
-                        <m:ctrlPr>
-                          <a:rPr lang="en-US" i="1">
-                            <a:latin typeface="Cambria Math" panose="02040503050406030204" pitchFamily="18" charset="0"/>
-                          </a:rPr>
-                        </m:ctrlPr>
-                      </m:radPr>
-                      <m:deg/>
-                      <m:e>
-                        <m:sSup>
-                          <m:sSupPr>
-                            <m:ctrlPr>
-                              <a:rPr lang="en-US" i="1">
-                                <a:latin typeface="Cambria Math" panose="02040503050406030204" pitchFamily="18" charset="0"/>
-                              </a:rPr>
-                            </m:ctrlPr>
-                          </m:sSupPr>
-                          <m:e>
-                            <m:d>
-                              <m:dPr>
-                                <m:ctrlPr>
-                                  <a:rPr lang="en-US" i="1" smtClean="0">
-                                    <a:latin typeface="Cambria Math" panose="02040503050406030204" pitchFamily="18" charset="0"/>
-                                  </a:rPr>
-                                </m:ctrlPr>
-                              </m:dPr>
-                              <m:e>
-                                <m:r>
-                                  <a:rPr lang="en-US" i="1">
-                                    <a:latin typeface="Cambria Math" panose="02040503050406030204" pitchFamily="18" charset="0"/>
-                                  </a:rPr>
-                                  <m:t>𝑥</m:t>
-                                </m:r>
-                                <m:r>
-                                  <a:rPr lang="en-US" i="1">
-                                    <a:latin typeface="Cambria Math" panose="02040503050406030204" pitchFamily="18" charset="0"/>
-                                  </a:rPr>
-                                  <m:t>−</m:t>
-                                </m:r>
-                                <m:r>
-                                  <a:rPr lang="en-US" b="0" i="1" smtClean="0">
-                                    <a:latin typeface="Cambria Math" panose="02040503050406030204" pitchFamily="18" charset="0"/>
-                                  </a:rPr>
-                                  <m:t>𝑥</m:t>
-                                </m:r>
-                                <m:r>
-                                  <a:rPr lang="en-US" b="0" i="1" smtClean="0">
-                                    <a:latin typeface="Cambria Math" panose="02040503050406030204" pitchFamily="18" charset="0"/>
-                                  </a:rPr>
-                                  <m:t>′</m:t>
-                                </m:r>
-                              </m:e>
-                            </m:d>
-                          </m:e>
-                          <m:sup>
-                            <m:r>
-                              <a:rPr lang="en-US" i="1">
-                                <a:latin typeface="Cambria Math" panose="02040503050406030204" pitchFamily="18" charset="0"/>
-                              </a:rPr>
-                              <m:t>𝑇</m:t>
-                            </m:r>
-                          </m:sup>
-                        </m:sSup>
-                        <m:sSup>
-                          <m:sSupPr>
-                            <m:ctrlPr>
-                              <a:rPr lang="en-US" i="1">
-                                <a:latin typeface="Cambria Math" panose="02040503050406030204" pitchFamily="18" charset="0"/>
-                              </a:rPr>
-                            </m:ctrlPr>
-                          </m:sSupPr>
-                          <m:e>
-                            <m:r>
-                              <a:rPr lang="en-US" i="1">
-                                <a:latin typeface="Cambria Math" panose="02040503050406030204" pitchFamily="18" charset="0"/>
-                              </a:rPr>
-                              <m:t>𝑆</m:t>
-                            </m:r>
-                          </m:e>
-                          <m:sup>
-                            <m:r>
-                              <a:rPr lang="en-US" i="1">
-                                <a:latin typeface="Cambria Math" panose="02040503050406030204" pitchFamily="18" charset="0"/>
-                              </a:rPr>
-                              <m:t>−1</m:t>
-                            </m:r>
-                          </m:sup>
-                        </m:sSup>
-                        <m:d>
-                          <m:dPr>
-                            <m:ctrlPr>
-                              <a:rPr lang="en-US" i="1">
-                                <a:latin typeface="Cambria Math" panose="02040503050406030204" pitchFamily="18" charset="0"/>
-                              </a:rPr>
-                            </m:ctrlPr>
-                          </m:dPr>
-                          <m:e>
-                            <m:r>
-                              <a:rPr lang="en-US" i="1">
-                                <a:latin typeface="Cambria Math" panose="02040503050406030204" pitchFamily="18" charset="0"/>
-                              </a:rPr>
-                              <m:t>𝑥</m:t>
-                            </m:r>
-                            <m:r>
-                              <a:rPr lang="en-US" i="1">
-                                <a:latin typeface="Cambria Math" panose="02040503050406030204" pitchFamily="18" charset="0"/>
-                              </a:rPr>
-                              <m:t>−</m:t>
-                            </m:r>
-                            <m:r>
-                              <a:rPr lang="en-US" b="0" i="1" smtClean="0">
-                                <a:latin typeface="Cambria Math" panose="02040503050406030204" pitchFamily="18" charset="0"/>
-                              </a:rPr>
-                              <m:t>𝑥</m:t>
-                            </m:r>
-                            <m:r>
-                              <a:rPr lang="en-US" b="0" i="1" smtClean="0">
-                                <a:latin typeface="Cambria Math" panose="02040503050406030204" pitchFamily="18" charset="0"/>
-                              </a:rPr>
-                              <m:t>′</m:t>
-                            </m:r>
-                          </m:e>
-                        </m:d>
-                      </m:e>
-                    </m:rad>
-                  </m:oMath>
-                </a14:m>
-                <a:endParaRPr lang="en-US" dirty="0"/>
-              </a:p>
-              <a:p>
-                <a:pPr marL="0" indent="0">
-                  <a:buNone/>
-                </a:pPr>
-                <a:r>
-                  <a:rPr lang="en-US" sz="2400" dirty="0">
-                    <a:latin typeface="+mn-lt"/>
-                  </a:rPr>
-                  <a:t>Where, </a:t>
-                </a:r>
-                <a14:m>
-                  <m:oMath xmlns:m="http://schemas.openxmlformats.org/officeDocument/2006/math">
-                    <m:sSup>
-                      <m:sSupPr>
-                        <m:ctrlPr>
-                          <a:rPr lang="en-US" sz="2400" i="1">
-                            <a:latin typeface="Cambria Math" panose="02040503050406030204" pitchFamily="18" charset="0"/>
-                          </a:rPr>
-                        </m:ctrlPr>
-                      </m:sSupPr>
-                      <m:e>
-                        <m:r>
-                          <a:rPr lang="en-US" sz="2400" i="1">
-                            <a:latin typeface="Cambria Math" panose="02040503050406030204" pitchFamily="18" charset="0"/>
-                          </a:rPr>
-                          <m:t>𝑆</m:t>
-                        </m:r>
-                      </m:e>
-                      <m:sup>
-                        <m:r>
-                          <a:rPr lang="en-US" sz="2400" b="0" i="1" smtClean="0">
-                            <a:latin typeface="Cambria Math" panose="02040503050406030204" pitchFamily="18" charset="0"/>
-                          </a:rPr>
-                          <m:t> </m:t>
-                        </m:r>
-                      </m:sup>
-                    </m:sSup>
-                    <m:r>
-                      <a:rPr lang="en-US" sz="2400" b="0" i="1" smtClean="0">
-                        <a:latin typeface="Cambria Math" panose="02040503050406030204" pitchFamily="18" charset="0"/>
-                      </a:rPr>
-                      <m:t>=</m:t>
-                    </m:r>
-                    <m:f>
-                      <m:fPr>
-                        <m:ctrlPr>
-                          <a:rPr lang="en-US" sz="2400" i="1">
-                            <a:latin typeface="Cambria Math" panose="02040503050406030204" pitchFamily="18" charset="0"/>
-                          </a:rPr>
-                        </m:ctrlPr>
-                      </m:fPr>
-                      <m:num>
-                        <m:r>
-                          <a:rPr lang="en-US" sz="2400" i="1">
-                            <a:latin typeface="Cambria Math" panose="02040503050406030204" pitchFamily="18" charset="0"/>
-                          </a:rPr>
-                          <m:t>1</m:t>
-                        </m:r>
-                      </m:num>
-                      <m:den>
-                        <m:r>
-                          <a:rPr lang="en-US" sz="2400" i="1">
-                            <a:latin typeface="Cambria Math" panose="02040503050406030204" pitchFamily="18" charset="0"/>
-                          </a:rPr>
-                          <m:t>𝑛</m:t>
-                        </m:r>
-                      </m:den>
-                    </m:f>
-                    <m:r>
-                      <a:rPr lang="en-US" sz="2400" b="0" i="1" smtClean="0">
-                        <a:latin typeface="Cambria Math" panose="02040503050406030204" pitchFamily="18" charset="0"/>
-                      </a:rPr>
-                      <m:t>𝑥</m:t>
-                    </m:r>
-                    <m:r>
-                      <a:rPr lang="en-US" sz="2400" b="0" i="1" smtClean="0">
-                        <a:latin typeface="Cambria Math" panose="02040503050406030204" pitchFamily="18" charset="0"/>
-                        <a:ea typeface="Cambria Math" panose="02040503050406030204" pitchFamily="18" charset="0"/>
-                      </a:rPr>
-                      <m:t>∙</m:t>
-                    </m:r>
-                    <m:sSup>
-                      <m:sSupPr>
-                        <m:ctrlPr>
-                          <a:rPr lang="en-US" sz="2400" b="0" i="1" smtClean="0">
-                            <a:latin typeface="Cambria Math" panose="02040503050406030204" pitchFamily="18" charset="0"/>
-                          </a:rPr>
-                        </m:ctrlPr>
-                      </m:sSupPr>
-                      <m:e>
-                        <m:r>
-                          <a:rPr lang="en-US" sz="2400" b="0" i="1" smtClean="0">
-                            <a:latin typeface="Cambria Math" panose="02040503050406030204" pitchFamily="18" charset="0"/>
-                          </a:rPr>
-                          <m:t>𝑥</m:t>
-                        </m:r>
-                        <m:r>
-                          <a:rPr lang="en-US" sz="2400" b="0" i="1" smtClean="0">
-                            <a:latin typeface="Cambria Math" panose="02040503050406030204" pitchFamily="18" charset="0"/>
-                          </a:rPr>
-                          <m:t>′</m:t>
-                        </m:r>
-                      </m:e>
-                      <m:sup>
-                        <m:r>
-                          <a:rPr lang="en-US" sz="2400" b="0" i="1" smtClean="0">
-                            <a:latin typeface="Cambria Math" panose="02040503050406030204" pitchFamily="18" charset="0"/>
-                          </a:rPr>
-                          <m:t>𝑇</m:t>
-                        </m:r>
-                      </m:sup>
-                    </m:sSup>
-                  </m:oMath>
-                </a14:m>
-                <a:r>
-                  <a:rPr lang="en-US" sz="2400" dirty="0">
-                    <a:latin typeface="+mn-lt"/>
-                  </a:rPr>
-                  <a:t> is the empirical covariance estimate </a:t>
-                </a:r>
-              </a:p>
-              <a:p>
-                <a:r>
-                  <a:rPr lang="en-US" dirty="0">
-                    <a:latin typeface="+mn-lt"/>
-                  </a:rPr>
-                  <a:t>The </a:t>
-                </a:r>
-                <a:r>
-                  <a:rPr lang="en-US" dirty="0" err="1">
-                    <a:latin typeface="+mn-lt"/>
-                  </a:rPr>
-                  <a:t>Mahalanobis</a:t>
-                </a:r>
-                <a:r>
-                  <a:rPr lang="en-US" dirty="0">
-                    <a:latin typeface="+mn-lt"/>
-                  </a:rPr>
-                  <a:t> distance is the distance between points in a distribution (point cloud) with covariance </a:t>
-                </a:r>
-                <a14:m>
-                  <m:oMath xmlns:m="http://schemas.openxmlformats.org/officeDocument/2006/math">
-                    <m:r>
-                      <a:rPr lang="en-US" i="1">
-                        <a:latin typeface="Cambria Math" panose="02040503050406030204" pitchFamily="18" charset="0"/>
-                      </a:rPr>
-                      <m:t>𝑆</m:t>
-                    </m:r>
-                  </m:oMath>
-                </a14:m>
-                <a:r>
-                  <a:rPr lang="en-US" dirty="0">
-                    <a:latin typeface="+mn-lt"/>
-                  </a:rPr>
-                  <a:t> </a:t>
-                </a:r>
-              </a:p>
-              <a:p>
-                <a:r>
-                  <a:rPr lang="en-US" dirty="0">
-                    <a:latin typeface="+mn-lt"/>
-                  </a:rPr>
-                  <a:t>Inverse covariance, </a:t>
-                </a:r>
-                <a14:m>
-                  <m:oMath xmlns:m="http://schemas.openxmlformats.org/officeDocument/2006/math">
-                    <m:sSup>
-                      <m:sSupPr>
-                        <m:ctrlPr>
-                          <a:rPr lang="en-US" i="1">
-                            <a:latin typeface="Cambria Math" panose="02040503050406030204" pitchFamily="18" charset="0"/>
-                          </a:rPr>
-                        </m:ctrlPr>
-                      </m:sSupPr>
-                      <m:e>
-                        <m:r>
-                          <a:rPr lang="en-US" i="1">
-                            <a:latin typeface="Cambria Math" panose="02040503050406030204" pitchFamily="18" charset="0"/>
-                          </a:rPr>
-                          <m:t>𝑆</m:t>
-                        </m:r>
-                      </m:e>
-                      <m:sup>
-                        <m:r>
-                          <a:rPr lang="en-US" i="1">
-                            <a:latin typeface="Cambria Math" panose="02040503050406030204" pitchFamily="18" charset="0"/>
-                          </a:rPr>
-                          <m:t>−1</m:t>
-                        </m:r>
-                      </m:sup>
-                    </m:sSup>
-                  </m:oMath>
-                </a14:m>
-                <a:r>
-                  <a:rPr lang="en-US" dirty="0">
-                    <a:latin typeface="+mn-lt"/>
-                  </a:rPr>
-                  <a:t>, transforms elliptical Normal distribution to spherical distribution  </a:t>
-                </a:r>
-              </a:p>
-              <a:p>
-                <a:r>
-                  <a:rPr lang="en-US" dirty="0" err="1">
-                    <a:latin typeface="+mn-lt"/>
-                  </a:rPr>
-                  <a:t>Mahalanobis</a:t>
-                </a:r>
-                <a:r>
-                  <a:rPr lang="en-US" dirty="0">
-                    <a:latin typeface="+mn-lt"/>
-                  </a:rPr>
-                  <a:t> distance is </a:t>
-                </a:r>
-                <a:r>
-                  <a:rPr lang="en-US" b="1" dirty="0">
-                    <a:latin typeface="+mn-lt"/>
-                  </a:rPr>
-                  <a:t>scale invariant </a:t>
-                </a:r>
-                <a:r>
-                  <a:rPr lang="en-US" dirty="0">
-                    <a:latin typeface="+mn-lt"/>
-                  </a:rPr>
-                  <a:t>and </a:t>
-                </a:r>
-                <a:r>
-                  <a:rPr lang="en-US" b="1" dirty="0">
-                    <a:latin typeface="+mn-lt"/>
-                  </a:rPr>
-                  <a:t>unitless</a:t>
-                </a:r>
-              </a:p>
-              <a:p>
-                <a:endParaRPr lang="en-US" dirty="0">
-                  <a:latin typeface="+mn-lt"/>
-                </a:endParaRPr>
-              </a:p>
-              <a:p>
-                <a:endParaRPr lang="en-US" dirty="0">
-                  <a:latin typeface="+mn-lt"/>
-                </a:endParaRPr>
-              </a:p>
-              <a:p>
-                <a:pPr marL="0" indent="0">
-                  <a:buNone/>
-                </a:pPr>
-                <a:endParaRPr lang="en-US" dirty="0">
-                  <a:latin typeface="+mn-lt"/>
-                </a:endParaRPr>
-              </a:p>
-            </p:txBody>
-          </p:sp>
-        </mc:Choice>
-        <mc:Fallback>
-          <p:sp>
-            <p:nvSpPr>
-              <p:cNvPr id="3" name="Content Placeholder 2"/>
-              <p:cNvSpPr>
-                <a:spLocks noGrp="1" noRot="1" noChangeAspect="1" noMove="1" noResize="1" noEditPoints="1" noAdjustHandles="1" noChangeArrowheads="1" noChangeShapeType="1" noTextEdit="1"/>
-              </p:cNvSpPr>
-              <p:nvPr>
-                <p:ph sz="quarter" idx="10"/>
-              </p:nvPr>
-            </p:nvSpPr>
-            <p:spPr>
-              <a:xfrm>
-                <a:off x="333375" y="896079"/>
-                <a:ext cx="11525250" cy="5698998"/>
-              </a:xfrm>
-              <a:blipFill>
-                <a:blip r:embed="rId3"/>
-                <a:stretch>
-                  <a:fillRect l="-1111" t="-1818" r="-1587"/>
-                </a:stretch>
-              </a:blipFill>
-            </p:spPr>
-            <p:txBody>
-              <a:bodyPr/>
-              <a:lstStyle/>
-              <a:p>
-                <a:r>
-                  <a:rPr lang="en-US">
-                    <a:noFill/>
-                  </a:rPr>
-                  <a:t> </a:t>
-                </a:r>
-              </a:p>
-            </p:txBody>
-          </p:sp>
-        </mc:Fallback>
-      </mc:AlternateContent>
-    </p:spTree>
-    <p:extLst>
-      <p:ext uri="{BB962C8B-B14F-4D97-AF65-F5344CB8AC3E}">
-        <p14:creationId xmlns:p14="http://schemas.microsoft.com/office/powerpoint/2010/main" val="3749821566"/>
-      </p:ext>
-    </p:extLst>
-  </p:cSld>
-  <p:clrMapOvr>
-    <a:masterClrMapping/>
-  </p:clrMapOvr>
-  <p:timing>
-    <p:tnLst>
-      <p:par>
-        <p:cTn id="1" dur="indefinite" restart="never" nodeType="tmRoot">
-          <p:childTnLst>
-            <p:seq concurrent="1" nextAc="seek">
-              <p:cTn id="2" dur="indefinite" nodeType="mainSeq">
-                <p:childTnLst>
-                  <p:par>
-                    <p:cTn id="3" fill="hold">
-                      <p:stCondLst>
-                        <p:cond delay="indefinite"/>
-                      </p:stCondLst>
-                      <p:childTnLst>
-                        <p:par>
-                          <p:cTn id="4" fill="hold">
-                            <p:stCondLst>
-                              <p:cond delay="0"/>
-                            </p:stCondLst>
-                            <p:childTnLst>
-                              <p:par>
-                                <p:cTn id="5" presetID="1" presetClass="entr" presetSubtype="0" fill="hold" nodeType="clickEffect">
-                                  <p:stCondLst>
-                                    <p:cond delay="0"/>
-                                  </p:stCondLst>
-                                  <p:childTnLst>
-                                    <p:set>
-                                      <p:cBhvr>
-                                        <p:cTn id="6" dur="1" fill="hold">
-                                          <p:stCondLst>
-                                            <p:cond delay="0"/>
-                                          </p:stCondLst>
-                                        </p:cTn>
-                                        <p:tgtEl>
-                                          <p:spTgt spid="3">
-                                            <p:txEl>
-                                              <p:pRg st="4" end="4"/>
-                                            </p:txEl>
-                                          </p:spTgt>
-                                        </p:tgtEl>
-                                        <p:attrNameLst>
-                                          <p:attrName>style.visibility</p:attrName>
-                                        </p:attrNameLst>
-                                      </p:cBhvr>
-                                      <p:to>
-                                        <p:strVal val="visible"/>
-                                      </p:to>
-                                    </p:set>
-                                  </p:childTnLst>
-                                </p:cTn>
-                              </p:par>
-                            </p:childTnLst>
-                          </p:cTn>
-                        </p:par>
-                      </p:childTnLst>
-                    </p:cTn>
-                  </p:par>
-                  <p:par>
-                    <p:cTn id="7" fill="hold">
-                      <p:stCondLst>
-                        <p:cond delay="indefinite"/>
-                      </p:stCondLst>
-                      <p:childTnLst>
-                        <p:par>
-                          <p:cTn id="8" fill="hold">
-                            <p:stCondLst>
-                              <p:cond delay="0"/>
-                            </p:stCondLst>
-                            <p:childTnLst>
-                              <p:par>
-                                <p:cTn id="9" presetID="1" presetClass="entr" presetSubtype="0" fill="hold" nodeType="clickEffect">
-                                  <p:stCondLst>
-                                    <p:cond delay="0"/>
-                                  </p:stCondLst>
-                                  <p:childTnLst>
-                                    <p:set>
-                                      <p:cBhvr>
-                                        <p:cTn id="10" dur="1" fill="hold">
-                                          <p:stCondLst>
-                                            <p:cond delay="0"/>
-                                          </p:stCondLst>
-                                        </p:cTn>
-                                        <p:tgtEl>
-                                          <p:spTgt spid="3">
-                                            <p:txEl>
-                                              <p:pRg st="5" end="5"/>
-                                            </p:txEl>
-                                          </p:spTgt>
-                                        </p:tgtEl>
-                                        <p:attrNameLst>
-                                          <p:attrName>style.visibility</p:attrName>
-                                        </p:attrNameLst>
-                                      </p:cBhvr>
-                                      <p:to>
-                                        <p:strVal val="visible"/>
-                                      </p:to>
-                                    </p:set>
-                                  </p:childTnLst>
-                                </p:cTn>
-                              </p:par>
-                            </p:childTnLst>
-                          </p:cTn>
-                        </p:par>
-                      </p:childTnLst>
-                    </p:cTn>
-                  </p:par>
-                  <p:par>
-                    <p:cTn id="11" fill="hold">
-                      <p:stCondLst>
-                        <p:cond delay="indefinite"/>
-                      </p:stCondLst>
-                      <p:childTnLst>
-                        <p:par>
-                          <p:cTn id="12" fill="hold">
-                            <p:stCondLst>
-                              <p:cond delay="0"/>
-                            </p:stCondLst>
-                            <p:childTnLst>
-                              <p:par>
-                                <p:cTn id="13" presetID="1" presetClass="entr" presetSubtype="0" fill="hold" nodeType="clickEffect">
-                                  <p:stCondLst>
-                                    <p:cond delay="0"/>
-                                  </p:stCondLst>
-                                  <p:childTnLst>
-                                    <p:set>
-                                      <p:cBhvr>
-                                        <p:cTn id="14" dur="1" fill="hold">
-                                          <p:stCondLst>
-                                            <p:cond delay="0"/>
-                                          </p:stCondLst>
-                                        </p:cTn>
-                                        <p:tgtEl>
-                                          <p:spTgt spid="3">
-                                            <p:txEl>
-                                              <p:pRg st="6" end="6"/>
-                                            </p:txEl>
-                                          </p:spTgt>
-                                        </p:tgtEl>
-                                        <p:attrNameLst>
-                                          <p:attrName>style.visibility</p:attrName>
-                                        </p:attrNameLst>
-                                      </p:cBhvr>
-                                      <p:to>
-                                        <p:strVal val="visible"/>
-                                      </p:to>
-                                    </p:set>
-                                  </p:childTnLst>
-                                </p:cTn>
-                              </p:par>
-                            </p:childTnLst>
-                          </p:cTn>
-                        </p:par>
-                      </p:childTnLst>
-                    </p:cTn>
-                  </p:par>
-                </p:childTnLst>
-              </p:cTn>
-              <p:prevCondLst>
-                <p:cond evt="onPrev" delay="0">
-                  <p:tgtEl>
-                    <p:sldTgt/>
-                  </p:tgtEl>
-                </p:cond>
-              </p:prevCondLst>
-              <p:nextCondLst>
-                <p:cond evt="onNext" delay="0">
-                  <p:tgtEl>
-                    <p:sldTgt/>
-                  </p:tgtEl>
-                </p:cond>
-              </p:nextCondLst>
-            </p:seq>
-          </p:childTnLst>
-        </p:cTn>
-      </p:par>
-    </p:tnLst>
-  </p:timing>
-</p:sld>
-</file>
-
-<file path=ppt/slides/slide13.xml><?xml version="1.0" encoding="utf-8"?>
 <p:sld xmlns:a="http://schemas.openxmlformats.org/drawingml/2006/main" xmlns:r="http://schemas.openxmlformats.org/officeDocument/2006/relationships" xmlns:p="http://schemas.openxmlformats.org/presentationml/2006/main">
   <p:cSld>
     <p:spTree>
@@ -11924,7 +10620,7 @@
 </p:sld>
 </file>
 
-<file path=ppt/slides/slide14.xml><?xml version="1.0" encoding="utf-8"?>
+<file path=ppt/slides/slide12.xml><?xml version="1.0" encoding="utf-8"?>
 <p:sld xmlns:a="http://schemas.openxmlformats.org/drawingml/2006/main" xmlns:r="http://schemas.openxmlformats.org/officeDocument/2006/relationships" xmlns:p="http://schemas.openxmlformats.org/presentationml/2006/main">
   <p:cSld>
     <p:spTree>
@@ -13464,7 +12160,2791 @@
 </p:sld>
 </file>
 
+<file path=ppt/slides/slide13.xml><?xml version="1.0" encoding="utf-8"?>
+<p:sld xmlns:a="http://schemas.openxmlformats.org/drawingml/2006/main" xmlns:r="http://schemas.openxmlformats.org/officeDocument/2006/relationships" xmlns:p="http://schemas.openxmlformats.org/presentationml/2006/main">
+  <p:cSld>
+    <p:spTree>
+      <p:nvGrpSpPr>
+        <p:cNvPr id="1" name=""/>
+        <p:cNvGrpSpPr/>
+        <p:nvPr/>
+      </p:nvGrpSpPr>
+      <p:grpSpPr>
+        <a:xfrm>
+          <a:off x="0" y="0"/>
+          <a:ext cx="0" cy="0"/>
+          <a:chOff x="0" y="0"/>
+          <a:chExt cx="0" cy="0"/>
+        </a:xfrm>
+      </p:grpSpPr>
+      <p:sp>
+        <p:nvSpPr>
+          <p:cNvPr id="2" name="Title 1"/>
+          <p:cNvSpPr>
+            <a:spLocks noGrp="1"/>
+          </p:cNvSpPr>
+          <p:nvPr>
+            <p:ph type="title"/>
+          </p:nvPr>
+        </p:nvSpPr>
+        <p:spPr>
+          <a:xfrm>
+            <a:off x="584200" y="221992"/>
+            <a:ext cx="10515600" cy="530954"/>
+          </a:xfrm>
+        </p:spPr>
+        <p:txBody>
+          <a:bodyPr>
+            <a:normAutofit fontScale="90000"/>
+          </a:bodyPr>
+          <a:lstStyle/>
+          <a:p>
+            <a:r>
+              <a:rPr lang="en-US" dirty="0"/>
+              <a:t>Measuring distance or dissimilarity</a:t>
+            </a:r>
+          </a:p>
+        </p:txBody>
+      </p:sp>
+      <mc:AlternateContent xmlns:mc="http://schemas.openxmlformats.org/markup-compatibility/2006">
+        <mc:Choice xmlns:a14="http://schemas.microsoft.com/office/drawing/2010/main" Requires="a14">
+          <p:sp>
+            <p:nvSpPr>
+              <p:cNvPr id="3" name="Content Placeholder 2"/>
+              <p:cNvSpPr>
+                <a:spLocks noGrp="1"/>
+              </p:cNvSpPr>
+              <p:nvPr>
+                <p:ph sz="quarter" idx="10"/>
+              </p:nvPr>
+            </p:nvSpPr>
+            <p:spPr>
+              <a:xfrm>
+                <a:off x="333375" y="896079"/>
+                <a:ext cx="11525250" cy="5698998"/>
+              </a:xfrm>
+            </p:spPr>
+            <p:txBody>
+              <a:bodyPr>
+                <a:normAutofit lnSpcReduction="10000"/>
+              </a:bodyPr>
+              <a:lstStyle/>
+              <a:p>
+                <a:pPr marL="0" indent="0">
+                  <a:buNone/>
+                </a:pPr>
+                <a:r>
+                  <a:rPr lang="en-US" dirty="0">
+                    <a:latin typeface="+mn-lt"/>
+                  </a:rPr>
+                  <a:t>Different metrics for numeric dissimilarity can be computed for numeric variables in p dimensions</a:t>
+                </a:r>
+              </a:p>
+              <a:p>
+                <a:r>
+                  <a:rPr lang="en-US" b="1" dirty="0" err="1">
+                    <a:latin typeface="+mn-lt"/>
+                    <a:hlinkClick r:id="rId3"/>
+                  </a:rPr>
+                  <a:t>Mahalanobis</a:t>
+                </a:r>
+                <a:r>
+                  <a:rPr lang="en-US" b="1" dirty="0">
+                    <a:latin typeface="+mn-lt"/>
+                    <a:hlinkClick r:id="rId3"/>
+                  </a:rPr>
+                  <a:t> Distance </a:t>
+                </a:r>
+                <a:r>
+                  <a:rPr lang="en-US" dirty="0">
+                    <a:latin typeface="+mn-lt"/>
+                  </a:rPr>
+                  <a:t>(standardized Euclidean distance) is useful in cases with dependency (correlation) between variables  </a:t>
+                </a:r>
+              </a:p>
+              <a:p>
+                <a:r>
+                  <a:rPr lang="en-US" dirty="0">
+                    <a:latin typeface="+mn-lt"/>
+                  </a:rPr>
+                  <a:t>Technically is a ‘pseudo-distance’ metric since works in transformed space  </a:t>
+                </a:r>
+              </a:p>
+              <a:p>
+                <a:r>
+                  <a:rPr lang="en-US" b="1" dirty="0" err="1">
+                    <a:latin typeface="+mn-lt"/>
+                  </a:rPr>
+                  <a:t>Mahalanobis</a:t>
+                </a:r>
+                <a:r>
+                  <a:rPr lang="en-US" b="1" dirty="0">
+                    <a:latin typeface="+mn-lt"/>
+                  </a:rPr>
+                  <a:t> Distance </a:t>
+                </a:r>
+                <a:r>
+                  <a:rPr lang="en-US" dirty="0">
+                    <a:latin typeface="+mn-lt"/>
+                  </a:rPr>
+                  <a:t>between two points (vectors) </a:t>
+                </a:r>
+                <a:endParaRPr lang="en-US" dirty="0"/>
+              </a:p>
+              <a:p>
+                <a:pPr marL="0" indent="0">
+                  <a:buNone/>
+                </a:pPr>
+                <a:r>
+                  <a:rPr lang="en-US" dirty="0"/>
+                  <a:t>				</a:t>
+                </a:r>
+                <a14:m>
+                  <m:oMath xmlns:m="http://schemas.openxmlformats.org/officeDocument/2006/math">
+                    <m:r>
+                      <a:rPr lang="en-US">
+                        <a:latin typeface="Cambria Math" panose="02040503050406030204" pitchFamily="18" charset="0"/>
+                      </a:rPr>
+                      <m:t> </m:t>
+                    </m:r>
+                    <m:r>
+                      <a:rPr lang="en-US" i="1">
+                        <a:latin typeface="Cambria Math" panose="02040503050406030204" pitchFamily="18" charset="0"/>
+                      </a:rPr>
+                      <m:t>𝑑</m:t>
+                    </m:r>
+                    <m:r>
+                      <a:rPr lang="en-US" i="1">
+                        <a:latin typeface="Cambria Math" panose="02040503050406030204" pitchFamily="18" charset="0"/>
+                      </a:rPr>
+                      <m:t>(</m:t>
+                    </m:r>
+                    <m:r>
+                      <a:rPr lang="en-US" i="1">
+                        <a:latin typeface="Cambria Math" panose="02040503050406030204" pitchFamily="18" charset="0"/>
+                      </a:rPr>
+                      <m:t>𝑥</m:t>
+                    </m:r>
+                    <m:r>
+                      <a:rPr lang="en-US" i="1">
+                        <a:latin typeface="Cambria Math" panose="02040503050406030204" pitchFamily="18" charset="0"/>
+                      </a:rPr>
+                      <m:t>,</m:t>
+                    </m:r>
+                    <m:r>
+                      <a:rPr lang="en-US" b="0" i="1" smtClean="0">
+                        <a:latin typeface="Cambria Math" panose="02040503050406030204" pitchFamily="18" charset="0"/>
+                      </a:rPr>
+                      <m:t>𝑥</m:t>
+                    </m:r>
+                    <m:r>
+                      <a:rPr lang="en-US" b="0" i="1" smtClean="0">
+                        <a:latin typeface="Cambria Math" panose="02040503050406030204" pitchFamily="18" charset="0"/>
+                      </a:rPr>
+                      <m:t>′)= </m:t>
+                    </m:r>
+                    <m:rad>
+                      <m:radPr>
+                        <m:degHide m:val="on"/>
+                        <m:ctrlPr>
+                          <a:rPr lang="en-US" i="1">
+                            <a:latin typeface="Cambria Math" panose="02040503050406030204" pitchFamily="18" charset="0"/>
+                          </a:rPr>
+                        </m:ctrlPr>
+                      </m:radPr>
+                      <m:deg/>
+                      <m:e>
+                        <m:sSup>
+                          <m:sSupPr>
+                            <m:ctrlPr>
+                              <a:rPr lang="en-US" i="1">
+                                <a:latin typeface="Cambria Math" panose="02040503050406030204" pitchFamily="18" charset="0"/>
+                              </a:rPr>
+                            </m:ctrlPr>
+                          </m:sSupPr>
+                          <m:e>
+                            <m:d>
+                              <m:dPr>
+                                <m:ctrlPr>
+                                  <a:rPr lang="en-US" i="1" smtClean="0">
+                                    <a:latin typeface="Cambria Math" panose="02040503050406030204" pitchFamily="18" charset="0"/>
+                                  </a:rPr>
+                                </m:ctrlPr>
+                              </m:dPr>
+                              <m:e>
+                                <m:r>
+                                  <a:rPr lang="en-US" i="1">
+                                    <a:latin typeface="Cambria Math" panose="02040503050406030204" pitchFamily="18" charset="0"/>
+                                  </a:rPr>
+                                  <m:t>𝑥</m:t>
+                                </m:r>
+                                <m:r>
+                                  <a:rPr lang="en-US" i="1">
+                                    <a:latin typeface="Cambria Math" panose="02040503050406030204" pitchFamily="18" charset="0"/>
+                                  </a:rPr>
+                                  <m:t>−</m:t>
+                                </m:r>
+                                <m:r>
+                                  <a:rPr lang="en-US" b="0" i="1" smtClean="0">
+                                    <a:latin typeface="Cambria Math" panose="02040503050406030204" pitchFamily="18" charset="0"/>
+                                  </a:rPr>
+                                  <m:t>𝑥</m:t>
+                                </m:r>
+                                <m:r>
+                                  <a:rPr lang="en-US" b="0" i="1" smtClean="0">
+                                    <a:latin typeface="Cambria Math" panose="02040503050406030204" pitchFamily="18" charset="0"/>
+                                  </a:rPr>
+                                  <m:t>′</m:t>
+                                </m:r>
+                              </m:e>
+                            </m:d>
+                          </m:e>
+                          <m:sup>
+                            <m:r>
+                              <a:rPr lang="en-US" i="1">
+                                <a:latin typeface="Cambria Math" panose="02040503050406030204" pitchFamily="18" charset="0"/>
+                              </a:rPr>
+                              <m:t>𝑇</m:t>
+                            </m:r>
+                          </m:sup>
+                        </m:sSup>
+                        <m:sSup>
+                          <m:sSupPr>
+                            <m:ctrlPr>
+                              <a:rPr lang="en-US" i="1">
+                                <a:latin typeface="Cambria Math" panose="02040503050406030204" pitchFamily="18" charset="0"/>
+                              </a:rPr>
+                            </m:ctrlPr>
+                          </m:sSupPr>
+                          <m:e>
+                            <m:r>
+                              <a:rPr lang="en-US" i="1">
+                                <a:latin typeface="Cambria Math" panose="02040503050406030204" pitchFamily="18" charset="0"/>
+                              </a:rPr>
+                              <m:t>𝑆</m:t>
+                            </m:r>
+                          </m:e>
+                          <m:sup>
+                            <m:r>
+                              <a:rPr lang="en-US" i="1">
+                                <a:latin typeface="Cambria Math" panose="02040503050406030204" pitchFamily="18" charset="0"/>
+                              </a:rPr>
+                              <m:t>−1</m:t>
+                            </m:r>
+                          </m:sup>
+                        </m:sSup>
+                        <m:d>
+                          <m:dPr>
+                            <m:ctrlPr>
+                              <a:rPr lang="en-US" i="1">
+                                <a:latin typeface="Cambria Math" panose="02040503050406030204" pitchFamily="18" charset="0"/>
+                              </a:rPr>
+                            </m:ctrlPr>
+                          </m:dPr>
+                          <m:e>
+                            <m:r>
+                              <a:rPr lang="en-US" i="1">
+                                <a:latin typeface="Cambria Math" panose="02040503050406030204" pitchFamily="18" charset="0"/>
+                              </a:rPr>
+                              <m:t>𝑥</m:t>
+                            </m:r>
+                            <m:r>
+                              <a:rPr lang="en-US" i="1">
+                                <a:latin typeface="Cambria Math" panose="02040503050406030204" pitchFamily="18" charset="0"/>
+                              </a:rPr>
+                              <m:t>−</m:t>
+                            </m:r>
+                            <m:r>
+                              <a:rPr lang="en-US" b="0" i="1" smtClean="0">
+                                <a:latin typeface="Cambria Math" panose="02040503050406030204" pitchFamily="18" charset="0"/>
+                              </a:rPr>
+                              <m:t>𝑥</m:t>
+                            </m:r>
+                            <m:r>
+                              <a:rPr lang="en-US" b="0" i="1" smtClean="0">
+                                <a:latin typeface="Cambria Math" panose="02040503050406030204" pitchFamily="18" charset="0"/>
+                              </a:rPr>
+                              <m:t>′</m:t>
+                            </m:r>
+                          </m:e>
+                        </m:d>
+                      </m:e>
+                    </m:rad>
+                  </m:oMath>
+                </a14:m>
+                <a:endParaRPr lang="en-US" dirty="0"/>
+              </a:p>
+              <a:p>
+                <a:pPr marL="0" indent="0">
+                  <a:buNone/>
+                </a:pPr>
+                <a:r>
+                  <a:rPr lang="en-US" sz="2400" dirty="0">
+                    <a:latin typeface="+mn-lt"/>
+                  </a:rPr>
+                  <a:t>Where, </a:t>
+                </a:r>
+                <a14:m>
+                  <m:oMath xmlns:m="http://schemas.openxmlformats.org/officeDocument/2006/math">
+                    <m:sSup>
+                      <m:sSupPr>
+                        <m:ctrlPr>
+                          <a:rPr lang="en-US" sz="2400" i="1">
+                            <a:latin typeface="Cambria Math" panose="02040503050406030204" pitchFamily="18" charset="0"/>
+                          </a:rPr>
+                        </m:ctrlPr>
+                      </m:sSupPr>
+                      <m:e>
+                        <m:r>
+                          <a:rPr lang="en-US" sz="2400" i="1">
+                            <a:latin typeface="Cambria Math" panose="02040503050406030204" pitchFamily="18" charset="0"/>
+                          </a:rPr>
+                          <m:t>𝑆</m:t>
+                        </m:r>
+                      </m:e>
+                      <m:sup>
+                        <m:r>
+                          <a:rPr lang="en-US" sz="2400" b="0" i="1" smtClean="0">
+                            <a:latin typeface="Cambria Math" panose="02040503050406030204" pitchFamily="18" charset="0"/>
+                          </a:rPr>
+                          <m:t> </m:t>
+                        </m:r>
+                      </m:sup>
+                    </m:sSup>
+                    <m:r>
+                      <a:rPr lang="en-US" sz="2400" b="0" i="1" smtClean="0">
+                        <a:latin typeface="Cambria Math" panose="02040503050406030204" pitchFamily="18" charset="0"/>
+                      </a:rPr>
+                      <m:t>=</m:t>
+                    </m:r>
+                    <m:f>
+                      <m:fPr>
+                        <m:ctrlPr>
+                          <a:rPr lang="en-US" sz="2400" b="0" i="1" smtClean="0">
+                            <a:latin typeface="Cambria Math" panose="02040503050406030204" pitchFamily="18" charset="0"/>
+                          </a:rPr>
+                        </m:ctrlPr>
+                      </m:fPr>
+                      <m:num>
+                        <m:r>
+                          <a:rPr lang="en-US" sz="2400" b="0" i="1" smtClean="0">
+                            <a:latin typeface="Cambria Math" panose="02040503050406030204" pitchFamily="18" charset="0"/>
+                          </a:rPr>
+                          <m:t>1</m:t>
+                        </m:r>
+                      </m:num>
+                      <m:den>
+                        <m:r>
+                          <a:rPr lang="en-US" sz="2400" b="0" i="1" smtClean="0">
+                            <a:latin typeface="Cambria Math" panose="02040503050406030204" pitchFamily="18" charset="0"/>
+                          </a:rPr>
+                          <m:t>𝑛</m:t>
+                        </m:r>
+                      </m:den>
+                    </m:f>
+                    <m:r>
+                      <a:rPr lang="en-US" sz="2400" b="0" i="1" smtClean="0">
+                        <a:latin typeface="Cambria Math" panose="02040503050406030204" pitchFamily="18" charset="0"/>
+                      </a:rPr>
+                      <m:t>𝑥</m:t>
+                    </m:r>
+                    <m:r>
+                      <a:rPr lang="en-US" sz="2400" b="0" i="1" smtClean="0">
+                        <a:latin typeface="Cambria Math" panose="02040503050406030204" pitchFamily="18" charset="0"/>
+                        <a:ea typeface="Cambria Math" panose="02040503050406030204" pitchFamily="18" charset="0"/>
+                      </a:rPr>
+                      <m:t>∙</m:t>
+                    </m:r>
+                    <m:sSup>
+                      <m:sSupPr>
+                        <m:ctrlPr>
+                          <a:rPr lang="en-US" sz="2400" b="0" i="1" smtClean="0">
+                            <a:latin typeface="Cambria Math" panose="02040503050406030204" pitchFamily="18" charset="0"/>
+                          </a:rPr>
+                        </m:ctrlPr>
+                      </m:sSupPr>
+                      <m:e>
+                        <m:r>
+                          <a:rPr lang="en-US" sz="2400" b="0" i="1" smtClean="0">
+                            <a:latin typeface="Cambria Math" panose="02040503050406030204" pitchFamily="18" charset="0"/>
+                          </a:rPr>
+                          <m:t>𝑥</m:t>
+                        </m:r>
+                        <m:r>
+                          <a:rPr lang="en-US" sz="2400" b="0" i="1" smtClean="0">
+                            <a:latin typeface="Cambria Math" panose="02040503050406030204" pitchFamily="18" charset="0"/>
+                          </a:rPr>
+                          <m:t>′</m:t>
+                        </m:r>
+                      </m:e>
+                      <m:sup>
+                        <m:r>
+                          <a:rPr lang="en-US" sz="2400" b="0" i="1" smtClean="0">
+                            <a:latin typeface="Cambria Math" panose="02040503050406030204" pitchFamily="18" charset="0"/>
+                          </a:rPr>
+                          <m:t>𝑇</m:t>
+                        </m:r>
+                      </m:sup>
+                    </m:sSup>
+                  </m:oMath>
+                </a14:m>
+                <a:r>
+                  <a:rPr lang="en-US" sz="2400" dirty="0">
+                    <a:latin typeface="+mn-lt"/>
+                  </a:rPr>
+                  <a:t> is the empirical covariance estimate </a:t>
+                </a:r>
+              </a:p>
+              <a:p>
+                <a:r>
+                  <a:rPr lang="en-US" dirty="0">
+                    <a:latin typeface="+mn-lt"/>
+                  </a:rPr>
+                  <a:t>How can we interpret the </a:t>
+                </a:r>
+                <a:r>
+                  <a:rPr lang="en-US" dirty="0" err="1">
+                    <a:latin typeface="+mn-lt"/>
+                  </a:rPr>
+                  <a:t>Mahalanobis</a:t>
+                </a:r>
+                <a:r>
+                  <a:rPr lang="en-US" dirty="0">
+                    <a:latin typeface="+mn-lt"/>
+                  </a:rPr>
+                  <a:t> distance?   </a:t>
+                </a:r>
+              </a:p>
+              <a:p>
+                <a:pPr marL="0" indent="0">
+                  <a:buNone/>
+                </a:pPr>
+                <a:endParaRPr lang="en-US" sz="2400">
+                  <a:latin typeface="+mn-lt"/>
+                </a:endParaRPr>
+              </a:p>
+              <a:p>
+                <a:pPr marL="0" indent="0">
+                  <a:buNone/>
+                </a:pPr>
+                <a:r>
+                  <a:rPr lang="en-US" sz="2400">
+                    <a:latin typeface="+mn-lt"/>
+                  </a:rPr>
+                  <a:t>You </a:t>
+                </a:r>
+                <a:r>
+                  <a:rPr lang="en-US" sz="2400" dirty="0">
+                    <a:latin typeface="+mn-lt"/>
+                  </a:rPr>
+                  <a:t>can find an alternative explanation in </a:t>
+                </a:r>
+                <a:r>
+                  <a:rPr lang="en-US" sz="2400" dirty="0">
+                    <a:latin typeface="+mn-lt"/>
+                    <a:hlinkClick r:id="rId4"/>
+                  </a:rPr>
+                  <a:t>Statistics How To</a:t>
+                </a:r>
+                <a:endParaRPr lang="en-US" sz="2400" dirty="0">
+                  <a:latin typeface="+mn-lt"/>
+                </a:endParaRPr>
+              </a:p>
+            </p:txBody>
+          </p:sp>
+        </mc:Choice>
+        <mc:Fallback>
+          <p:sp>
+            <p:nvSpPr>
+              <p:cNvPr id="3" name="Content Placeholder 2"/>
+              <p:cNvSpPr>
+                <a:spLocks noGrp="1" noRot="1" noChangeAspect="1" noMove="1" noResize="1" noEditPoints="1" noAdjustHandles="1" noChangeArrowheads="1" noChangeShapeType="1" noTextEdit="1"/>
+              </p:cNvSpPr>
+              <p:nvPr>
+                <p:ph sz="quarter" idx="10"/>
+              </p:nvPr>
+            </p:nvSpPr>
+            <p:spPr>
+              <a:xfrm>
+                <a:off x="333375" y="896079"/>
+                <a:ext cx="11525250" cy="5698998"/>
+              </a:xfrm>
+              <a:blipFill>
+                <a:blip r:embed="rId5"/>
+                <a:stretch>
+                  <a:fillRect l="-1111" t="-2460"/>
+                </a:stretch>
+              </a:blipFill>
+            </p:spPr>
+            <p:txBody>
+              <a:bodyPr/>
+              <a:lstStyle/>
+              <a:p>
+                <a:r>
+                  <a:rPr lang="en-US">
+                    <a:noFill/>
+                  </a:rPr>
+                  <a:t> </a:t>
+                </a:r>
+              </a:p>
+            </p:txBody>
+          </p:sp>
+        </mc:Fallback>
+      </mc:AlternateContent>
+    </p:spTree>
+    <p:extLst>
+      <p:ext uri="{BB962C8B-B14F-4D97-AF65-F5344CB8AC3E}">
+        <p14:creationId xmlns:p14="http://schemas.microsoft.com/office/powerpoint/2010/main" val="4220097327"/>
+      </p:ext>
+    </p:extLst>
+  </p:cSld>
+  <p:clrMapOvr>
+    <a:masterClrMapping/>
+  </p:clrMapOvr>
+  <p:timing>
+    <p:tnLst>
+      <p:par>
+        <p:cTn id="1" dur="indefinite" restart="never" nodeType="tmRoot">
+          <p:childTnLst>
+            <p:seq concurrent="1" nextAc="seek">
+              <p:cTn id="2" dur="indefinite" nodeType="mainSeq">
+                <p:childTnLst>
+                  <p:par>
+                    <p:cTn id="3" fill="hold">
+                      <p:stCondLst>
+                        <p:cond delay="indefinite"/>
+                      </p:stCondLst>
+                      <p:childTnLst>
+                        <p:par>
+                          <p:cTn id="4" fill="hold">
+                            <p:stCondLst>
+                              <p:cond delay="0"/>
+                            </p:stCondLst>
+                            <p:childTnLst>
+                              <p:par>
+                                <p:cTn id="5" presetID="1" presetClass="entr" presetSubtype="0" fill="hold" nodeType="clickEffect">
+                                  <p:stCondLst>
+                                    <p:cond delay="0"/>
+                                  </p:stCondLst>
+                                  <p:childTnLst>
+                                    <p:set>
+                                      <p:cBhvr>
+                                        <p:cTn id="6" dur="1" fill="hold">
+                                          <p:stCondLst>
+                                            <p:cond delay="0"/>
+                                          </p:stCondLst>
+                                        </p:cTn>
+                                        <p:tgtEl>
+                                          <p:spTgt spid="3">
+                                            <p:txEl>
+                                              <p:pRg st="1" end="1"/>
+                                            </p:txEl>
+                                          </p:spTgt>
+                                        </p:tgtEl>
+                                        <p:attrNameLst>
+                                          <p:attrName>style.visibility</p:attrName>
+                                        </p:attrNameLst>
+                                      </p:cBhvr>
+                                      <p:to>
+                                        <p:strVal val="visible"/>
+                                      </p:to>
+                                    </p:set>
+                                  </p:childTnLst>
+                                </p:cTn>
+                              </p:par>
+                            </p:childTnLst>
+                          </p:cTn>
+                        </p:par>
+                      </p:childTnLst>
+                    </p:cTn>
+                  </p:par>
+                  <p:par>
+                    <p:cTn id="7" fill="hold">
+                      <p:stCondLst>
+                        <p:cond delay="indefinite"/>
+                      </p:stCondLst>
+                      <p:childTnLst>
+                        <p:par>
+                          <p:cTn id="8" fill="hold">
+                            <p:stCondLst>
+                              <p:cond delay="0"/>
+                            </p:stCondLst>
+                            <p:childTnLst>
+                              <p:par>
+                                <p:cTn id="9" presetID="1" presetClass="entr" presetSubtype="0" fill="hold" nodeType="clickEffect">
+                                  <p:stCondLst>
+                                    <p:cond delay="0"/>
+                                  </p:stCondLst>
+                                  <p:childTnLst>
+                                    <p:set>
+                                      <p:cBhvr>
+                                        <p:cTn id="10" dur="1" fill="hold">
+                                          <p:stCondLst>
+                                            <p:cond delay="0"/>
+                                          </p:stCondLst>
+                                        </p:cTn>
+                                        <p:tgtEl>
+                                          <p:spTgt spid="3">
+                                            <p:txEl>
+                                              <p:pRg st="2" end="2"/>
+                                            </p:txEl>
+                                          </p:spTgt>
+                                        </p:tgtEl>
+                                        <p:attrNameLst>
+                                          <p:attrName>style.visibility</p:attrName>
+                                        </p:attrNameLst>
+                                      </p:cBhvr>
+                                      <p:to>
+                                        <p:strVal val="visible"/>
+                                      </p:to>
+                                    </p:set>
+                                  </p:childTnLst>
+                                </p:cTn>
+                              </p:par>
+                            </p:childTnLst>
+                          </p:cTn>
+                        </p:par>
+                      </p:childTnLst>
+                    </p:cTn>
+                  </p:par>
+                  <p:par>
+                    <p:cTn id="11" fill="hold">
+                      <p:stCondLst>
+                        <p:cond delay="indefinite"/>
+                      </p:stCondLst>
+                      <p:childTnLst>
+                        <p:par>
+                          <p:cTn id="12" fill="hold">
+                            <p:stCondLst>
+                              <p:cond delay="0"/>
+                            </p:stCondLst>
+                            <p:childTnLst>
+                              <p:par>
+                                <p:cTn id="13" presetID="1" presetClass="entr" presetSubtype="0" fill="hold" nodeType="clickEffect">
+                                  <p:stCondLst>
+                                    <p:cond delay="0"/>
+                                  </p:stCondLst>
+                                  <p:childTnLst>
+                                    <p:set>
+                                      <p:cBhvr>
+                                        <p:cTn id="14" dur="1" fill="hold">
+                                          <p:stCondLst>
+                                            <p:cond delay="0"/>
+                                          </p:stCondLst>
+                                        </p:cTn>
+                                        <p:tgtEl>
+                                          <p:spTgt spid="3">
+                                            <p:txEl>
+                                              <p:pRg st="3" end="3"/>
+                                            </p:txEl>
+                                          </p:spTgt>
+                                        </p:tgtEl>
+                                        <p:attrNameLst>
+                                          <p:attrName>style.visibility</p:attrName>
+                                        </p:attrNameLst>
+                                      </p:cBhvr>
+                                      <p:to>
+                                        <p:strVal val="visible"/>
+                                      </p:to>
+                                    </p:set>
+                                  </p:childTnLst>
+                                </p:cTn>
+                              </p:par>
+                              <p:par>
+                                <p:cTn id="15" presetID="1" presetClass="entr" presetSubtype="0" fill="hold" nodeType="withEffect">
+                                  <p:stCondLst>
+                                    <p:cond delay="0"/>
+                                  </p:stCondLst>
+                                  <p:childTnLst>
+                                    <p:set>
+                                      <p:cBhvr>
+                                        <p:cTn id="16" dur="1" fill="hold">
+                                          <p:stCondLst>
+                                            <p:cond delay="0"/>
+                                          </p:stCondLst>
+                                        </p:cTn>
+                                        <p:tgtEl>
+                                          <p:spTgt spid="3">
+                                            <p:txEl>
+                                              <p:pRg st="4" end="4"/>
+                                            </p:txEl>
+                                          </p:spTgt>
+                                        </p:tgtEl>
+                                        <p:attrNameLst>
+                                          <p:attrName>style.visibility</p:attrName>
+                                        </p:attrNameLst>
+                                      </p:cBhvr>
+                                      <p:to>
+                                        <p:strVal val="visible"/>
+                                      </p:to>
+                                    </p:set>
+                                  </p:childTnLst>
+                                </p:cTn>
+                              </p:par>
+                              <p:par>
+                                <p:cTn id="17" presetID="1" presetClass="entr" presetSubtype="0" fill="hold" nodeType="withEffect">
+                                  <p:stCondLst>
+                                    <p:cond delay="0"/>
+                                  </p:stCondLst>
+                                  <p:childTnLst>
+                                    <p:set>
+                                      <p:cBhvr>
+                                        <p:cTn id="18" dur="1" fill="hold">
+                                          <p:stCondLst>
+                                            <p:cond delay="0"/>
+                                          </p:stCondLst>
+                                        </p:cTn>
+                                        <p:tgtEl>
+                                          <p:spTgt spid="3">
+                                            <p:txEl>
+                                              <p:pRg st="5" end="5"/>
+                                            </p:txEl>
+                                          </p:spTgt>
+                                        </p:tgtEl>
+                                        <p:attrNameLst>
+                                          <p:attrName>style.visibility</p:attrName>
+                                        </p:attrNameLst>
+                                      </p:cBhvr>
+                                      <p:to>
+                                        <p:strVal val="visible"/>
+                                      </p:to>
+                                    </p:set>
+                                  </p:childTnLst>
+                                </p:cTn>
+                              </p:par>
+                            </p:childTnLst>
+                          </p:cTn>
+                        </p:par>
+                      </p:childTnLst>
+                    </p:cTn>
+                  </p:par>
+                  <p:par>
+                    <p:cTn id="19" fill="hold">
+                      <p:stCondLst>
+                        <p:cond delay="indefinite"/>
+                      </p:stCondLst>
+                      <p:childTnLst>
+                        <p:par>
+                          <p:cTn id="20" fill="hold">
+                            <p:stCondLst>
+                              <p:cond delay="0"/>
+                            </p:stCondLst>
+                            <p:childTnLst>
+                              <p:par>
+                                <p:cTn id="21" presetID="1" presetClass="entr" presetSubtype="0" fill="hold" nodeType="clickEffect">
+                                  <p:stCondLst>
+                                    <p:cond delay="0"/>
+                                  </p:stCondLst>
+                                  <p:childTnLst>
+                                    <p:set>
+                                      <p:cBhvr>
+                                        <p:cTn id="22" dur="1" fill="hold">
+                                          <p:stCondLst>
+                                            <p:cond delay="0"/>
+                                          </p:stCondLst>
+                                        </p:cTn>
+                                        <p:tgtEl>
+                                          <p:spTgt spid="3">
+                                            <p:txEl>
+                                              <p:pRg st="6" end="6"/>
+                                            </p:txEl>
+                                          </p:spTgt>
+                                        </p:tgtEl>
+                                        <p:attrNameLst>
+                                          <p:attrName>style.visibility</p:attrName>
+                                        </p:attrNameLst>
+                                      </p:cBhvr>
+                                      <p:to>
+                                        <p:strVal val="visible"/>
+                                      </p:to>
+                                    </p:set>
+                                  </p:childTnLst>
+                                </p:cTn>
+                              </p:par>
+                            </p:childTnLst>
+                          </p:cTn>
+                        </p:par>
+                      </p:childTnLst>
+                    </p:cTn>
+                  </p:par>
+                  <p:par>
+                    <p:cTn id="23" fill="hold">
+                      <p:stCondLst>
+                        <p:cond delay="indefinite"/>
+                      </p:stCondLst>
+                      <p:childTnLst>
+                        <p:par>
+                          <p:cTn id="24" fill="hold">
+                            <p:stCondLst>
+                              <p:cond delay="0"/>
+                            </p:stCondLst>
+                            <p:childTnLst>
+                              <p:par>
+                                <p:cTn id="25" presetID="1" presetClass="entr" presetSubtype="0" fill="hold" nodeType="clickEffect">
+                                  <p:stCondLst>
+                                    <p:cond delay="0"/>
+                                  </p:stCondLst>
+                                  <p:childTnLst>
+                                    <p:set>
+                                      <p:cBhvr>
+                                        <p:cTn id="26" dur="1" fill="hold">
+                                          <p:stCondLst>
+                                            <p:cond delay="0"/>
+                                          </p:stCondLst>
+                                        </p:cTn>
+                                        <p:tgtEl>
+                                          <p:spTgt spid="3">
+                                            <p:txEl>
+                                              <p:pRg st="8" end="8"/>
+                                            </p:txEl>
+                                          </p:spTgt>
+                                        </p:tgtEl>
+                                        <p:attrNameLst>
+                                          <p:attrName>style.visibility</p:attrName>
+                                        </p:attrNameLst>
+                                      </p:cBhvr>
+                                      <p:to>
+                                        <p:strVal val="visible"/>
+                                      </p:to>
+                                    </p:set>
+                                  </p:childTnLst>
+                                </p:cTn>
+                              </p:par>
+                            </p:childTnLst>
+                          </p:cTn>
+                        </p:par>
+                      </p:childTnLst>
+                    </p:cTn>
+                  </p:par>
+                </p:childTnLst>
+              </p:cTn>
+              <p:prevCondLst>
+                <p:cond evt="onPrev" delay="0">
+                  <p:tgtEl>
+                    <p:sldTgt/>
+                  </p:tgtEl>
+                </p:cond>
+              </p:prevCondLst>
+              <p:nextCondLst>
+                <p:cond evt="onNext" delay="0">
+                  <p:tgtEl>
+                    <p:sldTgt/>
+                  </p:tgtEl>
+                </p:cond>
+              </p:nextCondLst>
+            </p:seq>
+          </p:childTnLst>
+        </p:cTn>
+      </p:par>
+    </p:tnLst>
+  </p:timing>
+</p:sld>
+</file>
+
+<file path=ppt/slides/slide14.xml><?xml version="1.0" encoding="utf-8"?>
+<p:sld xmlns:a="http://schemas.openxmlformats.org/drawingml/2006/main" xmlns:r="http://schemas.openxmlformats.org/officeDocument/2006/relationships" xmlns:p="http://schemas.openxmlformats.org/presentationml/2006/main">
+  <p:cSld>
+    <p:spTree>
+      <p:nvGrpSpPr>
+        <p:cNvPr id="1" name=""/>
+        <p:cNvGrpSpPr/>
+        <p:nvPr/>
+      </p:nvGrpSpPr>
+      <p:grpSpPr>
+        <a:xfrm>
+          <a:off x="0" y="0"/>
+          <a:ext cx="0" cy="0"/>
+          <a:chOff x="0" y="0"/>
+          <a:chExt cx="0" cy="0"/>
+        </a:xfrm>
+      </p:grpSpPr>
+      <p:sp>
+        <p:nvSpPr>
+          <p:cNvPr id="2" name="Title 1"/>
+          <p:cNvSpPr>
+            <a:spLocks noGrp="1"/>
+          </p:cNvSpPr>
+          <p:nvPr>
+            <p:ph type="title"/>
+          </p:nvPr>
+        </p:nvSpPr>
+        <p:spPr>
+          <a:xfrm>
+            <a:off x="584200" y="221992"/>
+            <a:ext cx="10515600" cy="530954"/>
+          </a:xfrm>
+        </p:spPr>
+        <p:txBody>
+          <a:bodyPr>
+            <a:normAutofit fontScale="90000"/>
+          </a:bodyPr>
+          <a:lstStyle/>
+          <a:p>
+            <a:r>
+              <a:rPr lang="en-US" dirty="0"/>
+              <a:t>Measuring distance or dissimilarity</a:t>
+            </a:r>
+          </a:p>
+        </p:txBody>
+      </p:sp>
+      <mc:AlternateContent xmlns:mc="http://schemas.openxmlformats.org/markup-compatibility/2006" xmlns:a14="http://schemas.microsoft.com/office/drawing/2010/main">
+        <mc:Choice Requires="a14">
+          <p:sp>
+            <p:nvSpPr>
+              <p:cNvPr id="3" name="Content Placeholder 2"/>
+              <p:cNvSpPr>
+                <a:spLocks noGrp="1"/>
+              </p:cNvSpPr>
+              <p:nvPr>
+                <p:ph sz="quarter" idx="10"/>
+              </p:nvPr>
+            </p:nvSpPr>
+            <p:spPr>
+              <a:xfrm>
+                <a:off x="333375" y="896079"/>
+                <a:ext cx="11525250" cy="5698998"/>
+              </a:xfrm>
+            </p:spPr>
+            <p:txBody>
+              <a:bodyPr>
+                <a:normAutofit/>
+              </a:bodyPr>
+              <a:lstStyle/>
+              <a:p>
+                <a:pPr marL="0" indent="0">
+                  <a:buNone/>
+                </a:pPr>
+                <a:r>
+                  <a:rPr lang="en-US" dirty="0">
+                    <a:latin typeface="+mn-lt"/>
+                  </a:rPr>
+                  <a:t>Different metrics for numeric dissimilarity can be computed for numeric variables in p dimensions</a:t>
+                </a:r>
+              </a:p>
+              <a:p>
+                <a:r>
+                  <a:rPr lang="en-US" b="1" dirty="0" err="1">
+                    <a:latin typeface="+mn-lt"/>
+                  </a:rPr>
+                  <a:t>Mahalanobis</a:t>
+                </a:r>
+                <a:r>
+                  <a:rPr lang="en-US" b="1" dirty="0">
+                    <a:latin typeface="+mn-lt"/>
+                  </a:rPr>
+                  <a:t> Distance </a:t>
+                </a:r>
+                <a:r>
+                  <a:rPr lang="en-US" dirty="0">
+                    <a:latin typeface="+mn-lt"/>
+                  </a:rPr>
+                  <a:t>between two points (vectors) </a:t>
+                </a:r>
+                <a:endParaRPr lang="en-US" dirty="0"/>
+              </a:p>
+              <a:p>
+                <a:pPr marL="0" indent="0">
+                  <a:buNone/>
+                </a:pPr>
+                <a:r>
+                  <a:rPr lang="en-US" dirty="0"/>
+                  <a:t>				</a:t>
+                </a:r>
+                <a14:m>
+                  <m:oMath xmlns:m="http://schemas.openxmlformats.org/officeDocument/2006/math">
+                    <m:r>
+                      <a:rPr lang="en-US">
+                        <a:latin typeface="Cambria Math" panose="02040503050406030204" pitchFamily="18" charset="0"/>
+                      </a:rPr>
+                      <m:t> </m:t>
+                    </m:r>
+                    <m:r>
+                      <a:rPr lang="en-US" i="1">
+                        <a:latin typeface="Cambria Math" panose="02040503050406030204" pitchFamily="18" charset="0"/>
+                      </a:rPr>
+                      <m:t>𝑑</m:t>
+                    </m:r>
+                    <m:r>
+                      <a:rPr lang="en-US" i="1">
+                        <a:latin typeface="Cambria Math" panose="02040503050406030204" pitchFamily="18" charset="0"/>
+                      </a:rPr>
+                      <m:t>(</m:t>
+                    </m:r>
+                    <m:r>
+                      <a:rPr lang="en-US" i="1">
+                        <a:latin typeface="Cambria Math" panose="02040503050406030204" pitchFamily="18" charset="0"/>
+                      </a:rPr>
+                      <m:t>𝑥</m:t>
+                    </m:r>
+                    <m:r>
+                      <a:rPr lang="en-US" i="1">
+                        <a:latin typeface="Cambria Math" panose="02040503050406030204" pitchFamily="18" charset="0"/>
+                      </a:rPr>
+                      <m:t>,</m:t>
+                    </m:r>
+                    <m:r>
+                      <a:rPr lang="en-US" b="0" i="1" smtClean="0">
+                        <a:latin typeface="Cambria Math" panose="02040503050406030204" pitchFamily="18" charset="0"/>
+                      </a:rPr>
+                      <m:t>𝑥</m:t>
+                    </m:r>
+                    <m:r>
+                      <a:rPr lang="en-US" b="0" i="1" smtClean="0">
+                        <a:latin typeface="Cambria Math" panose="02040503050406030204" pitchFamily="18" charset="0"/>
+                      </a:rPr>
+                      <m:t>′)= </m:t>
+                    </m:r>
+                    <m:rad>
+                      <m:radPr>
+                        <m:degHide m:val="on"/>
+                        <m:ctrlPr>
+                          <a:rPr lang="en-US" i="1">
+                            <a:latin typeface="Cambria Math" panose="02040503050406030204" pitchFamily="18" charset="0"/>
+                          </a:rPr>
+                        </m:ctrlPr>
+                      </m:radPr>
+                      <m:deg/>
+                      <m:e>
+                        <m:sSup>
+                          <m:sSupPr>
+                            <m:ctrlPr>
+                              <a:rPr lang="en-US" i="1">
+                                <a:latin typeface="Cambria Math" panose="02040503050406030204" pitchFamily="18" charset="0"/>
+                              </a:rPr>
+                            </m:ctrlPr>
+                          </m:sSupPr>
+                          <m:e>
+                            <m:d>
+                              <m:dPr>
+                                <m:ctrlPr>
+                                  <a:rPr lang="en-US" i="1" smtClean="0">
+                                    <a:latin typeface="Cambria Math" panose="02040503050406030204" pitchFamily="18" charset="0"/>
+                                  </a:rPr>
+                                </m:ctrlPr>
+                              </m:dPr>
+                              <m:e>
+                                <m:r>
+                                  <a:rPr lang="en-US" i="1">
+                                    <a:latin typeface="Cambria Math" panose="02040503050406030204" pitchFamily="18" charset="0"/>
+                                  </a:rPr>
+                                  <m:t>𝑥</m:t>
+                                </m:r>
+                                <m:r>
+                                  <a:rPr lang="en-US" i="1">
+                                    <a:latin typeface="Cambria Math" panose="02040503050406030204" pitchFamily="18" charset="0"/>
+                                  </a:rPr>
+                                  <m:t>−</m:t>
+                                </m:r>
+                                <m:r>
+                                  <a:rPr lang="en-US" b="0" i="1" smtClean="0">
+                                    <a:latin typeface="Cambria Math" panose="02040503050406030204" pitchFamily="18" charset="0"/>
+                                  </a:rPr>
+                                  <m:t>𝑥</m:t>
+                                </m:r>
+                                <m:r>
+                                  <a:rPr lang="en-US" b="0" i="1" smtClean="0">
+                                    <a:latin typeface="Cambria Math" panose="02040503050406030204" pitchFamily="18" charset="0"/>
+                                  </a:rPr>
+                                  <m:t>′</m:t>
+                                </m:r>
+                              </m:e>
+                            </m:d>
+                          </m:e>
+                          <m:sup>
+                            <m:r>
+                              <a:rPr lang="en-US" i="1">
+                                <a:latin typeface="Cambria Math" panose="02040503050406030204" pitchFamily="18" charset="0"/>
+                              </a:rPr>
+                              <m:t>𝑇</m:t>
+                            </m:r>
+                          </m:sup>
+                        </m:sSup>
+                        <m:sSup>
+                          <m:sSupPr>
+                            <m:ctrlPr>
+                              <a:rPr lang="en-US" i="1">
+                                <a:latin typeface="Cambria Math" panose="02040503050406030204" pitchFamily="18" charset="0"/>
+                              </a:rPr>
+                            </m:ctrlPr>
+                          </m:sSupPr>
+                          <m:e>
+                            <m:r>
+                              <a:rPr lang="en-US" i="1">
+                                <a:latin typeface="Cambria Math" panose="02040503050406030204" pitchFamily="18" charset="0"/>
+                              </a:rPr>
+                              <m:t>𝑆</m:t>
+                            </m:r>
+                          </m:e>
+                          <m:sup>
+                            <m:r>
+                              <a:rPr lang="en-US" i="1">
+                                <a:latin typeface="Cambria Math" panose="02040503050406030204" pitchFamily="18" charset="0"/>
+                              </a:rPr>
+                              <m:t>−1</m:t>
+                            </m:r>
+                          </m:sup>
+                        </m:sSup>
+                        <m:d>
+                          <m:dPr>
+                            <m:ctrlPr>
+                              <a:rPr lang="en-US" i="1">
+                                <a:latin typeface="Cambria Math" panose="02040503050406030204" pitchFamily="18" charset="0"/>
+                              </a:rPr>
+                            </m:ctrlPr>
+                          </m:dPr>
+                          <m:e>
+                            <m:r>
+                              <a:rPr lang="en-US" i="1">
+                                <a:latin typeface="Cambria Math" panose="02040503050406030204" pitchFamily="18" charset="0"/>
+                              </a:rPr>
+                              <m:t>𝑥</m:t>
+                            </m:r>
+                            <m:r>
+                              <a:rPr lang="en-US" i="1">
+                                <a:latin typeface="Cambria Math" panose="02040503050406030204" pitchFamily="18" charset="0"/>
+                              </a:rPr>
+                              <m:t>−</m:t>
+                            </m:r>
+                            <m:r>
+                              <a:rPr lang="en-US" b="0" i="1" smtClean="0">
+                                <a:latin typeface="Cambria Math" panose="02040503050406030204" pitchFamily="18" charset="0"/>
+                              </a:rPr>
+                              <m:t>𝑥</m:t>
+                            </m:r>
+                            <m:r>
+                              <a:rPr lang="en-US" b="0" i="1" smtClean="0">
+                                <a:latin typeface="Cambria Math" panose="02040503050406030204" pitchFamily="18" charset="0"/>
+                              </a:rPr>
+                              <m:t>′</m:t>
+                            </m:r>
+                          </m:e>
+                        </m:d>
+                      </m:e>
+                    </m:rad>
+                  </m:oMath>
+                </a14:m>
+                <a:endParaRPr lang="en-US" dirty="0"/>
+              </a:p>
+              <a:p>
+                <a:pPr marL="0" indent="0">
+                  <a:buNone/>
+                </a:pPr>
+                <a:r>
+                  <a:rPr lang="en-US" sz="2400" dirty="0">
+                    <a:latin typeface="+mn-lt"/>
+                  </a:rPr>
+                  <a:t>Where, </a:t>
+                </a:r>
+                <a14:m>
+                  <m:oMath xmlns:m="http://schemas.openxmlformats.org/officeDocument/2006/math">
+                    <m:sSup>
+                      <m:sSupPr>
+                        <m:ctrlPr>
+                          <a:rPr lang="en-US" sz="2400" i="1">
+                            <a:latin typeface="Cambria Math" panose="02040503050406030204" pitchFamily="18" charset="0"/>
+                          </a:rPr>
+                        </m:ctrlPr>
+                      </m:sSupPr>
+                      <m:e>
+                        <m:r>
+                          <a:rPr lang="en-US" sz="2400" i="1">
+                            <a:latin typeface="Cambria Math" panose="02040503050406030204" pitchFamily="18" charset="0"/>
+                          </a:rPr>
+                          <m:t>𝑆</m:t>
+                        </m:r>
+                      </m:e>
+                      <m:sup>
+                        <m:r>
+                          <a:rPr lang="en-US" sz="2400" b="0" i="1" smtClean="0">
+                            <a:latin typeface="Cambria Math" panose="02040503050406030204" pitchFamily="18" charset="0"/>
+                          </a:rPr>
+                          <m:t> </m:t>
+                        </m:r>
+                      </m:sup>
+                    </m:sSup>
+                    <m:r>
+                      <a:rPr lang="en-US" sz="2400" b="0" i="1" smtClean="0">
+                        <a:latin typeface="Cambria Math" panose="02040503050406030204" pitchFamily="18" charset="0"/>
+                      </a:rPr>
+                      <m:t>=</m:t>
+                    </m:r>
+                    <m:f>
+                      <m:fPr>
+                        <m:ctrlPr>
+                          <a:rPr lang="en-US" sz="2400" i="1">
+                            <a:latin typeface="Cambria Math" panose="02040503050406030204" pitchFamily="18" charset="0"/>
+                          </a:rPr>
+                        </m:ctrlPr>
+                      </m:fPr>
+                      <m:num>
+                        <m:r>
+                          <a:rPr lang="en-US" sz="2400" i="1">
+                            <a:latin typeface="Cambria Math" panose="02040503050406030204" pitchFamily="18" charset="0"/>
+                          </a:rPr>
+                          <m:t>1</m:t>
+                        </m:r>
+                      </m:num>
+                      <m:den>
+                        <m:r>
+                          <a:rPr lang="en-US" sz="2400" i="1">
+                            <a:latin typeface="Cambria Math" panose="02040503050406030204" pitchFamily="18" charset="0"/>
+                          </a:rPr>
+                          <m:t>𝑛</m:t>
+                        </m:r>
+                      </m:den>
+                    </m:f>
+                    <m:r>
+                      <a:rPr lang="en-US" sz="2400" b="0" i="1" smtClean="0">
+                        <a:latin typeface="Cambria Math" panose="02040503050406030204" pitchFamily="18" charset="0"/>
+                      </a:rPr>
+                      <m:t>𝑥</m:t>
+                    </m:r>
+                    <m:r>
+                      <a:rPr lang="en-US" sz="2400" b="0" i="1" smtClean="0">
+                        <a:latin typeface="Cambria Math" panose="02040503050406030204" pitchFamily="18" charset="0"/>
+                        <a:ea typeface="Cambria Math" panose="02040503050406030204" pitchFamily="18" charset="0"/>
+                      </a:rPr>
+                      <m:t>∙</m:t>
+                    </m:r>
+                    <m:sSup>
+                      <m:sSupPr>
+                        <m:ctrlPr>
+                          <a:rPr lang="en-US" sz="2400" b="0" i="1" smtClean="0">
+                            <a:latin typeface="Cambria Math" panose="02040503050406030204" pitchFamily="18" charset="0"/>
+                          </a:rPr>
+                        </m:ctrlPr>
+                      </m:sSupPr>
+                      <m:e>
+                        <m:r>
+                          <a:rPr lang="en-US" sz="2400" b="0" i="1" smtClean="0">
+                            <a:latin typeface="Cambria Math" panose="02040503050406030204" pitchFamily="18" charset="0"/>
+                          </a:rPr>
+                          <m:t>𝑥</m:t>
+                        </m:r>
+                        <m:r>
+                          <a:rPr lang="en-US" sz="2400" b="0" i="1" smtClean="0">
+                            <a:latin typeface="Cambria Math" panose="02040503050406030204" pitchFamily="18" charset="0"/>
+                          </a:rPr>
+                          <m:t>′</m:t>
+                        </m:r>
+                      </m:e>
+                      <m:sup>
+                        <m:r>
+                          <a:rPr lang="en-US" sz="2400" b="0" i="1" smtClean="0">
+                            <a:latin typeface="Cambria Math" panose="02040503050406030204" pitchFamily="18" charset="0"/>
+                          </a:rPr>
+                          <m:t>𝑇</m:t>
+                        </m:r>
+                      </m:sup>
+                    </m:sSup>
+                  </m:oMath>
+                </a14:m>
+                <a:r>
+                  <a:rPr lang="en-US" sz="2400" dirty="0">
+                    <a:latin typeface="+mn-lt"/>
+                  </a:rPr>
+                  <a:t> is the empirical covariance estimate </a:t>
+                </a:r>
+              </a:p>
+              <a:p>
+                <a:r>
+                  <a:rPr lang="en-US" dirty="0">
+                    <a:latin typeface="+mn-lt"/>
+                  </a:rPr>
+                  <a:t>Inverse covariance, </a:t>
+                </a:r>
+                <a14:m>
+                  <m:oMath xmlns:m="http://schemas.openxmlformats.org/officeDocument/2006/math">
+                    <m:sSup>
+                      <m:sSupPr>
+                        <m:ctrlPr>
+                          <a:rPr lang="en-US" i="1">
+                            <a:latin typeface="Cambria Math" panose="02040503050406030204" pitchFamily="18" charset="0"/>
+                          </a:rPr>
+                        </m:ctrlPr>
+                      </m:sSupPr>
+                      <m:e>
+                        <m:r>
+                          <a:rPr lang="en-US" i="1">
+                            <a:latin typeface="Cambria Math" panose="02040503050406030204" pitchFamily="18" charset="0"/>
+                          </a:rPr>
+                          <m:t>𝑆</m:t>
+                        </m:r>
+                      </m:e>
+                      <m:sup>
+                        <m:r>
+                          <a:rPr lang="en-US" i="1">
+                            <a:latin typeface="Cambria Math" panose="02040503050406030204" pitchFamily="18" charset="0"/>
+                          </a:rPr>
+                          <m:t>−1</m:t>
+                        </m:r>
+                      </m:sup>
+                    </m:sSup>
+                  </m:oMath>
+                </a14:m>
+                <a:r>
+                  <a:rPr lang="en-US" dirty="0">
+                    <a:latin typeface="+mn-lt"/>
+                  </a:rPr>
+                  <a:t>, transforms elliptical Normal distribution to spherical distribution </a:t>
+                </a:r>
+              </a:p>
+              <a:p>
+                <a:r>
+                  <a:rPr lang="en-US" dirty="0" err="1">
+                    <a:latin typeface="+mn-lt"/>
+                  </a:rPr>
+                  <a:t>Mahalanobis</a:t>
+                </a:r>
+                <a:r>
+                  <a:rPr lang="en-US" dirty="0">
+                    <a:latin typeface="+mn-lt"/>
+                  </a:rPr>
+                  <a:t> distance is measured in the transformed space </a:t>
+                </a:r>
+              </a:p>
+              <a:p>
+                <a:r>
+                  <a:rPr lang="en-US" dirty="0" err="1">
+                    <a:latin typeface="+mn-lt"/>
+                  </a:rPr>
+                  <a:t>Mahalanobis</a:t>
+                </a:r>
+                <a:r>
+                  <a:rPr lang="en-US" dirty="0">
+                    <a:latin typeface="+mn-lt"/>
+                  </a:rPr>
+                  <a:t> distance is </a:t>
+                </a:r>
+                <a:r>
+                  <a:rPr lang="en-US" b="1" dirty="0">
+                    <a:latin typeface="+mn-lt"/>
+                  </a:rPr>
+                  <a:t>scale invariant </a:t>
+                </a:r>
+                <a:r>
+                  <a:rPr lang="en-US" dirty="0">
+                    <a:latin typeface="+mn-lt"/>
+                  </a:rPr>
+                  <a:t>and </a:t>
+                </a:r>
+                <a:r>
+                  <a:rPr lang="en-US" b="1" dirty="0">
+                    <a:latin typeface="+mn-lt"/>
+                  </a:rPr>
+                  <a:t>unitless</a:t>
+                </a:r>
+              </a:p>
+              <a:p>
+                <a:endParaRPr lang="en-US" dirty="0">
+                  <a:latin typeface="+mn-lt"/>
+                </a:endParaRPr>
+              </a:p>
+              <a:p>
+                <a:endParaRPr lang="en-US" dirty="0">
+                  <a:latin typeface="+mn-lt"/>
+                </a:endParaRPr>
+              </a:p>
+              <a:p>
+                <a:pPr marL="0" indent="0">
+                  <a:buNone/>
+                </a:pPr>
+                <a:endParaRPr lang="en-US" dirty="0">
+                  <a:latin typeface="+mn-lt"/>
+                </a:endParaRPr>
+              </a:p>
+            </p:txBody>
+          </p:sp>
+        </mc:Choice>
+        <mc:Fallback xmlns="">
+          <p:sp>
+            <p:nvSpPr>
+              <p:cNvPr id="3" name="Content Placeholder 2"/>
+              <p:cNvSpPr>
+                <a:spLocks noGrp="1" noRot="1" noChangeAspect="1" noMove="1" noResize="1" noEditPoints="1" noAdjustHandles="1" noChangeArrowheads="1" noChangeShapeType="1" noTextEdit="1"/>
+              </p:cNvSpPr>
+              <p:nvPr>
+                <p:ph sz="quarter" idx="10"/>
+              </p:nvPr>
+            </p:nvSpPr>
+            <p:spPr>
+              <a:xfrm>
+                <a:off x="333375" y="896079"/>
+                <a:ext cx="11525250" cy="5698998"/>
+              </a:xfrm>
+              <a:blipFill>
+                <a:blip r:embed="rId3"/>
+                <a:stretch>
+                  <a:fillRect l="-1111" t="-1818" r="-1587"/>
+                </a:stretch>
+              </a:blipFill>
+            </p:spPr>
+            <p:txBody>
+              <a:bodyPr/>
+              <a:lstStyle/>
+              <a:p>
+                <a:r>
+                  <a:rPr lang="en-US">
+                    <a:noFill/>
+                  </a:rPr>
+                  <a:t> </a:t>
+                </a:r>
+              </a:p>
+            </p:txBody>
+          </p:sp>
+        </mc:Fallback>
+      </mc:AlternateContent>
+    </p:spTree>
+    <p:extLst>
+      <p:ext uri="{BB962C8B-B14F-4D97-AF65-F5344CB8AC3E}">
+        <p14:creationId xmlns:p14="http://schemas.microsoft.com/office/powerpoint/2010/main" val="2887582008"/>
+      </p:ext>
+    </p:extLst>
+  </p:cSld>
+  <p:clrMapOvr>
+    <a:masterClrMapping/>
+  </p:clrMapOvr>
+  <p:timing>
+    <p:tnLst>
+      <p:par>
+        <p:cTn id="1" dur="indefinite" restart="never" nodeType="tmRoot">
+          <p:childTnLst>
+            <p:seq concurrent="1" nextAc="seek">
+              <p:cTn id="2" dur="indefinite" nodeType="mainSeq">
+                <p:childTnLst>
+                  <p:par>
+                    <p:cTn id="3" fill="hold">
+                      <p:stCondLst>
+                        <p:cond delay="indefinite"/>
+                      </p:stCondLst>
+                      <p:childTnLst>
+                        <p:par>
+                          <p:cTn id="4" fill="hold">
+                            <p:stCondLst>
+                              <p:cond delay="0"/>
+                            </p:stCondLst>
+                            <p:childTnLst>
+                              <p:par>
+                                <p:cTn id="5" presetID="1" presetClass="entr" presetSubtype="0" fill="hold" nodeType="clickEffect">
+                                  <p:stCondLst>
+                                    <p:cond delay="0"/>
+                                  </p:stCondLst>
+                                  <p:childTnLst>
+                                    <p:set>
+                                      <p:cBhvr>
+                                        <p:cTn id="6" dur="1" fill="hold">
+                                          <p:stCondLst>
+                                            <p:cond delay="0"/>
+                                          </p:stCondLst>
+                                        </p:cTn>
+                                        <p:tgtEl>
+                                          <p:spTgt spid="3">
+                                            <p:txEl>
+                                              <p:pRg st="4" end="4"/>
+                                            </p:txEl>
+                                          </p:spTgt>
+                                        </p:tgtEl>
+                                        <p:attrNameLst>
+                                          <p:attrName>style.visibility</p:attrName>
+                                        </p:attrNameLst>
+                                      </p:cBhvr>
+                                      <p:to>
+                                        <p:strVal val="visible"/>
+                                      </p:to>
+                                    </p:set>
+                                  </p:childTnLst>
+                                </p:cTn>
+                              </p:par>
+                            </p:childTnLst>
+                          </p:cTn>
+                        </p:par>
+                      </p:childTnLst>
+                    </p:cTn>
+                  </p:par>
+                  <p:par>
+                    <p:cTn id="7" fill="hold">
+                      <p:stCondLst>
+                        <p:cond delay="indefinite"/>
+                      </p:stCondLst>
+                      <p:childTnLst>
+                        <p:par>
+                          <p:cTn id="8" fill="hold">
+                            <p:stCondLst>
+                              <p:cond delay="0"/>
+                            </p:stCondLst>
+                            <p:childTnLst>
+                              <p:par>
+                                <p:cTn id="9" presetID="1" presetClass="entr" presetSubtype="0" fill="hold" nodeType="clickEffect">
+                                  <p:stCondLst>
+                                    <p:cond delay="0"/>
+                                  </p:stCondLst>
+                                  <p:childTnLst>
+                                    <p:set>
+                                      <p:cBhvr>
+                                        <p:cTn id="10" dur="1" fill="hold">
+                                          <p:stCondLst>
+                                            <p:cond delay="0"/>
+                                          </p:stCondLst>
+                                        </p:cTn>
+                                        <p:tgtEl>
+                                          <p:spTgt spid="3">
+                                            <p:txEl>
+                                              <p:pRg st="5" end="5"/>
+                                            </p:txEl>
+                                          </p:spTgt>
+                                        </p:tgtEl>
+                                        <p:attrNameLst>
+                                          <p:attrName>style.visibility</p:attrName>
+                                        </p:attrNameLst>
+                                      </p:cBhvr>
+                                      <p:to>
+                                        <p:strVal val="visible"/>
+                                      </p:to>
+                                    </p:set>
+                                  </p:childTnLst>
+                                </p:cTn>
+                              </p:par>
+                            </p:childTnLst>
+                          </p:cTn>
+                        </p:par>
+                      </p:childTnLst>
+                    </p:cTn>
+                  </p:par>
+                  <p:par>
+                    <p:cTn id="11" fill="hold">
+                      <p:stCondLst>
+                        <p:cond delay="indefinite"/>
+                      </p:stCondLst>
+                      <p:childTnLst>
+                        <p:par>
+                          <p:cTn id="12" fill="hold">
+                            <p:stCondLst>
+                              <p:cond delay="0"/>
+                            </p:stCondLst>
+                            <p:childTnLst>
+                              <p:par>
+                                <p:cTn id="13" presetID="1" presetClass="entr" presetSubtype="0" fill="hold" nodeType="clickEffect">
+                                  <p:stCondLst>
+                                    <p:cond delay="0"/>
+                                  </p:stCondLst>
+                                  <p:childTnLst>
+                                    <p:set>
+                                      <p:cBhvr>
+                                        <p:cTn id="14" dur="1" fill="hold">
+                                          <p:stCondLst>
+                                            <p:cond delay="0"/>
+                                          </p:stCondLst>
+                                        </p:cTn>
+                                        <p:tgtEl>
+                                          <p:spTgt spid="3">
+                                            <p:txEl>
+                                              <p:pRg st="6" end="6"/>
+                                            </p:txEl>
+                                          </p:spTgt>
+                                        </p:tgtEl>
+                                        <p:attrNameLst>
+                                          <p:attrName>style.visibility</p:attrName>
+                                        </p:attrNameLst>
+                                      </p:cBhvr>
+                                      <p:to>
+                                        <p:strVal val="visible"/>
+                                      </p:to>
+                                    </p:set>
+                                  </p:childTnLst>
+                                </p:cTn>
+                              </p:par>
+                            </p:childTnLst>
+                          </p:cTn>
+                        </p:par>
+                      </p:childTnLst>
+                    </p:cTn>
+                  </p:par>
+                </p:childTnLst>
+              </p:cTn>
+              <p:prevCondLst>
+                <p:cond evt="onPrev" delay="0">
+                  <p:tgtEl>
+                    <p:sldTgt/>
+                  </p:tgtEl>
+                </p:cond>
+              </p:prevCondLst>
+              <p:nextCondLst>
+                <p:cond evt="onNext" delay="0">
+                  <p:tgtEl>
+                    <p:sldTgt/>
+                  </p:tgtEl>
+                </p:cond>
+              </p:nextCondLst>
+            </p:seq>
+          </p:childTnLst>
+        </p:cTn>
+      </p:par>
+    </p:tnLst>
+  </p:timing>
+</p:sld>
+</file>
+
 <file path=ppt/slides/slide15.xml><?xml version="1.0" encoding="utf-8"?>
+<p:sld xmlns:a="http://schemas.openxmlformats.org/drawingml/2006/main" xmlns:r="http://schemas.openxmlformats.org/officeDocument/2006/relationships" xmlns:p="http://schemas.openxmlformats.org/presentationml/2006/main">
+  <p:cSld>
+    <p:spTree>
+      <p:nvGrpSpPr>
+        <p:cNvPr id="1" name=""/>
+        <p:cNvGrpSpPr/>
+        <p:nvPr/>
+      </p:nvGrpSpPr>
+      <p:grpSpPr>
+        <a:xfrm>
+          <a:off x="0" y="0"/>
+          <a:ext cx="0" cy="0"/>
+          <a:chOff x="0" y="0"/>
+          <a:chExt cx="0" cy="0"/>
+        </a:xfrm>
+      </p:grpSpPr>
+      <p:sp>
+        <p:nvSpPr>
+          <p:cNvPr id="2" name="Title 1"/>
+          <p:cNvSpPr>
+            <a:spLocks noGrp="1"/>
+          </p:cNvSpPr>
+          <p:nvPr>
+            <p:ph type="title"/>
+          </p:nvPr>
+        </p:nvSpPr>
+        <p:spPr>
+          <a:xfrm>
+            <a:off x="584200" y="221992"/>
+            <a:ext cx="10515600" cy="530954"/>
+          </a:xfrm>
+        </p:spPr>
+        <p:txBody>
+          <a:bodyPr>
+            <a:normAutofit fontScale="90000"/>
+          </a:bodyPr>
+          <a:lstStyle/>
+          <a:p>
+            <a:r>
+              <a:rPr lang="en-US" dirty="0"/>
+              <a:t>Measuring distance or dissimilarity</a:t>
+            </a:r>
+          </a:p>
+        </p:txBody>
+      </p:sp>
+      <p:sp>
+        <p:nvSpPr>
+          <p:cNvPr id="3" name="Content Placeholder 2"/>
+          <p:cNvSpPr>
+            <a:spLocks noGrp="1"/>
+          </p:cNvSpPr>
+          <p:nvPr>
+            <p:ph sz="quarter" idx="10"/>
+          </p:nvPr>
+        </p:nvSpPr>
+        <p:spPr>
+          <a:xfrm>
+            <a:off x="333375" y="896079"/>
+            <a:ext cx="11525250" cy="2030969"/>
+          </a:xfrm>
+        </p:spPr>
+        <p:txBody>
+          <a:bodyPr>
+            <a:normAutofit/>
+          </a:bodyPr>
+          <a:lstStyle/>
+          <a:p>
+            <a:pPr marL="0" indent="0">
+              <a:buNone/>
+            </a:pPr>
+            <a:r>
+              <a:rPr lang="en-US" dirty="0">
+                <a:latin typeface="+mn-lt"/>
+              </a:rPr>
+              <a:t>Different metrics for numeric dissimilarity can be computed for numeric variables in p dimensions</a:t>
+            </a:r>
+          </a:p>
+          <a:p>
+            <a:r>
+              <a:rPr lang="en-US" dirty="0">
+                <a:latin typeface="+mn-lt"/>
+              </a:rPr>
+              <a:t>Example: start with some 2-dimensional observations  </a:t>
+            </a:r>
+          </a:p>
+          <a:p>
+            <a:r>
+              <a:rPr lang="en-US" dirty="0">
+                <a:latin typeface="+mn-lt"/>
+              </a:rPr>
+              <a:t>Variables are correlated</a:t>
+            </a:r>
+          </a:p>
+          <a:p>
+            <a:pPr marL="0" indent="0">
+              <a:buNone/>
+            </a:pPr>
+            <a:endParaRPr lang="en-US" dirty="0">
+              <a:latin typeface="+mn-lt"/>
+            </a:endParaRPr>
+          </a:p>
+        </p:txBody>
+      </p:sp>
+      <p:pic>
+        <p:nvPicPr>
+          <p:cNvPr id="5" name="Picture 4">
+            <a:extLst>
+              <a:ext uri="{FF2B5EF4-FFF2-40B4-BE49-F238E27FC236}">
+                <a16:creationId xmlns:a16="http://schemas.microsoft.com/office/drawing/2014/main" id="{BE4F6007-5EB8-0DD6-9E7A-06BEDDDD5E67}"/>
+              </a:ext>
+            </a:extLst>
+          </p:cNvPr>
+          <p:cNvPicPr>
+            <a:picLocks noChangeAspect="1"/>
+          </p:cNvPicPr>
+          <p:nvPr/>
+        </p:nvPicPr>
+        <p:blipFill>
+          <a:blip r:embed="rId3"/>
+          <a:stretch>
+            <a:fillRect/>
+          </a:stretch>
+        </p:blipFill>
+        <p:spPr>
+          <a:xfrm>
+            <a:off x="2346476" y="2883745"/>
+            <a:ext cx="5330661" cy="3415454"/>
+          </a:xfrm>
+          <a:prstGeom prst="rect">
+            <a:avLst/>
+          </a:prstGeom>
+        </p:spPr>
+      </p:pic>
+      <p:sp>
+        <p:nvSpPr>
+          <p:cNvPr id="6" name="TextBox 5">
+            <a:extLst>
+              <a:ext uri="{FF2B5EF4-FFF2-40B4-BE49-F238E27FC236}">
+                <a16:creationId xmlns:a16="http://schemas.microsoft.com/office/drawing/2014/main" id="{FE173562-5ECA-4FF9-B3FD-3958B8698064}"/>
+              </a:ext>
+            </a:extLst>
+          </p:cNvPr>
+          <p:cNvSpPr txBox="1"/>
+          <p:nvPr/>
+        </p:nvSpPr>
+        <p:spPr>
+          <a:xfrm>
+            <a:off x="2762553" y="6328231"/>
+            <a:ext cx="5597676" cy="307777"/>
+          </a:xfrm>
+          <a:prstGeom prst="rect">
+            <a:avLst/>
+          </a:prstGeom>
+          <a:noFill/>
+        </p:spPr>
+        <p:txBody>
+          <a:bodyPr wrap="square" rtlCol="0">
+            <a:spAutoFit/>
+          </a:bodyPr>
+          <a:lstStyle/>
+          <a:p>
+            <a:r>
+              <a:rPr lang="en-US" sz="1400" dirty="0"/>
+              <a:t>Source, </a:t>
+            </a:r>
+            <a:r>
+              <a:rPr lang="en-US" sz="1400" dirty="0">
+                <a:hlinkClick r:id="rId4"/>
+              </a:rPr>
+              <a:t>lecture notes by Dr. Sunnie S. Chung </a:t>
+            </a:r>
+            <a:endParaRPr lang="en-US" sz="1400" dirty="0"/>
+          </a:p>
+        </p:txBody>
+      </p:sp>
+    </p:spTree>
+    <p:extLst>
+      <p:ext uri="{BB962C8B-B14F-4D97-AF65-F5344CB8AC3E}">
+        <p14:creationId xmlns:p14="http://schemas.microsoft.com/office/powerpoint/2010/main" val="2905895669"/>
+      </p:ext>
+    </p:extLst>
+  </p:cSld>
+  <p:clrMapOvr>
+    <a:masterClrMapping/>
+  </p:clrMapOvr>
+</p:sld>
+</file>
+
+<file path=ppt/slides/slide16.xml><?xml version="1.0" encoding="utf-8"?>
+<p:sld xmlns:a="http://schemas.openxmlformats.org/drawingml/2006/main" xmlns:r="http://schemas.openxmlformats.org/officeDocument/2006/relationships" xmlns:p="http://schemas.openxmlformats.org/presentationml/2006/main">
+  <p:cSld>
+    <p:spTree>
+      <p:nvGrpSpPr>
+        <p:cNvPr id="1" name=""/>
+        <p:cNvGrpSpPr/>
+        <p:nvPr/>
+      </p:nvGrpSpPr>
+      <p:grpSpPr>
+        <a:xfrm>
+          <a:off x="0" y="0"/>
+          <a:ext cx="0" cy="0"/>
+          <a:chOff x="0" y="0"/>
+          <a:chExt cx="0" cy="0"/>
+        </a:xfrm>
+      </p:grpSpPr>
+      <p:sp>
+        <p:nvSpPr>
+          <p:cNvPr id="2" name="Title 1"/>
+          <p:cNvSpPr>
+            <a:spLocks noGrp="1"/>
+          </p:cNvSpPr>
+          <p:nvPr>
+            <p:ph type="title"/>
+          </p:nvPr>
+        </p:nvSpPr>
+        <p:spPr>
+          <a:xfrm>
+            <a:off x="584200" y="221992"/>
+            <a:ext cx="10515600" cy="530954"/>
+          </a:xfrm>
+        </p:spPr>
+        <p:txBody>
+          <a:bodyPr>
+            <a:normAutofit fontScale="90000"/>
+          </a:bodyPr>
+          <a:lstStyle/>
+          <a:p>
+            <a:r>
+              <a:rPr lang="en-US" dirty="0"/>
+              <a:t>Measuring distance or dissimilarity</a:t>
+            </a:r>
+          </a:p>
+        </p:txBody>
+      </p:sp>
+      <mc:AlternateContent xmlns:mc="http://schemas.openxmlformats.org/markup-compatibility/2006" xmlns:a14="http://schemas.microsoft.com/office/drawing/2010/main">
+        <mc:Choice Requires="a14">
+          <p:sp>
+            <p:nvSpPr>
+              <p:cNvPr id="3" name="Content Placeholder 2"/>
+              <p:cNvSpPr>
+                <a:spLocks noGrp="1"/>
+              </p:cNvSpPr>
+              <p:nvPr>
+                <p:ph sz="quarter" idx="10"/>
+              </p:nvPr>
+            </p:nvSpPr>
+            <p:spPr>
+              <a:xfrm>
+                <a:off x="333375" y="896079"/>
+                <a:ext cx="11525250" cy="2799471"/>
+              </a:xfrm>
+            </p:spPr>
+            <p:txBody>
+              <a:bodyPr>
+                <a:normAutofit/>
+              </a:bodyPr>
+              <a:lstStyle/>
+              <a:p>
+                <a:pPr marL="0" indent="0">
+                  <a:buNone/>
+                </a:pPr>
+                <a:r>
+                  <a:rPr lang="en-US" dirty="0">
+                    <a:latin typeface="+mn-lt"/>
+                  </a:rPr>
+                  <a:t>Different metrics for numeric dissimilarity can be computed for numeric variables in p dimensions</a:t>
+                </a:r>
+              </a:p>
+              <a:p>
+                <a:r>
+                  <a:rPr lang="en-US" dirty="0">
+                    <a:latin typeface="+mn-lt"/>
+                  </a:rPr>
+                  <a:t>Example: start with some 2-dimensional observations  </a:t>
+                </a:r>
+              </a:p>
+              <a:p>
+                <a:r>
+                  <a:rPr lang="en-US" dirty="0">
+                    <a:latin typeface="+mn-lt"/>
+                  </a:rPr>
+                  <a:t>Principle axis of data ellipse does not align with variable axes </a:t>
+                </a:r>
+              </a:p>
+              <a:p>
+                <a:r>
+                  <a:rPr lang="en-US" dirty="0">
+                    <a:latin typeface="+mn-lt"/>
+                  </a:rPr>
+                  <a:t>Principle axis is defined by the eigenvectors of the covariance, </a:t>
+                </a:r>
+                <a14:m>
+                  <m:oMath xmlns:m="http://schemas.openxmlformats.org/officeDocument/2006/math">
+                    <m:r>
+                      <a:rPr lang="en-US" sz="2800" i="1" smtClean="0">
+                        <a:latin typeface="Cambria Math" panose="02040503050406030204" pitchFamily="18" charset="0"/>
+                      </a:rPr>
+                      <m:t>𝑆</m:t>
+                    </m:r>
+                  </m:oMath>
+                </a14:m>
+                <a:r>
+                  <a:rPr lang="en-US" dirty="0">
+                    <a:latin typeface="+mn-lt"/>
+                  </a:rPr>
+                  <a:t> </a:t>
+                </a:r>
+              </a:p>
+              <a:p>
+                <a:pPr marL="0" indent="0">
+                  <a:buNone/>
+                </a:pPr>
+                <a:endParaRPr lang="en-US" dirty="0">
+                  <a:latin typeface="+mn-lt"/>
+                </a:endParaRPr>
+              </a:p>
+            </p:txBody>
+          </p:sp>
+        </mc:Choice>
+        <mc:Fallback xmlns="">
+          <p:sp>
+            <p:nvSpPr>
+              <p:cNvPr id="3" name="Content Placeholder 2"/>
+              <p:cNvSpPr>
+                <a:spLocks noGrp="1" noRot="1" noChangeAspect="1" noMove="1" noResize="1" noEditPoints="1" noAdjustHandles="1" noChangeArrowheads="1" noChangeShapeType="1" noTextEdit="1"/>
+              </p:cNvSpPr>
+              <p:nvPr>
+                <p:ph sz="quarter" idx="10"/>
+              </p:nvPr>
+            </p:nvSpPr>
+            <p:spPr>
+              <a:xfrm>
+                <a:off x="333375" y="896079"/>
+                <a:ext cx="11525250" cy="2799471"/>
+              </a:xfrm>
+              <a:blipFill>
+                <a:blip r:embed="rId3"/>
+                <a:stretch>
+                  <a:fillRect l="-1111" t="-3704"/>
+                </a:stretch>
+              </a:blipFill>
+            </p:spPr>
+            <p:txBody>
+              <a:bodyPr/>
+              <a:lstStyle/>
+              <a:p>
+                <a:r>
+                  <a:rPr lang="en-US">
+                    <a:noFill/>
+                  </a:rPr>
+                  <a:t> </a:t>
+                </a:r>
+              </a:p>
+            </p:txBody>
+          </p:sp>
+        </mc:Fallback>
+      </mc:AlternateContent>
+      <p:sp>
+        <p:nvSpPr>
+          <p:cNvPr id="6" name="TextBox 5">
+            <a:extLst>
+              <a:ext uri="{FF2B5EF4-FFF2-40B4-BE49-F238E27FC236}">
+                <a16:creationId xmlns:a16="http://schemas.microsoft.com/office/drawing/2014/main" id="{FE173562-5ECA-4FF9-B3FD-3958B8698064}"/>
+              </a:ext>
+            </a:extLst>
+          </p:cNvPr>
+          <p:cNvSpPr txBox="1"/>
+          <p:nvPr/>
+        </p:nvSpPr>
+        <p:spPr>
+          <a:xfrm>
+            <a:off x="2786743" y="6482119"/>
+            <a:ext cx="5597676" cy="307777"/>
+          </a:xfrm>
+          <a:prstGeom prst="rect">
+            <a:avLst/>
+          </a:prstGeom>
+          <a:noFill/>
+        </p:spPr>
+        <p:txBody>
+          <a:bodyPr wrap="square" rtlCol="0">
+            <a:spAutoFit/>
+          </a:bodyPr>
+          <a:lstStyle/>
+          <a:p>
+            <a:r>
+              <a:rPr lang="en-US" sz="1400" dirty="0"/>
+              <a:t>Source, </a:t>
+            </a:r>
+            <a:r>
+              <a:rPr lang="en-US" sz="1400" dirty="0">
+                <a:hlinkClick r:id="rId4"/>
+              </a:rPr>
+              <a:t>lecture notes by Dr. Sunnie S. Chung </a:t>
+            </a:r>
+            <a:endParaRPr lang="en-US" sz="1400" dirty="0"/>
+          </a:p>
+        </p:txBody>
+      </p:sp>
+      <p:pic>
+        <p:nvPicPr>
+          <p:cNvPr id="7" name="Picture 6">
+            <a:extLst>
+              <a:ext uri="{FF2B5EF4-FFF2-40B4-BE49-F238E27FC236}">
+                <a16:creationId xmlns:a16="http://schemas.microsoft.com/office/drawing/2014/main" id="{74C8EBC8-C970-710A-8E32-0E1BC9839188}"/>
+              </a:ext>
+            </a:extLst>
+          </p:cNvPr>
+          <p:cNvPicPr>
+            <a:picLocks noChangeAspect="1"/>
+          </p:cNvPicPr>
+          <p:nvPr/>
+        </p:nvPicPr>
+        <p:blipFill>
+          <a:blip r:embed="rId5"/>
+          <a:stretch>
+            <a:fillRect/>
+          </a:stretch>
+        </p:blipFill>
+        <p:spPr>
+          <a:xfrm>
+            <a:off x="1819123" y="3539515"/>
+            <a:ext cx="5796039" cy="2942604"/>
+          </a:xfrm>
+          <a:prstGeom prst="rect">
+            <a:avLst/>
+          </a:prstGeom>
+        </p:spPr>
+      </p:pic>
+    </p:spTree>
+    <p:extLst>
+      <p:ext uri="{BB962C8B-B14F-4D97-AF65-F5344CB8AC3E}">
+        <p14:creationId xmlns:p14="http://schemas.microsoft.com/office/powerpoint/2010/main" val="1338430267"/>
+      </p:ext>
+    </p:extLst>
+  </p:cSld>
+  <p:clrMapOvr>
+    <a:masterClrMapping/>
+  </p:clrMapOvr>
+</p:sld>
+</file>
+
+<file path=ppt/slides/slide17.xml><?xml version="1.0" encoding="utf-8"?>
+<p:sld xmlns:a="http://schemas.openxmlformats.org/drawingml/2006/main" xmlns:r="http://schemas.openxmlformats.org/officeDocument/2006/relationships" xmlns:p="http://schemas.openxmlformats.org/presentationml/2006/main">
+  <p:cSld>
+    <p:spTree>
+      <p:nvGrpSpPr>
+        <p:cNvPr id="1" name=""/>
+        <p:cNvGrpSpPr/>
+        <p:nvPr/>
+      </p:nvGrpSpPr>
+      <p:grpSpPr>
+        <a:xfrm>
+          <a:off x="0" y="0"/>
+          <a:ext cx="0" cy="0"/>
+          <a:chOff x="0" y="0"/>
+          <a:chExt cx="0" cy="0"/>
+        </a:xfrm>
+      </p:grpSpPr>
+      <p:sp>
+        <p:nvSpPr>
+          <p:cNvPr id="2" name="Title 1"/>
+          <p:cNvSpPr>
+            <a:spLocks noGrp="1"/>
+          </p:cNvSpPr>
+          <p:nvPr>
+            <p:ph type="title"/>
+          </p:nvPr>
+        </p:nvSpPr>
+        <p:spPr>
+          <a:xfrm>
+            <a:off x="584200" y="221992"/>
+            <a:ext cx="10515600" cy="530954"/>
+          </a:xfrm>
+        </p:spPr>
+        <p:txBody>
+          <a:bodyPr>
+            <a:normAutofit fontScale="90000"/>
+          </a:bodyPr>
+          <a:lstStyle/>
+          <a:p>
+            <a:r>
+              <a:rPr lang="en-US" dirty="0"/>
+              <a:t>Measuring distance or dissimilarity</a:t>
+            </a:r>
+          </a:p>
+        </p:txBody>
+      </p:sp>
+      <p:sp>
+        <p:nvSpPr>
+          <p:cNvPr id="3" name="Content Placeholder 2"/>
+          <p:cNvSpPr>
+            <a:spLocks noGrp="1"/>
+          </p:cNvSpPr>
+          <p:nvPr>
+            <p:ph sz="quarter" idx="10"/>
+          </p:nvPr>
+        </p:nvSpPr>
+        <p:spPr>
+          <a:xfrm>
+            <a:off x="333375" y="896079"/>
+            <a:ext cx="11525250" cy="898854"/>
+          </a:xfrm>
+        </p:spPr>
+        <p:txBody>
+          <a:bodyPr>
+            <a:normAutofit/>
+          </a:bodyPr>
+          <a:lstStyle/>
+          <a:p>
+            <a:pPr marL="0" indent="0">
+              <a:buNone/>
+            </a:pPr>
+            <a:r>
+              <a:rPr lang="en-US" dirty="0">
+                <a:latin typeface="+mn-lt"/>
+              </a:rPr>
+              <a:t>Different metrics for numeric dissimilarity can be computed for numeric variables in p dimensions</a:t>
+            </a:r>
+            <a:endParaRPr lang="en-US" dirty="0"/>
+          </a:p>
+          <a:p>
+            <a:endParaRPr lang="en-US" dirty="0">
+              <a:latin typeface="+mn-lt"/>
+            </a:endParaRPr>
+          </a:p>
+          <a:p>
+            <a:endParaRPr lang="en-US" dirty="0">
+              <a:latin typeface="+mn-lt"/>
+            </a:endParaRPr>
+          </a:p>
+          <a:p>
+            <a:pPr marL="0" indent="0">
+              <a:buNone/>
+            </a:pPr>
+            <a:endParaRPr lang="en-US" dirty="0">
+              <a:latin typeface="+mn-lt"/>
+            </a:endParaRPr>
+          </a:p>
+        </p:txBody>
+      </p:sp>
+      <p:sp>
+        <p:nvSpPr>
+          <p:cNvPr id="4" name="TextBox 3">
+            <a:extLst>
+              <a:ext uri="{FF2B5EF4-FFF2-40B4-BE49-F238E27FC236}">
+                <a16:creationId xmlns:a16="http://schemas.microsoft.com/office/drawing/2014/main" id="{00AFC55A-5F3E-3E43-C555-5C84A59D99AF}"/>
+              </a:ext>
+            </a:extLst>
+          </p:cNvPr>
+          <p:cNvSpPr txBox="1"/>
+          <p:nvPr/>
+        </p:nvSpPr>
+        <p:spPr>
+          <a:xfrm>
+            <a:off x="7571620" y="6377214"/>
+            <a:ext cx="4287005" cy="307777"/>
+          </a:xfrm>
+          <a:prstGeom prst="rect">
+            <a:avLst/>
+          </a:prstGeom>
+          <a:noFill/>
+        </p:spPr>
+        <p:txBody>
+          <a:bodyPr wrap="square" rtlCol="0">
+            <a:spAutoFit/>
+          </a:bodyPr>
+          <a:lstStyle/>
+          <a:p>
+            <a:r>
+              <a:rPr lang="en-US" sz="1400" dirty="0"/>
+              <a:t>Source, </a:t>
+            </a:r>
+            <a:r>
+              <a:rPr lang="en-US" sz="1400" dirty="0">
+                <a:hlinkClick r:id="rId3"/>
+              </a:rPr>
+              <a:t>lecture notes by Dr. Sunnie S. Chung </a:t>
+            </a:r>
+            <a:endParaRPr lang="en-US" sz="1400" dirty="0"/>
+          </a:p>
+        </p:txBody>
+      </p:sp>
+      <p:pic>
+        <p:nvPicPr>
+          <p:cNvPr id="6" name="Picture 5">
+            <a:extLst>
+              <a:ext uri="{FF2B5EF4-FFF2-40B4-BE49-F238E27FC236}">
+                <a16:creationId xmlns:a16="http://schemas.microsoft.com/office/drawing/2014/main" id="{89F09EC5-A545-502D-DC3F-2C6486EC7DD0}"/>
+              </a:ext>
+            </a:extLst>
+          </p:cNvPr>
+          <p:cNvPicPr>
+            <a:picLocks noChangeAspect="1"/>
+          </p:cNvPicPr>
+          <p:nvPr/>
+        </p:nvPicPr>
+        <p:blipFill>
+          <a:blip r:embed="rId4"/>
+          <a:stretch>
+            <a:fillRect/>
+          </a:stretch>
+        </p:blipFill>
+        <p:spPr>
+          <a:xfrm>
+            <a:off x="6728579" y="1601997"/>
+            <a:ext cx="4708677" cy="4598145"/>
+          </a:xfrm>
+          <a:prstGeom prst="rect">
+            <a:avLst/>
+          </a:prstGeom>
+        </p:spPr>
+      </p:pic>
+      <mc:AlternateContent xmlns:mc="http://schemas.openxmlformats.org/markup-compatibility/2006" xmlns:a14="http://schemas.microsoft.com/office/drawing/2010/main">
+        <mc:Choice Requires="a14">
+          <p:sp>
+            <p:nvSpPr>
+              <p:cNvPr id="7" name="Content Placeholder 2">
+                <a:extLst>
+                  <a:ext uri="{FF2B5EF4-FFF2-40B4-BE49-F238E27FC236}">
+                    <a16:creationId xmlns:a16="http://schemas.microsoft.com/office/drawing/2014/main" id="{73410E4D-0493-DFF6-FCAA-9DEA90442FA3}"/>
+                  </a:ext>
+                </a:extLst>
+              </p:cNvPr>
+              <p:cNvSpPr txBox="1">
+                <a:spLocks/>
+              </p:cNvSpPr>
+              <p:nvPr/>
+            </p:nvSpPr>
+            <p:spPr>
+              <a:xfrm>
+                <a:off x="476098" y="1907828"/>
+                <a:ext cx="5653769" cy="2814740"/>
+              </a:xfrm>
+              <a:prstGeom prst="rect">
+                <a:avLst/>
+              </a:prstGeom>
+            </p:spPr>
+            <p:txBody>
+              <a:bodyPr vert="horz" lIns="91440" tIns="45720" rIns="91440" bIns="45720" rtlCol="0">
+                <a:normAutofit/>
+              </a:bodyPr>
+              <a:lstStyle>
+                <a:lvl1pPr marL="228600" indent="-228600" algn="l" defTabSz="914400" rtl="0" eaLnBrk="1" latinLnBrk="0" hangingPunct="1">
+                  <a:lnSpc>
+                    <a:spcPct val="90000"/>
+                  </a:lnSpc>
+                  <a:spcBef>
+                    <a:spcPts val="1400"/>
+                  </a:spcBef>
+                  <a:buFont typeface="Arial" panose="020B0604020202020204" pitchFamily="34" charset="0"/>
+                  <a:buChar char="•"/>
+                  <a:defRPr sz="2800" b="0" kern="1200">
+                    <a:solidFill>
+                      <a:schemeClr val="tx1"/>
+                    </a:solidFill>
+                    <a:latin typeface="Segoe UI Light" panose="020B0502040204020203" pitchFamily="34" charset="0"/>
+                    <a:ea typeface="Segoe UI Light" panose="020B0502040204020203" pitchFamily="34" charset="0"/>
+                    <a:cs typeface="Segoe UI Light" panose="020B0502040204020203" pitchFamily="34" charset="0"/>
+                  </a:defRPr>
+                </a:lvl1pPr>
+                <a:lvl2pPr marL="685800" indent="-228600" algn="l" defTabSz="914400" rtl="0" eaLnBrk="1" latinLnBrk="0" hangingPunct="1">
+                  <a:lnSpc>
+                    <a:spcPct val="90000"/>
+                  </a:lnSpc>
+                  <a:spcBef>
+                    <a:spcPts val="500"/>
+                  </a:spcBef>
+                  <a:buFont typeface="Arial" panose="020B0604020202020204" pitchFamily="34" charset="0"/>
+                  <a:buChar char="•"/>
+                  <a:defRPr sz="2400" kern="1200">
+                    <a:solidFill>
+                      <a:schemeClr val="tx1"/>
+                    </a:solidFill>
+                    <a:latin typeface="Segoe UI Light" panose="020B0502040204020203" pitchFamily="34" charset="0"/>
+                    <a:ea typeface="Segoe UI Light" panose="020B0502040204020203" pitchFamily="34" charset="0"/>
+                    <a:cs typeface="Segoe UI Light" panose="020B0502040204020203" pitchFamily="34" charset="0"/>
+                  </a:defRPr>
+                </a:lvl2pPr>
+                <a:lvl3pPr marL="1143000" indent="-228600" algn="l" defTabSz="914400" rtl="0" eaLnBrk="1" latinLnBrk="0" hangingPunct="1">
+                  <a:lnSpc>
+                    <a:spcPct val="90000"/>
+                  </a:lnSpc>
+                  <a:spcBef>
+                    <a:spcPts val="500"/>
+                  </a:spcBef>
+                  <a:buFont typeface="Arial" panose="020B0604020202020204" pitchFamily="34" charset="0"/>
+                  <a:buChar char="•"/>
+                  <a:defRPr sz="2000" kern="1200">
+                    <a:solidFill>
+                      <a:schemeClr val="tx1"/>
+                    </a:solidFill>
+                    <a:latin typeface="Segoe UI Light" panose="020B0502040204020203" pitchFamily="34" charset="0"/>
+                    <a:ea typeface="Segoe UI Light" panose="020B0502040204020203" pitchFamily="34" charset="0"/>
+                    <a:cs typeface="Segoe UI Light" panose="020B0502040204020203" pitchFamily="34" charset="0"/>
+                  </a:defRPr>
+                </a:lvl3pPr>
+                <a:lvl4pPr marL="1600200" indent="-228600" algn="l" defTabSz="914400" rtl="0" eaLnBrk="1" latinLnBrk="0" hangingPunct="1">
+                  <a:lnSpc>
+                    <a:spcPct val="90000"/>
+                  </a:lnSpc>
+                  <a:spcBef>
+                    <a:spcPts val="500"/>
+                  </a:spcBef>
+                  <a:buFont typeface="Arial" panose="020B0604020202020204" pitchFamily="34" charset="0"/>
+                  <a:buChar char="•"/>
+                  <a:defRPr sz="1800" kern="1200">
+                    <a:solidFill>
+                      <a:schemeClr val="tx1"/>
+                    </a:solidFill>
+                    <a:latin typeface="Segoe UI Light" panose="020B0502040204020203" pitchFamily="34" charset="0"/>
+                    <a:ea typeface="Segoe UI Light" panose="020B0502040204020203" pitchFamily="34" charset="0"/>
+                    <a:cs typeface="Segoe UI Light" panose="020B0502040204020203" pitchFamily="34" charset="0"/>
+                  </a:defRPr>
+                </a:lvl4pPr>
+                <a:lvl5pPr marL="2057400" indent="-228600" algn="l" defTabSz="914400" rtl="0" eaLnBrk="1" latinLnBrk="0" hangingPunct="1">
+                  <a:lnSpc>
+                    <a:spcPct val="90000"/>
+                  </a:lnSpc>
+                  <a:spcBef>
+                    <a:spcPts val="500"/>
+                  </a:spcBef>
+                  <a:buFont typeface="Arial" panose="020B0604020202020204" pitchFamily="34" charset="0"/>
+                  <a:buChar char="•"/>
+                  <a:defRPr sz="1800" kern="1200">
+                    <a:solidFill>
+                      <a:schemeClr val="tx1"/>
+                    </a:solidFill>
+                    <a:latin typeface="Segoe UI Light" panose="020B0502040204020203" pitchFamily="34" charset="0"/>
+                    <a:ea typeface="Segoe UI Light" panose="020B0502040204020203" pitchFamily="34" charset="0"/>
+                    <a:cs typeface="Segoe UI Light" panose="020B0502040204020203" pitchFamily="34" charset="0"/>
+                  </a:defRPr>
+                </a:lvl5pPr>
+                <a:lvl6pPr marL="2514600" indent="-228600" algn="l" defTabSz="914400" rtl="0" eaLnBrk="1" latinLnBrk="0" hangingPunct="1">
+                  <a:lnSpc>
+                    <a:spcPct val="90000"/>
+                  </a:lnSpc>
+                  <a:spcBef>
+                    <a:spcPts val="500"/>
+                  </a:spcBef>
+                  <a:buFont typeface="Arial" panose="020B0604020202020204" pitchFamily="34" charset="0"/>
+                  <a:buChar char="•"/>
+                  <a:defRPr sz="1800" kern="1200">
+                    <a:solidFill>
+                      <a:schemeClr val="tx1"/>
+                    </a:solidFill>
+                    <a:latin typeface="+mn-lt"/>
+                    <a:ea typeface="+mn-ea"/>
+                    <a:cs typeface="+mn-cs"/>
+                  </a:defRPr>
+                </a:lvl6pPr>
+                <a:lvl7pPr marL="2971800" indent="-228600" algn="l" defTabSz="914400" rtl="0" eaLnBrk="1" latinLnBrk="0" hangingPunct="1">
+                  <a:lnSpc>
+                    <a:spcPct val="90000"/>
+                  </a:lnSpc>
+                  <a:spcBef>
+                    <a:spcPts val="500"/>
+                  </a:spcBef>
+                  <a:buFont typeface="Arial" panose="020B0604020202020204" pitchFamily="34" charset="0"/>
+                  <a:buChar char="•"/>
+                  <a:defRPr sz="1800" kern="1200">
+                    <a:solidFill>
+                      <a:schemeClr val="tx1"/>
+                    </a:solidFill>
+                    <a:latin typeface="+mn-lt"/>
+                    <a:ea typeface="+mn-ea"/>
+                    <a:cs typeface="+mn-cs"/>
+                  </a:defRPr>
+                </a:lvl7pPr>
+                <a:lvl8pPr marL="3429000" indent="-228600" algn="l" defTabSz="914400" rtl="0" eaLnBrk="1" latinLnBrk="0" hangingPunct="1">
+                  <a:lnSpc>
+                    <a:spcPct val="90000"/>
+                  </a:lnSpc>
+                  <a:spcBef>
+                    <a:spcPts val="500"/>
+                  </a:spcBef>
+                  <a:buFont typeface="Arial" panose="020B0604020202020204" pitchFamily="34" charset="0"/>
+                  <a:buChar char="•"/>
+                  <a:defRPr sz="1800" kern="1200">
+                    <a:solidFill>
+                      <a:schemeClr val="tx1"/>
+                    </a:solidFill>
+                    <a:latin typeface="+mn-lt"/>
+                    <a:ea typeface="+mn-ea"/>
+                    <a:cs typeface="+mn-cs"/>
+                  </a:defRPr>
+                </a:lvl8pPr>
+                <a:lvl9pPr marL="3886200" indent="-228600" algn="l" defTabSz="914400" rtl="0" eaLnBrk="1" latinLnBrk="0" hangingPunct="1">
+                  <a:lnSpc>
+                    <a:spcPct val="90000"/>
+                  </a:lnSpc>
+                  <a:spcBef>
+                    <a:spcPts val="500"/>
+                  </a:spcBef>
+                  <a:buFont typeface="Arial" panose="020B0604020202020204" pitchFamily="34" charset="0"/>
+                  <a:buChar char="•"/>
+                  <a:defRPr sz="1800" kern="1200">
+                    <a:solidFill>
+                      <a:schemeClr val="tx1"/>
+                    </a:solidFill>
+                    <a:latin typeface="+mn-lt"/>
+                    <a:ea typeface="+mn-ea"/>
+                    <a:cs typeface="+mn-cs"/>
+                  </a:defRPr>
+                </a:lvl9pPr>
+              </a:lstStyle>
+              <a:p>
+                <a:r>
+                  <a:rPr lang="en-US" dirty="0">
+                    <a:latin typeface="+mn-lt"/>
+                  </a:rPr>
+                  <a:t>Apply inverse covariance, </a:t>
+                </a:r>
+                <a14:m>
+                  <m:oMath xmlns:m="http://schemas.openxmlformats.org/officeDocument/2006/math">
+                    <m:sSup>
+                      <m:sSupPr>
+                        <m:ctrlPr>
+                          <a:rPr lang="en-US" i="1" smtClean="0">
+                            <a:latin typeface="Cambria Math" panose="02040503050406030204" pitchFamily="18" charset="0"/>
+                          </a:rPr>
+                        </m:ctrlPr>
+                      </m:sSupPr>
+                      <m:e>
+                        <m:r>
+                          <a:rPr lang="en-US" i="1" smtClean="0">
+                            <a:latin typeface="Cambria Math" panose="02040503050406030204" pitchFamily="18" charset="0"/>
+                          </a:rPr>
+                          <m:t>𝑆</m:t>
+                        </m:r>
+                      </m:e>
+                      <m:sup>
+                        <m:r>
+                          <a:rPr lang="en-US" i="1" smtClean="0">
+                            <a:latin typeface="Cambria Math" panose="02040503050406030204" pitchFamily="18" charset="0"/>
+                          </a:rPr>
+                          <m:t>−1</m:t>
+                        </m:r>
+                      </m:sup>
+                    </m:sSup>
+                    <m:r>
+                      <a:rPr lang="en-US" i="1" smtClean="0">
+                        <a:latin typeface="Cambria Math" panose="02040503050406030204" pitchFamily="18" charset="0"/>
+                      </a:rPr>
+                      <m:t>,</m:t>
+                    </m:r>
+                  </m:oMath>
+                </a14:m>
+                <a:r>
+                  <a:rPr lang="en-US" dirty="0">
+                    <a:latin typeface="+mn-lt"/>
+                  </a:rPr>
+                  <a:t>  transformation </a:t>
+                </a:r>
+              </a:p>
+              <a:p>
+                <a:r>
+                  <a:rPr lang="en-US" dirty="0">
+                    <a:latin typeface="+mn-lt"/>
+                  </a:rPr>
+                  <a:t>Distances between two points are now </a:t>
+                </a:r>
+                <a:r>
+                  <a:rPr lang="en-US" dirty="0" err="1">
+                    <a:latin typeface="+mn-lt"/>
+                  </a:rPr>
+                  <a:t>Mahalanobis</a:t>
+                </a:r>
+                <a:r>
+                  <a:rPr lang="en-US" dirty="0">
+                    <a:latin typeface="+mn-lt"/>
+                  </a:rPr>
+                  <a:t> distances</a:t>
+                </a:r>
+                <a:endParaRPr lang="en-US" dirty="0"/>
+              </a:p>
+              <a:p>
+                <a:pPr marL="0" indent="0">
+                  <a:buFont typeface="Arial" panose="020B0604020202020204" pitchFamily="34" charset="0"/>
+                  <a:buNone/>
+                </a:pPr>
+                <a14:m>
+                  <m:oMathPara xmlns:m="http://schemas.openxmlformats.org/officeDocument/2006/math">
+                    <m:oMathParaPr>
+                      <m:jc m:val="centerGroup"/>
+                    </m:oMathParaPr>
+                    <m:oMath xmlns:m="http://schemas.openxmlformats.org/officeDocument/2006/math">
+                      <m:r>
+                        <a:rPr lang="en-US" sz="2400" i="1">
+                          <a:latin typeface="Cambria Math" panose="02040503050406030204" pitchFamily="18" charset="0"/>
+                        </a:rPr>
+                        <m:t>𝑑</m:t>
+                      </m:r>
+                      <m:d>
+                        <m:dPr>
+                          <m:ctrlPr>
+                            <a:rPr lang="en-US" sz="2400" i="1">
+                              <a:latin typeface="Cambria Math" panose="02040503050406030204" pitchFamily="18" charset="0"/>
+                            </a:rPr>
+                          </m:ctrlPr>
+                        </m:dPr>
+                        <m:e>
+                          <m:r>
+                            <a:rPr lang="en-US" sz="2400" i="1">
+                              <a:latin typeface="Cambria Math" panose="02040503050406030204" pitchFamily="18" charset="0"/>
+                            </a:rPr>
+                            <m:t>𝑥</m:t>
+                          </m:r>
+                          <m:r>
+                            <a:rPr lang="en-US" sz="2400" i="1">
+                              <a:latin typeface="Cambria Math" panose="02040503050406030204" pitchFamily="18" charset="0"/>
+                            </a:rPr>
+                            <m:t>,</m:t>
+                          </m:r>
+                          <m:sSup>
+                            <m:sSupPr>
+                              <m:ctrlPr>
+                                <a:rPr lang="en-US" sz="2400" i="1" smtClean="0">
+                                  <a:latin typeface="Cambria Math" panose="02040503050406030204" pitchFamily="18" charset="0"/>
+                                </a:rPr>
+                              </m:ctrlPr>
+                            </m:sSupPr>
+                            <m:e>
+                              <m:r>
+                                <a:rPr lang="en-US" sz="2400" i="1" smtClean="0">
+                                  <a:latin typeface="Cambria Math" panose="02040503050406030204" pitchFamily="18" charset="0"/>
+                                </a:rPr>
+                                <m:t>𝑥</m:t>
+                              </m:r>
+                            </m:e>
+                            <m:sup>
+                              <m:r>
+                                <a:rPr lang="en-US" sz="2400" i="1" smtClean="0">
+                                  <a:latin typeface="Cambria Math" panose="02040503050406030204" pitchFamily="18" charset="0"/>
+                                </a:rPr>
+                                <m:t>′</m:t>
+                              </m:r>
+                            </m:sup>
+                          </m:sSup>
+                        </m:e>
+                      </m:d>
+                      <m:r>
+                        <a:rPr lang="en-US" sz="2400" b="0" i="1" smtClean="0">
+                          <a:latin typeface="Cambria Math" panose="02040503050406030204" pitchFamily="18" charset="0"/>
+                        </a:rPr>
+                        <m:t>=</m:t>
+                      </m:r>
+                      <m:rad>
+                        <m:radPr>
+                          <m:degHide m:val="on"/>
+                          <m:ctrlPr>
+                            <a:rPr lang="en-US" sz="2400" i="1">
+                              <a:latin typeface="Cambria Math" panose="02040503050406030204" pitchFamily="18" charset="0"/>
+                            </a:rPr>
+                          </m:ctrlPr>
+                        </m:radPr>
+                        <m:deg/>
+                        <m:e>
+                          <m:sSup>
+                            <m:sSupPr>
+                              <m:ctrlPr>
+                                <a:rPr lang="en-US" sz="2400" i="1">
+                                  <a:latin typeface="Cambria Math" panose="02040503050406030204" pitchFamily="18" charset="0"/>
+                                </a:rPr>
+                              </m:ctrlPr>
+                            </m:sSupPr>
+                            <m:e>
+                              <m:d>
+                                <m:dPr>
+                                  <m:ctrlPr>
+                                    <a:rPr lang="en-US" sz="2400" i="1" smtClean="0">
+                                      <a:latin typeface="Cambria Math" panose="02040503050406030204" pitchFamily="18" charset="0"/>
+                                    </a:rPr>
+                                  </m:ctrlPr>
+                                </m:dPr>
+                                <m:e>
+                                  <m:r>
+                                    <a:rPr lang="en-US" sz="2400" i="1">
+                                      <a:latin typeface="Cambria Math" panose="02040503050406030204" pitchFamily="18" charset="0"/>
+                                    </a:rPr>
+                                    <m:t>𝑥</m:t>
+                                  </m:r>
+                                  <m:r>
+                                    <a:rPr lang="en-US" sz="2400" i="1">
+                                      <a:latin typeface="Cambria Math" panose="02040503050406030204" pitchFamily="18" charset="0"/>
+                                    </a:rPr>
+                                    <m:t>−</m:t>
+                                  </m:r>
+                                  <m:r>
+                                    <a:rPr lang="en-US" sz="2400" i="1" smtClean="0">
+                                      <a:latin typeface="Cambria Math" panose="02040503050406030204" pitchFamily="18" charset="0"/>
+                                    </a:rPr>
+                                    <m:t>𝑥</m:t>
+                                  </m:r>
+                                  <m:r>
+                                    <a:rPr lang="en-US" sz="2400" i="1" smtClean="0">
+                                      <a:latin typeface="Cambria Math" panose="02040503050406030204" pitchFamily="18" charset="0"/>
+                                    </a:rPr>
+                                    <m:t>′</m:t>
+                                  </m:r>
+                                </m:e>
+                              </m:d>
+                            </m:e>
+                            <m:sup>
+                              <m:r>
+                                <a:rPr lang="en-US" sz="2400" i="1">
+                                  <a:latin typeface="Cambria Math" panose="02040503050406030204" pitchFamily="18" charset="0"/>
+                                </a:rPr>
+                                <m:t>𝑇</m:t>
+                              </m:r>
+                            </m:sup>
+                          </m:sSup>
+                          <m:sSup>
+                            <m:sSupPr>
+                              <m:ctrlPr>
+                                <a:rPr lang="en-US" sz="2400" i="1">
+                                  <a:latin typeface="Cambria Math" panose="02040503050406030204" pitchFamily="18" charset="0"/>
+                                </a:rPr>
+                              </m:ctrlPr>
+                            </m:sSupPr>
+                            <m:e>
+                              <m:r>
+                                <a:rPr lang="en-US" sz="2400" i="1">
+                                  <a:latin typeface="Cambria Math" panose="02040503050406030204" pitchFamily="18" charset="0"/>
+                                </a:rPr>
+                                <m:t>𝑆</m:t>
+                              </m:r>
+                            </m:e>
+                            <m:sup>
+                              <m:r>
+                                <a:rPr lang="en-US" sz="2400" i="1">
+                                  <a:latin typeface="Cambria Math" panose="02040503050406030204" pitchFamily="18" charset="0"/>
+                                </a:rPr>
+                                <m:t>−1</m:t>
+                              </m:r>
+                            </m:sup>
+                          </m:sSup>
+                          <m:d>
+                            <m:dPr>
+                              <m:ctrlPr>
+                                <a:rPr lang="en-US" sz="2400" i="1">
+                                  <a:latin typeface="Cambria Math" panose="02040503050406030204" pitchFamily="18" charset="0"/>
+                                </a:rPr>
+                              </m:ctrlPr>
+                            </m:dPr>
+                            <m:e>
+                              <m:r>
+                                <a:rPr lang="en-US" sz="2400" i="1">
+                                  <a:latin typeface="Cambria Math" panose="02040503050406030204" pitchFamily="18" charset="0"/>
+                                </a:rPr>
+                                <m:t>𝑥</m:t>
+                              </m:r>
+                              <m:r>
+                                <a:rPr lang="en-US" sz="2400" i="1">
+                                  <a:latin typeface="Cambria Math" panose="02040503050406030204" pitchFamily="18" charset="0"/>
+                                </a:rPr>
+                                <m:t>−</m:t>
+                              </m:r>
+                              <m:r>
+                                <a:rPr lang="en-US" sz="2400" i="1" smtClean="0">
+                                  <a:latin typeface="Cambria Math" panose="02040503050406030204" pitchFamily="18" charset="0"/>
+                                </a:rPr>
+                                <m:t>𝑥</m:t>
+                              </m:r>
+                              <m:r>
+                                <a:rPr lang="en-US" sz="2400" i="1" smtClean="0">
+                                  <a:latin typeface="Cambria Math" panose="02040503050406030204" pitchFamily="18" charset="0"/>
+                                </a:rPr>
+                                <m:t>′</m:t>
+                              </m:r>
+                            </m:e>
+                          </m:d>
+                        </m:e>
+                      </m:rad>
+                    </m:oMath>
+                  </m:oMathPara>
+                </a14:m>
+                <a:endParaRPr lang="en-US" sz="2400" dirty="0"/>
+              </a:p>
+              <a:p>
+                <a:endParaRPr lang="en-US" dirty="0">
+                  <a:latin typeface="+mn-lt"/>
+                </a:endParaRPr>
+              </a:p>
+              <a:p>
+                <a:endParaRPr lang="en-US" dirty="0">
+                  <a:latin typeface="+mn-lt"/>
+                </a:endParaRPr>
+              </a:p>
+              <a:p>
+                <a:pPr marL="0" indent="0">
+                  <a:buFont typeface="Arial" panose="020B0604020202020204" pitchFamily="34" charset="0"/>
+                  <a:buNone/>
+                </a:pPr>
+                <a:endParaRPr lang="en-US" dirty="0">
+                  <a:latin typeface="+mn-lt"/>
+                </a:endParaRPr>
+              </a:p>
+            </p:txBody>
+          </p:sp>
+        </mc:Choice>
+        <mc:Fallback xmlns="">
+          <p:sp>
+            <p:nvSpPr>
+              <p:cNvPr id="7" name="Content Placeholder 2">
+                <a:extLst>
+                  <a:ext uri="{FF2B5EF4-FFF2-40B4-BE49-F238E27FC236}">
+                    <a16:creationId xmlns:a16="http://schemas.microsoft.com/office/drawing/2014/main" id="{73410E4D-0493-DFF6-FCAA-9DEA90442FA3}"/>
+                  </a:ext>
+                </a:extLst>
+              </p:cNvPr>
+              <p:cNvSpPr txBox="1">
+                <a:spLocks noRot="1" noChangeAspect="1" noMove="1" noResize="1" noEditPoints="1" noAdjustHandles="1" noChangeArrowheads="1" noChangeShapeType="1" noTextEdit="1"/>
+              </p:cNvSpPr>
+              <p:nvPr/>
+            </p:nvSpPr>
+            <p:spPr>
+              <a:xfrm>
+                <a:off x="476098" y="1907828"/>
+                <a:ext cx="5653769" cy="2814740"/>
+              </a:xfrm>
+              <a:prstGeom prst="rect">
+                <a:avLst/>
+              </a:prstGeom>
+              <a:blipFill>
+                <a:blip r:embed="rId5"/>
+                <a:stretch>
+                  <a:fillRect l="-1940" t="-3680"/>
+                </a:stretch>
+              </a:blipFill>
+            </p:spPr>
+            <p:txBody>
+              <a:bodyPr/>
+              <a:lstStyle/>
+              <a:p>
+                <a:r>
+                  <a:rPr lang="en-US">
+                    <a:noFill/>
+                  </a:rPr>
+                  <a:t> </a:t>
+                </a:r>
+              </a:p>
+            </p:txBody>
+          </p:sp>
+        </mc:Fallback>
+      </mc:AlternateContent>
+    </p:spTree>
+    <p:extLst>
+      <p:ext uri="{BB962C8B-B14F-4D97-AF65-F5344CB8AC3E}">
+        <p14:creationId xmlns:p14="http://schemas.microsoft.com/office/powerpoint/2010/main" val="2686472339"/>
+      </p:ext>
+    </p:extLst>
+  </p:cSld>
+  <p:clrMapOvr>
+    <a:masterClrMapping/>
+  </p:clrMapOvr>
+</p:sld>
+</file>
+
+<file path=ppt/slides/slide18.xml><?xml version="1.0" encoding="utf-8"?>
 <p:sld xmlns:a="http://schemas.openxmlformats.org/drawingml/2006/main" xmlns:r="http://schemas.openxmlformats.org/officeDocument/2006/relationships" xmlns:p="http://schemas.openxmlformats.org/presentationml/2006/main">
   <p:cSld>
     <p:spTree>
@@ -14215,7 +15695,7 @@
 </p:sld>
 </file>
 
-<file path=ppt/slides/slide16.xml><?xml version="1.0" encoding="utf-8"?>
+<file path=ppt/slides/slide19.xml><?xml version="1.0" encoding="utf-8"?>
 <p:sld xmlns:a="http://schemas.openxmlformats.org/drawingml/2006/main" xmlns:r="http://schemas.openxmlformats.org/officeDocument/2006/relationships" xmlns:p="http://schemas.openxmlformats.org/presentationml/2006/main">
   <p:cSld>
     <p:spTree>
@@ -14273,8 +15753,8 @@
           </a:p>
         </p:txBody>
       </p:sp>
-      <mc:AlternateContent xmlns:mc="http://schemas.openxmlformats.org/markup-compatibility/2006">
-        <mc:Choice xmlns:a14="http://schemas.microsoft.com/office/drawing/2010/main" Requires="a14">
+      <mc:AlternateContent xmlns:mc="http://schemas.openxmlformats.org/markup-compatibility/2006" xmlns:a14="http://schemas.microsoft.com/office/drawing/2010/main">
+        <mc:Choice Requires="a14">
           <p:sp>
             <p:nvSpPr>
               <p:cNvPr id="3" name="Content Placeholder 2">
@@ -14665,7 +16145,7 @@
             </p:txBody>
           </p:sp>
         </mc:Choice>
-        <mc:Fallback>
+        <mc:Fallback xmlns="">
           <p:sp>
             <p:nvSpPr>
               <p:cNvPr id="3" name="Content Placeholder 2">
@@ -15121,7 +16601,464 @@
 </p:sld>
 </file>
 
-<file path=ppt/slides/slide17.xml><?xml version="1.0" encoding="utf-8"?>
+<file path=ppt/slides/slide2.xml><?xml version="1.0" encoding="utf-8"?>
+<p:sld xmlns:a="http://schemas.openxmlformats.org/drawingml/2006/main" xmlns:r="http://schemas.openxmlformats.org/officeDocument/2006/relationships" xmlns:p="http://schemas.openxmlformats.org/presentationml/2006/main">
+  <p:cSld>
+    <p:spTree>
+      <p:nvGrpSpPr>
+        <p:cNvPr id="1" name=""/>
+        <p:cNvGrpSpPr/>
+        <p:nvPr/>
+      </p:nvGrpSpPr>
+      <p:grpSpPr>
+        <a:xfrm>
+          <a:off x="0" y="0"/>
+          <a:ext cx="0" cy="0"/>
+          <a:chOff x="0" y="0"/>
+          <a:chExt cx="0" cy="0"/>
+        </a:xfrm>
+      </p:grpSpPr>
+      <p:sp>
+        <p:nvSpPr>
+          <p:cNvPr id="2" name="Title 1"/>
+          <p:cNvSpPr>
+            <a:spLocks noGrp="1"/>
+          </p:cNvSpPr>
+          <p:nvPr>
+            <p:ph type="title"/>
+          </p:nvPr>
+        </p:nvSpPr>
+        <p:spPr>
+          <a:xfrm>
+            <a:off x="584200" y="221992"/>
+            <a:ext cx="10515600" cy="530954"/>
+          </a:xfrm>
+        </p:spPr>
+        <p:txBody>
+          <a:bodyPr>
+            <a:normAutofit fontScale="90000"/>
+          </a:bodyPr>
+          <a:lstStyle/>
+          <a:p>
+            <a:r>
+              <a:rPr lang="en-US" dirty="0"/>
+              <a:t>Measuring similarity and dissimilarity</a:t>
+            </a:r>
+          </a:p>
+        </p:txBody>
+      </p:sp>
+      <p:sp>
+        <p:nvSpPr>
+          <p:cNvPr id="3" name="Content Placeholder 2"/>
+          <p:cNvSpPr>
+            <a:spLocks noGrp="1"/>
+          </p:cNvSpPr>
+          <p:nvPr>
+            <p:ph sz="quarter" idx="10"/>
+          </p:nvPr>
+        </p:nvSpPr>
+        <p:spPr>
+          <a:xfrm>
+            <a:off x="333375" y="896079"/>
+            <a:ext cx="11525250" cy="5290388"/>
+          </a:xfrm>
+        </p:spPr>
+        <p:txBody>
+          <a:bodyPr>
+            <a:normAutofit/>
+          </a:bodyPr>
+          <a:lstStyle/>
+          <a:p>
+            <a:pPr marL="0" indent="0">
+              <a:buNone/>
+            </a:pPr>
+            <a:r>
+              <a:rPr lang="en-US" dirty="0">
+                <a:latin typeface="+mn-lt"/>
+              </a:rPr>
+              <a:t>Many data mining algorithms search for the most similar or dissimilar cases</a:t>
+            </a:r>
+          </a:p>
+          <a:p>
+            <a:r>
+              <a:rPr lang="en-US" dirty="0">
+                <a:latin typeface="+mn-lt"/>
+              </a:rPr>
+              <a:t>Similarity search is a core data mining method</a:t>
+            </a:r>
+          </a:p>
+          <a:p>
+            <a:r>
+              <a:rPr lang="en-US" dirty="0">
+                <a:latin typeface="+mn-lt"/>
+              </a:rPr>
+              <a:t>Many data mining algorithms rely on similarity (or dissimilarity) search   </a:t>
+            </a:r>
+          </a:p>
+          <a:p>
+            <a:pPr lvl="1"/>
+            <a:r>
+              <a:rPr lang="en-US" dirty="0">
+                <a:latin typeface="+mn-lt"/>
+              </a:rPr>
+              <a:t>Cluster models  </a:t>
+            </a:r>
+          </a:p>
+          <a:p>
+            <a:pPr lvl="1"/>
+            <a:r>
+              <a:rPr lang="en-US" dirty="0">
+                <a:latin typeface="+mn-lt"/>
+              </a:rPr>
+              <a:t>Nearest neighbor graph algorithms   </a:t>
+            </a:r>
+          </a:p>
+          <a:p>
+            <a:pPr lvl="1"/>
+            <a:r>
+              <a:rPr lang="en-US" dirty="0">
+                <a:latin typeface="+mn-lt"/>
+              </a:rPr>
+              <a:t>Recommender systems   </a:t>
+            </a:r>
+          </a:p>
+          <a:p>
+            <a:pPr lvl="1"/>
+            <a:r>
+              <a:rPr lang="en-US" dirty="0">
+                <a:latin typeface="+mn-lt"/>
+              </a:rPr>
+              <a:t>Dimensionality reduction </a:t>
+            </a:r>
+          </a:p>
+          <a:p>
+            <a:pPr lvl="1"/>
+            <a:r>
+              <a:rPr lang="en-US" dirty="0" err="1">
+                <a:latin typeface="+mn-lt"/>
+              </a:rPr>
+              <a:t>Etc</a:t>
+            </a:r>
+            <a:r>
+              <a:rPr lang="en-US" dirty="0">
+                <a:latin typeface="+mn-lt"/>
+              </a:rPr>
+              <a:t>…     </a:t>
+            </a:r>
+          </a:p>
+          <a:p>
+            <a:endParaRPr lang="en-US" dirty="0">
+              <a:latin typeface="+mn-lt"/>
+            </a:endParaRPr>
+          </a:p>
+          <a:p>
+            <a:endParaRPr lang="en-US" sz="2800" dirty="0">
+              <a:latin typeface="+mn-lt"/>
+            </a:endParaRPr>
+          </a:p>
+          <a:p>
+            <a:pPr lvl="1"/>
+            <a:endParaRPr lang="en-US" dirty="0"/>
+          </a:p>
+        </p:txBody>
+      </p:sp>
+    </p:spTree>
+    <p:extLst>
+      <p:ext uri="{BB962C8B-B14F-4D97-AF65-F5344CB8AC3E}">
+        <p14:creationId xmlns:p14="http://schemas.microsoft.com/office/powerpoint/2010/main" val="92654233"/>
+      </p:ext>
+    </p:extLst>
+  </p:cSld>
+  <p:clrMapOvr>
+    <a:masterClrMapping/>
+  </p:clrMapOvr>
+  <p:timing>
+    <p:tnLst>
+      <p:par>
+        <p:cTn id="1" dur="indefinite" restart="never" nodeType="tmRoot">
+          <p:childTnLst>
+            <p:seq concurrent="1" nextAc="seek">
+              <p:cTn id="2" dur="indefinite" nodeType="mainSeq">
+                <p:childTnLst>
+                  <p:par>
+                    <p:cTn id="3" fill="hold">
+                      <p:stCondLst>
+                        <p:cond delay="indefinite"/>
+                      </p:stCondLst>
+                      <p:childTnLst>
+                        <p:par>
+                          <p:cTn id="4" fill="hold">
+                            <p:stCondLst>
+                              <p:cond delay="0"/>
+                            </p:stCondLst>
+                            <p:childTnLst>
+                              <p:par>
+                                <p:cTn id="5" presetID="1" presetClass="entr" presetSubtype="0" fill="hold" nodeType="clickEffect">
+                                  <p:stCondLst>
+                                    <p:cond delay="0"/>
+                                  </p:stCondLst>
+                                  <p:childTnLst>
+                                    <p:set>
+                                      <p:cBhvr>
+                                        <p:cTn id="6" dur="1" fill="hold">
+                                          <p:stCondLst>
+                                            <p:cond delay="0"/>
+                                          </p:stCondLst>
+                                        </p:cTn>
+                                        <p:tgtEl>
+                                          <p:spTgt spid="3">
+                                            <p:txEl>
+                                              <p:pRg st="1" end="1"/>
+                                            </p:txEl>
+                                          </p:spTgt>
+                                        </p:tgtEl>
+                                        <p:attrNameLst>
+                                          <p:attrName>style.visibility</p:attrName>
+                                        </p:attrNameLst>
+                                      </p:cBhvr>
+                                      <p:to>
+                                        <p:strVal val="visible"/>
+                                      </p:to>
+                                    </p:set>
+                                  </p:childTnLst>
+                                </p:cTn>
+                              </p:par>
+                            </p:childTnLst>
+                          </p:cTn>
+                        </p:par>
+                      </p:childTnLst>
+                    </p:cTn>
+                  </p:par>
+                  <p:par>
+                    <p:cTn id="7" fill="hold">
+                      <p:stCondLst>
+                        <p:cond delay="indefinite"/>
+                      </p:stCondLst>
+                      <p:childTnLst>
+                        <p:par>
+                          <p:cTn id="8" fill="hold">
+                            <p:stCondLst>
+                              <p:cond delay="0"/>
+                            </p:stCondLst>
+                            <p:childTnLst>
+                              <p:par>
+                                <p:cTn id="9" presetID="1" presetClass="entr" presetSubtype="0" fill="hold" nodeType="clickEffect">
+                                  <p:stCondLst>
+                                    <p:cond delay="0"/>
+                                  </p:stCondLst>
+                                  <p:childTnLst>
+                                    <p:set>
+                                      <p:cBhvr>
+                                        <p:cTn id="10" dur="1" fill="hold">
+                                          <p:stCondLst>
+                                            <p:cond delay="0"/>
+                                          </p:stCondLst>
+                                        </p:cTn>
+                                        <p:tgtEl>
+                                          <p:spTgt spid="3">
+                                            <p:txEl>
+                                              <p:pRg st="2" end="2"/>
+                                            </p:txEl>
+                                          </p:spTgt>
+                                        </p:tgtEl>
+                                        <p:attrNameLst>
+                                          <p:attrName>style.visibility</p:attrName>
+                                        </p:attrNameLst>
+                                      </p:cBhvr>
+                                      <p:to>
+                                        <p:strVal val="visible"/>
+                                      </p:to>
+                                    </p:set>
+                                  </p:childTnLst>
+                                </p:cTn>
+                              </p:par>
+                              <p:par>
+                                <p:cTn id="11" presetID="1" presetClass="entr" presetSubtype="0" fill="hold" nodeType="withEffect">
+                                  <p:stCondLst>
+                                    <p:cond delay="0"/>
+                                  </p:stCondLst>
+                                  <p:childTnLst>
+                                    <p:set>
+                                      <p:cBhvr>
+                                        <p:cTn id="12" dur="1" fill="hold">
+                                          <p:stCondLst>
+                                            <p:cond delay="0"/>
+                                          </p:stCondLst>
+                                        </p:cTn>
+                                        <p:tgtEl>
+                                          <p:spTgt spid="3">
+                                            <p:txEl>
+                                              <p:pRg st="3" end="3"/>
+                                            </p:txEl>
+                                          </p:spTgt>
+                                        </p:tgtEl>
+                                        <p:attrNameLst>
+                                          <p:attrName>style.visibility</p:attrName>
+                                        </p:attrNameLst>
+                                      </p:cBhvr>
+                                      <p:to>
+                                        <p:strVal val="visible"/>
+                                      </p:to>
+                                    </p:set>
+                                  </p:childTnLst>
+                                </p:cTn>
+                              </p:par>
+                              <p:par>
+                                <p:cTn id="13" presetID="1" presetClass="entr" presetSubtype="0" fill="hold" nodeType="withEffect">
+                                  <p:stCondLst>
+                                    <p:cond delay="0"/>
+                                  </p:stCondLst>
+                                  <p:childTnLst>
+                                    <p:set>
+                                      <p:cBhvr>
+                                        <p:cTn id="14" dur="1" fill="hold">
+                                          <p:stCondLst>
+                                            <p:cond delay="0"/>
+                                          </p:stCondLst>
+                                        </p:cTn>
+                                        <p:tgtEl>
+                                          <p:spTgt spid="3">
+                                            <p:txEl>
+                                              <p:pRg st="4" end="4"/>
+                                            </p:txEl>
+                                          </p:spTgt>
+                                        </p:tgtEl>
+                                        <p:attrNameLst>
+                                          <p:attrName>style.visibility</p:attrName>
+                                        </p:attrNameLst>
+                                      </p:cBhvr>
+                                      <p:to>
+                                        <p:strVal val="visible"/>
+                                      </p:to>
+                                    </p:set>
+                                  </p:childTnLst>
+                                </p:cTn>
+                              </p:par>
+                              <p:par>
+                                <p:cTn id="15" presetID="1" presetClass="entr" presetSubtype="0" fill="hold" nodeType="withEffect">
+                                  <p:stCondLst>
+                                    <p:cond delay="0"/>
+                                  </p:stCondLst>
+                                  <p:childTnLst>
+                                    <p:set>
+                                      <p:cBhvr>
+                                        <p:cTn id="16" dur="1" fill="hold">
+                                          <p:stCondLst>
+                                            <p:cond delay="0"/>
+                                          </p:stCondLst>
+                                        </p:cTn>
+                                        <p:tgtEl>
+                                          <p:spTgt spid="3">
+                                            <p:txEl>
+                                              <p:pRg st="5" end="5"/>
+                                            </p:txEl>
+                                          </p:spTgt>
+                                        </p:tgtEl>
+                                        <p:attrNameLst>
+                                          <p:attrName>style.visibility</p:attrName>
+                                        </p:attrNameLst>
+                                      </p:cBhvr>
+                                      <p:to>
+                                        <p:strVal val="visible"/>
+                                      </p:to>
+                                    </p:set>
+                                  </p:childTnLst>
+                                </p:cTn>
+                              </p:par>
+                              <p:par>
+                                <p:cTn id="17" presetID="1" presetClass="entr" presetSubtype="0" fill="hold" nodeType="withEffect">
+                                  <p:stCondLst>
+                                    <p:cond delay="0"/>
+                                  </p:stCondLst>
+                                  <p:childTnLst>
+                                    <p:set>
+                                      <p:cBhvr>
+                                        <p:cTn id="18" dur="1" fill="hold">
+                                          <p:stCondLst>
+                                            <p:cond delay="0"/>
+                                          </p:stCondLst>
+                                        </p:cTn>
+                                        <p:tgtEl>
+                                          <p:spTgt spid="3">
+                                            <p:txEl>
+                                              <p:pRg st="6" end="6"/>
+                                            </p:txEl>
+                                          </p:spTgt>
+                                        </p:tgtEl>
+                                        <p:attrNameLst>
+                                          <p:attrName>style.visibility</p:attrName>
+                                        </p:attrNameLst>
+                                      </p:cBhvr>
+                                      <p:to>
+                                        <p:strVal val="visible"/>
+                                      </p:to>
+                                    </p:set>
+                                  </p:childTnLst>
+                                </p:cTn>
+                              </p:par>
+                              <p:par>
+                                <p:cTn id="19" presetID="1" presetClass="entr" presetSubtype="0" fill="hold" nodeType="withEffect">
+                                  <p:stCondLst>
+                                    <p:cond delay="0"/>
+                                  </p:stCondLst>
+                                  <p:childTnLst>
+                                    <p:set>
+                                      <p:cBhvr>
+                                        <p:cTn id="20" dur="1" fill="hold">
+                                          <p:stCondLst>
+                                            <p:cond delay="0"/>
+                                          </p:stCondLst>
+                                        </p:cTn>
+                                        <p:tgtEl>
+                                          <p:spTgt spid="3">
+                                            <p:txEl>
+                                              <p:pRg st="7" end="7"/>
+                                            </p:txEl>
+                                          </p:spTgt>
+                                        </p:tgtEl>
+                                        <p:attrNameLst>
+                                          <p:attrName>style.visibility</p:attrName>
+                                        </p:attrNameLst>
+                                      </p:cBhvr>
+                                      <p:to>
+                                        <p:strVal val="visible"/>
+                                      </p:to>
+                                    </p:set>
+                                  </p:childTnLst>
+                                </p:cTn>
+                              </p:par>
+                            </p:childTnLst>
+                          </p:cTn>
+                        </p:par>
+                      </p:childTnLst>
+                    </p:cTn>
+                  </p:par>
+                </p:childTnLst>
+              </p:cTn>
+              <p:prevCondLst>
+                <p:cond evt="onPrev" delay="0">
+                  <p:tgtEl>
+                    <p:sldTgt/>
+                  </p:tgtEl>
+                </p:cond>
+              </p:prevCondLst>
+              <p:nextCondLst>
+                <p:cond evt="onNext" delay="0">
+                  <p:tgtEl>
+                    <p:sldTgt/>
+                  </p:tgtEl>
+                </p:cond>
+              </p:nextCondLst>
+            </p:seq>
+          </p:childTnLst>
+        </p:cTn>
+      </p:par>
+    </p:tnLst>
+  </p:timing>
+</p:sld>
+</file>
+
+<file path=ppt/slides/slide20.xml><?xml version="1.0" encoding="utf-8"?>
 <p:sld xmlns:a="http://schemas.openxmlformats.org/drawingml/2006/main" xmlns:r="http://schemas.openxmlformats.org/officeDocument/2006/relationships" xmlns:p="http://schemas.openxmlformats.org/presentationml/2006/main">
   <p:cSld>
     <p:spTree>
@@ -15769,7 +17706,7 @@
 </p:sld>
 </file>
 
-<file path=ppt/slides/slide18.xml><?xml version="1.0" encoding="utf-8"?>
+<file path=ppt/slides/slide21.xml><?xml version="1.0" encoding="utf-8"?>
 <p:sld xmlns:a="http://schemas.openxmlformats.org/drawingml/2006/main" xmlns:r="http://schemas.openxmlformats.org/officeDocument/2006/relationships" xmlns:p="http://schemas.openxmlformats.org/presentationml/2006/main">
   <p:cSld>
     <p:spTree>
@@ -16747,7 +18684,7 @@
 </p:sld>
 </file>
 
-<file path=ppt/slides/slide19.xml><?xml version="1.0" encoding="utf-8"?>
+<file path=ppt/slides/slide22.xml><?xml version="1.0" encoding="utf-8"?>
 <p:sld xmlns:a="http://schemas.openxmlformats.org/drawingml/2006/main" xmlns:r="http://schemas.openxmlformats.org/officeDocument/2006/relationships" xmlns:p="http://schemas.openxmlformats.org/presentationml/2006/main">
   <p:cSld>
     <p:spTree>
@@ -17667,464 +19604,7 @@
 </p:sld>
 </file>
 
-<file path=ppt/slides/slide2.xml><?xml version="1.0" encoding="utf-8"?>
-<p:sld xmlns:a="http://schemas.openxmlformats.org/drawingml/2006/main" xmlns:r="http://schemas.openxmlformats.org/officeDocument/2006/relationships" xmlns:p="http://schemas.openxmlformats.org/presentationml/2006/main">
-  <p:cSld>
-    <p:spTree>
-      <p:nvGrpSpPr>
-        <p:cNvPr id="1" name=""/>
-        <p:cNvGrpSpPr/>
-        <p:nvPr/>
-      </p:nvGrpSpPr>
-      <p:grpSpPr>
-        <a:xfrm>
-          <a:off x="0" y="0"/>
-          <a:ext cx="0" cy="0"/>
-          <a:chOff x="0" y="0"/>
-          <a:chExt cx="0" cy="0"/>
-        </a:xfrm>
-      </p:grpSpPr>
-      <p:sp>
-        <p:nvSpPr>
-          <p:cNvPr id="2" name="Title 1"/>
-          <p:cNvSpPr>
-            <a:spLocks noGrp="1"/>
-          </p:cNvSpPr>
-          <p:nvPr>
-            <p:ph type="title"/>
-          </p:nvPr>
-        </p:nvSpPr>
-        <p:spPr>
-          <a:xfrm>
-            <a:off x="584200" y="221992"/>
-            <a:ext cx="10515600" cy="530954"/>
-          </a:xfrm>
-        </p:spPr>
-        <p:txBody>
-          <a:bodyPr>
-            <a:normAutofit fontScale="90000"/>
-          </a:bodyPr>
-          <a:lstStyle/>
-          <a:p>
-            <a:r>
-              <a:rPr lang="en-US" dirty="0"/>
-              <a:t>Measuring similarity and dissimilarity</a:t>
-            </a:r>
-          </a:p>
-        </p:txBody>
-      </p:sp>
-      <p:sp>
-        <p:nvSpPr>
-          <p:cNvPr id="3" name="Content Placeholder 2"/>
-          <p:cNvSpPr>
-            <a:spLocks noGrp="1"/>
-          </p:cNvSpPr>
-          <p:nvPr>
-            <p:ph sz="quarter" idx="10"/>
-          </p:nvPr>
-        </p:nvSpPr>
-        <p:spPr>
-          <a:xfrm>
-            <a:off x="333375" y="896079"/>
-            <a:ext cx="11525250" cy="5290388"/>
-          </a:xfrm>
-        </p:spPr>
-        <p:txBody>
-          <a:bodyPr>
-            <a:normAutofit/>
-          </a:bodyPr>
-          <a:lstStyle/>
-          <a:p>
-            <a:pPr marL="0" indent="0">
-              <a:buNone/>
-            </a:pPr>
-            <a:r>
-              <a:rPr lang="en-US" dirty="0">
-                <a:latin typeface="+mn-lt"/>
-              </a:rPr>
-              <a:t>Many data mining algorithms search for the most similar or dissimilar cases</a:t>
-            </a:r>
-          </a:p>
-          <a:p>
-            <a:r>
-              <a:rPr lang="en-US" dirty="0">
-                <a:latin typeface="+mn-lt"/>
-              </a:rPr>
-              <a:t>Similarity search is a core data mining method</a:t>
-            </a:r>
-          </a:p>
-          <a:p>
-            <a:r>
-              <a:rPr lang="en-US" dirty="0">
-                <a:latin typeface="+mn-lt"/>
-              </a:rPr>
-              <a:t>Many data mining algorithms rely on similarity (or dissimilarity) search   </a:t>
-            </a:r>
-          </a:p>
-          <a:p>
-            <a:pPr lvl="1"/>
-            <a:r>
-              <a:rPr lang="en-US" dirty="0">
-                <a:latin typeface="+mn-lt"/>
-              </a:rPr>
-              <a:t>Cluster models  </a:t>
-            </a:r>
-          </a:p>
-          <a:p>
-            <a:pPr lvl="1"/>
-            <a:r>
-              <a:rPr lang="en-US" dirty="0">
-                <a:latin typeface="+mn-lt"/>
-              </a:rPr>
-              <a:t>Nearest neighbor graph algorithms   </a:t>
-            </a:r>
-          </a:p>
-          <a:p>
-            <a:pPr lvl="1"/>
-            <a:r>
-              <a:rPr lang="en-US" dirty="0">
-                <a:latin typeface="+mn-lt"/>
-              </a:rPr>
-              <a:t>Recommender systems   </a:t>
-            </a:r>
-          </a:p>
-          <a:p>
-            <a:pPr lvl="1"/>
-            <a:r>
-              <a:rPr lang="en-US" dirty="0">
-                <a:latin typeface="+mn-lt"/>
-              </a:rPr>
-              <a:t>Dimensionality reduction </a:t>
-            </a:r>
-          </a:p>
-          <a:p>
-            <a:pPr lvl="1"/>
-            <a:r>
-              <a:rPr lang="en-US" dirty="0" err="1">
-                <a:latin typeface="+mn-lt"/>
-              </a:rPr>
-              <a:t>Etc</a:t>
-            </a:r>
-            <a:r>
-              <a:rPr lang="en-US" dirty="0">
-                <a:latin typeface="+mn-lt"/>
-              </a:rPr>
-              <a:t>…     </a:t>
-            </a:r>
-          </a:p>
-          <a:p>
-            <a:endParaRPr lang="en-US" dirty="0">
-              <a:latin typeface="+mn-lt"/>
-            </a:endParaRPr>
-          </a:p>
-          <a:p>
-            <a:endParaRPr lang="en-US" sz="2800" dirty="0">
-              <a:latin typeface="+mn-lt"/>
-            </a:endParaRPr>
-          </a:p>
-          <a:p>
-            <a:pPr lvl="1"/>
-            <a:endParaRPr lang="en-US" dirty="0"/>
-          </a:p>
-        </p:txBody>
-      </p:sp>
-    </p:spTree>
-    <p:extLst>
-      <p:ext uri="{BB962C8B-B14F-4D97-AF65-F5344CB8AC3E}">
-        <p14:creationId xmlns:p14="http://schemas.microsoft.com/office/powerpoint/2010/main" val="92654233"/>
-      </p:ext>
-    </p:extLst>
-  </p:cSld>
-  <p:clrMapOvr>
-    <a:masterClrMapping/>
-  </p:clrMapOvr>
-  <p:timing>
-    <p:tnLst>
-      <p:par>
-        <p:cTn id="1" dur="indefinite" restart="never" nodeType="tmRoot">
-          <p:childTnLst>
-            <p:seq concurrent="1" nextAc="seek">
-              <p:cTn id="2" dur="indefinite" nodeType="mainSeq">
-                <p:childTnLst>
-                  <p:par>
-                    <p:cTn id="3" fill="hold">
-                      <p:stCondLst>
-                        <p:cond delay="indefinite"/>
-                      </p:stCondLst>
-                      <p:childTnLst>
-                        <p:par>
-                          <p:cTn id="4" fill="hold">
-                            <p:stCondLst>
-                              <p:cond delay="0"/>
-                            </p:stCondLst>
-                            <p:childTnLst>
-                              <p:par>
-                                <p:cTn id="5" presetID="1" presetClass="entr" presetSubtype="0" fill="hold" nodeType="clickEffect">
-                                  <p:stCondLst>
-                                    <p:cond delay="0"/>
-                                  </p:stCondLst>
-                                  <p:childTnLst>
-                                    <p:set>
-                                      <p:cBhvr>
-                                        <p:cTn id="6" dur="1" fill="hold">
-                                          <p:stCondLst>
-                                            <p:cond delay="0"/>
-                                          </p:stCondLst>
-                                        </p:cTn>
-                                        <p:tgtEl>
-                                          <p:spTgt spid="3">
-                                            <p:txEl>
-                                              <p:pRg st="1" end="1"/>
-                                            </p:txEl>
-                                          </p:spTgt>
-                                        </p:tgtEl>
-                                        <p:attrNameLst>
-                                          <p:attrName>style.visibility</p:attrName>
-                                        </p:attrNameLst>
-                                      </p:cBhvr>
-                                      <p:to>
-                                        <p:strVal val="visible"/>
-                                      </p:to>
-                                    </p:set>
-                                  </p:childTnLst>
-                                </p:cTn>
-                              </p:par>
-                            </p:childTnLst>
-                          </p:cTn>
-                        </p:par>
-                      </p:childTnLst>
-                    </p:cTn>
-                  </p:par>
-                  <p:par>
-                    <p:cTn id="7" fill="hold">
-                      <p:stCondLst>
-                        <p:cond delay="indefinite"/>
-                      </p:stCondLst>
-                      <p:childTnLst>
-                        <p:par>
-                          <p:cTn id="8" fill="hold">
-                            <p:stCondLst>
-                              <p:cond delay="0"/>
-                            </p:stCondLst>
-                            <p:childTnLst>
-                              <p:par>
-                                <p:cTn id="9" presetID="1" presetClass="entr" presetSubtype="0" fill="hold" nodeType="clickEffect">
-                                  <p:stCondLst>
-                                    <p:cond delay="0"/>
-                                  </p:stCondLst>
-                                  <p:childTnLst>
-                                    <p:set>
-                                      <p:cBhvr>
-                                        <p:cTn id="10" dur="1" fill="hold">
-                                          <p:stCondLst>
-                                            <p:cond delay="0"/>
-                                          </p:stCondLst>
-                                        </p:cTn>
-                                        <p:tgtEl>
-                                          <p:spTgt spid="3">
-                                            <p:txEl>
-                                              <p:pRg st="2" end="2"/>
-                                            </p:txEl>
-                                          </p:spTgt>
-                                        </p:tgtEl>
-                                        <p:attrNameLst>
-                                          <p:attrName>style.visibility</p:attrName>
-                                        </p:attrNameLst>
-                                      </p:cBhvr>
-                                      <p:to>
-                                        <p:strVal val="visible"/>
-                                      </p:to>
-                                    </p:set>
-                                  </p:childTnLst>
-                                </p:cTn>
-                              </p:par>
-                              <p:par>
-                                <p:cTn id="11" presetID="1" presetClass="entr" presetSubtype="0" fill="hold" nodeType="withEffect">
-                                  <p:stCondLst>
-                                    <p:cond delay="0"/>
-                                  </p:stCondLst>
-                                  <p:childTnLst>
-                                    <p:set>
-                                      <p:cBhvr>
-                                        <p:cTn id="12" dur="1" fill="hold">
-                                          <p:stCondLst>
-                                            <p:cond delay="0"/>
-                                          </p:stCondLst>
-                                        </p:cTn>
-                                        <p:tgtEl>
-                                          <p:spTgt spid="3">
-                                            <p:txEl>
-                                              <p:pRg st="3" end="3"/>
-                                            </p:txEl>
-                                          </p:spTgt>
-                                        </p:tgtEl>
-                                        <p:attrNameLst>
-                                          <p:attrName>style.visibility</p:attrName>
-                                        </p:attrNameLst>
-                                      </p:cBhvr>
-                                      <p:to>
-                                        <p:strVal val="visible"/>
-                                      </p:to>
-                                    </p:set>
-                                  </p:childTnLst>
-                                </p:cTn>
-                              </p:par>
-                              <p:par>
-                                <p:cTn id="13" presetID="1" presetClass="entr" presetSubtype="0" fill="hold" nodeType="withEffect">
-                                  <p:stCondLst>
-                                    <p:cond delay="0"/>
-                                  </p:stCondLst>
-                                  <p:childTnLst>
-                                    <p:set>
-                                      <p:cBhvr>
-                                        <p:cTn id="14" dur="1" fill="hold">
-                                          <p:stCondLst>
-                                            <p:cond delay="0"/>
-                                          </p:stCondLst>
-                                        </p:cTn>
-                                        <p:tgtEl>
-                                          <p:spTgt spid="3">
-                                            <p:txEl>
-                                              <p:pRg st="4" end="4"/>
-                                            </p:txEl>
-                                          </p:spTgt>
-                                        </p:tgtEl>
-                                        <p:attrNameLst>
-                                          <p:attrName>style.visibility</p:attrName>
-                                        </p:attrNameLst>
-                                      </p:cBhvr>
-                                      <p:to>
-                                        <p:strVal val="visible"/>
-                                      </p:to>
-                                    </p:set>
-                                  </p:childTnLst>
-                                </p:cTn>
-                              </p:par>
-                              <p:par>
-                                <p:cTn id="15" presetID="1" presetClass="entr" presetSubtype="0" fill="hold" nodeType="withEffect">
-                                  <p:stCondLst>
-                                    <p:cond delay="0"/>
-                                  </p:stCondLst>
-                                  <p:childTnLst>
-                                    <p:set>
-                                      <p:cBhvr>
-                                        <p:cTn id="16" dur="1" fill="hold">
-                                          <p:stCondLst>
-                                            <p:cond delay="0"/>
-                                          </p:stCondLst>
-                                        </p:cTn>
-                                        <p:tgtEl>
-                                          <p:spTgt spid="3">
-                                            <p:txEl>
-                                              <p:pRg st="5" end="5"/>
-                                            </p:txEl>
-                                          </p:spTgt>
-                                        </p:tgtEl>
-                                        <p:attrNameLst>
-                                          <p:attrName>style.visibility</p:attrName>
-                                        </p:attrNameLst>
-                                      </p:cBhvr>
-                                      <p:to>
-                                        <p:strVal val="visible"/>
-                                      </p:to>
-                                    </p:set>
-                                  </p:childTnLst>
-                                </p:cTn>
-                              </p:par>
-                              <p:par>
-                                <p:cTn id="17" presetID="1" presetClass="entr" presetSubtype="0" fill="hold" nodeType="withEffect">
-                                  <p:stCondLst>
-                                    <p:cond delay="0"/>
-                                  </p:stCondLst>
-                                  <p:childTnLst>
-                                    <p:set>
-                                      <p:cBhvr>
-                                        <p:cTn id="18" dur="1" fill="hold">
-                                          <p:stCondLst>
-                                            <p:cond delay="0"/>
-                                          </p:stCondLst>
-                                        </p:cTn>
-                                        <p:tgtEl>
-                                          <p:spTgt spid="3">
-                                            <p:txEl>
-                                              <p:pRg st="6" end="6"/>
-                                            </p:txEl>
-                                          </p:spTgt>
-                                        </p:tgtEl>
-                                        <p:attrNameLst>
-                                          <p:attrName>style.visibility</p:attrName>
-                                        </p:attrNameLst>
-                                      </p:cBhvr>
-                                      <p:to>
-                                        <p:strVal val="visible"/>
-                                      </p:to>
-                                    </p:set>
-                                  </p:childTnLst>
-                                </p:cTn>
-                              </p:par>
-                              <p:par>
-                                <p:cTn id="19" presetID="1" presetClass="entr" presetSubtype="0" fill="hold" nodeType="withEffect">
-                                  <p:stCondLst>
-                                    <p:cond delay="0"/>
-                                  </p:stCondLst>
-                                  <p:childTnLst>
-                                    <p:set>
-                                      <p:cBhvr>
-                                        <p:cTn id="20" dur="1" fill="hold">
-                                          <p:stCondLst>
-                                            <p:cond delay="0"/>
-                                          </p:stCondLst>
-                                        </p:cTn>
-                                        <p:tgtEl>
-                                          <p:spTgt spid="3">
-                                            <p:txEl>
-                                              <p:pRg st="7" end="7"/>
-                                            </p:txEl>
-                                          </p:spTgt>
-                                        </p:tgtEl>
-                                        <p:attrNameLst>
-                                          <p:attrName>style.visibility</p:attrName>
-                                        </p:attrNameLst>
-                                      </p:cBhvr>
-                                      <p:to>
-                                        <p:strVal val="visible"/>
-                                      </p:to>
-                                    </p:set>
-                                  </p:childTnLst>
-                                </p:cTn>
-                              </p:par>
-                            </p:childTnLst>
-                          </p:cTn>
-                        </p:par>
-                      </p:childTnLst>
-                    </p:cTn>
-                  </p:par>
-                </p:childTnLst>
-              </p:cTn>
-              <p:prevCondLst>
-                <p:cond evt="onPrev" delay="0">
-                  <p:tgtEl>
-                    <p:sldTgt/>
-                  </p:tgtEl>
-                </p:cond>
-              </p:prevCondLst>
-              <p:nextCondLst>
-                <p:cond evt="onNext" delay="0">
-                  <p:tgtEl>
-                    <p:sldTgt/>
-                  </p:tgtEl>
-                </p:cond>
-              </p:nextCondLst>
-            </p:seq>
-          </p:childTnLst>
-        </p:cTn>
-      </p:par>
-    </p:tnLst>
-  </p:timing>
-</p:sld>
-</file>
-
-<file path=ppt/slides/slide20.xml><?xml version="1.0" encoding="utf-8"?>
+<file path=ppt/slides/slide23.xml><?xml version="1.0" encoding="utf-8"?>
 <p:sld xmlns:a="http://schemas.openxmlformats.org/drawingml/2006/main" xmlns:r="http://schemas.openxmlformats.org/officeDocument/2006/relationships" xmlns:p="http://schemas.openxmlformats.org/presentationml/2006/main">
   <p:cSld>
     <p:spTree>
@@ -18670,7 +20150,7 @@
 </p:sld>
 </file>
 
-<file path=ppt/slides/slide21.xml><?xml version="1.0" encoding="utf-8"?>
+<file path=ppt/slides/slide24.xml><?xml version="1.0" encoding="utf-8"?>
 <p:sld xmlns:a="http://schemas.openxmlformats.org/drawingml/2006/main" xmlns:r="http://schemas.openxmlformats.org/officeDocument/2006/relationships" xmlns:p="http://schemas.openxmlformats.org/presentationml/2006/main">
   <p:cSld>
     <p:spTree>
@@ -19172,7 +20652,7 @@
 </p:sld>
 </file>
 
-<file path=ppt/slides/slide22.xml><?xml version="1.0" encoding="utf-8"?>
+<file path=ppt/slides/slide25.xml><?xml version="1.0" encoding="utf-8"?>
 <p:sld xmlns:a="http://schemas.openxmlformats.org/drawingml/2006/main" xmlns:r="http://schemas.openxmlformats.org/officeDocument/2006/relationships" xmlns:p="http://schemas.openxmlformats.org/presentationml/2006/main">
   <p:cSld>
     <p:spTree>
@@ -20371,7 +21851,7 @@
 </p:sld>
 </file>
 
-<file path=ppt/slides/slide23.xml><?xml version="1.0" encoding="utf-8"?>
+<file path=ppt/slides/slide26.xml><?xml version="1.0" encoding="utf-8"?>
 <p:sld xmlns:a="http://schemas.openxmlformats.org/drawingml/2006/main" xmlns:r="http://schemas.openxmlformats.org/officeDocument/2006/relationships" xmlns:p="http://schemas.openxmlformats.org/presentationml/2006/main">
   <p:cSld>
     <p:spTree>
@@ -21602,7 +23082,7 @@
 </p:sld>
 </file>
 
-<file path=ppt/slides/slide24.xml><?xml version="1.0" encoding="utf-8"?>
+<file path=ppt/slides/slide27.xml><?xml version="1.0" encoding="utf-8"?>
 <p:sld xmlns:a="http://schemas.openxmlformats.org/drawingml/2006/main" xmlns:r="http://schemas.openxmlformats.org/officeDocument/2006/relationships" xmlns:p="http://schemas.openxmlformats.org/presentationml/2006/main">
   <p:cSld>
     <p:spTree>
@@ -22288,7 +23768,7 @@
 </p:sld>
 </file>
 
-<file path=ppt/slides/slide25.xml><?xml version="1.0" encoding="utf-8"?>
+<file path=ppt/slides/slide28.xml><?xml version="1.0" encoding="utf-8"?>
 <p:sld xmlns:a="http://schemas.openxmlformats.org/drawingml/2006/main" xmlns:r="http://schemas.openxmlformats.org/officeDocument/2006/relationships" xmlns:p="http://schemas.openxmlformats.org/presentationml/2006/main">
   <p:cSld>
     <p:spTree>
@@ -22934,7 +24414,7 @@
 </p:sld>
 </file>
 
-<file path=ppt/slides/slide26.xml><?xml version="1.0" encoding="utf-8"?>
+<file path=ppt/slides/slide29.xml><?xml version="1.0" encoding="utf-8"?>
 <p:sld xmlns:a="http://schemas.openxmlformats.org/drawingml/2006/main" xmlns:r="http://schemas.openxmlformats.org/officeDocument/2006/relationships" xmlns:p="http://schemas.openxmlformats.org/presentationml/2006/main">
   <p:cSld>
     <p:spTree>
@@ -23918,7 +25398,481 @@
 </p:sld>
 </file>
 
-<file path=ppt/slides/slide27.xml><?xml version="1.0" encoding="utf-8"?>
+<file path=ppt/slides/slide3.xml><?xml version="1.0" encoding="utf-8"?>
+<p:sld xmlns:a="http://schemas.openxmlformats.org/drawingml/2006/main" xmlns:r="http://schemas.openxmlformats.org/officeDocument/2006/relationships" xmlns:p="http://schemas.openxmlformats.org/presentationml/2006/main">
+  <p:cSld>
+    <p:spTree>
+      <p:nvGrpSpPr>
+        <p:cNvPr id="1" name=""/>
+        <p:cNvGrpSpPr/>
+        <p:nvPr/>
+      </p:nvGrpSpPr>
+      <p:grpSpPr>
+        <a:xfrm>
+          <a:off x="0" y="0"/>
+          <a:ext cx="0" cy="0"/>
+          <a:chOff x="0" y="0"/>
+          <a:chExt cx="0" cy="0"/>
+        </a:xfrm>
+      </p:grpSpPr>
+      <p:sp>
+        <p:nvSpPr>
+          <p:cNvPr id="2" name="Title 1"/>
+          <p:cNvSpPr>
+            <a:spLocks noGrp="1"/>
+          </p:cNvSpPr>
+          <p:nvPr>
+            <p:ph type="title"/>
+          </p:nvPr>
+        </p:nvSpPr>
+        <p:spPr>
+          <a:xfrm>
+            <a:off x="584200" y="221992"/>
+            <a:ext cx="10515600" cy="530954"/>
+          </a:xfrm>
+        </p:spPr>
+        <p:txBody>
+          <a:bodyPr>
+            <a:normAutofit fontScale="90000"/>
+          </a:bodyPr>
+          <a:lstStyle/>
+          <a:p>
+            <a:r>
+              <a:rPr lang="en-US" dirty="0"/>
+              <a:t>Measuring similarity and dissimilarity</a:t>
+            </a:r>
+          </a:p>
+        </p:txBody>
+      </p:sp>
+      <p:sp>
+        <p:nvSpPr>
+          <p:cNvPr id="3" name="Content Placeholder 2"/>
+          <p:cNvSpPr>
+            <a:spLocks noGrp="1"/>
+          </p:cNvSpPr>
+          <p:nvPr>
+            <p:ph sz="quarter" idx="10"/>
+          </p:nvPr>
+        </p:nvSpPr>
+        <p:spPr>
+          <a:xfrm>
+            <a:off x="333375" y="896079"/>
+            <a:ext cx="11525250" cy="5290388"/>
+          </a:xfrm>
+        </p:spPr>
+        <p:txBody>
+          <a:bodyPr>
+            <a:normAutofit/>
+          </a:bodyPr>
+          <a:lstStyle/>
+          <a:p>
+            <a:pPr marL="0" indent="0">
+              <a:buNone/>
+            </a:pPr>
+            <a:r>
+              <a:rPr lang="en-US" dirty="0">
+                <a:latin typeface="+mn-lt"/>
+              </a:rPr>
+              <a:t>Many data mining applications use search for the most similar or dissimilar cases</a:t>
+            </a:r>
+          </a:p>
+          <a:p>
+            <a:r>
+              <a:rPr lang="en-US" dirty="0">
+                <a:latin typeface="+mn-lt"/>
+              </a:rPr>
+              <a:t>Searching for documents with similar content</a:t>
+            </a:r>
+          </a:p>
+          <a:p>
+            <a:r>
+              <a:rPr lang="en-US" dirty="0">
+                <a:latin typeface="+mn-lt"/>
+              </a:rPr>
+              <a:t>Finding customers with similar movie interests </a:t>
+            </a:r>
+          </a:p>
+          <a:p>
+            <a:r>
+              <a:rPr lang="en-US" dirty="0">
+                <a:latin typeface="+mn-lt"/>
+              </a:rPr>
+              <a:t>Discovering similar mRNA sequences </a:t>
+            </a:r>
+          </a:p>
+          <a:p>
+            <a:r>
+              <a:rPr lang="en-US" dirty="0">
+                <a:latin typeface="+mn-lt"/>
+              </a:rPr>
+              <a:t>Finding the most similar sensor streams </a:t>
+            </a:r>
+          </a:p>
+          <a:p>
+            <a:r>
+              <a:rPr lang="en-US" dirty="0">
+                <a:latin typeface="+mn-lt"/>
+              </a:rPr>
+              <a:t>Finding similar products for recommendation </a:t>
+            </a:r>
+          </a:p>
+          <a:p>
+            <a:r>
+              <a:rPr lang="en-US" dirty="0">
+                <a:latin typeface="+mn-lt"/>
+              </a:rPr>
+              <a:t>And many others……………….. </a:t>
+            </a:r>
+          </a:p>
+          <a:p>
+            <a:endParaRPr lang="en-US" sz="2800" dirty="0">
+              <a:latin typeface="+mn-lt"/>
+            </a:endParaRPr>
+          </a:p>
+          <a:p>
+            <a:pPr lvl="1"/>
+            <a:endParaRPr lang="en-US" dirty="0"/>
+          </a:p>
+        </p:txBody>
+      </p:sp>
+    </p:spTree>
+    <p:extLst>
+      <p:ext uri="{BB962C8B-B14F-4D97-AF65-F5344CB8AC3E}">
+        <p14:creationId xmlns:p14="http://schemas.microsoft.com/office/powerpoint/2010/main" val="3043109730"/>
+      </p:ext>
+    </p:extLst>
+  </p:cSld>
+  <p:clrMapOvr>
+    <a:masterClrMapping/>
+  </p:clrMapOvr>
+  <p:timing>
+    <p:tnLst>
+      <p:par>
+        <p:cTn id="1" dur="indefinite" restart="never" nodeType="tmRoot">
+          <p:childTnLst>
+            <p:seq concurrent="1" nextAc="seek">
+              <p:cTn id="2" dur="indefinite" nodeType="mainSeq">
+                <p:childTnLst>
+                  <p:par>
+                    <p:cTn id="3" fill="hold">
+                      <p:stCondLst>
+                        <p:cond delay="indefinite"/>
+                      </p:stCondLst>
+                      <p:childTnLst>
+                        <p:par>
+                          <p:cTn id="4" fill="hold">
+                            <p:stCondLst>
+                              <p:cond delay="0"/>
+                            </p:stCondLst>
+                            <p:childTnLst>
+                              <p:par>
+                                <p:cTn id="5" presetID="1" presetClass="entr" presetSubtype="0" fill="hold" nodeType="clickEffect">
+                                  <p:stCondLst>
+                                    <p:cond delay="0"/>
+                                  </p:stCondLst>
+                                  <p:childTnLst>
+                                    <p:set>
+                                      <p:cBhvr>
+                                        <p:cTn id="6" dur="1" fill="hold">
+                                          <p:stCondLst>
+                                            <p:cond delay="0"/>
+                                          </p:stCondLst>
+                                        </p:cTn>
+                                        <p:tgtEl>
+                                          <p:spTgt spid="3">
+                                            <p:txEl>
+                                              <p:pRg st="1" end="1"/>
+                                            </p:txEl>
+                                          </p:spTgt>
+                                        </p:tgtEl>
+                                        <p:attrNameLst>
+                                          <p:attrName>style.visibility</p:attrName>
+                                        </p:attrNameLst>
+                                      </p:cBhvr>
+                                      <p:to>
+                                        <p:strVal val="visible"/>
+                                      </p:to>
+                                    </p:set>
+                                  </p:childTnLst>
+                                </p:cTn>
+                              </p:par>
+                            </p:childTnLst>
+                          </p:cTn>
+                        </p:par>
+                      </p:childTnLst>
+                    </p:cTn>
+                  </p:par>
+                  <p:par>
+                    <p:cTn id="7" fill="hold">
+                      <p:stCondLst>
+                        <p:cond delay="indefinite"/>
+                      </p:stCondLst>
+                      <p:childTnLst>
+                        <p:par>
+                          <p:cTn id="8" fill="hold">
+                            <p:stCondLst>
+                              <p:cond delay="0"/>
+                            </p:stCondLst>
+                            <p:childTnLst>
+                              <p:par>
+                                <p:cTn id="9" presetID="1" presetClass="entr" presetSubtype="0" fill="hold" nodeType="clickEffect">
+                                  <p:stCondLst>
+                                    <p:cond delay="0"/>
+                                  </p:stCondLst>
+                                  <p:childTnLst>
+                                    <p:set>
+                                      <p:cBhvr>
+                                        <p:cTn id="10" dur="1" fill="hold">
+                                          <p:stCondLst>
+                                            <p:cond delay="0"/>
+                                          </p:stCondLst>
+                                        </p:cTn>
+                                        <p:tgtEl>
+                                          <p:spTgt spid="3">
+                                            <p:txEl>
+                                              <p:pRg st="2" end="2"/>
+                                            </p:txEl>
+                                          </p:spTgt>
+                                        </p:tgtEl>
+                                        <p:attrNameLst>
+                                          <p:attrName>style.visibility</p:attrName>
+                                        </p:attrNameLst>
+                                      </p:cBhvr>
+                                      <p:to>
+                                        <p:strVal val="visible"/>
+                                      </p:to>
+                                    </p:set>
+                                  </p:childTnLst>
+                                </p:cTn>
+                              </p:par>
+                            </p:childTnLst>
+                          </p:cTn>
+                        </p:par>
+                      </p:childTnLst>
+                    </p:cTn>
+                  </p:par>
+                  <p:par>
+                    <p:cTn id="11" fill="hold">
+                      <p:stCondLst>
+                        <p:cond delay="indefinite"/>
+                      </p:stCondLst>
+                      <p:childTnLst>
+                        <p:par>
+                          <p:cTn id="12" fill="hold">
+                            <p:stCondLst>
+                              <p:cond delay="0"/>
+                            </p:stCondLst>
+                            <p:childTnLst>
+                              <p:par>
+                                <p:cTn id="13" presetID="1" presetClass="entr" presetSubtype="0" fill="hold" nodeType="clickEffect">
+                                  <p:stCondLst>
+                                    <p:cond delay="0"/>
+                                  </p:stCondLst>
+                                  <p:childTnLst>
+                                    <p:set>
+                                      <p:cBhvr>
+                                        <p:cTn id="14" dur="1" fill="hold">
+                                          <p:stCondLst>
+                                            <p:cond delay="0"/>
+                                          </p:stCondLst>
+                                        </p:cTn>
+                                        <p:tgtEl>
+                                          <p:spTgt spid="3">
+                                            <p:txEl>
+                                              <p:pRg st="3" end="3"/>
+                                            </p:txEl>
+                                          </p:spTgt>
+                                        </p:tgtEl>
+                                        <p:attrNameLst>
+                                          <p:attrName>style.visibility</p:attrName>
+                                        </p:attrNameLst>
+                                      </p:cBhvr>
+                                      <p:to>
+                                        <p:strVal val="visible"/>
+                                      </p:to>
+                                    </p:set>
+                                  </p:childTnLst>
+                                </p:cTn>
+                              </p:par>
+                            </p:childTnLst>
+                          </p:cTn>
+                        </p:par>
+                      </p:childTnLst>
+                    </p:cTn>
+                  </p:par>
+                  <p:par>
+                    <p:cTn id="15" fill="hold">
+                      <p:stCondLst>
+                        <p:cond delay="indefinite"/>
+                      </p:stCondLst>
+                      <p:childTnLst>
+                        <p:par>
+                          <p:cTn id="16" fill="hold">
+                            <p:stCondLst>
+                              <p:cond delay="0"/>
+                            </p:stCondLst>
+                            <p:childTnLst>
+                              <p:par>
+                                <p:cTn id="17" presetID="1" presetClass="entr" presetSubtype="0" fill="hold" nodeType="clickEffect">
+                                  <p:stCondLst>
+                                    <p:cond delay="0"/>
+                                  </p:stCondLst>
+                                  <p:childTnLst>
+                                    <p:set>
+                                      <p:cBhvr>
+                                        <p:cTn id="18" dur="1" fill="hold">
+                                          <p:stCondLst>
+                                            <p:cond delay="0"/>
+                                          </p:stCondLst>
+                                        </p:cTn>
+                                        <p:tgtEl>
+                                          <p:spTgt spid="3">
+                                            <p:txEl>
+                                              <p:pRg st="4" end="4"/>
+                                            </p:txEl>
+                                          </p:spTgt>
+                                        </p:tgtEl>
+                                        <p:attrNameLst>
+                                          <p:attrName>style.visibility</p:attrName>
+                                        </p:attrNameLst>
+                                      </p:cBhvr>
+                                      <p:to>
+                                        <p:strVal val="visible"/>
+                                      </p:to>
+                                    </p:set>
+                                  </p:childTnLst>
+                                </p:cTn>
+                              </p:par>
+                            </p:childTnLst>
+                          </p:cTn>
+                        </p:par>
+                      </p:childTnLst>
+                    </p:cTn>
+                  </p:par>
+                  <p:par>
+                    <p:cTn id="19" fill="hold">
+                      <p:stCondLst>
+                        <p:cond delay="indefinite"/>
+                      </p:stCondLst>
+                      <p:childTnLst>
+                        <p:par>
+                          <p:cTn id="20" fill="hold">
+                            <p:stCondLst>
+                              <p:cond delay="0"/>
+                            </p:stCondLst>
+                            <p:childTnLst>
+                              <p:par>
+                                <p:cTn id="21" presetID="1" presetClass="entr" presetSubtype="0" fill="hold" nodeType="clickEffect">
+                                  <p:stCondLst>
+                                    <p:cond delay="0"/>
+                                  </p:stCondLst>
+                                  <p:childTnLst>
+                                    <p:set>
+                                      <p:cBhvr>
+                                        <p:cTn id="22" dur="1" fill="hold">
+                                          <p:stCondLst>
+                                            <p:cond delay="0"/>
+                                          </p:stCondLst>
+                                        </p:cTn>
+                                        <p:tgtEl>
+                                          <p:spTgt spid="3">
+                                            <p:txEl>
+                                              <p:pRg st="5" end="5"/>
+                                            </p:txEl>
+                                          </p:spTgt>
+                                        </p:tgtEl>
+                                        <p:attrNameLst>
+                                          <p:attrName>style.visibility</p:attrName>
+                                        </p:attrNameLst>
+                                      </p:cBhvr>
+                                      <p:to>
+                                        <p:strVal val="visible"/>
+                                      </p:to>
+                                    </p:set>
+                                  </p:childTnLst>
+                                </p:cTn>
+                              </p:par>
+                            </p:childTnLst>
+                          </p:cTn>
+                        </p:par>
+                      </p:childTnLst>
+                    </p:cTn>
+                  </p:par>
+                  <p:par>
+                    <p:cTn id="23" fill="hold">
+                      <p:stCondLst>
+                        <p:cond delay="indefinite"/>
+                      </p:stCondLst>
+                      <p:childTnLst>
+                        <p:par>
+                          <p:cTn id="24" fill="hold">
+                            <p:stCondLst>
+                              <p:cond delay="0"/>
+                            </p:stCondLst>
+                            <p:childTnLst>
+                              <p:par>
+                                <p:cTn id="25" presetID="1" presetClass="entr" presetSubtype="0" fill="hold" nodeType="clickEffect">
+                                  <p:stCondLst>
+                                    <p:cond delay="0"/>
+                                  </p:stCondLst>
+                                  <p:childTnLst>
+                                    <p:set>
+                                      <p:cBhvr>
+                                        <p:cTn id="26" dur="1" fill="hold">
+                                          <p:stCondLst>
+                                            <p:cond delay="0"/>
+                                          </p:stCondLst>
+                                        </p:cTn>
+                                        <p:tgtEl>
+                                          <p:spTgt spid="3">
+                                            <p:txEl>
+                                              <p:pRg st="6" end="6"/>
+                                            </p:txEl>
+                                          </p:spTgt>
+                                        </p:tgtEl>
+                                        <p:attrNameLst>
+                                          <p:attrName>style.visibility</p:attrName>
+                                        </p:attrNameLst>
+                                      </p:cBhvr>
+                                      <p:to>
+                                        <p:strVal val="visible"/>
+                                      </p:to>
+                                    </p:set>
+                                  </p:childTnLst>
+                                </p:cTn>
+                              </p:par>
+                            </p:childTnLst>
+                          </p:cTn>
+                        </p:par>
+                      </p:childTnLst>
+                    </p:cTn>
+                  </p:par>
+                </p:childTnLst>
+              </p:cTn>
+              <p:prevCondLst>
+                <p:cond evt="onPrev" delay="0">
+                  <p:tgtEl>
+                    <p:sldTgt/>
+                  </p:tgtEl>
+                </p:cond>
+              </p:prevCondLst>
+              <p:nextCondLst>
+                <p:cond evt="onNext" delay="0">
+                  <p:tgtEl>
+                    <p:sldTgt/>
+                  </p:tgtEl>
+                </p:cond>
+              </p:nextCondLst>
+            </p:seq>
+          </p:childTnLst>
+        </p:cTn>
+      </p:par>
+    </p:tnLst>
+  </p:timing>
+</p:sld>
+</file>
+
+<file path=ppt/slides/slide30.xml><?xml version="1.0" encoding="utf-8"?>
 <p:sld xmlns:a="http://schemas.openxmlformats.org/drawingml/2006/main" xmlns:r="http://schemas.openxmlformats.org/officeDocument/2006/relationships" xmlns:p="http://schemas.openxmlformats.org/presentationml/2006/main">
   <p:cSld>
     <p:spTree>
@@ -23964,8 +25918,8 @@
           </a:p>
         </p:txBody>
       </p:sp>
-      <mc:AlternateContent xmlns:mc="http://schemas.openxmlformats.org/markup-compatibility/2006">
-        <mc:Choice xmlns:a14="http://schemas.microsoft.com/office/drawing/2010/main" Requires="a14">
+      <mc:AlternateContent xmlns:mc="http://schemas.openxmlformats.org/markup-compatibility/2006" xmlns:a14="http://schemas.microsoft.com/office/drawing/2010/main">
+        <mc:Choice Requires="a14">
           <p:sp>
             <p:nvSpPr>
               <p:cNvPr id="3" name="Content Placeholder 2"/>
@@ -24791,7 +26745,7 @@
             </p:txBody>
           </p:sp>
         </mc:Choice>
-        <mc:Fallback>
+        <mc:Fallback xmlns="">
           <p:sp>
             <p:nvSpPr>
               <p:cNvPr id="3" name="Content Placeholder 2"/>
@@ -25254,7 +27208,7 @@
 </p:sld>
 </file>
 
-<file path=ppt/slides/slide28.xml><?xml version="1.0" encoding="utf-8"?>
+<file path=ppt/slides/slide31.xml><?xml version="1.0" encoding="utf-8"?>
 <p:sld xmlns:a="http://schemas.openxmlformats.org/drawingml/2006/main" xmlns:r="http://schemas.openxmlformats.org/officeDocument/2006/relationships" xmlns:p="http://schemas.openxmlformats.org/presentationml/2006/main">
   <p:cSld>
     <p:spTree>
@@ -25972,8 +27926,8 @@
           </a:p>
         </p:txBody>
       </p:sp>
-      <mc:AlternateContent xmlns:mc="http://schemas.openxmlformats.org/markup-compatibility/2006">
-        <mc:Choice xmlns:a14="http://schemas.microsoft.com/office/drawing/2010/main" Requires="a14">
+      <mc:AlternateContent xmlns:mc="http://schemas.openxmlformats.org/markup-compatibility/2006" xmlns:a14="http://schemas.microsoft.com/office/drawing/2010/main">
+        <mc:Choice Requires="a14">
           <p:sp>
             <p:nvSpPr>
               <p:cNvPr id="17" name="TextBox 16">
@@ -26393,7 +28347,7 @@
             </p:txBody>
           </p:sp>
         </mc:Choice>
-        <mc:Fallback>
+        <mc:Fallback xmlns="">
           <p:sp>
             <p:nvSpPr>
               <p:cNvPr id="17" name="TextBox 16">
@@ -27112,7 +29066,7 @@
 </p:sld>
 </file>
 
-<file path=ppt/slides/slide29.xml><?xml version="1.0" encoding="utf-8"?>
+<file path=ppt/slides/slide32.xml><?xml version="1.0" encoding="utf-8"?>
 <p:sld xmlns:a="http://schemas.openxmlformats.org/drawingml/2006/main" xmlns:r="http://schemas.openxmlformats.org/officeDocument/2006/relationships" xmlns:p="http://schemas.openxmlformats.org/presentationml/2006/main">
   <p:cSld>
     <p:spTree>
@@ -29023,481 +30977,7 @@
 </p:sld>
 </file>
 
-<file path=ppt/slides/slide3.xml><?xml version="1.0" encoding="utf-8"?>
-<p:sld xmlns:a="http://schemas.openxmlformats.org/drawingml/2006/main" xmlns:r="http://schemas.openxmlformats.org/officeDocument/2006/relationships" xmlns:p="http://schemas.openxmlformats.org/presentationml/2006/main">
-  <p:cSld>
-    <p:spTree>
-      <p:nvGrpSpPr>
-        <p:cNvPr id="1" name=""/>
-        <p:cNvGrpSpPr/>
-        <p:nvPr/>
-      </p:nvGrpSpPr>
-      <p:grpSpPr>
-        <a:xfrm>
-          <a:off x="0" y="0"/>
-          <a:ext cx="0" cy="0"/>
-          <a:chOff x="0" y="0"/>
-          <a:chExt cx="0" cy="0"/>
-        </a:xfrm>
-      </p:grpSpPr>
-      <p:sp>
-        <p:nvSpPr>
-          <p:cNvPr id="2" name="Title 1"/>
-          <p:cNvSpPr>
-            <a:spLocks noGrp="1"/>
-          </p:cNvSpPr>
-          <p:nvPr>
-            <p:ph type="title"/>
-          </p:nvPr>
-        </p:nvSpPr>
-        <p:spPr>
-          <a:xfrm>
-            <a:off x="584200" y="221992"/>
-            <a:ext cx="10515600" cy="530954"/>
-          </a:xfrm>
-        </p:spPr>
-        <p:txBody>
-          <a:bodyPr>
-            <a:normAutofit fontScale="90000"/>
-          </a:bodyPr>
-          <a:lstStyle/>
-          <a:p>
-            <a:r>
-              <a:rPr lang="en-US" dirty="0"/>
-              <a:t>Measuring similarity and dissimilarity</a:t>
-            </a:r>
-          </a:p>
-        </p:txBody>
-      </p:sp>
-      <p:sp>
-        <p:nvSpPr>
-          <p:cNvPr id="3" name="Content Placeholder 2"/>
-          <p:cNvSpPr>
-            <a:spLocks noGrp="1"/>
-          </p:cNvSpPr>
-          <p:nvPr>
-            <p:ph sz="quarter" idx="10"/>
-          </p:nvPr>
-        </p:nvSpPr>
-        <p:spPr>
-          <a:xfrm>
-            <a:off x="333375" y="896079"/>
-            <a:ext cx="11525250" cy="5290388"/>
-          </a:xfrm>
-        </p:spPr>
-        <p:txBody>
-          <a:bodyPr>
-            <a:normAutofit/>
-          </a:bodyPr>
-          <a:lstStyle/>
-          <a:p>
-            <a:pPr marL="0" indent="0">
-              <a:buNone/>
-            </a:pPr>
-            <a:r>
-              <a:rPr lang="en-US" dirty="0">
-                <a:latin typeface="+mn-lt"/>
-              </a:rPr>
-              <a:t>Many data mining applications use search for the most similar or dissimilar cases</a:t>
-            </a:r>
-          </a:p>
-          <a:p>
-            <a:r>
-              <a:rPr lang="en-US" dirty="0">
-                <a:latin typeface="+mn-lt"/>
-              </a:rPr>
-              <a:t>Searching for documents with similar content</a:t>
-            </a:r>
-          </a:p>
-          <a:p>
-            <a:r>
-              <a:rPr lang="en-US" dirty="0">
-                <a:latin typeface="+mn-lt"/>
-              </a:rPr>
-              <a:t>Finding customers with similar movie interests </a:t>
-            </a:r>
-          </a:p>
-          <a:p>
-            <a:r>
-              <a:rPr lang="en-US" dirty="0">
-                <a:latin typeface="+mn-lt"/>
-              </a:rPr>
-              <a:t>Discovering similar mRNA sequences </a:t>
-            </a:r>
-          </a:p>
-          <a:p>
-            <a:r>
-              <a:rPr lang="en-US" dirty="0">
-                <a:latin typeface="+mn-lt"/>
-              </a:rPr>
-              <a:t>Finding the most similar sensor streams </a:t>
-            </a:r>
-          </a:p>
-          <a:p>
-            <a:r>
-              <a:rPr lang="en-US" dirty="0">
-                <a:latin typeface="+mn-lt"/>
-              </a:rPr>
-              <a:t>Finding similar products for recommendation </a:t>
-            </a:r>
-          </a:p>
-          <a:p>
-            <a:r>
-              <a:rPr lang="en-US" dirty="0">
-                <a:latin typeface="+mn-lt"/>
-              </a:rPr>
-              <a:t>And many others……………….. </a:t>
-            </a:r>
-          </a:p>
-          <a:p>
-            <a:endParaRPr lang="en-US" sz="2800" dirty="0">
-              <a:latin typeface="+mn-lt"/>
-            </a:endParaRPr>
-          </a:p>
-          <a:p>
-            <a:pPr lvl="1"/>
-            <a:endParaRPr lang="en-US" dirty="0"/>
-          </a:p>
-        </p:txBody>
-      </p:sp>
-    </p:spTree>
-    <p:extLst>
-      <p:ext uri="{BB962C8B-B14F-4D97-AF65-F5344CB8AC3E}">
-        <p14:creationId xmlns:p14="http://schemas.microsoft.com/office/powerpoint/2010/main" val="3043109730"/>
-      </p:ext>
-    </p:extLst>
-  </p:cSld>
-  <p:clrMapOvr>
-    <a:masterClrMapping/>
-  </p:clrMapOvr>
-  <p:timing>
-    <p:tnLst>
-      <p:par>
-        <p:cTn id="1" dur="indefinite" restart="never" nodeType="tmRoot">
-          <p:childTnLst>
-            <p:seq concurrent="1" nextAc="seek">
-              <p:cTn id="2" dur="indefinite" nodeType="mainSeq">
-                <p:childTnLst>
-                  <p:par>
-                    <p:cTn id="3" fill="hold">
-                      <p:stCondLst>
-                        <p:cond delay="indefinite"/>
-                      </p:stCondLst>
-                      <p:childTnLst>
-                        <p:par>
-                          <p:cTn id="4" fill="hold">
-                            <p:stCondLst>
-                              <p:cond delay="0"/>
-                            </p:stCondLst>
-                            <p:childTnLst>
-                              <p:par>
-                                <p:cTn id="5" presetID="1" presetClass="entr" presetSubtype="0" fill="hold" nodeType="clickEffect">
-                                  <p:stCondLst>
-                                    <p:cond delay="0"/>
-                                  </p:stCondLst>
-                                  <p:childTnLst>
-                                    <p:set>
-                                      <p:cBhvr>
-                                        <p:cTn id="6" dur="1" fill="hold">
-                                          <p:stCondLst>
-                                            <p:cond delay="0"/>
-                                          </p:stCondLst>
-                                        </p:cTn>
-                                        <p:tgtEl>
-                                          <p:spTgt spid="3">
-                                            <p:txEl>
-                                              <p:pRg st="1" end="1"/>
-                                            </p:txEl>
-                                          </p:spTgt>
-                                        </p:tgtEl>
-                                        <p:attrNameLst>
-                                          <p:attrName>style.visibility</p:attrName>
-                                        </p:attrNameLst>
-                                      </p:cBhvr>
-                                      <p:to>
-                                        <p:strVal val="visible"/>
-                                      </p:to>
-                                    </p:set>
-                                  </p:childTnLst>
-                                </p:cTn>
-                              </p:par>
-                            </p:childTnLst>
-                          </p:cTn>
-                        </p:par>
-                      </p:childTnLst>
-                    </p:cTn>
-                  </p:par>
-                  <p:par>
-                    <p:cTn id="7" fill="hold">
-                      <p:stCondLst>
-                        <p:cond delay="indefinite"/>
-                      </p:stCondLst>
-                      <p:childTnLst>
-                        <p:par>
-                          <p:cTn id="8" fill="hold">
-                            <p:stCondLst>
-                              <p:cond delay="0"/>
-                            </p:stCondLst>
-                            <p:childTnLst>
-                              <p:par>
-                                <p:cTn id="9" presetID="1" presetClass="entr" presetSubtype="0" fill="hold" nodeType="clickEffect">
-                                  <p:stCondLst>
-                                    <p:cond delay="0"/>
-                                  </p:stCondLst>
-                                  <p:childTnLst>
-                                    <p:set>
-                                      <p:cBhvr>
-                                        <p:cTn id="10" dur="1" fill="hold">
-                                          <p:stCondLst>
-                                            <p:cond delay="0"/>
-                                          </p:stCondLst>
-                                        </p:cTn>
-                                        <p:tgtEl>
-                                          <p:spTgt spid="3">
-                                            <p:txEl>
-                                              <p:pRg st="2" end="2"/>
-                                            </p:txEl>
-                                          </p:spTgt>
-                                        </p:tgtEl>
-                                        <p:attrNameLst>
-                                          <p:attrName>style.visibility</p:attrName>
-                                        </p:attrNameLst>
-                                      </p:cBhvr>
-                                      <p:to>
-                                        <p:strVal val="visible"/>
-                                      </p:to>
-                                    </p:set>
-                                  </p:childTnLst>
-                                </p:cTn>
-                              </p:par>
-                            </p:childTnLst>
-                          </p:cTn>
-                        </p:par>
-                      </p:childTnLst>
-                    </p:cTn>
-                  </p:par>
-                  <p:par>
-                    <p:cTn id="11" fill="hold">
-                      <p:stCondLst>
-                        <p:cond delay="indefinite"/>
-                      </p:stCondLst>
-                      <p:childTnLst>
-                        <p:par>
-                          <p:cTn id="12" fill="hold">
-                            <p:stCondLst>
-                              <p:cond delay="0"/>
-                            </p:stCondLst>
-                            <p:childTnLst>
-                              <p:par>
-                                <p:cTn id="13" presetID="1" presetClass="entr" presetSubtype="0" fill="hold" nodeType="clickEffect">
-                                  <p:stCondLst>
-                                    <p:cond delay="0"/>
-                                  </p:stCondLst>
-                                  <p:childTnLst>
-                                    <p:set>
-                                      <p:cBhvr>
-                                        <p:cTn id="14" dur="1" fill="hold">
-                                          <p:stCondLst>
-                                            <p:cond delay="0"/>
-                                          </p:stCondLst>
-                                        </p:cTn>
-                                        <p:tgtEl>
-                                          <p:spTgt spid="3">
-                                            <p:txEl>
-                                              <p:pRg st="3" end="3"/>
-                                            </p:txEl>
-                                          </p:spTgt>
-                                        </p:tgtEl>
-                                        <p:attrNameLst>
-                                          <p:attrName>style.visibility</p:attrName>
-                                        </p:attrNameLst>
-                                      </p:cBhvr>
-                                      <p:to>
-                                        <p:strVal val="visible"/>
-                                      </p:to>
-                                    </p:set>
-                                  </p:childTnLst>
-                                </p:cTn>
-                              </p:par>
-                            </p:childTnLst>
-                          </p:cTn>
-                        </p:par>
-                      </p:childTnLst>
-                    </p:cTn>
-                  </p:par>
-                  <p:par>
-                    <p:cTn id="15" fill="hold">
-                      <p:stCondLst>
-                        <p:cond delay="indefinite"/>
-                      </p:stCondLst>
-                      <p:childTnLst>
-                        <p:par>
-                          <p:cTn id="16" fill="hold">
-                            <p:stCondLst>
-                              <p:cond delay="0"/>
-                            </p:stCondLst>
-                            <p:childTnLst>
-                              <p:par>
-                                <p:cTn id="17" presetID="1" presetClass="entr" presetSubtype="0" fill="hold" nodeType="clickEffect">
-                                  <p:stCondLst>
-                                    <p:cond delay="0"/>
-                                  </p:stCondLst>
-                                  <p:childTnLst>
-                                    <p:set>
-                                      <p:cBhvr>
-                                        <p:cTn id="18" dur="1" fill="hold">
-                                          <p:stCondLst>
-                                            <p:cond delay="0"/>
-                                          </p:stCondLst>
-                                        </p:cTn>
-                                        <p:tgtEl>
-                                          <p:spTgt spid="3">
-                                            <p:txEl>
-                                              <p:pRg st="4" end="4"/>
-                                            </p:txEl>
-                                          </p:spTgt>
-                                        </p:tgtEl>
-                                        <p:attrNameLst>
-                                          <p:attrName>style.visibility</p:attrName>
-                                        </p:attrNameLst>
-                                      </p:cBhvr>
-                                      <p:to>
-                                        <p:strVal val="visible"/>
-                                      </p:to>
-                                    </p:set>
-                                  </p:childTnLst>
-                                </p:cTn>
-                              </p:par>
-                            </p:childTnLst>
-                          </p:cTn>
-                        </p:par>
-                      </p:childTnLst>
-                    </p:cTn>
-                  </p:par>
-                  <p:par>
-                    <p:cTn id="19" fill="hold">
-                      <p:stCondLst>
-                        <p:cond delay="indefinite"/>
-                      </p:stCondLst>
-                      <p:childTnLst>
-                        <p:par>
-                          <p:cTn id="20" fill="hold">
-                            <p:stCondLst>
-                              <p:cond delay="0"/>
-                            </p:stCondLst>
-                            <p:childTnLst>
-                              <p:par>
-                                <p:cTn id="21" presetID="1" presetClass="entr" presetSubtype="0" fill="hold" nodeType="clickEffect">
-                                  <p:stCondLst>
-                                    <p:cond delay="0"/>
-                                  </p:stCondLst>
-                                  <p:childTnLst>
-                                    <p:set>
-                                      <p:cBhvr>
-                                        <p:cTn id="22" dur="1" fill="hold">
-                                          <p:stCondLst>
-                                            <p:cond delay="0"/>
-                                          </p:stCondLst>
-                                        </p:cTn>
-                                        <p:tgtEl>
-                                          <p:spTgt spid="3">
-                                            <p:txEl>
-                                              <p:pRg st="5" end="5"/>
-                                            </p:txEl>
-                                          </p:spTgt>
-                                        </p:tgtEl>
-                                        <p:attrNameLst>
-                                          <p:attrName>style.visibility</p:attrName>
-                                        </p:attrNameLst>
-                                      </p:cBhvr>
-                                      <p:to>
-                                        <p:strVal val="visible"/>
-                                      </p:to>
-                                    </p:set>
-                                  </p:childTnLst>
-                                </p:cTn>
-                              </p:par>
-                            </p:childTnLst>
-                          </p:cTn>
-                        </p:par>
-                      </p:childTnLst>
-                    </p:cTn>
-                  </p:par>
-                  <p:par>
-                    <p:cTn id="23" fill="hold">
-                      <p:stCondLst>
-                        <p:cond delay="indefinite"/>
-                      </p:stCondLst>
-                      <p:childTnLst>
-                        <p:par>
-                          <p:cTn id="24" fill="hold">
-                            <p:stCondLst>
-                              <p:cond delay="0"/>
-                            </p:stCondLst>
-                            <p:childTnLst>
-                              <p:par>
-                                <p:cTn id="25" presetID="1" presetClass="entr" presetSubtype="0" fill="hold" nodeType="clickEffect">
-                                  <p:stCondLst>
-                                    <p:cond delay="0"/>
-                                  </p:stCondLst>
-                                  <p:childTnLst>
-                                    <p:set>
-                                      <p:cBhvr>
-                                        <p:cTn id="26" dur="1" fill="hold">
-                                          <p:stCondLst>
-                                            <p:cond delay="0"/>
-                                          </p:stCondLst>
-                                        </p:cTn>
-                                        <p:tgtEl>
-                                          <p:spTgt spid="3">
-                                            <p:txEl>
-                                              <p:pRg st="6" end="6"/>
-                                            </p:txEl>
-                                          </p:spTgt>
-                                        </p:tgtEl>
-                                        <p:attrNameLst>
-                                          <p:attrName>style.visibility</p:attrName>
-                                        </p:attrNameLst>
-                                      </p:cBhvr>
-                                      <p:to>
-                                        <p:strVal val="visible"/>
-                                      </p:to>
-                                    </p:set>
-                                  </p:childTnLst>
-                                </p:cTn>
-                              </p:par>
-                            </p:childTnLst>
-                          </p:cTn>
-                        </p:par>
-                      </p:childTnLst>
-                    </p:cTn>
-                  </p:par>
-                </p:childTnLst>
-              </p:cTn>
-              <p:prevCondLst>
-                <p:cond evt="onPrev" delay="0">
-                  <p:tgtEl>
-                    <p:sldTgt/>
-                  </p:tgtEl>
-                </p:cond>
-              </p:prevCondLst>
-              <p:nextCondLst>
-                <p:cond evt="onNext" delay="0">
-                  <p:tgtEl>
-                    <p:sldTgt/>
-                  </p:tgtEl>
-                </p:cond>
-              </p:nextCondLst>
-            </p:seq>
-          </p:childTnLst>
-        </p:cTn>
-      </p:par>
-    </p:tnLst>
-  </p:timing>
-</p:sld>
-</file>
-
-<file path=ppt/slides/slide30.xml><?xml version="1.0" encoding="utf-8"?>
+<file path=ppt/slides/slide33.xml><?xml version="1.0" encoding="utf-8"?>
 <p:sld xmlns:a="http://schemas.openxmlformats.org/drawingml/2006/main" xmlns:r="http://schemas.openxmlformats.org/officeDocument/2006/relationships" xmlns:p="http://schemas.openxmlformats.org/presentationml/2006/main">
   <p:cSld>
     <p:spTree>
@@ -31392,7 +32872,7 @@
 </p:sld>
 </file>
 
-<file path=ppt/slides/slide31.xml><?xml version="1.0" encoding="utf-8"?>
+<file path=ppt/slides/slide34.xml><?xml version="1.0" encoding="utf-8"?>
 <p:sld xmlns:a="http://schemas.openxmlformats.org/drawingml/2006/main" xmlns:r="http://schemas.openxmlformats.org/officeDocument/2006/relationships" xmlns:p="http://schemas.openxmlformats.org/presentationml/2006/main">
   <p:cSld>
     <p:spTree>
@@ -32342,7 +33822,7 @@
 </p:sld>
 </file>
 
-<file path=ppt/slides/slide32.xml><?xml version="1.0" encoding="utf-8"?>
+<file path=ppt/slides/slide35.xml><?xml version="1.0" encoding="utf-8"?>
 <p:sld xmlns:a="http://schemas.openxmlformats.org/drawingml/2006/main" xmlns:r="http://schemas.openxmlformats.org/officeDocument/2006/relationships" xmlns:p="http://schemas.openxmlformats.org/presentationml/2006/main">
   <p:cSld>
     <p:spTree>
@@ -32388,8 +33868,8 @@
           </a:p>
         </p:txBody>
       </p:sp>
-      <mc:AlternateContent xmlns:mc="http://schemas.openxmlformats.org/markup-compatibility/2006">
-        <mc:Choice xmlns:a14="http://schemas.microsoft.com/office/drawing/2010/main" Requires="a14">
+      <mc:AlternateContent xmlns:mc="http://schemas.openxmlformats.org/markup-compatibility/2006" xmlns:a14="http://schemas.microsoft.com/office/drawing/2010/main">
+        <mc:Choice Requires="a14">
           <p:sp>
             <p:nvSpPr>
               <p:cNvPr id="3" name="Content Placeholder 2"/>
@@ -33224,7 +34704,7 @@
             </p:txBody>
           </p:sp>
         </mc:Choice>
-        <mc:Fallback>
+        <mc:Fallback xmlns="">
           <p:sp>
             <p:nvSpPr>
               <p:cNvPr id="3" name="Content Placeholder 2"/>
@@ -33403,7 +34883,7 @@
 </p:sld>
 </file>
 
-<file path=ppt/slides/slide33.xml><?xml version="1.0" encoding="utf-8"?>
+<file path=ppt/slides/slide36.xml><?xml version="1.0" encoding="utf-8"?>
 <p:sld xmlns:a="http://schemas.openxmlformats.org/drawingml/2006/main" xmlns:r="http://schemas.openxmlformats.org/officeDocument/2006/relationships" xmlns:p="http://schemas.openxmlformats.org/presentationml/2006/main">
   <p:cSld>
     <p:spTree>
@@ -33449,8 +34929,8 @@
           </a:p>
         </p:txBody>
       </p:sp>
-      <mc:AlternateContent xmlns:mc="http://schemas.openxmlformats.org/markup-compatibility/2006">
-        <mc:Choice xmlns:a14="http://schemas.microsoft.com/office/drawing/2010/main" Requires="a14">
+      <mc:AlternateContent xmlns:mc="http://schemas.openxmlformats.org/markup-compatibility/2006" xmlns:a14="http://schemas.microsoft.com/office/drawing/2010/main">
+        <mc:Choice Requires="a14">
           <p:sp>
             <p:nvSpPr>
               <p:cNvPr id="3" name="Content Placeholder 2"/>
@@ -33694,7 +35174,7 @@
             </p:txBody>
           </p:sp>
         </mc:Choice>
-        <mc:Fallback>
+        <mc:Fallback xmlns="">
           <p:sp>
             <p:nvSpPr>
               <p:cNvPr id="3" name="Content Placeholder 2"/>
@@ -33971,7 +35451,7 @@
 </p:sld>
 </file>
 
-<file path=ppt/slides/slide34.xml><?xml version="1.0" encoding="utf-8"?>
+<file path=ppt/slides/slide37.xml><?xml version="1.0" encoding="utf-8"?>
 <p:sld xmlns:a="http://schemas.openxmlformats.org/drawingml/2006/main" xmlns:r="http://schemas.openxmlformats.org/officeDocument/2006/relationships" xmlns:p="http://schemas.openxmlformats.org/presentationml/2006/main">
   <p:cSld>
     <p:spTree>
@@ -34538,7 +36018,7 @@
 </p:sld>
 </file>
 
-<file path=ppt/slides/slide35.xml><?xml version="1.0" encoding="utf-8"?>
+<file path=ppt/slides/slide38.xml><?xml version="1.0" encoding="utf-8"?>
 <p:sld xmlns:a="http://schemas.openxmlformats.org/drawingml/2006/main" xmlns:r="http://schemas.openxmlformats.org/officeDocument/2006/relationships" xmlns:p="http://schemas.openxmlformats.org/presentationml/2006/main">
   <p:cSld>
     <p:spTree>
@@ -35387,7 +36867,7 @@
 </p:sld>
 </file>
 
-<file path=ppt/slides/slide36.xml><?xml version="1.0" encoding="utf-8"?>
+<file path=ppt/slides/slide39.xml><?xml version="1.0" encoding="utf-8"?>
 <p:sld xmlns:a="http://schemas.openxmlformats.org/drawingml/2006/main" xmlns:r="http://schemas.openxmlformats.org/officeDocument/2006/relationships" xmlns:p="http://schemas.openxmlformats.org/presentationml/2006/main">
   <p:cSld>
     <p:spTree>
@@ -35473,8 +36953,8 @@
           </a:p>
         </p:txBody>
       </p:sp>
-      <mc:AlternateContent xmlns:mc="http://schemas.openxmlformats.org/markup-compatibility/2006">
-        <mc:Choice xmlns:a14="http://schemas.microsoft.com/office/drawing/2010/main" Requires="a14">
+      <mc:AlternateContent xmlns:mc="http://schemas.openxmlformats.org/markup-compatibility/2006" xmlns:a14="http://schemas.microsoft.com/office/drawing/2010/main">
+        <mc:Choice Requires="a14">
           <p:sp>
             <p:nvSpPr>
               <p:cNvPr id="6" name="TextBox 5">
@@ -35782,7 +37262,7 @@
             </p:txBody>
           </p:sp>
         </mc:Choice>
-        <mc:Fallback>
+        <mc:Fallback xmlns="">
           <p:sp>
             <p:nvSpPr>
               <p:cNvPr id="6" name="TextBox 5">
@@ -36267,204 +37747,6 @@
       </p:par>
     </p:tnLst>
   </p:timing>
-</p:sld>
-</file>
-
-<file path=ppt/slides/slide37.xml><?xml version="1.0" encoding="utf-8"?>
-<p:sld xmlns:a="http://schemas.openxmlformats.org/drawingml/2006/main" xmlns:r="http://schemas.openxmlformats.org/officeDocument/2006/relationships" xmlns:p="http://schemas.openxmlformats.org/presentationml/2006/main">
-  <p:cSld>
-    <p:spTree>
-      <p:nvGrpSpPr>
-        <p:cNvPr id="1" name=""/>
-        <p:cNvGrpSpPr/>
-        <p:nvPr/>
-      </p:nvGrpSpPr>
-      <p:grpSpPr>
-        <a:xfrm>
-          <a:off x="0" y="0"/>
-          <a:ext cx="0" cy="0"/>
-          <a:chOff x="0" y="0"/>
-          <a:chExt cx="0" cy="0"/>
-        </a:xfrm>
-      </p:grpSpPr>
-      <p:sp>
-        <p:nvSpPr>
-          <p:cNvPr id="2" name="Title 1"/>
-          <p:cNvSpPr>
-            <a:spLocks noGrp="1"/>
-          </p:cNvSpPr>
-          <p:nvPr>
-            <p:ph type="title"/>
-          </p:nvPr>
-        </p:nvSpPr>
-        <p:spPr>
-          <a:xfrm>
-            <a:off x="584200" y="221992"/>
-            <a:ext cx="10515600" cy="530954"/>
-          </a:xfrm>
-        </p:spPr>
-        <p:txBody>
-          <a:bodyPr>
-            <a:normAutofit fontScale="90000"/>
-          </a:bodyPr>
-          <a:lstStyle/>
-          <a:p>
-            <a:r>
-              <a:rPr lang="en-US" dirty="0"/>
-              <a:t>Summary</a:t>
-            </a:r>
-          </a:p>
-        </p:txBody>
-      </p:sp>
-      <p:sp>
-        <p:nvSpPr>
-          <p:cNvPr id="3" name="Content Placeholder 2"/>
-          <p:cNvSpPr>
-            <a:spLocks noGrp="1"/>
-          </p:cNvSpPr>
-          <p:nvPr>
-            <p:ph sz="quarter" idx="10"/>
-          </p:nvPr>
-        </p:nvSpPr>
-        <p:spPr>
-          <a:xfrm>
-            <a:off x="333375" y="896079"/>
-            <a:ext cx="11525250" cy="5290388"/>
-          </a:xfrm>
-        </p:spPr>
-        <p:txBody>
-          <a:bodyPr>
-            <a:normAutofit/>
-          </a:bodyPr>
-          <a:lstStyle/>
-          <a:p>
-            <a:pPr marL="0" indent="0">
-              <a:buNone/>
-            </a:pPr>
-            <a:r>
-              <a:rPr lang="en-US" dirty="0">
-                <a:latin typeface="+mn-lt"/>
-              </a:rPr>
-              <a:t>Key points for this lesson</a:t>
-            </a:r>
-          </a:p>
-          <a:p>
-            <a:r>
-              <a:rPr lang="en-US" b="1" dirty="0">
-                <a:latin typeface="+mn-lt"/>
-              </a:rPr>
-              <a:t>Distance metrics </a:t>
-            </a:r>
-            <a:r>
-              <a:rPr lang="en-US" dirty="0">
-                <a:latin typeface="+mn-lt"/>
-              </a:rPr>
-              <a:t>and </a:t>
-            </a:r>
-            <a:r>
-              <a:rPr lang="en-US" b="1" dirty="0">
-                <a:latin typeface="+mn-lt"/>
-              </a:rPr>
-              <a:t>similarity metrics</a:t>
-            </a:r>
-            <a:r>
-              <a:rPr lang="en-US" dirty="0">
-                <a:latin typeface="+mn-lt"/>
-              </a:rPr>
-              <a:t> are foundational for unsupervised learning</a:t>
-            </a:r>
-          </a:p>
-          <a:p>
-            <a:r>
-              <a:rPr lang="en-US" dirty="0">
-                <a:latin typeface="+mn-lt"/>
-              </a:rPr>
-              <a:t>Distance and similarity metrics map 2 multivariate (vector) values to a scalar  </a:t>
-            </a:r>
-          </a:p>
-          <a:p>
-            <a:r>
-              <a:rPr lang="en-US" dirty="0">
-                <a:latin typeface="+mn-lt"/>
-              </a:rPr>
-              <a:t>Distance metric must conform to the </a:t>
-            </a:r>
-            <a:r>
-              <a:rPr lang="en-US" b="1" dirty="0">
-                <a:latin typeface="+mn-lt"/>
-              </a:rPr>
-              <a:t>4 axioms</a:t>
-            </a:r>
-            <a:r>
-              <a:rPr lang="en-US" dirty="0">
-                <a:latin typeface="+mn-lt"/>
-              </a:rPr>
-              <a:t>!  </a:t>
-            </a:r>
-          </a:p>
-          <a:p>
-            <a:r>
-              <a:rPr lang="en-US" dirty="0">
-                <a:latin typeface="+mn-lt"/>
-              </a:rPr>
-              <a:t>Different distance and similarity metrics find different relationships in data</a:t>
-            </a:r>
-          </a:p>
-          <a:p>
-            <a:pPr lvl="1"/>
-            <a:r>
-              <a:rPr lang="en-US" dirty="0">
-                <a:latin typeface="+mn-lt"/>
-              </a:rPr>
-              <a:t>There is no one best metric!</a:t>
-            </a:r>
-          </a:p>
-          <a:p>
-            <a:pPr lvl="1"/>
-            <a:r>
-              <a:rPr lang="en-US" dirty="0">
-                <a:latin typeface="+mn-lt"/>
-              </a:rPr>
-              <a:t>In practice, try several </a:t>
-            </a:r>
-          </a:p>
-          <a:p>
-            <a:r>
-              <a:rPr lang="en-US" dirty="0">
-                <a:latin typeface="+mn-lt"/>
-              </a:rPr>
-              <a:t>Can transform from similarity to distance </a:t>
-            </a:r>
-          </a:p>
-          <a:p>
-            <a:r>
-              <a:rPr lang="en-US" dirty="0">
-                <a:latin typeface="+mn-lt"/>
-              </a:rPr>
-              <a:t>Sparse graph representation reduces computation and memory use</a:t>
-            </a:r>
-          </a:p>
-          <a:p>
-            <a:endParaRPr lang="en-US" sz="2800" dirty="0">
-              <a:latin typeface="+mn-lt"/>
-            </a:endParaRPr>
-          </a:p>
-          <a:p>
-            <a:pPr lvl="1"/>
-            <a:endParaRPr lang="en-US" dirty="0"/>
-          </a:p>
-        </p:txBody>
-      </p:sp>
-    </p:spTree>
-    <p:extLst>
-      <p:ext uri="{BB962C8B-B14F-4D97-AF65-F5344CB8AC3E}">
-        <p14:creationId xmlns:p14="http://schemas.microsoft.com/office/powerpoint/2010/main" val="1814252472"/>
-      </p:ext>
-    </p:extLst>
-  </p:cSld>
-  <p:clrMapOvr>
-    <a:masterClrMapping/>
-  </p:clrMapOvr>
 </p:sld>
 </file>
 
@@ -37028,6 +38310,204 @@
 </p:sld>
 </file>
 
+<file path=ppt/slides/slide40.xml><?xml version="1.0" encoding="utf-8"?>
+<p:sld xmlns:a="http://schemas.openxmlformats.org/drawingml/2006/main" xmlns:r="http://schemas.openxmlformats.org/officeDocument/2006/relationships" xmlns:p="http://schemas.openxmlformats.org/presentationml/2006/main">
+  <p:cSld>
+    <p:spTree>
+      <p:nvGrpSpPr>
+        <p:cNvPr id="1" name=""/>
+        <p:cNvGrpSpPr/>
+        <p:nvPr/>
+      </p:nvGrpSpPr>
+      <p:grpSpPr>
+        <a:xfrm>
+          <a:off x="0" y="0"/>
+          <a:ext cx="0" cy="0"/>
+          <a:chOff x="0" y="0"/>
+          <a:chExt cx="0" cy="0"/>
+        </a:xfrm>
+      </p:grpSpPr>
+      <p:sp>
+        <p:nvSpPr>
+          <p:cNvPr id="2" name="Title 1"/>
+          <p:cNvSpPr>
+            <a:spLocks noGrp="1"/>
+          </p:cNvSpPr>
+          <p:nvPr>
+            <p:ph type="title"/>
+          </p:nvPr>
+        </p:nvSpPr>
+        <p:spPr>
+          <a:xfrm>
+            <a:off x="584200" y="221992"/>
+            <a:ext cx="10515600" cy="530954"/>
+          </a:xfrm>
+        </p:spPr>
+        <p:txBody>
+          <a:bodyPr>
+            <a:normAutofit fontScale="90000"/>
+          </a:bodyPr>
+          <a:lstStyle/>
+          <a:p>
+            <a:r>
+              <a:rPr lang="en-US" dirty="0"/>
+              <a:t>Summary</a:t>
+            </a:r>
+          </a:p>
+        </p:txBody>
+      </p:sp>
+      <p:sp>
+        <p:nvSpPr>
+          <p:cNvPr id="3" name="Content Placeholder 2"/>
+          <p:cNvSpPr>
+            <a:spLocks noGrp="1"/>
+          </p:cNvSpPr>
+          <p:nvPr>
+            <p:ph sz="quarter" idx="10"/>
+          </p:nvPr>
+        </p:nvSpPr>
+        <p:spPr>
+          <a:xfrm>
+            <a:off x="333375" y="896079"/>
+            <a:ext cx="11525250" cy="5290388"/>
+          </a:xfrm>
+        </p:spPr>
+        <p:txBody>
+          <a:bodyPr>
+            <a:normAutofit/>
+          </a:bodyPr>
+          <a:lstStyle/>
+          <a:p>
+            <a:pPr marL="0" indent="0">
+              <a:buNone/>
+            </a:pPr>
+            <a:r>
+              <a:rPr lang="en-US" dirty="0">
+                <a:latin typeface="+mn-lt"/>
+              </a:rPr>
+              <a:t>Key points for this lesson</a:t>
+            </a:r>
+          </a:p>
+          <a:p>
+            <a:r>
+              <a:rPr lang="en-US" b="1" dirty="0">
+                <a:latin typeface="+mn-lt"/>
+              </a:rPr>
+              <a:t>Distance metrics </a:t>
+            </a:r>
+            <a:r>
+              <a:rPr lang="en-US" dirty="0">
+                <a:latin typeface="+mn-lt"/>
+              </a:rPr>
+              <a:t>and </a:t>
+            </a:r>
+            <a:r>
+              <a:rPr lang="en-US" b="1" dirty="0">
+                <a:latin typeface="+mn-lt"/>
+              </a:rPr>
+              <a:t>similarity metrics</a:t>
+            </a:r>
+            <a:r>
+              <a:rPr lang="en-US" dirty="0">
+                <a:latin typeface="+mn-lt"/>
+              </a:rPr>
+              <a:t> are foundational for unsupervised learning</a:t>
+            </a:r>
+          </a:p>
+          <a:p>
+            <a:r>
+              <a:rPr lang="en-US" dirty="0">
+                <a:latin typeface="+mn-lt"/>
+              </a:rPr>
+              <a:t>Distance and similarity metrics map 2 multivariate (vector) values to a scalar  </a:t>
+            </a:r>
+          </a:p>
+          <a:p>
+            <a:r>
+              <a:rPr lang="en-US" dirty="0">
+                <a:latin typeface="+mn-lt"/>
+              </a:rPr>
+              <a:t>Distance metric must conform to the </a:t>
+            </a:r>
+            <a:r>
+              <a:rPr lang="en-US" b="1" dirty="0">
+                <a:latin typeface="+mn-lt"/>
+              </a:rPr>
+              <a:t>4 axioms</a:t>
+            </a:r>
+            <a:r>
+              <a:rPr lang="en-US" dirty="0">
+                <a:latin typeface="+mn-lt"/>
+              </a:rPr>
+              <a:t>!  </a:t>
+            </a:r>
+          </a:p>
+          <a:p>
+            <a:r>
+              <a:rPr lang="en-US" dirty="0">
+                <a:latin typeface="+mn-lt"/>
+              </a:rPr>
+              <a:t>Different distance and similarity metrics find different relationships in data</a:t>
+            </a:r>
+          </a:p>
+          <a:p>
+            <a:pPr lvl="1"/>
+            <a:r>
+              <a:rPr lang="en-US" dirty="0">
+                <a:latin typeface="+mn-lt"/>
+              </a:rPr>
+              <a:t>There is no one best metric!</a:t>
+            </a:r>
+          </a:p>
+          <a:p>
+            <a:pPr lvl="1"/>
+            <a:r>
+              <a:rPr lang="en-US" dirty="0">
+                <a:latin typeface="+mn-lt"/>
+              </a:rPr>
+              <a:t>In practice, try several </a:t>
+            </a:r>
+          </a:p>
+          <a:p>
+            <a:r>
+              <a:rPr lang="en-US" dirty="0">
+                <a:latin typeface="+mn-lt"/>
+              </a:rPr>
+              <a:t>Can transform from similarity to distance </a:t>
+            </a:r>
+          </a:p>
+          <a:p>
+            <a:r>
+              <a:rPr lang="en-US" dirty="0">
+                <a:latin typeface="+mn-lt"/>
+              </a:rPr>
+              <a:t>Sparse graph representation reduces computation and memory use</a:t>
+            </a:r>
+          </a:p>
+          <a:p>
+            <a:endParaRPr lang="en-US" sz="2800" dirty="0">
+              <a:latin typeface="+mn-lt"/>
+            </a:endParaRPr>
+          </a:p>
+          <a:p>
+            <a:pPr lvl="1"/>
+            <a:endParaRPr lang="en-US" dirty="0"/>
+          </a:p>
+        </p:txBody>
+      </p:sp>
+    </p:spTree>
+    <p:extLst>
+      <p:ext uri="{BB962C8B-B14F-4D97-AF65-F5344CB8AC3E}">
+        <p14:creationId xmlns:p14="http://schemas.microsoft.com/office/powerpoint/2010/main" val="1814252472"/>
+      </p:ext>
+    </p:extLst>
+  </p:cSld>
+  <p:clrMapOvr>
+    <a:masterClrMapping/>
+  </p:clrMapOvr>
+</p:sld>
+</file>
+
 <file path=ppt/slides/slide5.xml><?xml version="1.0" encoding="utf-8"?>
 <p:sld xmlns:a="http://schemas.openxmlformats.org/drawingml/2006/main" xmlns:r="http://schemas.openxmlformats.org/officeDocument/2006/relationships" xmlns:p="http://schemas.openxmlformats.org/presentationml/2006/main">
   <p:cSld>
@@ -37410,8 +38890,8 @@
           </a:p>
         </p:txBody>
       </p:sp>
-      <mc:AlternateContent xmlns:mc="http://schemas.openxmlformats.org/markup-compatibility/2006">
-        <mc:Choice xmlns:a14="http://schemas.microsoft.com/office/drawing/2010/main" Requires="a14">
+      <mc:AlternateContent xmlns:mc="http://schemas.openxmlformats.org/markup-compatibility/2006" xmlns:a14="http://schemas.microsoft.com/office/drawing/2010/main">
+        <mc:Choice Requires="a14">
           <p:sp>
             <p:nvSpPr>
               <p:cNvPr id="3" name="Content Placeholder 2"/>
@@ -38102,7 +39582,7 @@
             </p:txBody>
           </p:sp>
         </mc:Choice>
-        <mc:Fallback>
+        <mc:Fallback xmlns="">
           <p:sp>
             <p:nvSpPr>
               <p:cNvPr id="3" name="Content Placeholder 2"/>
@@ -38549,8 +40029,8 @@
           </a:p>
         </p:txBody>
       </p:sp>
-      <mc:AlternateContent xmlns:mc="http://schemas.openxmlformats.org/markup-compatibility/2006">
-        <mc:Choice xmlns:a14="http://schemas.microsoft.com/office/drawing/2010/main" Requires="a14">
+      <mc:AlternateContent xmlns:mc="http://schemas.openxmlformats.org/markup-compatibility/2006" xmlns:a14="http://schemas.microsoft.com/office/drawing/2010/main">
+        <mc:Choice Requires="a14">
           <p:sp>
             <p:nvSpPr>
               <p:cNvPr id="3" name="Content Placeholder 2"/>
@@ -39355,7 +40835,7 @@
             </p:txBody>
           </p:sp>
         </mc:Choice>
-        <mc:Fallback>
+        <mc:Fallback xmlns="">
           <p:sp>
             <p:nvSpPr>
               <p:cNvPr id="3" name="Content Placeholder 2"/>
@@ -39611,8 +41091,8 @@
           </a:p>
         </p:txBody>
       </p:sp>
-      <mc:AlternateContent xmlns:mc="http://schemas.openxmlformats.org/markup-compatibility/2006">
-        <mc:Choice xmlns:a14="http://schemas.microsoft.com/office/drawing/2010/main" Requires="a14">
+      <mc:AlternateContent xmlns:mc="http://schemas.openxmlformats.org/markup-compatibility/2006" xmlns:a14="http://schemas.microsoft.com/office/drawing/2010/main">
+        <mc:Choice Requires="a14">
           <p:sp>
             <p:nvSpPr>
               <p:cNvPr id="3" name="Content Placeholder 2"/>
@@ -40571,7 +42051,7 @@
             </p:txBody>
           </p:sp>
         </mc:Choice>
-        <mc:Fallback>
+        <mc:Fallback xmlns="">
           <p:sp>
             <p:nvSpPr>
               <p:cNvPr id="3" name="Content Placeholder 2"/>
@@ -40907,8 +42387,8 @@
           </a:p>
         </p:txBody>
       </p:sp>
-      <mc:AlternateContent xmlns:mc="http://schemas.openxmlformats.org/markup-compatibility/2006">
-        <mc:Choice xmlns:a14="http://schemas.microsoft.com/office/drawing/2010/main" Requires="a14">
+      <mc:AlternateContent xmlns:mc="http://schemas.openxmlformats.org/markup-compatibility/2006" xmlns:a14="http://schemas.microsoft.com/office/drawing/2010/main">
+        <mc:Choice Requires="a14">
           <p:sp>
             <p:nvSpPr>
               <p:cNvPr id="3" name="Content Placeholder 2"/>
@@ -41748,7 +43228,7 @@
             </p:txBody>
           </p:sp>
         </mc:Choice>
-        <mc:Fallback>
+        <mc:Fallback xmlns="">
           <p:sp>
             <p:nvSpPr>
               <p:cNvPr id="3" name="Content Placeholder 2"/>

--- a/slides/4_DistanceAndSimilarityMeasures.pptx
+++ b/slides/4_DistanceAndSimilarityMeasures.pptx
@@ -236,7 +236,7 @@
           <a:p>
             <a:fld id="{8DD534D1-5B48-49E9-A024-C5EAE54CADD0}" type="datetimeFigureOut">
               <a:rPr lang="en-US" smtClean="0"/>
-              <a:t>7/3/2024</a:t>
+              <a:t>2/19/2025</a:t>
             </a:fld>
             <a:endParaRPr lang="en-US"/>
           </a:p>
@@ -3989,7 +3989,7 @@
           <a:p>
             <a:fld id="{9DC183D5-83EE-4A48-BB2E-1FC30CD8E44A}" type="datetimeFigureOut">
               <a:rPr lang="en-US" smtClean="0"/>
-              <a:t>7/3/2024</a:t>
+              <a:t>2/19/2025</a:t>
             </a:fld>
             <a:endParaRPr lang="en-US"/>
           </a:p>
@@ -4187,7 +4187,7 @@
           <a:p>
             <a:fld id="{9DC183D5-83EE-4A48-BB2E-1FC30CD8E44A}" type="datetimeFigureOut">
               <a:rPr lang="en-US" smtClean="0"/>
-              <a:t>7/3/2024</a:t>
+              <a:t>2/19/2025</a:t>
             </a:fld>
             <a:endParaRPr lang="en-US"/>
           </a:p>
@@ -4395,7 +4395,7 @@
           <a:p>
             <a:fld id="{9DC183D5-83EE-4A48-BB2E-1FC30CD8E44A}" type="datetimeFigureOut">
               <a:rPr lang="en-US" smtClean="0"/>
-              <a:t>7/3/2024</a:t>
+              <a:t>2/19/2025</a:t>
             </a:fld>
             <a:endParaRPr lang="en-US"/>
           </a:p>
@@ -4765,7 +4765,7 @@
           <a:p>
             <a:fld id="{9DC183D5-83EE-4A48-BB2E-1FC30CD8E44A}" type="datetimeFigureOut">
               <a:rPr lang="en-US" smtClean="0"/>
-              <a:t>7/3/2024</a:t>
+              <a:t>2/19/2025</a:t>
             </a:fld>
             <a:endParaRPr lang="en-US"/>
           </a:p>
@@ -5040,7 +5040,7 @@
           <a:p>
             <a:fld id="{9DC183D5-83EE-4A48-BB2E-1FC30CD8E44A}" type="datetimeFigureOut">
               <a:rPr lang="en-US" smtClean="0"/>
-              <a:t>7/3/2024</a:t>
+              <a:t>2/19/2025</a:t>
             </a:fld>
             <a:endParaRPr lang="en-US"/>
           </a:p>
@@ -5305,7 +5305,7 @@
           <a:p>
             <a:fld id="{9DC183D5-83EE-4A48-BB2E-1FC30CD8E44A}" type="datetimeFigureOut">
               <a:rPr lang="en-US" smtClean="0"/>
-              <a:t>7/3/2024</a:t>
+              <a:t>2/19/2025</a:t>
             </a:fld>
             <a:endParaRPr lang="en-US"/>
           </a:p>
@@ -5717,7 +5717,7 @@
           <a:p>
             <a:fld id="{9DC183D5-83EE-4A48-BB2E-1FC30CD8E44A}" type="datetimeFigureOut">
               <a:rPr lang="en-US" smtClean="0"/>
-              <a:t>7/3/2024</a:t>
+              <a:t>2/19/2025</a:t>
             </a:fld>
             <a:endParaRPr lang="en-US"/>
           </a:p>
@@ -5858,7 +5858,7 @@
           <a:p>
             <a:fld id="{9DC183D5-83EE-4A48-BB2E-1FC30CD8E44A}" type="datetimeFigureOut">
               <a:rPr lang="en-US" smtClean="0"/>
-              <a:t>7/3/2024</a:t>
+              <a:t>2/19/2025</a:t>
             </a:fld>
             <a:endParaRPr lang="en-US"/>
           </a:p>
@@ -5971,7 +5971,7 @@
           <a:p>
             <a:fld id="{9DC183D5-83EE-4A48-BB2E-1FC30CD8E44A}" type="datetimeFigureOut">
               <a:rPr lang="en-US" smtClean="0"/>
-              <a:t>7/3/2024</a:t>
+              <a:t>2/19/2025</a:t>
             </a:fld>
             <a:endParaRPr lang="en-US"/>
           </a:p>
@@ -6282,7 +6282,7 @@
           <a:p>
             <a:fld id="{9DC183D5-83EE-4A48-BB2E-1FC30CD8E44A}" type="datetimeFigureOut">
               <a:rPr lang="en-US" smtClean="0"/>
-              <a:t>7/3/2024</a:t>
+              <a:t>2/19/2025</a:t>
             </a:fld>
             <a:endParaRPr lang="en-US"/>
           </a:p>
@@ -6570,7 +6570,7 @@
           <a:p>
             <a:fld id="{9DC183D5-83EE-4A48-BB2E-1FC30CD8E44A}" type="datetimeFigureOut">
               <a:rPr lang="en-US" smtClean="0"/>
-              <a:t>7/3/2024</a:t>
+              <a:t>2/19/2025</a:t>
             </a:fld>
             <a:endParaRPr lang="en-US"/>
           </a:p>
@@ -6811,7 +6811,7 @@
           <a:p>
             <a:fld id="{9DC183D5-83EE-4A48-BB2E-1FC30CD8E44A}" type="datetimeFigureOut">
               <a:rPr lang="en-US" smtClean="0"/>
-              <a:t>7/3/2024</a:t>
+              <a:t>2/19/2025</a:t>
             </a:fld>
             <a:endParaRPr lang="en-US"/>
           </a:p>
@@ -7402,7 +7402,15 @@
             <a:pPr algn="ctr"/>
             <a:r>
               <a:rPr lang="en-US" sz="1100" dirty="0"/>
-              <a:t>Copyright 2021, 2022, 2023, 2024, Stephen F Elston. All rights reserved</a:t>
+              <a:t>Copyright 2021, 2022, 2023, </a:t>
+            </a:r>
+            <a:r>
+              <a:rPr lang="en-US" sz="1100"/>
+              <a:t>2024, 2025 </a:t>
+            </a:r>
+            <a:r>
+              <a:rPr lang="en-US" sz="1100" dirty="0"/>
+              <a:t>Stephen F Elston. All rights reserved</a:t>
             </a:r>
             <a:r>
               <a:rPr lang="en-US" dirty="0"/>
@@ -12206,8 +12214,8 @@
           </a:p>
         </p:txBody>
       </p:sp>
-      <mc:AlternateContent xmlns:mc="http://schemas.openxmlformats.org/markup-compatibility/2006">
-        <mc:Choice xmlns:a14="http://schemas.microsoft.com/office/drawing/2010/main" Requires="a14">
+      <mc:AlternateContent xmlns:mc="http://schemas.openxmlformats.org/markup-compatibility/2006" xmlns:a14="http://schemas.microsoft.com/office/drawing/2010/main">
+        <mc:Choice Requires="a14">
           <p:sp>
             <p:nvSpPr>
               <p:cNvPr id="3" name="Content Placeholder 2"/>
@@ -12653,7 +12661,7 @@
             </p:txBody>
           </p:sp>
         </mc:Choice>
-        <mc:Fallback>
+        <mc:Fallback xmlns="">
           <p:sp>
             <p:nvSpPr>
               <p:cNvPr id="3" name="Content Placeholder 2"/>
@@ -14990,8 +14998,8 @@
           </a:p>
         </p:txBody>
       </p:sp>
-      <mc:AlternateContent xmlns:mc="http://schemas.openxmlformats.org/markup-compatibility/2006" xmlns:a14="http://schemas.microsoft.com/office/drawing/2010/main">
-        <mc:Choice Requires="a14">
+      <mc:AlternateContent xmlns:mc="http://schemas.openxmlformats.org/markup-compatibility/2006">
+        <mc:Choice xmlns:a14="http://schemas.microsoft.com/office/drawing/2010/main" Requires="a14">
           <p:sp>
             <p:nvSpPr>
               <p:cNvPr id="3" name="Content Placeholder 2"/>
@@ -15159,6 +15167,17 @@
                 </a:r>
               </a:p>
               <a:p>
+                <a:pPr marL="457200" lvl="1" indent="0">
+                  <a:buNone/>
+                </a:pPr>
+                <a:r>
+                  <a:rPr lang="en-US" dirty="0">
+                    <a:latin typeface="+mn-lt"/>
+                  </a:rPr>
+                  <a:t>				edit distance = 3</a:t>
+                </a:r>
+              </a:p>
+              <a:p>
                 <a:r>
                   <a:rPr lang="en-US" dirty="0">
                     <a:latin typeface="+mn-lt"/>
@@ -15219,7 +15238,7 @@
             </p:txBody>
           </p:sp>
         </mc:Choice>
-        <mc:Fallback xmlns="">
+        <mc:Fallback>
           <p:sp>
             <p:nvSpPr>
               <p:cNvPr id="3" name="Content Placeholder 2"/>
@@ -15491,33 +15510,15 @@
                                   </p:childTnLst>
                                 </p:cTn>
                               </p:par>
-                            </p:childTnLst>
-                          </p:cTn>
-                        </p:par>
-                      </p:childTnLst>
-                    </p:cTn>
-                  </p:par>
-                  <p:par>
-                    <p:cTn id="19" fill="hold">
-                      <p:stCondLst>
-                        <p:cond delay="indefinite"/>
-                      </p:stCondLst>
-                      <p:childTnLst>
-                        <p:par>
-                          <p:cTn id="20" fill="hold">
-                            <p:stCondLst>
-                              <p:cond delay="0"/>
-                            </p:stCondLst>
-                            <p:childTnLst>
                               <p:par>
-                                <p:cTn id="21" presetID="1" presetClass="entr" presetSubtype="0" fill="hold" nodeType="clickEffect">
+                                <p:cTn id="19" presetID="1" presetClass="entr" presetSubtype="0" fill="hold" nodeType="withEffect">
                                   <p:stCondLst>
                                     <p:cond delay="0"/>
                                   </p:stCondLst>
                                   <p:childTnLst>
                                     <p:set>
                                       <p:cBhvr>
-                                        <p:cTn id="22" dur="1" fill="hold">
+                                        <p:cTn id="20" dur="1" fill="hold">
                                           <p:stCondLst>
                                             <p:cond delay="0"/>
                                           </p:stCondLst>
@@ -15540,8 +15541,26 @@
                                   </p:childTnLst>
                                 </p:cTn>
                               </p:par>
+                            </p:childTnLst>
+                          </p:cTn>
+                        </p:par>
+                      </p:childTnLst>
+                    </p:cTn>
+                  </p:par>
+                  <p:par>
+                    <p:cTn id="21" fill="hold">
+                      <p:stCondLst>
+                        <p:cond delay="indefinite"/>
+                      </p:stCondLst>
+                      <p:childTnLst>
+                        <p:par>
+                          <p:cTn id="22" fill="hold">
+                            <p:stCondLst>
+                              <p:cond delay="0"/>
+                            </p:stCondLst>
+                            <p:childTnLst>
                               <p:par>
-                                <p:cTn id="23" presetID="1" presetClass="entr" presetSubtype="0" fill="hold" nodeType="withEffect">
+                                <p:cTn id="23" presetID="1" presetClass="entr" presetSubtype="0" fill="hold" nodeType="clickEffect">
                                   <p:stCondLst>
                                     <p:cond delay="0"/>
                                   </p:stCondLst>
@@ -15650,6 +15669,37 @@
                                           <p:spTgt spid="3">
                                             <p:txEl>
                                               <p:pRg st="11" end="11"/>
+                                            </p:txEl>
+                                          </p:spTgt>
+                                        </p:tgtEl>
+                                        <p:attrNameLst>
+                                          <p:attrName>style.visibility</p:attrName>
+                                        </p:attrNameLst>
+                                      </p:cBhvr>
+                                      <p:to>
+                                        <p:strVal val="visible"/>
+                                      </p:to>
+                                    </p:set>
+                                  </p:childTnLst>
+                                </p:cTn>
+                              </p:par>
+                              <p:par>
+                                <p:cTn id="31" presetID="1" presetClass="entr" presetSubtype="0" fill="hold" nodeType="withEffect">
+                                  <p:stCondLst>
+                                    <p:cond delay="0"/>
+                                  </p:stCondLst>
+                                  <p:childTnLst>
+                                    <p:set>
+                                      <p:cBhvr>
+                                        <p:cTn id="32" dur="1" fill="hold">
+                                          <p:stCondLst>
+                                            <p:cond delay="0"/>
+                                          </p:stCondLst>
+                                        </p:cTn>
+                                        <p:tgtEl>
+                                          <p:spTgt spid="3">
+                                            <p:txEl>
+                                              <p:pRg st="12" end="12"/>
                                             </p:txEl>
                                           </p:spTgt>
                                         </p:tgtEl>
@@ -17104,8 +17154,8 @@
           </a:p>
         </p:txBody>
       </p:sp>
-      <mc:AlternateContent xmlns:mc="http://schemas.openxmlformats.org/markup-compatibility/2006" xmlns:a14="http://schemas.microsoft.com/office/drawing/2010/main">
-        <mc:Choice Requires="a14">
+      <mc:AlternateContent xmlns:mc="http://schemas.openxmlformats.org/markup-compatibility/2006">
+        <mc:Choice xmlns:a14="http://schemas.microsoft.com/office/drawing/2010/main" Requires="a14">
           <p:sp>
             <p:nvSpPr>
               <p:cNvPr id="3" name="Content Placeholder 2"/>
@@ -17281,7 +17331,7 @@
                   <a:rPr lang="en-US" dirty="0">
                     <a:latin typeface="+mn-lt"/>
                   </a:rPr>
-                  <a:t>Attributes may not have equal importance</a:t>
+                  <a:t>Attributes (dimensions) may not have equal importance</a:t>
                 </a:r>
               </a:p>
               <a:p>
@@ -17305,7 +17355,7 @@
             </p:txBody>
           </p:sp>
         </mc:Choice>
-        <mc:Fallback xmlns="">
+        <mc:Fallback>
           <p:sp>
             <p:nvSpPr>
               <p:cNvPr id="3" name="Content Placeholder 2"/>
@@ -20302,7 +20352,7 @@
               <a:rPr lang="en-US" sz="2400" i="1" dirty="0">
                 <a:latin typeface="+mn-lt"/>
               </a:rPr>
-              <a:t>Important Note: There is some controversy around methodology for combining distance metrics of different data types. Some textbooks and theoreticians say combining types should never be done. Pragmatists, realize we must do something, even if questionable. </a:t>
+              <a:t>Important Note: There is some controversy around methodology for combining distance metrics of different data types. Some textbooks and theoreticians say combining types should never be done. Pragmatists realize we must do something, even if questionable. </a:t>
             </a:r>
           </a:p>
         </p:txBody>
@@ -24460,8 +24510,8 @@
           </a:p>
         </p:txBody>
       </p:sp>
-      <mc:AlternateContent xmlns:mc="http://schemas.openxmlformats.org/markup-compatibility/2006" xmlns:a14="http://schemas.microsoft.com/office/drawing/2010/main">
-        <mc:Choice Requires="a14">
+      <mc:AlternateContent xmlns:mc="http://schemas.openxmlformats.org/markup-compatibility/2006">
+        <mc:Choice xmlns:a14="http://schemas.microsoft.com/office/drawing/2010/main" Requires="a14">
           <p:sp>
             <p:nvSpPr>
               <p:cNvPr id="3" name="Content Placeholder 2"/>
@@ -25051,10 +25101,30 @@
               <a:p>
                 <a:pPr lvl="1"/>
                 <a:r>
+                  <a:rPr lang="en-US" b="1" dirty="0">
+                    <a:latin typeface="+mn-lt"/>
+                    <a:hlinkClick r:id="rId3"/>
+                  </a:rPr>
+                  <a:t>Kendal</a:t>
+                </a:r>
+                <a:r>
                   <a:rPr lang="en-US" dirty="0">
                     <a:latin typeface="+mn-lt"/>
                   </a:rPr>
-                  <a:t>Kendal, Spearman, more robust than Pearson</a:t>
+                  <a:t>, </a:t>
+                </a:r>
+                <a:r>
+                  <a:rPr lang="en-US" b="1" dirty="0">
+                    <a:latin typeface="+mn-lt"/>
+                    <a:hlinkClick r:id="rId4"/>
+                  </a:rPr>
+                  <a:t>Spearman</a:t>
+                </a:r>
+                <a:r>
+                  <a:rPr lang="en-US" dirty="0">
+                    <a:latin typeface="+mn-lt"/>
+                  </a:rPr>
+                  <a:t>, are rank correlations, more robust than Pearson</a:t>
                 </a:r>
               </a:p>
               <a:p>
@@ -25063,7 +25133,7 @@
                   <a:rPr lang="en-US" dirty="0">
                     <a:latin typeface="+mn-lt"/>
                   </a:rPr>
-                  <a:t>Often better choice for data mining </a:t>
+                  <a:t>Often better choices for data mining </a:t>
                 </a:r>
               </a:p>
               <a:p>
@@ -25077,7 +25147,7 @@
             </p:txBody>
           </p:sp>
         </mc:Choice>
-        <mc:Fallback xmlns="">
+        <mc:Fallback>
           <p:sp>
             <p:nvSpPr>
               <p:cNvPr id="3" name="Content Placeholder 2"/>
@@ -25094,7 +25164,7 @@
                 <a:ext cx="11525250" cy="5363577"/>
               </a:xfrm>
               <a:blipFill>
-                <a:blip r:embed="rId3"/>
+                <a:blip r:embed="rId5"/>
                 <a:stretch>
                   <a:fillRect l="-1111" t="-1818"/>
                 </a:stretch>
@@ -34929,8 +34999,8 @@
           </a:p>
         </p:txBody>
       </p:sp>
-      <mc:AlternateContent xmlns:mc="http://schemas.openxmlformats.org/markup-compatibility/2006" xmlns:a14="http://schemas.microsoft.com/office/drawing/2010/main">
-        <mc:Choice Requires="a14">
+      <mc:AlternateContent xmlns:mc="http://schemas.openxmlformats.org/markup-compatibility/2006">
+        <mc:Choice xmlns:a14="http://schemas.microsoft.com/office/drawing/2010/main" Requires="a14">
           <p:sp>
             <p:nvSpPr>
               <p:cNvPr id="3" name="Content Placeholder 2"/>
@@ -35154,7 +35224,7 @@
                   <a:buNone/>
                 </a:pPr>
                 <a:r>
-                  <a:rPr lang="en-US" dirty="0">
+                  <a:rPr lang="en-US" b="1" dirty="0">
                     <a:solidFill>
                       <a:srgbClr val="C00000"/>
                     </a:solidFill>
@@ -35174,7 +35244,7 @@
             </p:txBody>
           </p:sp>
         </mc:Choice>
-        <mc:Fallback xmlns="">
+        <mc:Fallback>
           <p:sp>
             <p:nvSpPr>
               <p:cNvPr id="3" name="Content Placeholder 2"/>
@@ -38649,7 +38719,7 @@
               <a:rPr lang="en-US" sz="3200" b="1" dirty="0">
                 <a:latin typeface="+mn-lt"/>
               </a:rPr>
-              <a:t>real scalar value    </a:t>
+              <a:t>real valued scalar</a:t>
             </a:r>
           </a:p>
         </p:txBody>
@@ -40029,8 +40099,8 @@
           </a:p>
         </p:txBody>
       </p:sp>
-      <mc:AlternateContent xmlns:mc="http://schemas.openxmlformats.org/markup-compatibility/2006" xmlns:a14="http://schemas.microsoft.com/office/drawing/2010/main">
-        <mc:Choice Requires="a14">
+      <mc:AlternateContent xmlns:mc="http://schemas.openxmlformats.org/markup-compatibility/2006">
+        <mc:Choice xmlns:a14="http://schemas.microsoft.com/office/drawing/2010/main" Requires="a14">
           <p:sp>
             <p:nvSpPr>
               <p:cNvPr id="3" name="Content Placeholder 2"/>
@@ -40533,6 +40603,18 @@
                             <m:mr>
                               <m:e>
                                 <m:r>
+                                  <a:rPr lang="en-US" i="1">
+                                    <a:latin typeface="Cambria Math" panose="02040503050406030204" pitchFamily="18" charset="0"/>
+                                  </a:rPr>
+                                  <m:t>⋮</m:t>
+                                </m:r>
+                                <m:r>
+                                  <a:rPr lang="en-US" b="0" i="1" smtClean="0">
+                                    <a:latin typeface="Cambria Math" panose="02040503050406030204" pitchFamily="18" charset="0"/>
+                                  </a:rPr>
+                                  <m:t>                 </m:t>
+                                </m:r>
+                                <m:r>
                                   <a:rPr lang="en-US" sz="2800" b="0" i="1" smtClean="0">
                                     <a:latin typeface="Cambria Math" panose="02040503050406030204" pitchFamily="18" charset="0"/>
                                   </a:rPr>
@@ -40835,7 +40917,7 @@
             </p:txBody>
           </p:sp>
         </mc:Choice>
-        <mc:Fallback xmlns="">
+        <mc:Fallback>
           <p:sp>
             <p:nvSpPr>
               <p:cNvPr id="3" name="Content Placeholder 2"/>
